--- a/PRESENTACION NETLOGO.pptx
+++ b/PRESENTACION NETLOGO.pptx
@@ -218,7 +218,7 @@
               <a:cs typeface="+mn-cs"/>
             </a:defRPr>
           </a:pPr>
-          <a:endParaRPr lang="es-EC"/>
+          <a:endParaRPr lang="es-ES"/>
         </a:p>
       </c:txPr>
     </c:title>
@@ -552,12 +552,13 @@
               <a:cs typeface="+mn-cs"/>
             </a:defRPr>
           </a:pPr>
-          <a:endParaRPr lang="es-EC"/>
+          <a:endParaRPr lang="es-ES"/>
         </a:p>
       </c:txPr>
     </c:legend>
     <c:plotVisOnly val="1"/>
     <c:dispBlanksAs val="gap"/>
+    <c:showDLblsOverMax val="0"/>
     <c:extLst>
       <c:ext xmlns:c16r3="http://schemas.microsoft.com/office/drawing/2017/03/chart" uri="{56B9EC1D-385E-4148-901F-78D8002777C0}">
         <c16r3:dataDisplayOptions16>
@@ -565,7 +566,6 @@
         </c16r3:dataDisplayOptions16>
       </c:ext>
     </c:extLst>
-    <c:showDLblsOverMax val="0"/>
   </c:chart>
   <c:spPr>
     <a:noFill/>
@@ -581,7 +581,7 @@
       <a:pPr>
         <a:defRPr/>
       </a:pPr>
-      <a:endParaRPr lang="es-EC"/>
+      <a:endParaRPr lang="es-ES"/>
     </a:p>
   </c:txPr>
   <c:externalData r:id="rId3">
@@ -18751,47 +18751,36 @@
         </p:spPr>
         <p:txBody>
           <a:bodyPr rtlCol="0">
-            <a:normAutofit fontScale="70000" lnSpcReduction="20000"/>
+            <a:normAutofit fontScale="92500" lnSpcReduction="20000"/>
           </a:bodyPr>
           <a:lstStyle/>
           <a:p>
-            <a:pPr marL="0" indent="0" algn="just">
-              <a:buNone/>
-            </a:pPr>
             <a:r>
               <a:rPr lang="es-ES" dirty="0"/>
               <a:t>En las sociedades modernas el movilizarse de un lugar a otro se ha convertido en parte fundamental de la convivencia y el desarrollo social. </a:t>
             </a:r>
-            <a:endParaRPr lang="es-EC" dirty="0"/>
           </a:p>
           <a:p>
-            <a:pPr marL="0" indent="0" algn="just">
-              <a:buNone/>
-            </a:pPr>
             <a:r>
               <a:rPr lang="es-ES" dirty="0"/>
-              <a:t>Se puede identificar un problema en común en cuanto tránsito y transporte, esto puede ser producto del crecimiento del número de vehículos, la falta de infraestructura vial, el mal estado de la misma y un crecimiento urbano descontrolado. </a:t>
+              <a:t>Se puede identificar un problema en común en cuanto tránsito y transporte.</a:t>
             </a:r>
-            <a:endParaRPr lang="es-EC" dirty="0"/>
           </a:p>
           <a:p>
-            <a:pPr marL="0" indent="0" algn="just">
-              <a:buNone/>
-            </a:pPr>
             <a:r>
               <a:rPr lang="es-ES" dirty="0"/>
-              <a:t>Las congestiones vehiculares producidas en las horas pico (horas de mayor flujo vehicular), se deben a la necesidad de las personas de llegar a sus sitios de trabajo, vivienda o estudio, estos embotellamientos se presentan debido al gran número de vehículos que circulan por las vías y la falta de planes de movilidad, ocasionando malestar entre los conductores, usuarios de transporte público y peatones.</a:t>
+              <a:t>Las congestiones vehiculares producidas en las horas pico (horas de mayor flujo vehicular), se deben a la necesidad de las personas de llegar a sus sitios de trabajo, vivienda o estudio.</a:t>
             </a:r>
-            <a:endParaRPr lang="es-EC" dirty="0"/>
           </a:p>
           <a:p>
             <a:pPr marL="0" lvl="0" indent="0" algn="just" rtl="0">
               <a:buNone/>
             </a:pPr>
             <a:r>
-              <a:rPr lang="es-ES" dirty="0"/>
+              <a:rPr lang="es-ES" dirty="0" smtClean="0"/>
               <a:t> </a:t>
             </a:r>
+            <a:endParaRPr lang="es-ES" dirty="0"/>
           </a:p>
         </p:txBody>
       </p:sp>
@@ -19042,7 +19031,7 @@
         </p:spPr>
         <p:txBody>
           <a:bodyPr rtlCol="0">
-            <a:normAutofit fontScale="77500" lnSpcReduction="20000"/>
+            <a:normAutofit fontScale="85000" lnSpcReduction="20000"/>
           </a:bodyPr>
           <a:lstStyle/>
           <a:p>

--- a/PRESENTACION NETLOGO.pptx
+++ b/PRESENTACION NETLOGO.pptx
@@ -29,7 +29,7 @@
   <p:notesSz cx="6858000" cy="9144000"/>
   <p:defaultTextStyle>
     <a:defPPr rtl="0">
-      <a:defRPr lang="es-es"/>
+      <a:defRPr lang="es-ES"/>
     </a:defPPr>
     <a:lvl1pPr marL="0" algn="l" defTabSz="914400" rtl="0" eaLnBrk="1" latinLnBrk="0" hangingPunct="1">
       <a:defRPr sz="1800" kern="1200">
@@ -150,7 +150,7 @@
 </file>
 
 <file path=ppt/charts/chart1.xml><?xml version="1.0" encoding="utf-8"?>
-<c:chartSpace xmlns:c="http://schemas.openxmlformats.org/drawingml/2006/chart" xmlns:a="http://schemas.openxmlformats.org/drawingml/2006/main" xmlns:r="http://schemas.openxmlformats.org/officeDocument/2006/relationships" xmlns:c16r2="http://schemas.microsoft.com/office/drawing/2015/06/chart">
+<c:chartSpace xmlns:c="http://schemas.openxmlformats.org/drawingml/2006/chart" xmlns:a="http://schemas.openxmlformats.org/drawingml/2006/main" xmlns:r="http://schemas.openxmlformats.org/officeDocument/2006/relationships">
   <c:date1904 val="0"/>
   <c:lang val="es-ES"/>
   <c:roundedCorners val="0"/>
@@ -193,6 +193,7 @@
           </a:p>
         </c:rich>
       </c:tx>
+      <c:layout/>
       <c:overlay val="0"/>
       <c:spPr>
         <a:noFill/>
@@ -253,7 +254,7 @@
               </a:ln>
               <a:effectLst/>
             </c:spPr>
-            <c:extLst>
+            <c:extLst xmlns:c16r2="http://schemas.microsoft.com/office/drawing/2015/06/chart">
               <c:ext xmlns:c16="http://schemas.microsoft.com/office/drawing/2014/chart" uri="{C3380CC4-5D6E-409C-BE32-E72D297353CC}">
                 <c16:uniqueId val="{00000001-11ED-1049-82C3-207A44D401A5}"/>
               </c:ext>
@@ -271,7 +272,7 @@
               </a:ln>
               <a:effectLst/>
             </c:spPr>
-            <c:extLst>
+            <c:extLst xmlns:c16r2="http://schemas.microsoft.com/office/drawing/2015/06/chart">
               <c:ext xmlns:c16="http://schemas.microsoft.com/office/drawing/2014/chart" uri="{C3380CC4-5D6E-409C-BE32-E72D297353CC}">
                 <c16:uniqueId val="{00000003-11ED-1049-82C3-207A44D401A5}"/>
               </c:ext>
@@ -289,7 +290,7 @@
               </a:ln>
               <a:effectLst/>
             </c:spPr>
-            <c:extLst>
+            <c:extLst xmlns:c16r2="http://schemas.microsoft.com/office/drawing/2015/06/chart">
               <c:ext xmlns:c16="http://schemas.microsoft.com/office/drawing/2014/chart" uri="{C3380CC4-5D6E-409C-BE32-E72D297353CC}">
                 <c16:uniqueId val="{00000005-11ED-1049-82C3-207A44D401A5}"/>
               </c:ext>
@@ -307,7 +308,7 @@
               </a:ln>
               <a:effectLst/>
             </c:spPr>
-            <c:extLst>
+            <c:extLst xmlns:c16r2="http://schemas.microsoft.com/office/drawing/2015/06/chart">
               <c:ext xmlns:c16="http://schemas.microsoft.com/office/drawing/2014/chart" uri="{C3380CC4-5D6E-409C-BE32-E72D297353CC}">
                 <c16:uniqueId val="{00000007-11ED-1049-82C3-207A44D401A5}"/>
               </c:ext>
@@ -354,7 +355,7 @@
               </c:numCache>
             </c:numRef>
           </c:val>
-          <c:extLst>
+          <c:extLst xmlns:c16r2="http://schemas.microsoft.com/office/drawing/2015/06/chart">
             <c:ext xmlns:c16="http://schemas.microsoft.com/office/drawing/2014/chart" uri="{C3380CC4-5D6E-409C-BE32-E72D297353CC}">
               <c16:uniqueId val="{00000008-11ED-1049-82C3-207A44D401A5}"/>
             </c:ext>
@@ -395,7 +396,7 @@
               </a:ln>
               <a:effectLst/>
             </c:spPr>
-            <c:extLst>
+            <c:extLst xmlns:c16r2="http://schemas.microsoft.com/office/drawing/2015/06/chart">
               <c:ext xmlns:c16="http://schemas.microsoft.com/office/drawing/2014/chart" uri="{C3380CC4-5D6E-409C-BE32-E72D297353CC}">
                 <c16:uniqueId val="{00000013-11ED-1049-82C3-207A44D401A5}"/>
               </c:ext>
@@ -415,7 +416,7 @@
               </a:ln>
               <a:effectLst/>
             </c:spPr>
-            <c:extLst>
+            <c:extLst xmlns:c16r2="http://schemas.microsoft.com/office/drawing/2015/06/chart">
               <c:ext xmlns:c16="http://schemas.microsoft.com/office/drawing/2014/chart" uri="{C3380CC4-5D6E-409C-BE32-E72D297353CC}">
                 <c16:uniqueId val="{00000015-11ED-1049-82C3-207A44D401A5}"/>
               </c:ext>
@@ -435,7 +436,7 @@
               </a:ln>
               <a:effectLst/>
             </c:spPr>
-            <c:extLst>
+            <c:extLst xmlns:c16r2="http://schemas.microsoft.com/office/drawing/2015/06/chart">
               <c:ext xmlns:c16="http://schemas.microsoft.com/office/drawing/2014/chart" uri="{C3380CC4-5D6E-409C-BE32-E72D297353CC}">
                 <c16:uniqueId val="{00000017-11ED-1049-82C3-207A44D401A5}"/>
               </c:ext>
@@ -455,7 +456,7 @@
               </a:ln>
               <a:effectLst/>
             </c:spPr>
-            <c:extLst>
+            <c:extLst xmlns:c16r2="http://schemas.microsoft.com/office/drawing/2015/06/chart">
               <c:ext xmlns:c16="http://schemas.microsoft.com/office/drawing/2014/chart" uri="{C3380CC4-5D6E-409C-BE32-E72D297353CC}">
                 <c16:uniqueId val="{00000019-11ED-1049-82C3-207A44D401A5}"/>
               </c:ext>
@@ -502,7 +503,7 @@
               </c:numCache>
             </c:numRef>
           </c:val>
-          <c:extLst>
+          <c:extLst xmlns:c16r2="http://schemas.microsoft.com/office/drawing/2015/06/chart">
             <c:ext xmlns:c16="http://schemas.microsoft.com/office/drawing/2014/chart" uri="{C3380CC4-5D6E-409C-BE32-E72D297353CC}">
               <c16:uniqueId val="{0000001A-11ED-1049-82C3-207A44D401A5}"/>
             </c:ext>
@@ -530,6 +531,7 @@
     </c:plotArea>
     <c:legend>
       <c:legendPos val="b"/>
+      <c:layout/>
       <c:overlay val="0"/>
       <c:spPr>
         <a:noFill/>
@@ -559,7 +561,7 @@
     <c:plotVisOnly val="1"/>
     <c:dispBlanksAs val="gap"/>
     <c:showDLblsOverMax val="0"/>
-    <c:extLst>
+    <c:extLst xmlns:c16r2="http://schemas.microsoft.com/office/drawing/2015/06/chart">
       <c:ext xmlns:c16r3="http://schemas.microsoft.com/office/drawing/2017/03/chart" uri="{56B9EC1D-385E-4148-901F-78D8002777C0}">
         <c16r3:dataDisplayOptions16>
           <c16r3:dispNaAsBlank val="1"/>
@@ -1162,7 +1164,7 @@
           <p:cNvPr id="2" name="Marcador de posición de encabezado 1">
             <a:extLst>
               <a:ext uri="{FF2B5EF4-FFF2-40B4-BE49-F238E27FC236}">
-                <a16:creationId xmlns:a16="http://schemas.microsoft.com/office/drawing/2014/main" id="{E8BEDA40-91A9-49DC-B402-0EBE674AAEA5}"/>
+                <a16:creationId xmlns:a16="http://schemas.microsoft.com/office/drawing/2014/main" xmlns="" id="{E8BEDA40-91A9-49DC-B402-0EBE674AAEA5}"/>
               </a:ext>
             </a:extLst>
           </p:cNvPr>
@@ -1200,7 +1202,7 @@
           <p:cNvPr id="3" name="Marcador de fecha 2">
             <a:extLst>
               <a:ext uri="{FF2B5EF4-FFF2-40B4-BE49-F238E27FC236}">
-                <a16:creationId xmlns:a16="http://schemas.microsoft.com/office/drawing/2014/main" id="{E8CBB508-5589-42E7-A433-D119AC0FFB77}"/>
+                <a16:creationId xmlns:a16="http://schemas.microsoft.com/office/drawing/2014/main" xmlns="" id="{E8CBB508-5589-42E7-A433-D119AC0FFB77}"/>
               </a:ext>
             </a:extLst>
           </p:cNvPr>
@@ -1242,7 +1244,7 @@
           <p:cNvPr id="4" name="Marcador de pie de página 3">
             <a:extLst>
               <a:ext uri="{FF2B5EF4-FFF2-40B4-BE49-F238E27FC236}">
-                <a16:creationId xmlns:a16="http://schemas.microsoft.com/office/drawing/2014/main" id="{E9232ABA-B33A-4B3B-8412-C1773FBF3DB6}"/>
+                <a16:creationId xmlns:a16="http://schemas.microsoft.com/office/drawing/2014/main" xmlns="" id="{E9232ABA-B33A-4B3B-8412-C1773FBF3DB6}"/>
               </a:ext>
             </a:extLst>
           </p:cNvPr>
@@ -1280,7 +1282,7 @@
           <p:cNvPr id="5" name="Marcador de posición de número de diapositiva 4">
             <a:extLst>
               <a:ext uri="{FF2B5EF4-FFF2-40B4-BE49-F238E27FC236}">
-                <a16:creationId xmlns:a16="http://schemas.microsoft.com/office/drawing/2014/main" id="{BAB1832E-3B48-42CB-80A7-CD8E48D52DDC}"/>
+                <a16:creationId xmlns:a16="http://schemas.microsoft.com/office/drawing/2014/main" xmlns="" id="{BAB1832E-3B48-42CB-80A7-CD8E48D52DDC}"/>
               </a:ext>
             </a:extLst>
           </p:cNvPr>
@@ -2824,7 +2826,7 @@
           <p:cNvPr id="4" name="Rectángulo 3">
             <a:extLst>
               <a:ext uri="{FF2B5EF4-FFF2-40B4-BE49-F238E27FC236}">
-                <a16:creationId xmlns:a16="http://schemas.microsoft.com/office/drawing/2014/main" id="{9E1099AB-ABB9-4706-9E38-357EC2AB4032}"/>
+                <a16:creationId xmlns:a16="http://schemas.microsoft.com/office/drawing/2014/main" xmlns="" id="{9E1099AB-ABB9-4706-9E38-357EC2AB4032}"/>
               </a:ext>
             </a:extLst>
           </p:cNvPr>
@@ -2876,7 +2878,7 @@
           <p:cNvPr id="11" name="Triángulo rectángulo 10">
             <a:extLst>
               <a:ext uri="{FF2B5EF4-FFF2-40B4-BE49-F238E27FC236}">
-                <a16:creationId xmlns:a16="http://schemas.microsoft.com/office/drawing/2014/main" id="{037924D2-2AB4-4BE1-9687-836615C72DFC}"/>
+                <a16:creationId xmlns:a16="http://schemas.microsoft.com/office/drawing/2014/main" xmlns="" id="{037924D2-2AB4-4BE1-9687-836615C72DFC}"/>
               </a:ext>
             </a:extLst>
           </p:cNvPr>
@@ -2928,7 +2930,7 @@
           <p:cNvPr id="16" name="Conector recto 15">
             <a:extLst>
               <a:ext uri="{FF2B5EF4-FFF2-40B4-BE49-F238E27FC236}">
-                <a16:creationId xmlns:a16="http://schemas.microsoft.com/office/drawing/2014/main" id="{A93BC534-BFA1-4292-899F-03AC711BF7C5}"/>
+                <a16:creationId xmlns:a16="http://schemas.microsoft.com/office/drawing/2014/main" xmlns="" id="{A93BC534-BFA1-4292-899F-03AC711BF7C5}"/>
               </a:ext>
             </a:extLst>
           </p:cNvPr>
@@ -2973,7 +2975,7 @@
           <p:cNvPr id="25" name="Marcador de posición de imagen 24">
             <a:extLst>
               <a:ext uri="{FF2B5EF4-FFF2-40B4-BE49-F238E27FC236}">
-                <a16:creationId xmlns:a16="http://schemas.microsoft.com/office/drawing/2014/main" id="{73B47EE6-EDE6-4881-B456-B37D9C1ADE38}"/>
+                <a16:creationId xmlns:a16="http://schemas.microsoft.com/office/drawing/2014/main" xmlns="" id="{73B47EE6-EDE6-4881-B456-B37D9C1ADE38}"/>
               </a:ext>
             </a:extLst>
           </p:cNvPr>
@@ -3081,7 +3083,7 @@
           <p:cNvPr id="18" name="Conector recto 17">
             <a:extLst>
               <a:ext uri="{FF2B5EF4-FFF2-40B4-BE49-F238E27FC236}">
-                <a16:creationId xmlns:a16="http://schemas.microsoft.com/office/drawing/2014/main" id="{EBEE4DB5-5DEF-4DDB-9764-FD834B9DCAEC}"/>
+                <a16:creationId xmlns:a16="http://schemas.microsoft.com/office/drawing/2014/main" xmlns="" id="{EBEE4DB5-5DEF-4DDB-9764-FD834B9DCAEC}"/>
               </a:ext>
             </a:extLst>
           </p:cNvPr>
@@ -3124,7 +3126,7 @@
           <p:cNvPr id="2" name="Título 1" title="Título">
             <a:extLst>
               <a:ext uri="{FF2B5EF4-FFF2-40B4-BE49-F238E27FC236}">
-                <a16:creationId xmlns:a16="http://schemas.microsoft.com/office/drawing/2014/main" id="{A648E0EA-49ED-4F2D-A107-8FCE6301FC88}"/>
+                <a16:creationId xmlns:a16="http://schemas.microsoft.com/office/drawing/2014/main" xmlns="" id="{A648E0EA-49ED-4F2D-A107-8FCE6301FC88}"/>
               </a:ext>
             </a:extLst>
           </p:cNvPr>
@@ -3171,7 +3173,7 @@
           <p:cNvPr id="3" name="Subtítulo 2" title="Subtítulo">
             <a:extLst>
               <a:ext uri="{FF2B5EF4-FFF2-40B4-BE49-F238E27FC236}">
-                <a16:creationId xmlns:a16="http://schemas.microsoft.com/office/drawing/2014/main" id="{06317687-D49E-41F7-A330-C78C728F0D12}"/>
+                <a16:creationId xmlns:a16="http://schemas.microsoft.com/office/drawing/2014/main" xmlns="" id="{06317687-D49E-41F7-A330-C78C728F0D12}"/>
               </a:ext>
             </a:extLst>
           </p:cNvPr>
@@ -3251,7 +3253,7 @@
           <p:cNvPr id="9" name="Conector recto 8">
             <a:extLst>
               <a:ext uri="{FF2B5EF4-FFF2-40B4-BE49-F238E27FC236}">
-                <a16:creationId xmlns:a16="http://schemas.microsoft.com/office/drawing/2014/main" id="{162849C0-AA0D-4E1A-B4B6-E6A5917AC0A5}"/>
+                <a16:creationId xmlns:a16="http://schemas.microsoft.com/office/drawing/2014/main" xmlns="" id="{162849C0-AA0D-4E1A-B4B6-E6A5917AC0A5}"/>
               </a:ext>
             </a:extLst>
           </p:cNvPr>
@@ -3365,7 +3367,7 @@
           <p:cNvPr id="4" name="Rectángulo 3">
             <a:extLst>
               <a:ext uri="{FF2B5EF4-FFF2-40B4-BE49-F238E27FC236}">
-                <a16:creationId xmlns:a16="http://schemas.microsoft.com/office/drawing/2014/main" id="{9E1099AB-ABB9-4706-9E38-357EC2AB4032}"/>
+                <a16:creationId xmlns:a16="http://schemas.microsoft.com/office/drawing/2014/main" xmlns="" id="{9E1099AB-ABB9-4706-9E38-357EC2AB4032}"/>
               </a:ext>
             </a:extLst>
           </p:cNvPr>
@@ -3417,7 +3419,7 @@
           <p:cNvPr id="11" name="Triángulo rectángulo 10">
             <a:extLst>
               <a:ext uri="{FF2B5EF4-FFF2-40B4-BE49-F238E27FC236}">
-                <a16:creationId xmlns:a16="http://schemas.microsoft.com/office/drawing/2014/main" id="{037924D2-2AB4-4BE1-9687-836615C72DFC}"/>
+                <a16:creationId xmlns:a16="http://schemas.microsoft.com/office/drawing/2014/main" xmlns="" id="{037924D2-2AB4-4BE1-9687-836615C72DFC}"/>
               </a:ext>
             </a:extLst>
           </p:cNvPr>
@@ -3469,7 +3471,7 @@
           <p:cNvPr id="16" name="Conector recto 15">
             <a:extLst>
               <a:ext uri="{FF2B5EF4-FFF2-40B4-BE49-F238E27FC236}">
-                <a16:creationId xmlns:a16="http://schemas.microsoft.com/office/drawing/2014/main" id="{A93BC534-BFA1-4292-899F-03AC711BF7C5}"/>
+                <a16:creationId xmlns:a16="http://schemas.microsoft.com/office/drawing/2014/main" xmlns="" id="{A93BC534-BFA1-4292-899F-03AC711BF7C5}"/>
               </a:ext>
             </a:extLst>
           </p:cNvPr>
@@ -3514,7 +3516,7 @@
           <p:cNvPr id="18" name="Conector recto 17">
             <a:extLst>
               <a:ext uri="{FF2B5EF4-FFF2-40B4-BE49-F238E27FC236}">
-                <a16:creationId xmlns:a16="http://schemas.microsoft.com/office/drawing/2014/main" id="{EBEE4DB5-5DEF-4DDB-9764-FD834B9DCAEC}"/>
+                <a16:creationId xmlns:a16="http://schemas.microsoft.com/office/drawing/2014/main" xmlns="" id="{EBEE4DB5-5DEF-4DDB-9764-FD834B9DCAEC}"/>
               </a:ext>
             </a:extLst>
           </p:cNvPr>
@@ -3557,7 +3559,7 @@
           <p:cNvPr id="2" name="Título 1" title="Título">
             <a:extLst>
               <a:ext uri="{FF2B5EF4-FFF2-40B4-BE49-F238E27FC236}">
-                <a16:creationId xmlns:a16="http://schemas.microsoft.com/office/drawing/2014/main" id="{A648E0EA-49ED-4F2D-A107-8FCE6301FC88}"/>
+                <a16:creationId xmlns:a16="http://schemas.microsoft.com/office/drawing/2014/main" xmlns="" id="{A648E0EA-49ED-4F2D-A107-8FCE6301FC88}"/>
               </a:ext>
             </a:extLst>
           </p:cNvPr>
@@ -3604,7 +3606,7 @@
           <p:cNvPr id="3" name="Subtítulo 2" title="Subtítulo">
             <a:extLst>
               <a:ext uri="{FF2B5EF4-FFF2-40B4-BE49-F238E27FC236}">
-                <a16:creationId xmlns:a16="http://schemas.microsoft.com/office/drawing/2014/main" id="{06317687-D49E-41F7-A330-C78C728F0D12}"/>
+                <a16:creationId xmlns:a16="http://schemas.microsoft.com/office/drawing/2014/main" xmlns="" id="{06317687-D49E-41F7-A330-C78C728F0D12}"/>
               </a:ext>
             </a:extLst>
           </p:cNvPr>
@@ -3684,7 +3686,7 @@
           <p:cNvPr id="9" name="Conector recto 8">
             <a:extLst>
               <a:ext uri="{FF2B5EF4-FFF2-40B4-BE49-F238E27FC236}">
-                <a16:creationId xmlns:a16="http://schemas.microsoft.com/office/drawing/2014/main" id="{162849C0-AA0D-4E1A-B4B6-E6A5917AC0A5}"/>
+                <a16:creationId xmlns:a16="http://schemas.microsoft.com/office/drawing/2014/main" xmlns="" id="{162849C0-AA0D-4E1A-B4B6-E6A5917AC0A5}"/>
               </a:ext>
             </a:extLst>
           </p:cNvPr>
@@ -3798,7 +3800,7 @@
           <p:cNvPr id="22" name="Rectángulo 21">
             <a:extLst>
               <a:ext uri="{FF2B5EF4-FFF2-40B4-BE49-F238E27FC236}">
-                <a16:creationId xmlns:a16="http://schemas.microsoft.com/office/drawing/2014/main" id="{33B31A5E-1244-4689-B513-C78E3C4E53B2}"/>
+                <a16:creationId xmlns:a16="http://schemas.microsoft.com/office/drawing/2014/main" xmlns="" id="{33B31A5E-1244-4689-B513-C78E3C4E53B2}"/>
               </a:ext>
             </a:extLst>
           </p:cNvPr>
@@ -3850,7 +3852,7 @@
           <p:cNvPr id="19" name="Triángulo rectángulo 18">
             <a:extLst>
               <a:ext uri="{FF2B5EF4-FFF2-40B4-BE49-F238E27FC236}">
-                <a16:creationId xmlns:a16="http://schemas.microsoft.com/office/drawing/2014/main" id="{71D0E8AA-902F-440D-9C55-2A391C22396A}"/>
+                <a16:creationId xmlns:a16="http://schemas.microsoft.com/office/drawing/2014/main" xmlns="" id="{71D0E8AA-902F-440D-9C55-2A391C22396A}"/>
               </a:ext>
             </a:extLst>
           </p:cNvPr>
@@ -3902,7 +3904,7 @@
           <p:cNvPr id="17" name="Paralelogramo 16">
             <a:extLst>
               <a:ext uri="{FF2B5EF4-FFF2-40B4-BE49-F238E27FC236}">
-                <a16:creationId xmlns:a16="http://schemas.microsoft.com/office/drawing/2014/main" id="{7D937721-835D-4D84-94A3-6C79D4639514}"/>
+                <a16:creationId xmlns:a16="http://schemas.microsoft.com/office/drawing/2014/main" xmlns="" id="{7D937721-835D-4D84-94A3-6C79D4639514}"/>
               </a:ext>
             </a:extLst>
           </p:cNvPr>
@@ -3956,7 +3958,7 @@
           <p:cNvPr id="18" name="Conector recto 17">
             <a:extLst>
               <a:ext uri="{FF2B5EF4-FFF2-40B4-BE49-F238E27FC236}">
-                <a16:creationId xmlns:a16="http://schemas.microsoft.com/office/drawing/2014/main" id="{732BB30B-8262-4715-998F-AAF6A81ADFD3}"/>
+                <a16:creationId xmlns:a16="http://schemas.microsoft.com/office/drawing/2014/main" xmlns="" id="{732BB30B-8262-4715-998F-AAF6A81ADFD3}"/>
               </a:ext>
             </a:extLst>
           </p:cNvPr>
@@ -4001,7 +4003,7 @@
           <p:cNvPr id="100" name="Título 1" title="Título">
             <a:extLst>
               <a:ext uri="{FF2B5EF4-FFF2-40B4-BE49-F238E27FC236}">
-                <a16:creationId xmlns:a16="http://schemas.microsoft.com/office/drawing/2014/main" id="{4D7EF399-DAA5-44EC-B712-79C755FE84CB}"/>
+                <a16:creationId xmlns:a16="http://schemas.microsoft.com/office/drawing/2014/main" xmlns="" id="{4D7EF399-DAA5-44EC-B712-79C755FE84CB}"/>
               </a:ext>
             </a:extLst>
           </p:cNvPr>
@@ -4050,7 +4052,7 @@
           <p:cNvPr id="101" name="Marcador de texto 2" title="Subtítulo">
             <a:extLst>
               <a:ext uri="{FF2B5EF4-FFF2-40B4-BE49-F238E27FC236}">
-                <a16:creationId xmlns:a16="http://schemas.microsoft.com/office/drawing/2014/main" id="{26D13BFA-61B0-402F-8611-02D3DFDBEBCB}"/>
+                <a16:creationId xmlns:a16="http://schemas.microsoft.com/office/drawing/2014/main" xmlns="" id="{26D13BFA-61B0-402F-8611-02D3DFDBEBCB}"/>
               </a:ext>
             </a:extLst>
           </p:cNvPr>
@@ -4180,7 +4182,7 @@
           <p:cNvPr id="21" name="Conector recto 20">
             <a:extLst>
               <a:ext uri="{FF2B5EF4-FFF2-40B4-BE49-F238E27FC236}">
-                <a16:creationId xmlns:a16="http://schemas.microsoft.com/office/drawing/2014/main" id="{DA0A0C24-D997-4E78-951F-AFB51C70EFCC}"/>
+                <a16:creationId xmlns:a16="http://schemas.microsoft.com/office/drawing/2014/main" xmlns="" id="{DA0A0C24-D997-4E78-951F-AFB51C70EFCC}"/>
               </a:ext>
             </a:extLst>
           </p:cNvPr>
@@ -4223,7 +4225,7 @@
           <p:cNvPr id="25" name="Paralelogramo 24">
             <a:extLst>
               <a:ext uri="{FF2B5EF4-FFF2-40B4-BE49-F238E27FC236}">
-                <a16:creationId xmlns:a16="http://schemas.microsoft.com/office/drawing/2014/main" id="{E123A0CF-50D6-46EC-8BF6-43E38AFCD588}"/>
+                <a16:creationId xmlns:a16="http://schemas.microsoft.com/office/drawing/2014/main" xmlns="" id="{E123A0CF-50D6-46EC-8BF6-43E38AFCD588}"/>
               </a:ext>
             </a:extLst>
           </p:cNvPr>
@@ -4282,7 +4284,7 @@
           <p:cNvPr id="26" name="Conector recto 25">
             <a:extLst>
               <a:ext uri="{FF2B5EF4-FFF2-40B4-BE49-F238E27FC236}">
-                <a16:creationId xmlns:a16="http://schemas.microsoft.com/office/drawing/2014/main" id="{2B2F1D2E-B631-4CB1-9448-2B50F8C46316}"/>
+                <a16:creationId xmlns:a16="http://schemas.microsoft.com/office/drawing/2014/main" xmlns="" id="{2B2F1D2E-B631-4CB1-9448-2B50F8C46316}"/>
               </a:ext>
             </a:extLst>
           </p:cNvPr>
@@ -4327,7 +4329,7 @@
           <p:cNvPr id="16" name="Conector recto 15">
             <a:extLst>
               <a:ext uri="{FF2B5EF4-FFF2-40B4-BE49-F238E27FC236}">
-                <a16:creationId xmlns:a16="http://schemas.microsoft.com/office/drawing/2014/main" id="{5CF69447-82AD-475F-A3AE-3D7FF61DBFE2}"/>
+                <a16:creationId xmlns:a16="http://schemas.microsoft.com/office/drawing/2014/main" xmlns="" id="{5CF69447-82AD-475F-A3AE-3D7FF61DBFE2}"/>
               </a:ext>
             </a:extLst>
           </p:cNvPr>
@@ -4370,7 +4372,7 @@
           <p:cNvPr id="24" name="Paralelogramo 23">
             <a:extLst>
               <a:ext uri="{FF2B5EF4-FFF2-40B4-BE49-F238E27FC236}">
-                <a16:creationId xmlns:a16="http://schemas.microsoft.com/office/drawing/2014/main" id="{FC8C82F3-94EE-4B4F-A01D-993A41BC00B1}"/>
+                <a16:creationId xmlns:a16="http://schemas.microsoft.com/office/drawing/2014/main" xmlns="" id="{FC8C82F3-94EE-4B4F-A01D-993A41BC00B1}"/>
               </a:ext>
             </a:extLst>
           </p:cNvPr>
@@ -4490,7 +4492,7 @@
           <p:cNvPr id="34" name="Rectángulo 33">
             <a:extLst>
               <a:ext uri="{FF2B5EF4-FFF2-40B4-BE49-F238E27FC236}">
-                <a16:creationId xmlns:a16="http://schemas.microsoft.com/office/drawing/2014/main" id="{9111EB29-9262-4594-8717-356AB3816AA6}"/>
+                <a16:creationId xmlns:a16="http://schemas.microsoft.com/office/drawing/2014/main" xmlns="" id="{9111EB29-9262-4594-8717-356AB3816AA6}"/>
               </a:ext>
             </a:extLst>
           </p:cNvPr>
@@ -4542,7 +4544,7 @@
           <p:cNvPr id="22" name="Conector recto 21">
             <a:extLst>
               <a:ext uri="{FF2B5EF4-FFF2-40B4-BE49-F238E27FC236}">
-                <a16:creationId xmlns:a16="http://schemas.microsoft.com/office/drawing/2014/main" id="{01AF1CF9-9F46-4541-8FF1-B9C53244EE1A}"/>
+                <a16:creationId xmlns:a16="http://schemas.microsoft.com/office/drawing/2014/main" xmlns="" id="{01AF1CF9-9F46-4541-8FF1-B9C53244EE1A}"/>
               </a:ext>
             </a:extLst>
           </p:cNvPr>
@@ -4585,7 +4587,7 @@
           <p:cNvPr id="23" name="Grupo 22">
             <a:extLst>
               <a:ext uri="{FF2B5EF4-FFF2-40B4-BE49-F238E27FC236}">
-                <a16:creationId xmlns:a16="http://schemas.microsoft.com/office/drawing/2014/main" id="{AB0E1BA4-80FE-4826-BA2F-083C3A5BB7FA}"/>
+                <a16:creationId xmlns:a16="http://schemas.microsoft.com/office/drawing/2014/main" xmlns="" id="{AB0E1BA4-80FE-4826-BA2F-083C3A5BB7FA}"/>
               </a:ext>
             </a:extLst>
           </p:cNvPr>
@@ -4605,7 +4607,7 @@
             <p:cNvPr id="26" name="Franja diagonal 25">
               <a:extLst>
                 <a:ext uri="{FF2B5EF4-FFF2-40B4-BE49-F238E27FC236}">
-                  <a16:creationId xmlns:a16="http://schemas.microsoft.com/office/drawing/2014/main" id="{0697993E-CD44-40B9-805C-77BC608618A7}"/>
+                  <a16:creationId xmlns:a16="http://schemas.microsoft.com/office/drawing/2014/main" xmlns="" id="{0697993E-CD44-40B9-805C-77BC608618A7}"/>
                 </a:ext>
               </a:extLst>
             </p:cNvPr>
@@ -4663,7 +4665,7 @@
             <p:cNvPr id="28" name="Conector recto 27">
               <a:extLst>
                 <a:ext uri="{FF2B5EF4-FFF2-40B4-BE49-F238E27FC236}">
-                  <a16:creationId xmlns:a16="http://schemas.microsoft.com/office/drawing/2014/main" id="{DDBD869A-51AE-4AC9-A3E0-38E8C732B1E8}"/>
+                  <a16:creationId xmlns:a16="http://schemas.microsoft.com/office/drawing/2014/main" xmlns="" id="{DDBD869A-51AE-4AC9-A3E0-38E8C732B1E8}"/>
                 </a:ext>
               </a:extLst>
             </p:cNvPr>
@@ -4708,7 +4710,7 @@
             <p:cNvPr id="30" name="Paralelogramo 29">
               <a:extLst>
                 <a:ext uri="{FF2B5EF4-FFF2-40B4-BE49-F238E27FC236}">
-                  <a16:creationId xmlns:a16="http://schemas.microsoft.com/office/drawing/2014/main" id="{DE18C3B6-28E6-4BBC-B634-F81DE5A9D13C}"/>
+                  <a16:creationId xmlns:a16="http://schemas.microsoft.com/office/drawing/2014/main" xmlns="" id="{DE18C3B6-28E6-4BBC-B634-F81DE5A9D13C}"/>
                 </a:ext>
               </a:extLst>
             </p:cNvPr>
@@ -4763,7 +4765,7 @@
           <p:cNvPr id="25" name="Cuadro de texto 24">
             <a:extLst>
               <a:ext uri="{FF2B5EF4-FFF2-40B4-BE49-F238E27FC236}">
-                <a16:creationId xmlns:a16="http://schemas.microsoft.com/office/drawing/2014/main" id="{F0BB4D3D-930C-4FF4-BB7C-2CB24208150C}"/>
+                <a16:creationId xmlns:a16="http://schemas.microsoft.com/office/drawing/2014/main" xmlns="" id="{F0BB4D3D-930C-4FF4-BB7C-2CB24208150C}"/>
               </a:ext>
             </a:extLst>
           </p:cNvPr>
@@ -4804,7 +4806,7 @@
           <p:cNvPr id="36" name="Paralelogramo 35">
             <a:extLst>
               <a:ext uri="{FF2B5EF4-FFF2-40B4-BE49-F238E27FC236}">
-                <a16:creationId xmlns:a16="http://schemas.microsoft.com/office/drawing/2014/main" id="{4EBB76E7-943E-4038-B700-114F66FBC609}"/>
+                <a16:creationId xmlns:a16="http://schemas.microsoft.com/office/drawing/2014/main" xmlns="" id="{4EBB76E7-943E-4038-B700-114F66FBC609}"/>
               </a:ext>
             </a:extLst>
           </p:cNvPr>
@@ -4863,7 +4865,7 @@
           <p:cNvPr id="2" name="Marcador de pie de página 1">
             <a:extLst>
               <a:ext uri="{FF2B5EF4-FFF2-40B4-BE49-F238E27FC236}">
-                <a16:creationId xmlns:a16="http://schemas.microsoft.com/office/drawing/2014/main" id="{03E79E9C-D961-6E47-A5C6-57689BAFF243}"/>
+                <a16:creationId xmlns:a16="http://schemas.microsoft.com/office/drawing/2014/main" xmlns="" id="{03E79E9C-D961-6E47-A5C6-57689BAFF243}"/>
               </a:ext>
             </a:extLst>
           </p:cNvPr>
@@ -4896,7 +4898,7 @@
           <p:cNvPr id="3" name="Marcador de número de diapositiva 2">
             <a:extLst>
               <a:ext uri="{FF2B5EF4-FFF2-40B4-BE49-F238E27FC236}">
-                <a16:creationId xmlns:a16="http://schemas.microsoft.com/office/drawing/2014/main" id="{B08BE157-60F2-194D-8C13-4AE120FC9EDE}"/>
+                <a16:creationId xmlns:a16="http://schemas.microsoft.com/office/drawing/2014/main" xmlns="" id="{B08BE157-60F2-194D-8C13-4AE120FC9EDE}"/>
               </a:ext>
             </a:extLst>
           </p:cNvPr>
@@ -4926,7 +4928,7 @@
           <p:cNvPr id="27" name="Título 1" title="Título ">
             <a:extLst>
               <a:ext uri="{FF2B5EF4-FFF2-40B4-BE49-F238E27FC236}">
-                <a16:creationId xmlns:a16="http://schemas.microsoft.com/office/drawing/2014/main" id="{C3CC34F4-862A-42E7-B2FA-7B511CC2E879}"/>
+                <a16:creationId xmlns:a16="http://schemas.microsoft.com/office/drawing/2014/main" xmlns="" id="{C3CC34F4-862A-42E7-B2FA-7B511CC2E879}"/>
               </a:ext>
             </a:extLst>
           </p:cNvPr>
@@ -4973,7 +4975,7 @@
           <p:cNvPr id="29" name="Marcador de contenido 2">
             <a:extLst>
               <a:ext uri="{FF2B5EF4-FFF2-40B4-BE49-F238E27FC236}">
-                <a16:creationId xmlns:a16="http://schemas.microsoft.com/office/drawing/2014/main" id="{1FAE0C34-9220-45F0-9FC2-9FE7C994E7BD}"/>
+                <a16:creationId xmlns:a16="http://schemas.microsoft.com/office/drawing/2014/main" xmlns="" id="{1FAE0C34-9220-45F0-9FC2-9FE7C994E7BD}"/>
               </a:ext>
             </a:extLst>
           </p:cNvPr>
@@ -5136,7 +5138,7 @@
           <p:cNvPr id="34" name="Rectángulo 33">
             <a:extLst>
               <a:ext uri="{FF2B5EF4-FFF2-40B4-BE49-F238E27FC236}">
-                <a16:creationId xmlns:a16="http://schemas.microsoft.com/office/drawing/2014/main" id="{9111EB29-9262-4594-8717-356AB3816AA6}"/>
+                <a16:creationId xmlns:a16="http://schemas.microsoft.com/office/drawing/2014/main" xmlns="" id="{9111EB29-9262-4594-8717-356AB3816AA6}"/>
               </a:ext>
             </a:extLst>
           </p:cNvPr>
@@ -5188,7 +5190,7 @@
           <p:cNvPr id="22" name="Conector recto 21">
             <a:extLst>
               <a:ext uri="{FF2B5EF4-FFF2-40B4-BE49-F238E27FC236}">
-                <a16:creationId xmlns:a16="http://schemas.microsoft.com/office/drawing/2014/main" id="{01AF1CF9-9F46-4541-8FF1-B9C53244EE1A}"/>
+                <a16:creationId xmlns:a16="http://schemas.microsoft.com/office/drawing/2014/main" xmlns="" id="{01AF1CF9-9F46-4541-8FF1-B9C53244EE1A}"/>
               </a:ext>
             </a:extLst>
           </p:cNvPr>
@@ -5231,7 +5233,7 @@
           <p:cNvPr id="23" name="Grupo 22">
             <a:extLst>
               <a:ext uri="{FF2B5EF4-FFF2-40B4-BE49-F238E27FC236}">
-                <a16:creationId xmlns:a16="http://schemas.microsoft.com/office/drawing/2014/main" id="{AB0E1BA4-80FE-4826-BA2F-083C3A5BB7FA}"/>
+                <a16:creationId xmlns:a16="http://schemas.microsoft.com/office/drawing/2014/main" xmlns="" id="{AB0E1BA4-80FE-4826-BA2F-083C3A5BB7FA}"/>
               </a:ext>
             </a:extLst>
           </p:cNvPr>
@@ -5251,7 +5253,7 @@
             <p:cNvPr id="26" name="Franja diagonal 25">
               <a:extLst>
                 <a:ext uri="{FF2B5EF4-FFF2-40B4-BE49-F238E27FC236}">
-                  <a16:creationId xmlns:a16="http://schemas.microsoft.com/office/drawing/2014/main" id="{0697993E-CD44-40B9-805C-77BC608618A7}"/>
+                  <a16:creationId xmlns:a16="http://schemas.microsoft.com/office/drawing/2014/main" xmlns="" id="{0697993E-CD44-40B9-805C-77BC608618A7}"/>
                 </a:ext>
               </a:extLst>
             </p:cNvPr>
@@ -5309,7 +5311,7 @@
             <p:cNvPr id="28" name="Conector recto 27">
               <a:extLst>
                 <a:ext uri="{FF2B5EF4-FFF2-40B4-BE49-F238E27FC236}">
-                  <a16:creationId xmlns:a16="http://schemas.microsoft.com/office/drawing/2014/main" id="{DDBD869A-51AE-4AC9-A3E0-38E8C732B1E8}"/>
+                  <a16:creationId xmlns:a16="http://schemas.microsoft.com/office/drawing/2014/main" xmlns="" id="{DDBD869A-51AE-4AC9-A3E0-38E8C732B1E8}"/>
                 </a:ext>
               </a:extLst>
             </p:cNvPr>
@@ -5354,7 +5356,7 @@
             <p:cNvPr id="30" name="Paralelogramo 29">
               <a:extLst>
                 <a:ext uri="{FF2B5EF4-FFF2-40B4-BE49-F238E27FC236}">
-                  <a16:creationId xmlns:a16="http://schemas.microsoft.com/office/drawing/2014/main" id="{DE18C3B6-28E6-4BBC-B634-F81DE5A9D13C}"/>
+                  <a16:creationId xmlns:a16="http://schemas.microsoft.com/office/drawing/2014/main" xmlns="" id="{DE18C3B6-28E6-4BBC-B634-F81DE5A9D13C}"/>
                 </a:ext>
               </a:extLst>
             </p:cNvPr>
@@ -5409,7 +5411,7 @@
           <p:cNvPr id="25" name="Cuadro de texto 24">
             <a:extLst>
               <a:ext uri="{FF2B5EF4-FFF2-40B4-BE49-F238E27FC236}">
-                <a16:creationId xmlns:a16="http://schemas.microsoft.com/office/drawing/2014/main" id="{F0BB4D3D-930C-4FF4-BB7C-2CB24208150C}"/>
+                <a16:creationId xmlns:a16="http://schemas.microsoft.com/office/drawing/2014/main" xmlns="" id="{F0BB4D3D-930C-4FF4-BB7C-2CB24208150C}"/>
               </a:ext>
             </a:extLst>
           </p:cNvPr>
@@ -5450,7 +5452,7 @@
           <p:cNvPr id="36" name="Paralelogramo 35">
             <a:extLst>
               <a:ext uri="{FF2B5EF4-FFF2-40B4-BE49-F238E27FC236}">
-                <a16:creationId xmlns:a16="http://schemas.microsoft.com/office/drawing/2014/main" id="{4EBB76E7-943E-4038-B700-114F66FBC609}"/>
+                <a16:creationId xmlns:a16="http://schemas.microsoft.com/office/drawing/2014/main" xmlns="" id="{4EBB76E7-943E-4038-B700-114F66FBC609}"/>
               </a:ext>
             </a:extLst>
           </p:cNvPr>
@@ -5509,7 +5511,7 @@
           <p:cNvPr id="2" name="Marcador de pie de página 1">
             <a:extLst>
               <a:ext uri="{FF2B5EF4-FFF2-40B4-BE49-F238E27FC236}">
-                <a16:creationId xmlns:a16="http://schemas.microsoft.com/office/drawing/2014/main" id="{03E79E9C-D961-6E47-A5C6-57689BAFF243}"/>
+                <a16:creationId xmlns:a16="http://schemas.microsoft.com/office/drawing/2014/main" xmlns="" id="{03E79E9C-D961-6E47-A5C6-57689BAFF243}"/>
               </a:ext>
             </a:extLst>
           </p:cNvPr>
@@ -5542,7 +5544,7 @@
           <p:cNvPr id="3" name="Marcador de número de diapositiva 2">
             <a:extLst>
               <a:ext uri="{FF2B5EF4-FFF2-40B4-BE49-F238E27FC236}">
-                <a16:creationId xmlns:a16="http://schemas.microsoft.com/office/drawing/2014/main" id="{B08BE157-60F2-194D-8C13-4AE120FC9EDE}"/>
+                <a16:creationId xmlns:a16="http://schemas.microsoft.com/office/drawing/2014/main" xmlns="" id="{B08BE157-60F2-194D-8C13-4AE120FC9EDE}"/>
               </a:ext>
             </a:extLst>
           </p:cNvPr>
@@ -5572,7 +5574,7 @@
           <p:cNvPr id="27" name="Título 1" title="Título ">
             <a:extLst>
               <a:ext uri="{FF2B5EF4-FFF2-40B4-BE49-F238E27FC236}">
-                <a16:creationId xmlns:a16="http://schemas.microsoft.com/office/drawing/2014/main" id="{C3CC34F4-862A-42E7-B2FA-7B511CC2E879}"/>
+                <a16:creationId xmlns:a16="http://schemas.microsoft.com/office/drawing/2014/main" xmlns="" id="{C3CC34F4-862A-42E7-B2FA-7B511CC2E879}"/>
               </a:ext>
             </a:extLst>
           </p:cNvPr>
@@ -5619,7 +5621,7 @@
           <p:cNvPr id="14" name="Marcador de contenido 2">
             <a:extLst>
               <a:ext uri="{FF2B5EF4-FFF2-40B4-BE49-F238E27FC236}">
-                <a16:creationId xmlns:a16="http://schemas.microsoft.com/office/drawing/2014/main" id="{217F9213-0142-420B-A84D-C5627A0C81E4}"/>
+                <a16:creationId xmlns:a16="http://schemas.microsoft.com/office/drawing/2014/main" xmlns="" id="{217F9213-0142-420B-A84D-C5627A0C81E4}"/>
               </a:ext>
             </a:extLst>
           </p:cNvPr>
@@ -5721,7 +5723,7 @@
           <p:cNvPr id="15" name="Marcador de posición de contenido 3">
             <a:extLst>
               <a:ext uri="{FF2B5EF4-FFF2-40B4-BE49-F238E27FC236}">
-                <a16:creationId xmlns:a16="http://schemas.microsoft.com/office/drawing/2014/main" id="{8014328B-D576-4B5C-A4AE-CF98318929FE}"/>
+                <a16:creationId xmlns:a16="http://schemas.microsoft.com/office/drawing/2014/main" xmlns="" id="{8014328B-D576-4B5C-A4AE-CF98318929FE}"/>
               </a:ext>
             </a:extLst>
           </p:cNvPr>
@@ -5884,7 +5886,7 @@
           <p:cNvPr id="34" name="Rectángulo 33">
             <a:extLst>
               <a:ext uri="{FF2B5EF4-FFF2-40B4-BE49-F238E27FC236}">
-                <a16:creationId xmlns:a16="http://schemas.microsoft.com/office/drawing/2014/main" id="{9111EB29-9262-4594-8717-356AB3816AA6}"/>
+                <a16:creationId xmlns:a16="http://schemas.microsoft.com/office/drawing/2014/main" xmlns="" id="{9111EB29-9262-4594-8717-356AB3816AA6}"/>
               </a:ext>
             </a:extLst>
           </p:cNvPr>
@@ -5936,7 +5938,7 @@
           <p:cNvPr id="22" name="Conector recto 21">
             <a:extLst>
               <a:ext uri="{FF2B5EF4-FFF2-40B4-BE49-F238E27FC236}">
-                <a16:creationId xmlns:a16="http://schemas.microsoft.com/office/drawing/2014/main" id="{01AF1CF9-9F46-4541-8FF1-B9C53244EE1A}"/>
+                <a16:creationId xmlns:a16="http://schemas.microsoft.com/office/drawing/2014/main" xmlns="" id="{01AF1CF9-9F46-4541-8FF1-B9C53244EE1A}"/>
               </a:ext>
             </a:extLst>
           </p:cNvPr>
@@ -5979,7 +5981,7 @@
           <p:cNvPr id="23" name="Grupo 22">
             <a:extLst>
               <a:ext uri="{FF2B5EF4-FFF2-40B4-BE49-F238E27FC236}">
-                <a16:creationId xmlns:a16="http://schemas.microsoft.com/office/drawing/2014/main" id="{AB0E1BA4-80FE-4826-BA2F-083C3A5BB7FA}"/>
+                <a16:creationId xmlns:a16="http://schemas.microsoft.com/office/drawing/2014/main" xmlns="" id="{AB0E1BA4-80FE-4826-BA2F-083C3A5BB7FA}"/>
               </a:ext>
             </a:extLst>
           </p:cNvPr>
@@ -5999,7 +6001,7 @@
             <p:cNvPr id="26" name="Franja diagonal 25">
               <a:extLst>
                 <a:ext uri="{FF2B5EF4-FFF2-40B4-BE49-F238E27FC236}">
-                  <a16:creationId xmlns:a16="http://schemas.microsoft.com/office/drawing/2014/main" id="{0697993E-CD44-40B9-805C-77BC608618A7}"/>
+                  <a16:creationId xmlns:a16="http://schemas.microsoft.com/office/drawing/2014/main" xmlns="" id="{0697993E-CD44-40B9-805C-77BC608618A7}"/>
                 </a:ext>
               </a:extLst>
             </p:cNvPr>
@@ -6057,7 +6059,7 @@
             <p:cNvPr id="28" name="Conector recto 27">
               <a:extLst>
                 <a:ext uri="{FF2B5EF4-FFF2-40B4-BE49-F238E27FC236}">
-                  <a16:creationId xmlns:a16="http://schemas.microsoft.com/office/drawing/2014/main" id="{DDBD869A-51AE-4AC9-A3E0-38E8C732B1E8}"/>
+                  <a16:creationId xmlns:a16="http://schemas.microsoft.com/office/drawing/2014/main" xmlns="" id="{DDBD869A-51AE-4AC9-A3E0-38E8C732B1E8}"/>
                 </a:ext>
               </a:extLst>
             </p:cNvPr>
@@ -6102,7 +6104,7 @@
             <p:cNvPr id="30" name="Paralelogramo 29">
               <a:extLst>
                 <a:ext uri="{FF2B5EF4-FFF2-40B4-BE49-F238E27FC236}">
-                  <a16:creationId xmlns:a16="http://schemas.microsoft.com/office/drawing/2014/main" id="{DE18C3B6-28E6-4BBC-B634-F81DE5A9D13C}"/>
+                  <a16:creationId xmlns:a16="http://schemas.microsoft.com/office/drawing/2014/main" xmlns="" id="{DE18C3B6-28E6-4BBC-B634-F81DE5A9D13C}"/>
                 </a:ext>
               </a:extLst>
             </p:cNvPr>
@@ -6157,7 +6159,7 @@
           <p:cNvPr id="25" name="Cuadro de texto 24">
             <a:extLst>
               <a:ext uri="{FF2B5EF4-FFF2-40B4-BE49-F238E27FC236}">
-                <a16:creationId xmlns:a16="http://schemas.microsoft.com/office/drawing/2014/main" id="{F0BB4D3D-930C-4FF4-BB7C-2CB24208150C}"/>
+                <a16:creationId xmlns:a16="http://schemas.microsoft.com/office/drawing/2014/main" xmlns="" id="{F0BB4D3D-930C-4FF4-BB7C-2CB24208150C}"/>
               </a:ext>
             </a:extLst>
           </p:cNvPr>
@@ -6198,7 +6200,7 @@
           <p:cNvPr id="36" name="Paralelogramo 35">
             <a:extLst>
               <a:ext uri="{FF2B5EF4-FFF2-40B4-BE49-F238E27FC236}">
-                <a16:creationId xmlns:a16="http://schemas.microsoft.com/office/drawing/2014/main" id="{4EBB76E7-943E-4038-B700-114F66FBC609}"/>
+                <a16:creationId xmlns:a16="http://schemas.microsoft.com/office/drawing/2014/main" xmlns="" id="{4EBB76E7-943E-4038-B700-114F66FBC609}"/>
               </a:ext>
             </a:extLst>
           </p:cNvPr>
@@ -6257,7 +6259,7 @@
           <p:cNvPr id="2" name="Marcador de pie de página 1">
             <a:extLst>
               <a:ext uri="{FF2B5EF4-FFF2-40B4-BE49-F238E27FC236}">
-                <a16:creationId xmlns:a16="http://schemas.microsoft.com/office/drawing/2014/main" id="{03E79E9C-D961-6E47-A5C6-57689BAFF243}"/>
+                <a16:creationId xmlns:a16="http://schemas.microsoft.com/office/drawing/2014/main" xmlns="" id="{03E79E9C-D961-6E47-A5C6-57689BAFF243}"/>
               </a:ext>
             </a:extLst>
           </p:cNvPr>
@@ -6290,7 +6292,7 @@
           <p:cNvPr id="3" name="Marcador de número de diapositiva 2">
             <a:extLst>
               <a:ext uri="{FF2B5EF4-FFF2-40B4-BE49-F238E27FC236}">
-                <a16:creationId xmlns:a16="http://schemas.microsoft.com/office/drawing/2014/main" id="{B08BE157-60F2-194D-8C13-4AE120FC9EDE}"/>
+                <a16:creationId xmlns:a16="http://schemas.microsoft.com/office/drawing/2014/main" xmlns="" id="{B08BE157-60F2-194D-8C13-4AE120FC9EDE}"/>
               </a:ext>
             </a:extLst>
           </p:cNvPr>
@@ -6320,7 +6322,7 @@
           <p:cNvPr id="27" name="Título 1" title="Título ">
             <a:extLst>
               <a:ext uri="{FF2B5EF4-FFF2-40B4-BE49-F238E27FC236}">
-                <a16:creationId xmlns:a16="http://schemas.microsoft.com/office/drawing/2014/main" id="{C3CC34F4-862A-42E7-B2FA-7B511CC2E879}"/>
+                <a16:creationId xmlns:a16="http://schemas.microsoft.com/office/drawing/2014/main" xmlns="" id="{C3CC34F4-862A-42E7-B2FA-7B511CC2E879}"/>
               </a:ext>
             </a:extLst>
           </p:cNvPr>
@@ -6367,7 +6369,7 @@
           <p:cNvPr id="18" name="Marcador de texto 2">
             <a:extLst>
               <a:ext uri="{FF2B5EF4-FFF2-40B4-BE49-F238E27FC236}">
-                <a16:creationId xmlns:a16="http://schemas.microsoft.com/office/drawing/2014/main" id="{82BFF385-445D-4DBB-9773-F99669415884}"/>
+                <a16:creationId xmlns:a16="http://schemas.microsoft.com/office/drawing/2014/main" xmlns="" id="{82BFF385-445D-4DBB-9773-F99669415884}"/>
               </a:ext>
             </a:extLst>
           </p:cNvPr>
@@ -6413,7 +6415,7 @@
           <p:cNvPr id="20" name="Marcador de posición de texto 4">
             <a:extLst>
               <a:ext uri="{FF2B5EF4-FFF2-40B4-BE49-F238E27FC236}">
-                <a16:creationId xmlns:a16="http://schemas.microsoft.com/office/drawing/2014/main" id="{311B1CFE-1B35-4B5C-B40A-DC5ADF211B5C}"/>
+                <a16:creationId xmlns:a16="http://schemas.microsoft.com/office/drawing/2014/main" xmlns="" id="{311B1CFE-1B35-4B5C-B40A-DC5ADF211B5C}"/>
               </a:ext>
             </a:extLst>
           </p:cNvPr>
@@ -6491,7 +6493,7 @@
           <p:cNvPr id="21" name="Marcador de posición de contenido 5">
             <a:extLst>
               <a:ext uri="{FF2B5EF4-FFF2-40B4-BE49-F238E27FC236}">
-                <a16:creationId xmlns:a16="http://schemas.microsoft.com/office/drawing/2014/main" id="{1CE840E8-D596-479D-AE97-E88F42DC1B13}"/>
+                <a16:creationId xmlns:a16="http://schemas.microsoft.com/office/drawing/2014/main" xmlns="" id="{1CE840E8-D596-479D-AE97-E88F42DC1B13}"/>
               </a:ext>
             </a:extLst>
           </p:cNvPr>
@@ -6593,7 +6595,7 @@
           <p:cNvPr id="24" name="Marcador de posición de contenido 3">
             <a:extLst>
               <a:ext uri="{FF2B5EF4-FFF2-40B4-BE49-F238E27FC236}">
-                <a16:creationId xmlns:a16="http://schemas.microsoft.com/office/drawing/2014/main" id="{B9A68D25-B19E-4E84-B65D-596EE8382DAD}"/>
+                <a16:creationId xmlns:a16="http://schemas.microsoft.com/office/drawing/2014/main" xmlns="" id="{B9A68D25-B19E-4E84-B65D-596EE8382DAD}"/>
               </a:ext>
             </a:extLst>
           </p:cNvPr>
@@ -6756,7 +6758,7 @@
           <p:cNvPr id="4" name="Rectángulo 3">
             <a:extLst>
               <a:ext uri="{FF2B5EF4-FFF2-40B4-BE49-F238E27FC236}">
-                <a16:creationId xmlns:a16="http://schemas.microsoft.com/office/drawing/2014/main" id="{9E1099AB-ABB9-4706-9E38-357EC2AB4032}"/>
+                <a16:creationId xmlns:a16="http://schemas.microsoft.com/office/drawing/2014/main" xmlns="" id="{9E1099AB-ABB9-4706-9E38-357EC2AB4032}"/>
               </a:ext>
             </a:extLst>
           </p:cNvPr>
@@ -6808,7 +6810,7 @@
           <p:cNvPr id="11" name="Triángulo rectángulo 10">
             <a:extLst>
               <a:ext uri="{FF2B5EF4-FFF2-40B4-BE49-F238E27FC236}">
-                <a16:creationId xmlns:a16="http://schemas.microsoft.com/office/drawing/2014/main" id="{037924D2-2AB4-4BE1-9687-836615C72DFC}"/>
+                <a16:creationId xmlns:a16="http://schemas.microsoft.com/office/drawing/2014/main" xmlns="" id="{037924D2-2AB4-4BE1-9687-836615C72DFC}"/>
               </a:ext>
             </a:extLst>
           </p:cNvPr>
@@ -6860,7 +6862,7 @@
           <p:cNvPr id="16" name="Conector recto 15">
             <a:extLst>
               <a:ext uri="{FF2B5EF4-FFF2-40B4-BE49-F238E27FC236}">
-                <a16:creationId xmlns:a16="http://schemas.microsoft.com/office/drawing/2014/main" id="{A93BC534-BFA1-4292-899F-03AC711BF7C5}"/>
+                <a16:creationId xmlns:a16="http://schemas.microsoft.com/office/drawing/2014/main" xmlns="" id="{A93BC534-BFA1-4292-899F-03AC711BF7C5}"/>
               </a:ext>
             </a:extLst>
           </p:cNvPr>
@@ -6905,7 +6907,7 @@
           <p:cNvPr id="18" name="Conector recto 17">
             <a:extLst>
               <a:ext uri="{FF2B5EF4-FFF2-40B4-BE49-F238E27FC236}">
-                <a16:creationId xmlns:a16="http://schemas.microsoft.com/office/drawing/2014/main" id="{EBEE4DB5-5DEF-4DDB-9764-FD834B9DCAEC}"/>
+                <a16:creationId xmlns:a16="http://schemas.microsoft.com/office/drawing/2014/main" xmlns="" id="{EBEE4DB5-5DEF-4DDB-9764-FD834B9DCAEC}"/>
               </a:ext>
             </a:extLst>
           </p:cNvPr>
@@ -6948,7 +6950,7 @@
           <p:cNvPr id="2" name="Título 1" title="Título">
             <a:extLst>
               <a:ext uri="{FF2B5EF4-FFF2-40B4-BE49-F238E27FC236}">
-                <a16:creationId xmlns:a16="http://schemas.microsoft.com/office/drawing/2014/main" id="{A648E0EA-49ED-4F2D-A107-8FCE6301FC88}"/>
+                <a16:creationId xmlns:a16="http://schemas.microsoft.com/office/drawing/2014/main" xmlns="" id="{A648E0EA-49ED-4F2D-A107-8FCE6301FC88}"/>
               </a:ext>
             </a:extLst>
           </p:cNvPr>
@@ -6997,7 +6999,7 @@
           <p:cNvPr id="9" name="Conector recto 8">
             <a:extLst>
               <a:ext uri="{FF2B5EF4-FFF2-40B4-BE49-F238E27FC236}">
-                <a16:creationId xmlns:a16="http://schemas.microsoft.com/office/drawing/2014/main" id="{162849C0-AA0D-4E1A-B4B6-E6A5917AC0A5}"/>
+                <a16:creationId xmlns:a16="http://schemas.microsoft.com/office/drawing/2014/main" xmlns="" id="{162849C0-AA0D-4E1A-B4B6-E6A5917AC0A5}"/>
               </a:ext>
             </a:extLst>
           </p:cNvPr>
@@ -7040,7 +7042,7 @@
           <p:cNvPr id="13" name="Marcador de texto 3">
             <a:extLst>
               <a:ext uri="{FF2B5EF4-FFF2-40B4-BE49-F238E27FC236}">
-                <a16:creationId xmlns:a16="http://schemas.microsoft.com/office/drawing/2014/main" id="{BDEAC3CA-E21C-4A63-BE7D-DCC820552AB7}"/>
+                <a16:creationId xmlns:a16="http://schemas.microsoft.com/office/drawing/2014/main" xmlns="" id="{BDEAC3CA-E21C-4A63-BE7D-DCC820552AB7}"/>
               </a:ext>
             </a:extLst>
           </p:cNvPr>
@@ -7115,7 +7117,7 @@
           <p:cNvPr id="14" name="Marcador de contenido 2">
             <a:extLst>
               <a:ext uri="{FF2B5EF4-FFF2-40B4-BE49-F238E27FC236}">
-                <a16:creationId xmlns:a16="http://schemas.microsoft.com/office/drawing/2014/main" id="{C9A1E80C-1A76-4D3E-92A1-846866867DE1}"/>
+                <a16:creationId xmlns:a16="http://schemas.microsoft.com/office/drawing/2014/main" xmlns="" id="{C9A1E80C-1A76-4D3E-92A1-846866867DE1}"/>
               </a:ext>
             </a:extLst>
           </p:cNvPr>
@@ -7280,7 +7282,7 @@
           <p:cNvPr id="4" name="Rectángulo 3">
             <a:extLst>
               <a:ext uri="{FF2B5EF4-FFF2-40B4-BE49-F238E27FC236}">
-                <a16:creationId xmlns:a16="http://schemas.microsoft.com/office/drawing/2014/main" id="{9E1099AB-ABB9-4706-9E38-357EC2AB4032}"/>
+                <a16:creationId xmlns:a16="http://schemas.microsoft.com/office/drawing/2014/main" xmlns="" id="{9E1099AB-ABB9-4706-9E38-357EC2AB4032}"/>
               </a:ext>
             </a:extLst>
           </p:cNvPr>
@@ -7332,7 +7334,7 @@
           <p:cNvPr id="11" name="Triángulo rectángulo 10">
             <a:extLst>
               <a:ext uri="{FF2B5EF4-FFF2-40B4-BE49-F238E27FC236}">
-                <a16:creationId xmlns:a16="http://schemas.microsoft.com/office/drawing/2014/main" id="{037924D2-2AB4-4BE1-9687-836615C72DFC}"/>
+                <a16:creationId xmlns:a16="http://schemas.microsoft.com/office/drawing/2014/main" xmlns="" id="{037924D2-2AB4-4BE1-9687-836615C72DFC}"/>
               </a:ext>
             </a:extLst>
           </p:cNvPr>
@@ -7384,7 +7386,7 @@
           <p:cNvPr id="16" name="Conector recto 15">
             <a:extLst>
               <a:ext uri="{FF2B5EF4-FFF2-40B4-BE49-F238E27FC236}">
-                <a16:creationId xmlns:a16="http://schemas.microsoft.com/office/drawing/2014/main" id="{A93BC534-BFA1-4292-899F-03AC711BF7C5}"/>
+                <a16:creationId xmlns:a16="http://schemas.microsoft.com/office/drawing/2014/main" xmlns="" id="{A93BC534-BFA1-4292-899F-03AC711BF7C5}"/>
               </a:ext>
             </a:extLst>
           </p:cNvPr>
@@ -7429,7 +7431,7 @@
           <p:cNvPr id="18" name="Conector recto 17">
             <a:extLst>
               <a:ext uri="{FF2B5EF4-FFF2-40B4-BE49-F238E27FC236}">
-                <a16:creationId xmlns:a16="http://schemas.microsoft.com/office/drawing/2014/main" id="{EBEE4DB5-5DEF-4DDB-9764-FD834B9DCAEC}"/>
+                <a16:creationId xmlns:a16="http://schemas.microsoft.com/office/drawing/2014/main" xmlns="" id="{EBEE4DB5-5DEF-4DDB-9764-FD834B9DCAEC}"/>
               </a:ext>
             </a:extLst>
           </p:cNvPr>
@@ -7472,7 +7474,7 @@
           <p:cNvPr id="2" name="Título 1" title="Título">
             <a:extLst>
               <a:ext uri="{FF2B5EF4-FFF2-40B4-BE49-F238E27FC236}">
-                <a16:creationId xmlns:a16="http://schemas.microsoft.com/office/drawing/2014/main" id="{A648E0EA-49ED-4F2D-A107-8FCE6301FC88}"/>
+                <a16:creationId xmlns:a16="http://schemas.microsoft.com/office/drawing/2014/main" xmlns="" id="{A648E0EA-49ED-4F2D-A107-8FCE6301FC88}"/>
               </a:ext>
             </a:extLst>
           </p:cNvPr>
@@ -7521,7 +7523,7 @@
           <p:cNvPr id="9" name="Conector recto 8">
             <a:extLst>
               <a:ext uri="{FF2B5EF4-FFF2-40B4-BE49-F238E27FC236}">
-                <a16:creationId xmlns:a16="http://schemas.microsoft.com/office/drawing/2014/main" id="{162849C0-AA0D-4E1A-B4B6-E6A5917AC0A5}"/>
+                <a16:creationId xmlns:a16="http://schemas.microsoft.com/office/drawing/2014/main" xmlns="" id="{162849C0-AA0D-4E1A-B4B6-E6A5917AC0A5}"/>
               </a:ext>
             </a:extLst>
           </p:cNvPr>
@@ -7564,7 +7566,7 @@
           <p:cNvPr id="13" name="Marcador de texto 3">
             <a:extLst>
               <a:ext uri="{FF2B5EF4-FFF2-40B4-BE49-F238E27FC236}">
-                <a16:creationId xmlns:a16="http://schemas.microsoft.com/office/drawing/2014/main" id="{BDEAC3CA-E21C-4A63-BE7D-DCC820552AB7}"/>
+                <a16:creationId xmlns:a16="http://schemas.microsoft.com/office/drawing/2014/main" xmlns="" id="{BDEAC3CA-E21C-4A63-BE7D-DCC820552AB7}"/>
               </a:ext>
             </a:extLst>
           </p:cNvPr>
@@ -7639,7 +7641,7 @@
           <p:cNvPr id="12" name="Marcador de posición de imagen 2">
             <a:extLst>
               <a:ext uri="{FF2B5EF4-FFF2-40B4-BE49-F238E27FC236}">
-                <a16:creationId xmlns:a16="http://schemas.microsoft.com/office/drawing/2014/main" id="{22728E0A-430E-4C6A-BF56-06FA8510F29F}"/>
+                <a16:creationId xmlns:a16="http://schemas.microsoft.com/office/drawing/2014/main" xmlns="" id="{22728E0A-430E-4C6A-BF56-06FA8510F29F}"/>
               </a:ext>
             </a:extLst>
           </p:cNvPr>
@@ -7785,7 +7787,7 @@
           <p:cNvPr id="25" name="Rectángulo 24">
             <a:extLst>
               <a:ext uri="{FF2B5EF4-FFF2-40B4-BE49-F238E27FC236}">
-                <a16:creationId xmlns:a16="http://schemas.microsoft.com/office/drawing/2014/main" id="{37A5C384-78D0-4088-9411-AB6790574770}"/>
+                <a16:creationId xmlns:a16="http://schemas.microsoft.com/office/drawing/2014/main" xmlns="" id="{37A5C384-78D0-4088-9411-AB6790574770}"/>
               </a:ext>
             </a:extLst>
           </p:cNvPr>
@@ -7837,7 +7839,7 @@
           <p:cNvPr id="18" name="Cuadro de texto 17">
             <a:extLst>
               <a:ext uri="{FF2B5EF4-FFF2-40B4-BE49-F238E27FC236}">
-                <a16:creationId xmlns:a16="http://schemas.microsoft.com/office/drawing/2014/main" id="{CC52C5C1-EC33-44C1-9D54-A1058BBF1812}"/>
+                <a16:creationId xmlns:a16="http://schemas.microsoft.com/office/drawing/2014/main" xmlns="" id="{CC52C5C1-EC33-44C1-9D54-A1058BBF1812}"/>
               </a:ext>
             </a:extLst>
           </p:cNvPr>
@@ -7878,7 +7880,7 @@
           <p:cNvPr id="26" name="Grupo 25">
             <a:extLst>
               <a:ext uri="{FF2B5EF4-FFF2-40B4-BE49-F238E27FC236}">
-                <a16:creationId xmlns:a16="http://schemas.microsoft.com/office/drawing/2014/main" id="{8A0030CD-8C9E-4AA5-8C5D-F9B2EDB7E17A}"/>
+                <a16:creationId xmlns:a16="http://schemas.microsoft.com/office/drawing/2014/main" xmlns="" id="{8A0030CD-8C9E-4AA5-8C5D-F9B2EDB7E17A}"/>
               </a:ext>
             </a:extLst>
           </p:cNvPr>
@@ -7898,7 +7900,7 @@
             <p:cNvPr id="27" name="Franja diagonal 26">
               <a:extLst>
                 <a:ext uri="{FF2B5EF4-FFF2-40B4-BE49-F238E27FC236}">
-                  <a16:creationId xmlns:a16="http://schemas.microsoft.com/office/drawing/2014/main" id="{872EE65E-EE50-4A3E-861E-1D6C241CB8EA}"/>
+                  <a16:creationId xmlns:a16="http://schemas.microsoft.com/office/drawing/2014/main" xmlns="" id="{872EE65E-EE50-4A3E-861E-1D6C241CB8EA}"/>
                 </a:ext>
               </a:extLst>
             </p:cNvPr>
@@ -7956,7 +7958,7 @@
             <p:cNvPr id="28" name="Conector recto 27">
               <a:extLst>
                 <a:ext uri="{FF2B5EF4-FFF2-40B4-BE49-F238E27FC236}">
-                  <a16:creationId xmlns:a16="http://schemas.microsoft.com/office/drawing/2014/main" id="{E76AD1EF-E06C-4D3C-9693-26844D01C83C}"/>
+                  <a16:creationId xmlns:a16="http://schemas.microsoft.com/office/drawing/2014/main" xmlns="" id="{E76AD1EF-E06C-4D3C-9693-26844D01C83C}"/>
                 </a:ext>
               </a:extLst>
             </p:cNvPr>
@@ -8001,7 +8003,7 @@
             <p:cNvPr id="29" name="Paralelogramo 28">
               <a:extLst>
                 <a:ext uri="{FF2B5EF4-FFF2-40B4-BE49-F238E27FC236}">
-                  <a16:creationId xmlns:a16="http://schemas.microsoft.com/office/drawing/2014/main" id="{57D44C42-44C0-420A-A125-9B1A979D4F56}"/>
+                  <a16:creationId xmlns:a16="http://schemas.microsoft.com/office/drawing/2014/main" xmlns="" id="{57D44C42-44C0-420A-A125-9B1A979D4F56}"/>
                 </a:ext>
               </a:extLst>
             </p:cNvPr>
@@ -8056,7 +8058,7 @@
           <p:cNvPr id="30" name="Paralelogramo 29">
             <a:extLst>
               <a:ext uri="{FF2B5EF4-FFF2-40B4-BE49-F238E27FC236}">
-                <a16:creationId xmlns:a16="http://schemas.microsoft.com/office/drawing/2014/main" id="{406089BB-36DC-4E23-B215-527A8A18FCFB}"/>
+                <a16:creationId xmlns:a16="http://schemas.microsoft.com/office/drawing/2014/main" xmlns="" id="{406089BB-36DC-4E23-B215-527A8A18FCFB}"/>
               </a:ext>
             </a:extLst>
           </p:cNvPr>
@@ -8115,7 +8117,7 @@
           <p:cNvPr id="2" name="Marcador de pie de página 1">
             <a:extLst>
               <a:ext uri="{FF2B5EF4-FFF2-40B4-BE49-F238E27FC236}">
-                <a16:creationId xmlns:a16="http://schemas.microsoft.com/office/drawing/2014/main" id="{578C43A6-50C6-704E-BADC-6D83BADE7316}"/>
+                <a16:creationId xmlns:a16="http://schemas.microsoft.com/office/drawing/2014/main" xmlns="" id="{578C43A6-50C6-704E-BADC-6D83BADE7316}"/>
               </a:ext>
             </a:extLst>
           </p:cNvPr>
@@ -8144,7 +8146,7 @@
           <p:cNvPr id="3" name="Marcador de número de diapositiva 2">
             <a:extLst>
               <a:ext uri="{FF2B5EF4-FFF2-40B4-BE49-F238E27FC236}">
-                <a16:creationId xmlns:a16="http://schemas.microsoft.com/office/drawing/2014/main" id="{ED91439B-965F-3548-AF77-89501B24F600}"/>
+                <a16:creationId xmlns:a16="http://schemas.microsoft.com/office/drawing/2014/main" xmlns="" id="{ED91439B-965F-3548-AF77-89501B24F600}"/>
               </a:ext>
             </a:extLst>
           </p:cNvPr>
@@ -8225,7 +8227,7 @@
           <p:cNvPr id="19" name="Rectángulo 18">
             <a:extLst>
               <a:ext uri="{FF2B5EF4-FFF2-40B4-BE49-F238E27FC236}">
-                <a16:creationId xmlns:a16="http://schemas.microsoft.com/office/drawing/2014/main" id="{85BB0367-1AFD-4191-AB6F-E9815D136F63}"/>
+                <a16:creationId xmlns:a16="http://schemas.microsoft.com/office/drawing/2014/main" xmlns="" id="{85BB0367-1AFD-4191-AB6F-E9815D136F63}"/>
               </a:ext>
             </a:extLst>
           </p:cNvPr>
@@ -8277,7 +8279,7 @@
           <p:cNvPr id="21" name="Cuadro de texto 20">
             <a:extLst>
               <a:ext uri="{FF2B5EF4-FFF2-40B4-BE49-F238E27FC236}">
-                <a16:creationId xmlns:a16="http://schemas.microsoft.com/office/drawing/2014/main" id="{7E8A2C98-F26E-415A-B931-1B89CA46C1CF}"/>
+                <a16:creationId xmlns:a16="http://schemas.microsoft.com/office/drawing/2014/main" xmlns="" id="{7E8A2C98-F26E-415A-B931-1B89CA46C1CF}"/>
               </a:ext>
             </a:extLst>
           </p:cNvPr>
@@ -8318,7 +8320,7 @@
           <p:cNvPr id="27" name="Grupo 26">
             <a:extLst>
               <a:ext uri="{FF2B5EF4-FFF2-40B4-BE49-F238E27FC236}">
-                <a16:creationId xmlns:a16="http://schemas.microsoft.com/office/drawing/2014/main" id="{1B2FB48C-0C70-4DBE-B904-A134B6644DD3}"/>
+                <a16:creationId xmlns:a16="http://schemas.microsoft.com/office/drawing/2014/main" xmlns="" id="{1B2FB48C-0C70-4DBE-B904-A134B6644DD3}"/>
               </a:ext>
             </a:extLst>
           </p:cNvPr>
@@ -8338,7 +8340,7 @@
             <p:cNvPr id="28" name="Franja diagonal 27">
               <a:extLst>
                 <a:ext uri="{FF2B5EF4-FFF2-40B4-BE49-F238E27FC236}">
-                  <a16:creationId xmlns:a16="http://schemas.microsoft.com/office/drawing/2014/main" id="{4F2E2158-1E6E-4E0D-BDAB-B20041C73615}"/>
+                  <a16:creationId xmlns:a16="http://schemas.microsoft.com/office/drawing/2014/main" xmlns="" id="{4F2E2158-1E6E-4E0D-BDAB-B20041C73615}"/>
                 </a:ext>
               </a:extLst>
             </p:cNvPr>
@@ -8396,7 +8398,7 @@
             <p:cNvPr id="29" name="Conector recto 28">
               <a:extLst>
                 <a:ext uri="{FF2B5EF4-FFF2-40B4-BE49-F238E27FC236}">
-                  <a16:creationId xmlns:a16="http://schemas.microsoft.com/office/drawing/2014/main" id="{626D62DB-3A5A-4DA1-BFA4-D9E58676E86A}"/>
+                  <a16:creationId xmlns:a16="http://schemas.microsoft.com/office/drawing/2014/main" xmlns="" id="{626D62DB-3A5A-4DA1-BFA4-D9E58676E86A}"/>
                 </a:ext>
               </a:extLst>
             </p:cNvPr>
@@ -8441,7 +8443,7 @@
             <p:cNvPr id="30" name="Paralelogramo 29">
               <a:extLst>
                 <a:ext uri="{FF2B5EF4-FFF2-40B4-BE49-F238E27FC236}">
-                  <a16:creationId xmlns:a16="http://schemas.microsoft.com/office/drawing/2014/main" id="{F5A729A7-3A5C-405C-AE06-180E7529E477}"/>
+                  <a16:creationId xmlns:a16="http://schemas.microsoft.com/office/drawing/2014/main" xmlns="" id="{F5A729A7-3A5C-405C-AE06-180E7529E477}"/>
                 </a:ext>
               </a:extLst>
             </p:cNvPr>
@@ -8496,7 +8498,7 @@
           <p:cNvPr id="31" name="Paralelogramo 30">
             <a:extLst>
               <a:ext uri="{FF2B5EF4-FFF2-40B4-BE49-F238E27FC236}">
-                <a16:creationId xmlns:a16="http://schemas.microsoft.com/office/drawing/2014/main" id="{41E23981-B12A-4AC3-A030-337BBBA5E45B}"/>
+                <a16:creationId xmlns:a16="http://schemas.microsoft.com/office/drawing/2014/main" xmlns="" id="{41E23981-B12A-4AC3-A030-337BBBA5E45B}"/>
               </a:ext>
             </a:extLst>
           </p:cNvPr>
@@ -8555,7 +8557,7 @@
           <p:cNvPr id="2" name="Marcador de pie de página 1">
             <a:extLst>
               <a:ext uri="{FF2B5EF4-FFF2-40B4-BE49-F238E27FC236}">
-                <a16:creationId xmlns:a16="http://schemas.microsoft.com/office/drawing/2014/main" id="{CB69A007-934D-7A4B-9EFA-82044EF4DC33}"/>
+                <a16:creationId xmlns:a16="http://schemas.microsoft.com/office/drawing/2014/main" xmlns="" id="{CB69A007-934D-7A4B-9EFA-82044EF4DC33}"/>
               </a:ext>
             </a:extLst>
           </p:cNvPr>
@@ -8584,7 +8586,7 @@
           <p:cNvPr id="3" name="Marcador de número de diapositiva 2">
             <a:extLst>
               <a:ext uri="{FF2B5EF4-FFF2-40B4-BE49-F238E27FC236}">
-                <a16:creationId xmlns:a16="http://schemas.microsoft.com/office/drawing/2014/main" id="{5A154DC2-98C7-4D4B-A17A-AA4731217F17}"/>
+                <a16:creationId xmlns:a16="http://schemas.microsoft.com/office/drawing/2014/main" xmlns="" id="{5A154DC2-98C7-4D4B-A17A-AA4731217F17}"/>
               </a:ext>
             </a:extLst>
           </p:cNvPr>
@@ -8614,7 +8616,7 @@
           <p:cNvPr id="4" name="Título 3">
             <a:extLst>
               <a:ext uri="{FF2B5EF4-FFF2-40B4-BE49-F238E27FC236}">
-                <a16:creationId xmlns:a16="http://schemas.microsoft.com/office/drawing/2014/main" id="{64D604A2-C574-42DB-B0C4-99715CAA10A7}"/>
+                <a16:creationId xmlns:a16="http://schemas.microsoft.com/office/drawing/2014/main" xmlns="" id="{64D604A2-C574-42DB-B0C4-99715CAA10A7}"/>
               </a:ext>
             </a:extLst>
           </p:cNvPr>
@@ -8708,7 +8710,7 @@
           <p:cNvPr id="2" name="Título 1">
             <a:extLst>
               <a:ext uri="{FF2B5EF4-FFF2-40B4-BE49-F238E27FC236}">
-                <a16:creationId xmlns:a16="http://schemas.microsoft.com/office/drawing/2014/main" id="{2EDAB3FE-9015-40FD-A870-D81B5A86A5D9}"/>
+                <a16:creationId xmlns:a16="http://schemas.microsoft.com/office/drawing/2014/main" xmlns="" id="{2EDAB3FE-9015-40FD-A870-D81B5A86A5D9}"/>
               </a:ext>
             </a:extLst>
           </p:cNvPr>
@@ -8768,7 +8770,7 @@
           <p:cNvPr id="22" name="Rectángulo 21">
             <a:extLst>
               <a:ext uri="{FF2B5EF4-FFF2-40B4-BE49-F238E27FC236}">
-                <a16:creationId xmlns:a16="http://schemas.microsoft.com/office/drawing/2014/main" id="{33B31A5E-1244-4689-B513-C78E3C4E53B2}"/>
+                <a16:creationId xmlns:a16="http://schemas.microsoft.com/office/drawing/2014/main" xmlns="" id="{33B31A5E-1244-4689-B513-C78E3C4E53B2}"/>
               </a:ext>
             </a:extLst>
           </p:cNvPr>
@@ -8820,7 +8822,7 @@
           <p:cNvPr id="19" name="Triángulo rectángulo 18">
             <a:extLst>
               <a:ext uri="{FF2B5EF4-FFF2-40B4-BE49-F238E27FC236}">
-                <a16:creationId xmlns:a16="http://schemas.microsoft.com/office/drawing/2014/main" id="{71D0E8AA-902F-440D-9C55-2A391C22396A}"/>
+                <a16:creationId xmlns:a16="http://schemas.microsoft.com/office/drawing/2014/main" xmlns="" id="{71D0E8AA-902F-440D-9C55-2A391C22396A}"/>
               </a:ext>
             </a:extLst>
           </p:cNvPr>
@@ -8872,7 +8874,7 @@
           <p:cNvPr id="17" name="Paralelogramo 16">
             <a:extLst>
               <a:ext uri="{FF2B5EF4-FFF2-40B4-BE49-F238E27FC236}">
-                <a16:creationId xmlns:a16="http://schemas.microsoft.com/office/drawing/2014/main" id="{7D937721-835D-4D84-94A3-6C79D4639514}"/>
+                <a16:creationId xmlns:a16="http://schemas.microsoft.com/office/drawing/2014/main" xmlns="" id="{7D937721-835D-4D84-94A3-6C79D4639514}"/>
               </a:ext>
             </a:extLst>
           </p:cNvPr>
@@ -8926,7 +8928,7 @@
           <p:cNvPr id="18" name="Conector recto 17">
             <a:extLst>
               <a:ext uri="{FF2B5EF4-FFF2-40B4-BE49-F238E27FC236}">
-                <a16:creationId xmlns:a16="http://schemas.microsoft.com/office/drawing/2014/main" id="{732BB30B-8262-4715-998F-AAF6A81ADFD3}"/>
+                <a16:creationId xmlns:a16="http://schemas.microsoft.com/office/drawing/2014/main" xmlns="" id="{732BB30B-8262-4715-998F-AAF6A81ADFD3}"/>
               </a:ext>
             </a:extLst>
           </p:cNvPr>
@@ -8971,7 +8973,7 @@
           <p:cNvPr id="100" name="Título 1" title="Título">
             <a:extLst>
               <a:ext uri="{FF2B5EF4-FFF2-40B4-BE49-F238E27FC236}">
-                <a16:creationId xmlns:a16="http://schemas.microsoft.com/office/drawing/2014/main" id="{4D7EF399-DAA5-44EC-B712-79C755FE84CB}"/>
+                <a16:creationId xmlns:a16="http://schemas.microsoft.com/office/drawing/2014/main" xmlns="" id="{4D7EF399-DAA5-44EC-B712-79C755FE84CB}"/>
               </a:ext>
             </a:extLst>
           </p:cNvPr>
@@ -9020,7 +9022,7 @@
           <p:cNvPr id="101" name="Marcador de texto 2" title="Subtítulo">
             <a:extLst>
               <a:ext uri="{FF2B5EF4-FFF2-40B4-BE49-F238E27FC236}">
-                <a16:creationId xmlns:a16="http://schemas.microsoft.com/office/drawing/2014/main" id="{26D13BFA-61B0-402F-8611-02D3DFDBEBCB}"/>
+                <a16:creationId xmlns:a16="http://schemas.microsoft.com/office/drawing/2014/main" xmlns="" id="{26D13BFA-61B0-402F-8611-02D3DFDBEBCB}"/>
               </a:ext>
             </a:extLst>
           </p:cNvPr>
@@ -9150,7 +9152,7 @@
           <p:cNvPr id="21" name="Conector recto 20">
             <a:extLst>
               <a:ext uri="{FF2B5EF4-FFF2-40B4-BE49-F238E27FC236}">
-                <a16:creationId xmlns:a16="http://schemas.microsoft.com/office/drawing/2014/main" id="{DA0A0C24-D997-4E78-951F-AFB51C70EFCC}"/>
+                <a16:creationId xmlns:a16="http://schemas.microsoft.com/office/drawing/2014/main" xmlns="" id="{DA0A0C24-D997-4E78-951F-AFB51C70EFCC}"/>
               </a:ext>
             </a:extLst>
           </p:cNvPr>
@@ -9193,7 +9195,7 @@
           <p:cNvPr id="25" name="Paralelogramo 24">
             <a:extLst>
               <a:ext uri="{FF2B5EF4-FFF2-40B4-BE49-F238E27FC236}">
-                <a16:creationId xmlns:a16="http://schemas.microsoft.com/office/drawing/2014/main" id="{E123A0CF-50D6-46EC-8BF6-43E38AFCD588}"/>
+                <a16:creationId xmlns:a16="http://schemas.microsoft.com/office/drawing/2014/main" xmlns="" id="{E123A0CF-50D6-46EC-8BF6-43E38AFCD588}"/>
               </a:ext>
             </a:extLst>
           </p:cNvPr>
@@ -9252,7 +9254,7 @@
           <p:cNvPr id="26" name="Conector recto 25">
             <a:extLst>
               <a:ext uri="{FF2B5EF4-FFF2-40B4-BE49-F238E27FC236}">
-                <a16:creationId xmlns:a16="http://schemas.microsoft.com/office/drawing/2014/main" id="{2B2F1D2E-B631-4CB1-9448-2B50F8C46316}"/>
+                <a16:creationId xmlns:a16="http://schemas.microsoft.com/office/drawing/2014/main" xmlns="" id="{2B2F1D2E-B631-4CB1-9448-2B50F8C46316}"/>
               </a:ext>
             </a:extLst>
           </p:cNvPr>
@@ -9297,7 +9299,7 @@
           <p:cNvPr id="27" name="Marcador de posición de imagen 26">
             <a:extLst>
               <a:ext uri="{FF2B5EF4-FFF2-40B4-BE49-F238E27FC236}">
-                <a16:creationId xmlns:a16="http://schemas.microsoft.com/office/drawing/2014/main" id="{95572AA9-EFAE-4771-B1EE-47E361173778}"/>
+                <a16:creationId xmlns:a16="http://schemas.microsoft.com/office/drawing/2014/main" xmlns="" id="{95572AA9-EFAE-4771-B1EE-47E361173778}"/>
               </a:ext>
             </a:extLst>
           </p:cNvPr>
@@ -9405,7 +9407,7 @@
           <p:cNvPr id="16" name="Conector recto 15">
             <a:extLst>
               <a:ext uri="{FF2B5EF4-FFF2-40B4-BE49-F238E27FC236}">
-                <a16:creationId xmlns:a16="http://schemas.microsoft.com/office/drawing/2014/main" id="{5CF69447-82AD-475F-A3AE-3D7FF61DBFE2}"/>
+                <a16:creationId xmlns:a16="http://schemas.microsoft.com/office/drawing/2014/main" xmlns="" id="{5CF69447-82AD-475F-A3AE-3D7FF61DBFE2}"/>
               </a:ext>
             </a:extLst>
           </p:cNvPr>
@@ -9448,7 +9450,7 @@
           <p:cNvPr id="24" name="Paralelogramo 23">
             <a:extLst>
               <a:ext uri="{FF2B5EF4-FFF2-40B4-BE49-F238E27FC236}">
-                <a16:creationId xmlns:a16="http://schemas.microsoft.com/office/drawing/2014/main" id="{FC8C82F3-94EE-4B4F-A01D-993A41BC00B1}"/>
+                <a16:creationId xmlns:a16="http://schemas.microsoft.com/office/drawing/2014/main" xmlns="" id="{FC8C82F3-94EE-4B4F-A01D-993A41BC00B1}"/>
               </a:ext>
             </a:extLst>
           </p:cNvPr>
@@ -9568,7 +9570,7 @@
           <p:cNvPr id="3" name="Marcador de contenido 2" title="Viñetas">
             <a:extLst>
               <a:ext uri="{FF2B5EF4-FFF2-40B4-BE49-F238E27FC236}">
-                <a16:creationId xmlns:a16="http://schemas.microsoft.com/office/drawing/2014/main" id="{BFD7EA17-BE66-4636-9684-F93562587911}"/>
+                <a16:creationId xmlns:a16="http://schemas.microsoft.com/office/drawing/2014/main" xmlns="" id="{BFD7EA17-BE66-4636-9684-F93562587911}"/>
               </a:ext>
             </a:extLst>
           </p:cNvPr>
@@ -9687,7 +9689,7 @@
           <p:cNvPr id="24" name="Triángulo rectángulo 23">
             <a:extLst>
               <a:ext uri="{FF2B5EF4-FFF2-40B4-BE49-F238E27FC236}">
-                <a16:creationId xmlns:a16="http://schemas.microsoft.com/office/drawing/2014/main" id="{BD6ACE60-499D-41AB-89C4-D537D7C3D22A}"/>
+                <a16:creationId xmlns:a16="http://schemas.microsoft.com/office/drawing/2014/main" xmlns="" id="{BD6ACE60-499D-41AB-89C4-D537D7C3D22A}"/>
               </a:ext>
             </a:extLst>
           </p:cNvPr>
@@ -9739,7 +9741,7 @@
           <p:cNvPr id="25" name="Paralelogramo 24">
             <a:extLst>
               <a:ext uri="{FF2B5EF4-FFF2-40B4-BE49-F238E27FC236}">
-                <a16:creationId xmlns:a16="http://schemas.microsoft.com/office/drawing/2014/main" id="{18C08F43-D42B-4CF1-912F-BC83D72AB415}"/>
+                <a16:creationId xmlns:a16="http://schemas.microsoft.com/office/drawing/2014/main" xmlns="" id="{18C08F43-D42B-4CF1-912F-BC83D72AB415}"/>
               </a:ext>
             </a:extLst>
           </p:cNvPr>
@@ -9798,7 +9800,7 @@
           <p:cNvPr id="34" name="Conector recto 33">
             <a:extLst>
               <a:ext uri="{FF2B5EF4-FFF2-40B4-BE49-F238E27FC236}">
-                <a16:creationId xmlns:a16="http://schemas.microsoft.com/office/drawing/2014/main" id="{1411C731-2333-41B0-927A-0A48EEC79964}"/>
+                <a16:creationId xmlns:a16="http://schemas.microsoft.com/office/drawing/2014/main" xmlns="" id="{1411C731-2333-41B0-927A-0A48EEC79964}"/>
               </a:ext>
             </a:extLst>
           </p:cNvPr>
@@ -9841,7 +9843,7 @@
           <p:cNvPr id="5" name="Marcador de texto 4" title="Subtítulo">
             <a:extLst>
               <a:ext uri="{FF2B5EF4-FFF2-40B4-BE49-F238E27FC236}">
-                <a16:creationId xmlns:a16="http://schemas.microsoft.com/office/drawing/2014/main" id="{D71EE635-EA0C-4139-8160-AE1EAD13AAEB}"/>
+                <a16:creationId xmlns:a16="http://schemas.microsoft.com/office/drawing/2014/main" xmlns="" id="{D71EE635-EA0C-4139-8160-AE1EAD13AAEB}"/>
               </a:ext>
             </a:extLst>
           </p:cNvPr>
@@ -9893,7 +9895,7 @@
           <p:cNvPr id="2" name="Título 1" title="Título ">
             <a:extLst>
               <a:ext uri="{FF2B5EF4-FFF2-40B4-BE49-F238E27FC236}">
-                <a16:creationId xmlns:a16="http://schemas.microsoft.com/office/drawing/2014/main" id="{20237B57-91C6-4F8B-8AA0-18FA50B0FD1D}"/>
+                <a16:creationId xmlns:a16="http://schemas.microsoft.com/office/drawing/2014/main" xmlns="" id="{20237B57-91C6-4F8B-8AA0-18FA50B0FD1D}"/>
               </a:ext>
             </a:extLst>
           </p:cNvPr>
@@ -9947,7 +9949,7 @@
           <p:cNvPr id="15" name="Marcador de posición de imagen 14">
             <a:extLst>
               <a:ext uri="{FF2B5EF4-FFF2-40B4-BE49-F238E27FC236}">
-                <a16:creationId xmlns:a16="http://schemas.microsoft.com/office/drawing/2014/main" id="{FE1FADFB-0A3D-40F7-9B40-368DECD971E1}"/>
+                <a16:creationId xmlns:a16="http://schemas.microsoft.com/office/drawing/2014/main" xmlns="" id="{FE1FADFB-0A3D-40F7-9B40-368DECD971E1}"/>
               </a:ext>
             </a:extLst>
           </p:cNvPr>
@@ -10143,7 +10145,7 @@
           <p:cNvPr id="4" name="Marcador de pie de página 3">
             <a:extLst>
               <a:ext uri="{FF2B5EF4-FFF2-40B4-BE49-F238E27FC236}">
-                <a16:creationId xmlns:a16="http://schemas.microsoft.com/office/drawing/2014/main" id="{5ADB14A5-A767-774C-85B8-68EF914689F6}"/>
+                <a16:creationId xmlns:a16="http://schemas.microsoft.com/office/drawing/2014/main" xmlns="" id="{5ADB14A5-A767-774C-85B8-68EF914689F6}"/>
               </a:ext>
             </a:extLst>
           </p:cNvPr>
@@ -10172,7 +10174,7 @@
           <p:cNvPr id="6" name="Marcador de número de diapositiva 5">
             <a:extLst>
               <a:ext uri="{FF2B5EF4-FFF2-40B4-BE49-F238E27FC236}">
-                <a16:creationId xmlns:a16="http://schemas.microsoft.com/office/drawing/2014/main" id="{D4B9B51B-EAA9-4B4D-A4F6-470CD95DAA79}"/>
+                <a16:creationId xmlns:a16="http://schemas.microsoft.com/office/drawing/2014/main" xmlns="" id="{D4B9B51B-EAA9-4B4D-A4F6-470CD95DAA79}"/>
               </a:ext>
             </a:extLst>
           </p:cNvPr>
@@ -10253,7 +10255,7 @@
           <p:cNvPr id="35" name="Triángulo rectángulo 34">
             <a:extLst>
               <a:ext uri="{FF2B5EF4-FFF2-40B4-BE49-F238E27FC236}">
-                <a16:creationId xmlns:a16="http://schemas.microsoft.com/office/drawing/2014/main" id="{805F1696-7D6B-4055-94C3-E4C179F63596}"/>
+                <a16:creationId xmlns:a16="http://schemas.microsoft.com/office/drawing/2014/main" xmlns="" id="{805F1696-7D6B-4055-94C3-E4C179F63596}"/>
               </a:ext>
             </a:extLst>
           </p:cNvPr>
@@ -10305,7 +10307,7 @@
           <p:cNvPr id="18" name="Marcador de posición de imagen 17">
             <a:extLst>
               <a:ext uri="{FF2B5EF4-FFF2-40B4-BE49-F238E27FC236}">
-                <a16:creationId xmlns:a16="http://schemas.microsoft.com/office/drawing/2014/main" id="{8B9EC3A9-7039-403A-9414-429521308AE7}"/>
+                <a16:creationId xmlns:a16="http://schemas.microsoft.com/office/drawing/2014/main" xmlns="" id="{8B9EC3A9-7039-403A-9414-429521308AE7}"/>
               </a:ext>
             </a:extLst>
           </p:cNvPr>
@@ -10394,7 +10396,7 @@
           <p:cNvPr id="3" name="Marcador de contenido 2" title="Viñetas">
             <a:extLst>
               <a:ext uri="{FF2B5EF4-FFF2-40B4-BE49-F238E27FC236}">
-                <a16:creationId xmlns:a16="http://schemas.microsoft.com/office/drawing/2014/main" id="{BFD7EA17-BE66-4636-9684-F93562587911}"/>
+                <a16:creationId xmlns:a16="http://schemas.microsoft.com/office/drawing/2014/main" xmlns="" id="{BFD7EA17-BE66-4636-9684-F93562587911}"/>
               </a:ext>
             </a:extLst>
           </p:cNvPr>
@@ -10513,7 +10515,7 @@
           <p:cNvPr id="25" name="Paralelogramo 24">
             <a:extLst>
               <a:ext uri="{FF2B5EF4-FFF2-40B4-BE49-F238E27FC236}">
-                <a16:creationId xmlns:a16="http://schemas.microsoft.com/office/drawing/2014/main" id="{18C08F43-D42B-4CF1-912F-BC83D72AB415}"/>
+                <a16:creationId xmlns:a16="http://schemas.microsoft.com/office/drawing/2014/main" xmlns="" id="{18C08F43-D42B-4CF1-912F-BC83D72AB415}"/>
               </a:ext>
             </a:extLst>
           </p:cNvPr>
@@ -10572,7 +10574,7 @@
           <p:cNvPr id="34" name="Conector recto 33">
             <a:extLst>
               <a:ext uri="{FF2B5EF4-FFF2-40B4-BE49-F238E27FC236}">
-                <a16:creationId xmlns:a16="http://schemas.microsoft.com/office/drawing/2014/main" id="{1411C731-2333-41B0-927A-0A48EEC79964}"/>
+                <a16:creationId xmlns:a16="http://schemas.microsoft.com/office/drawing/2014/main" xmlns="" id="{1411C731-2333-41B0-927A-0A48EEC79964}"/>
               </a:ext>
             </a:extLst>
           </p:cNvPr>
@@ -10617,7 +10619,7 @@
           <p:cNvPr id="5" name="Marcador de texto 4" title="Subtítulo">
             <a:extLst>
               <a:ext uri="{FF2B5EF4-FFF2-40B4-BE49-F238E27FC236}">
-                <a16:creationId xmlns:a16="http://schemas.microsoft.com/office/drawing/2014/main" id="{D71EE635-EA0C-4139-8160-AE1EAD13AAEB}"/>
+                <a16:creationId xmlns:a16="http://schemas.microsoft.com/office/drawing/2014/main" xmlns="" id="{D71EE635-EA0C-4139-8160-AE1EAD13AAEB}"/>
               </a:ext>
             </a:extLst>
           </p:cNvPr>
@@ -10669,7 +10671,7 @@
           <p:cNvPr id="19" name="Título 1" title="Título ">
             <a:extLst>
               <a:ext uri="{FF2B5EF4-FFF2-40B4-BE49-F238E27FC236}">
-                <a16:creationId xmlns:a16="http://schemas.microsoft.com/office/drawing/2014/main" id="{2DB9D671-9FC8-4306-96B7-D9D585694B83}"/>
+                <a16:creationId xmlns:a16="http://schemas.microsoft.com/office/drawing/2014/main" xmlns="" id="{2DB9D671-9FC8-4306-96B7-D9D585694B83}"/>
               </a:ext>
             </a:extLst>
           </p:cNvPr>
@@ -10723,7 +10725,7 @@
           <p:cNvPr id="2" name="Marcador de pie de página 1">
             <a:extLst>
               <a:ext uri="{FF2B5EF4-FFF2-40B4-BE49-F238E27FC236}">
-                <a16:creationId xmlns:a16="http://schemas.microsoft.com/office/drawing/2014/main" id="{6E55A0B9-F639-8643-9C4D-B93B8EE21A79}"/>
+                <a16:creationId xmlns:a16="http://schemas.microsoft.com/office/drawing/2014/main" xmlns="" id="{6E55A0B9-F639-8643-9C4D-B93B8EE21A79}"/>
               </a:ext>
             </a:extLst>
           </p:cNvPr>
@@ -10752,7 +10754,7 @@
           <p:cNvPr id="4" name="Marcador de posición de número de diapositiva 3">
             <a:extLst>
               <a:ext uri="{FF2B5EF4-FFF2-40B4-BE49-F238E27FC236}">
-                <a16:creationId xmlns:a16="http://schemas.microsoft.com/office/drawing/2014/main" id="{D0C29282-8AC7-494D-9A8E-A26C7F69948F}"/>
+                <a16:creationId xmlns:a16="http://schemas.microsoft.com/office/drawing/2014/main" xmlns="" id="{D0C29282-8AC7-494D-9A8E-A26C7F69948F}"/>
               </a:ext>
             </a:extLst>
           </p:cNvPr>
@@ -10782,7 +10784,7 @@
           <p:cNvPr id="15" name="Cuadro de texto 14">
             <a:extLst>
               <a:ext uri="{FF2B5EF4-FFF2-40B4-BE49-F238E27FC236}">
-                <a16:creationId xmlns:a16="http://schemas.microsoft.com/office/drawing/2014/main" id="{5E24A5A7-66A2-7F43-9A7A-5E13F74F8C0E}"/>
+                <a16:creationId xmlns:a16="http://schemas.microsoft.com/office/drawing/2014/main" xmlns="" id="{5E24A5A7-66A2-7F43-9A7A-5E13F74F8C0E}"/>
               </a:ext>
             </a:extLst>
           </p:cNvPr>
@@ -10874,7 +10876,7 @@
           <p:cNvPr id="34" name="Rectángulo 33">
             <a:extLst>
               <a:ext uri="{FF2B5EF4-FFF2-40B4-BE49-F238E27FC236}">
-                <a16:creationId xmlns:a16="http://schemas.microsoft.com/office/drawing/2014/main" id="{9111EB29-9262-4594-8717-356AB3816AA6}"/>
+                <a16:creationId xmlns:a16="http://schemas.microsoft.com/office/drawing/2014/main" xmlns="" id="{9111EB29-9262-4594-8717-356AB3816AA6}"/>
               </a:ext>
             </a:extLst>
           </p:cNvPr>
@@ -10926,7 +10928,7 @@
           <p:cNvPr id="22" name="Conector recto 21">
             <a:extLst>
               <a:ext uri="{FF2B5EF4-FFF2-40B4-BE49-F238E27FC236}">
-                <a16:creationId xmlns:a16="http://schemas.microsoft.com/office/drawing/2014/main" id="{01AF1CF9-9F46-4541-8FF1-B9C53244EE1A}"/>
+                <a16:creationId xmlns:a16="http://schemas.microsoft.com/office/drawing/2014/main" xmlns="" id="{01AF1CF9-9F46-4541-8FF1-B9C53244EE1A}"/>
               </a:ext>
             </a:extLst>
           </p:cNvPr>
@@ -10969,7 +10971,7 @@
           <p:cNvPr id="23" name="Grupo 22">
             <a:extLst>
               <a:ext uri="{FF2B5EF4-FFF2-40B4-BE49-F238E27FC236}">
-                <a16:creationId xmlns:a16="http://schemas.microsoft.com/office/drawing/2014/main" id="{AB0E1BA4-80FE-4826-BA2F-083C3A5BB7FA}"/>
+                <a16:creationId xmlns:a16="http://schemas.microsoft.com/office/drawing/2014/main" xmlns="" id="{AB0E1BA4-80FE-4826-BA2F-083C3A5BB7FA}"/>
               </a:ext>
             </a:extLst>
           </p:cNvPr>
@@ -10989,7 +10991,7 @@
             <p:cNvPr id="26" name="Franja diagonal 25">
               <a:extLst>
                 <a:ext uri="{FF2B5EF4-FFF2-40B4-BE49-F238E27FC236}">
-                  <a16:creationId xmlns:a16="http://schemas.microsoft.com/office/drawing/2014/main" id="{0697993E-CD44-40B9-805C-77BC608618A7}"/>
+                  <a16:creationId xmlns:a16="http://schemas.microsoft.com/office/drawing/2014/main" xmlns="" id="{0697993E-CD44-40B9-805C-77BC608618A7}"/>
                 </a:ext>
               </a:extLst>
             </p:cNvPr>
@@ -11047,7 +11049,7 @@
             <p:cNvPr id="28" name="Conector recto 27">
               <a:extLst>
                 <a:ext uri="{FF2B5EF4-FFF2-40B4-BE49-F238E27FC236}">
-                  <a16:creationId xmlns:a16="http://schemas.microsoft.com/office/drawing/2014/main" id="{DDBD869A-51AE-4AC9-A3E0-38E8C732B1E8}"/>
+                  <a16:creationId xmlns:a16="http://schemas.microsoft.com/office/drawing/2014/main" xmlns="" id="{DDBD869A-51AE-4AC9-A3E0-38E8C732B1E8}"/>
                 </a:ext>
               </a:extLst>
             </p:cNvPr>
@@ -11092,7 +11094,7 @@
             <p:cNvPr id="30" name="Paralelogramo 29">
               <a:extLst>
                 <a:ext uri="{FF2B5EF4-FFF2-40B4-BE49-F238E27FC236}">
-                  <a16:creationId xmlns:a16="http://schemas.microsoft.com/office/drawing/2014/main" id="{DE18C3B6-28E6-4BBC-B634-F81DE5A9D13C}"/>
+                  <a16:creationId xmlns:a16="http://schemas.microsoft.com/office/drawing/2014/main" xmlns="" id="{DE18C3B6-28E6-4BBC-B634-F81DE5A9D13C}"/>
                 </a:ext>
               </a:extLst>
             </p:cNvPr>
@@ -11147,7 +11149,7 @@
           <p:cNvPr id="17" name="Marcador de texto 2">
             <a:extLst>
               <a:ext uri="{FF2B5EF4-FFF2-40B4-BE49-F238E27FC236}">
-                <a16:creationId xmlns:a16="http://schemas.microsoft.com/office/drawing/2014/main" id="{B2E19FBD-2379-4B3B-910D-F51E007CB63F}"/>
+                <a16:creationId xmlns:a16="http://schemas.microsoft.com/office/drawing/2014/main" xmlns="" id="{B2E19FBD-2379-4B3B-910D-F51E007CB63F}"/>
               </a:ext>
             </a:extLst>
           </p:cNvPr>
@@ -11233,7 +11235,7 @@
           <p:cNvPr id="18" name="Marcador de contenido 3" title="Viñetas">
             <a:extLst>
               <a:ext uri="{FF2B5EF4-FFF2-40B4-BE49-F238E27FC236}">
-                <a16:creationId xmlns:a16="http://schemas.microsoft.com/office/drawing/2014/main" id="{8715E757-6584-4841-8154-C92E70E0CD6B}"/>
+                <a16:creationId xmlns:a16="http://schemas.microsoft.com/office/drawing/2014/main" xmlns="" id="{8715E757-6584-4841-8154-C92E70E0CD6B}"/>
               </a:ext>
             </a:extLst>
           </p:cNvPr>
@@ -11357,7 +11359,7 @@
           <p:cNvPr id="19" name="Marcador de posición de texto 4">
             <a:extLst>
               <a:ext uri="{FF2B5EF4-FFF2-40B4-BE49-F238E27FC236}">
-                <a16:creationId xmlns:a16="http://schemas.microsoft.com/office/drawing/2014/main" id="{47CDC5A2-8836-4ED3-8E78-18C24853D882}"/>
+                <a16:creationId xmlns:a16="http://schemas.microsoft.com/office/drawing/2014/main" xmlns="" id="{47CDC5A2-8836-4ED3-8E78-18C24853D882}"/>
               </a:ext>
             </a:extLst>
           </p:cNvPr>
@@ -11440,7 +11442,7 @@
           <p:cNvPr id="20" name="Marcador de contenido 5" title="Viñetas">
             <a:extLst>
               <a:ext uri="{FF2B5EF4-FFF2-40B4-BE49-F238E27FC236}">
-                <a16:creationId xmlns:a16="http://schemas.microsoft.com/office/drawing/2014/main" id="{D957FBD7-2C3C-4DD1-954F-DF1E007BE590}"/>
+                <a16:creationId xmlns:a16="http://schemas.microsoft.com/office/drawing/2014/main" xmlns="" id="{D957FBD7-2C3C-4DD1-954F-DF1E007BE590}"/>
               </a:ext>
             </a:extLst>
           </p:cNvPr>
@@ -11564,7 +11566,7 @@
           <p:cNvPr id="24" name="Marcador de texto 4" title="Subtítulo">
             <a:extLst>
               <a:ext uri="{FF2B5EF4-FFF2-40B4-BE49-F238E27FC236}">
-                <a16:creationId xmlns:a16="http://schemas.microsoft.com/office/drawing/2014/main" id="{77DB65FF-A89E-4562-8251-2BB63EFDD28E}"/>
+                <a16:creationId xmlns:a16="http://schemas.microsoft.com/office/drawing/2014/main" xmlns="" id="{77DB65FF-A89E-4562-8251-2BB63EFDD28E}"/>
               </a:ext>
             </a:extLst>
           </p:cNvPr>
@@ -11614,7 +11616,7 @@
           <p:cNvPr id="25" name="Cuadro de texto 24">
             <a:extLst>
               <a:ext uri="{FF2B5EF4-FFF2-40B4-BE49-F238E27FC236}">
-                <a16:creationId xmlns:a16="http://schemas.microsoft.com/office/drawing/2014/main" id="{F0BB4D3D-930C-4FF4-BB7C-2CB24208150C}"/>
+                <a16:creationId xmlns:a16="http://schemas.microsoft.com/office/drawing/2014/main" xmlns="" id="{F0BB4D3D-930C-4FF4-BB7C-2CB24208150C}"/>
               </a:ext>
             </a:extLst>
           </p:cNvPr>
@@ -11655,7 +11657,7 @@
           <p:cNvPr id="36" name="Paralelogramo 35">
             <a:extLst>
               <a:ext uri="{FF2B5EF4-FFF2-40B4-BE49-F238E27FC236}">
-                <a16:creationId xmlns:a16="http://schemas.microsoft.com/office/drawing/2014/main" id="{4EBB76E7-943E-4038-B700-114F66FBC609}"/>
+                <a16:creationId xmlns:a16="http://schemas.microsoft.com/office/drawing/2014/main" xmlns="" id="{4EBB76E7-943E-4038-B700-114F66FBC609}"/>
               </a:ext>
             </a:extLst>
           </p:cNvPr>
@@ -11714,7 +11716,7 @@
           <p:cNvPr id="2" name="Marcador de pie de página 1">
             <a:extLst>
               <a:ext uri="{FF2B5EF4-FFF2-40B4-BE49-F238E27FC236}">
-                <a16:creationId xmlns:a16="http://schemas.microsoft.com/office/drawing/2014/main" id="{03E79E9C-D961-6E47-A5C6-57689BAFF243}"/>
+                <a16:creationId xmlns:a16="http://schemas.microsoft.com/office/drawing/2014/main" xmlns="" id="{03E79E9C-D961-6E47-A5C6-57689BAFF243}"/>
               </a:ext>
             </a:extLst>
           </p:cNvPr>
@@ -11747,7 +11749,7 @@
           <p:cNvPr id="3" name="Marcador de número de diapositiva 2">
             <a:extLst>
               <a:ext uri="{FF2B5EF4-FFF2-40B4-BE49-F238E27FC236}">
-                <a16:creationId xmlns:a16="http://schemas.microsoft.com/office/drawing/2014/main" id="{B08BE157-60F2-194D-8C13-4AE120FC9EDE}"/>
+                <a16:creationId xmlns:a16="http://schemas.microsoft.com/office/drawing/2014/main" xmlns="" id="{B08BE157-60F2-194D-8C13-4AE120FC9EDE}"/>
               </a:ext>
             </a:extLst>
           </p:cNvPr>
@@ -11777,7 +11779,7 @@
           <p:cNvPr id="27" name="Título 1" title="Título ">
             <a:extLst>
               <a:ext uri="{FF2B5EF4-FFF2-40B4-BE49-F238E27FC236}">
-                <a16:creationId xmlns:a16="http://schemas.microsoft.com/office/drawing/2014/main" id="{C3CC34F4-862A-42E7-B2FA-7B511CC2E879}"/>
+                <a16:creationId xmlns:a16="http://schemas.microsoft.com/office/drawing/2014/main" xmlns="" id="{C3CC34F4-862A-42E7-B2FA-7B511CC2E879}"/>
               </a:ext>
             </a:extLst>
           </p:cNvPr>
@@ -11885,7 +11887,7 @@
           <p:cNvPr id="23" name="Rectángulo 22">
             <a:extLst>
               <a:ext uri="{FF2B5EF4-FFF2-40B4-BE49-F238E27FC236}">
-                <a16:creationId xmlns:a16="http://schemas.microsoft.com/office/drawing/2014/main" id="{8FB39FF5-7AF5-4963-9346-2640496A3302}"/>
+                <a16:creationId xmlns:a16="http://schemas.microsoft.com/office/drawing/2014/main" xmlns="" id="{8FB39FF5-7AF5-4963-9346-2640496A3302}"/>
               </a:ext>
             </a:extLst>
           </p:cNvPr>
@@ -11937,7 +11939,7 @@
           <p:cNvPr id="16" name="Cuadro de texto 15">
             <a:extLst>
               <a:ext uri="{FF2B5EF4-FFF2-40B4-BE49-F238E27FC236}">
-                <a16:creationId xmlns:a16="http://schemas.microsoft.com/office/drawing/2014/main" id="{A4F49194-9068-41AA-B460-962319BF96A4}"/>
+                <a16:creationId xmlns:a16="http://schemas.microsoft.com/office/drawing/2014/main" xmlns="" id="{A4F49194-9068-41AA-B460-962319BF96A4}"/>
               </a:ext>
             </a:extLst>
           </p:cNvPr>
@@ -11978,7 +11980,7 @@
           <p:cNvPr id="28" name="Grupo 27">
             <a:extLst>
               <a:ext uri="{FF2B5EF4-FFF2-40B4-BE49-F238E27FC236}">
-                <a16:creationId xmlns:a16="http://schemas.microsoft.com/office/drawing/2014/main" id="{5806E656-313A-47B1-B381-D004200F7A01}"/>
+                <a16:creationId xmlns:a16="http://schemas.microsoft.com/office/drawing/2014/main" xmlns="" id="{5806E656-313A-47B1-B381-D004200F7A01}"/>
               </a:ext>
             </a:extLst>
           </p:cNvPr>
@@ -11998,7 +12000,7 @@
             <p:cNvPr id="29" name="Franja diagonal 28">
               <a:extLst>
                 <a:ext uri="{FF2B5EF4-FFF2-40B4-BE49-F238E27FC236}">
-                  <a16:creationId xmlns:a16="http://schemas.microsoft.com/office/drawing/2014/main" id="{65F8E2DA-4BB4-4421-9172-A11AF38DFEF4}"/>
+                  <a16:creationId xmlns:a16="http://schemas.microsoft.com/office/drawing/2014/main" xmlns="" id="{65F8E2DA-4BB4-4421-9172-A11AF38DFEF4}"/>
                 </a:ext>
               </a:extLst>
             </p:cNvPr>
@@ -12056,7 +12058,7 @@
             <p:cNvPr id="30" name="Conector recto 29">
               <a:extLst>
                 <a:ext uri="{FF2B5EF4-FFF2-40B4-BE49-F238E27FC236}">
-                  <a16:creationId xmlns:a16="http://schemas.microsoft.com/office/drawing/2014/main" id="{6EDB47F2-B6A7-40B4-8A2C-06719F75C085}"/>
+                  <a16:creationId xmlns:a16="http://schemas.microsoft.com/office/drawing/2014/main" xmlns="" id="{6EDB47F2-B6A7-40B4-8A2C-06719F75C085}"/>
                 </a:ext>
               </a:extLst>
             </p:cNvPr>
@@ -12101,7 +12103,7 @@
             <p:cNvPr id="31" name="Paralelogramo 30">
               <a:extLst>
                 <a:ext uri="{FF2B5EF4-FFF2-40B4-BE49-F238E27FC236}">
-                  <a16:creationId xmlns:a16="http://schemas.microsoft.com/office/drawing/2014/main" id="{B188E7A9-2351-4B68-98B8-10099CB39CD2}"/>
+                  <a16:creationId xmlns:a16="http://schemas.microsoft.com/office/drawing/2014/main" xmlns="" id="{B188E7A9-2351-4B68-98B8-10099CB39CD2}"/>
                 </a:ext>
               </a:extLst>
             </p:cNvPr>
@@ -12156,7 +12158,7 @@
           <p:cNvPr id="33" name="Paralelogramo 32">
             <a:extLst>
               <a:ext uri="{FF2B5EF4-FFF2-40B4-BE49-F238E27FC236}">
-                <a16:creationId xmlns:a16="http://schemas.microsoft.com/office/drawing/2014/main" id="{F088C182-BF10-45B2-B159-7702E00D31D4}"/>
+                <a16:creationId xmlns:a16="http://schemas.microsoft.com/office/drawing/2014/main" xmlns="" id="{F088C182-BF10-45B2-B159-7702E00D31D4}"/>
               </a:ext>
             </a:extLst>
           </p:cNvPr>
@@ -12215,7 +12217,7 @@
           <p:cNvPr id="34" name="Marcador de texto 4" title="Subtítulo">
             <a:extLst>
               <a:ext uri="{FF2B5EF4-FFF2-40B4-BE49-F238E27FC236}">
-                <a16:creationId xmlns:a16="http://schemas.microsoft.com/office/drawing/2014/main" id="{FB561B16-2788-452A-B7AF-A482256DCDF2}"/>
+                <a16:creationId xmlns:a16="http://schemas.microsoft.com/office/drawing/2014/main" xmlns="" id="{FB561B16-2788-452A-B7AF-A482256DCDF2}"/>
               </a:ext>
             </a:extLst>
           </p:cNvPr>
@@ -12265,7 +12267,7 @@
           <p:cNvPr id="2" name="Marcador de pie de página 1">
             <a:extLst>
               <a:ext uri="{FF2B5EF4-FFF2-40B4-BE49-F238E27FC236}">
-                <a16:creationId xmlns:a16="http://schemas.microsoft.com/office/drawing/2014/main" id="{D6990C03-1647-2044-B335-6F5F19E4E5FC}"/>
+                <a16:creationId xmlns:a16="http://schemas.microsoft.com/office/drawing/2014/main" xmlns="" id="{D6990C03-1647-2044-B335-6F5F19E4E5FC}"/>
               </a:ext>
             </a:extLst>
           </p:cNvPr>
@@ -12294,7 +12296,7 @@
           <p:cNvPr id="3" name="Marcador de número de diapositiva 2">
             <a:extLst>
               <a:ext uri="{FF2B5EF4-FFF2-40B4-BE49-F238E27FC236}">
-                <a16:creationId xmlns:a16="http://schemas.microsoft.com/office/drawing/2014/main" id="{4F03A7CC-E6DC-1544-BE55-15EC1718B77C}"/>
+                <a16:creationId xmlns:a16="http://schemas.microsoft.com/office/drawing/2014/main" xmlns="" id="{4F03A7CC-E6DC-1544-BE55-15EC1718B77C}"/>
               </a:ext>
             </a:extLst>
           </p:cNvPr>
@@ -12324,7 +12326,7 @@
           <p:cNvPr id="17" name="Título 1" title="Título ">
             <a:extLst>
               <a:ext uri="{FF2B5EF4-FFF2-40B4-BE49-F238E27FC236}">
-                <a16:creationId xmlns:a16="http://schemas.microsoft.com/office/drawing/2014/main" id="{BDEC780E-6412-1344-A62E-6B84E9CCB678}"/>
+                <a16:creationId xmlns:a16="http://schemas.microsoft.com/office/drawing/2014/main" xmlns="" id="{BDEC780E-6412-1344-A62E-6B84E9CCB678}"/>
               </a:ext>
             </a:extLst>
           </p:cNvPr>
@@ -12371,7 +12373,7 @@
           <p:cNvPr id="5" name="Marcador de texto 4">
             <a:extLst>
               <a:ext uri="{FF2B5EF4-FFF2-40B4-BE49-F238E27FC236}">
-                <a16:creationId xmlns:a16="http://schemas.microsoft.com/office/drawing/2014/main" id="{2C82AC85-33B6-2B49-8BF4-08414444375C}"/>
+                <a16:creationId xmlns:a16="http://schemas.microsoft.com/office/drawing/2014/main" xmlns="" id="{2C82AC85-33B6-2B49-8BF4-08414444375C}"/>
               </a:ext>
             </a:extLst>
           </p:cNvPr>
@@ -12449,7 +12451,7 @@
           <p:cNvPr id="20" name="Marcador de posición de gráfico 2" title="Gráfico">
             <a:extLst>
               <a:ext uri="{FF2B5EF4-FFF2-40B4-BE49-F238E27FC236}">
-                <a16:creationId xmlns:a16="http://schemas.microsoft.com/office/drawing/2014/main" id="{0EF0FD2A-B62A-4931-846D-2602DED26606}"/>
+                <a16:creationId xmlns:a16="http://schemas.microsoft.com/office/drawing/2014/main" xmlns="" id="{0EF0FD2A-B62A-4931-846D-2602DED26606}"/>
               </a:ext>
             </a:extLst>
           </p:cNvPr>
@@ -12551,7 +12553,7 @@
           <p:cNvPr id="19" name="Rectángulo 18">
             <a:extLst>
               <a:ext uri="{FF2B5EF4-FFF2-40B4-BE49-F238E27FC236}">
-                <a16:creationId xmlns:a16="http://schemas.microsoft.com/office/drawing/2014/main" id="{69EF72CE-34D2-4581-98D2-89218BC1B4E4}"/>
+                <a16:creationId xmlns:a16="http://schemas.microsoft.com/office/drawing/2014/main" xmlns="" id="{69EF72CE-34D2-4581-98D2-89218BC1B4E4}"/>
               </a:ext>
             </a:extLst>
           </p:cNvPr>
@@ -12603,7 +12605,7 @@
           <p:cNvPr id="16" name="Cuadro de texto 15">
             <a:extLst>
               <a:ext uri="{FF2B5EF4-FFF2-40B4-BE49-F238E27FC236}">
-                <a16:creationId xmlns:a16="http://schemas.microsoft.com/office/drawing/2014/main" id="{B84020D1-D35E-497E-97F1-84A6EA9D048E}"/>
+                <a16:creationId xmlns:a16="http://schemas.microsoft.com/office/drawing/2014/main" xmlns="" id="{B84020D1-D35E-497E-97F1-84A6EA9D048E}"/>
               </a:ext>
             </a:extLst>
           </p:cNvPr>
@@ -12644,7 +12646,7 @@
           <p:cNvPr id="26" name="Grupo 25">
             <a:extLst>
               <a:ext uri="{FF2B5EF4-FFF2-40B4-BE49-F238E27FC236}">
-                <a16:creationId xmlns:a16="http://schemas.microsoft.com/office/drawing/2014/main" id="{36C8A74F-FDDF-48E8-AC2B-A5BD59D7D6A3}"/>
+                <a16:creationId xmlns:a16="http://schemas.microsoft.com/office/drawing/2014/main" xmlns="" id="{36C8A74F-FDDF-48E8-AC2B-A5BD59D7D6A3}"/>
               </a:ext>
             </a:extLst>
           </p:cNvPr>
@@ -12664,7 +12666,7 @@
             <p:cNvPr id="27" name="Franja diagonal 26">
               <a:extLst>
                 <a:ext uri="{FF2B5EF4-FFF2-40B4-BE49-F238E27FC236}">
-                  <a16:creationId xmlns:a16="http://schemas.microsoft.com/office/drawing/2014/main" id="{2D5247F3-E6EB-4003-B1FD-F6200F0738E5}"/>
+                  <a16:creationId xmlns:a16="http://schemas.microsoft.com/office/drawing/2014/main" xmlns="" id="{2D5247F3-E6EB-4003-B1FD-F6200F0738E5}"/>
                 </a:ext>
               </a:extLst>
             </p:cNvPr>
@@ -12722,7 +12724,7 @@
             <p:cNvPr id="28" name="Conector recto 27">
               <a:extLst>
                 <a:ext uri="{FF2B5EF4-FFF2-40B4-BE49-F238E27FC236}">
-                  <a16:creationId xmlns:a16="http://schemas.microsoft.com/office/drawing/2014/main" id="{E9B7D995-9FB8-4461-8AAA-FA8B9A145B6B}"/>
+                  <a16:creationId xmlns:a16="http://schemas.microsoft.com/office/drawing/2014/main" xmlns="" id="{E9B7D995-9FB8-4461-8AAA-FA8B9A145B6B}"/>
                 </a:ext>
               </a:extLst>
             </p:cNvPr>
@@ -12767,7 +12769,7 @@
             <p:cNvPr id="33" name="Paralelogramo 32">
               <a:extLst>
                 <a:ext uri="{FF2B5EF4-FFF2-40B4-BE49-F238E27FC236}">
-                  <a16:creationId xmlns:a16="http://schemas.microsoft.com/office/drawing/2014/main" id="{849B962F-68BC-4B89-B4D8-D862517534DF}"/>
+                  <a16:creationId xmlns:a16="http://schemas.microsoft.com/office/drawing/2014/main" xmlns="" id="{849B962F-68BC-4B89-B4D8-D862517534DF}"/>
                 </a:ext>
               </a:extLst>
             </p:cNvPr>
@@ -12822,7 +12824,7 @@
           <p:cNvPr id="36" name="Paralelogramo 35">
             <a:extLst>
               <a:ext uri="{FF2B5EF4-FFF2-40B4-BE49-F238E27FC236}">
-                <a16:creationId xmlns:a16="http://schemas.microsoft.com/office/drawing/2014/main" id="{8006416B-866C-47E5-8480-109B40F9EAA9}"/>
+                <a16:creationId xmlns:a16="http://schemas.microsoft.com/office/drawing/2014/main" xmlns="" id="{8006416B-866C-47E5-8480-109B40F9EAA9}"/>
               </a:ext>
             </a:extLst>
           </p:cNvPr>
@@ -12881,7 +12883,7 @@
           <p:cNvPr id="37" name="Marcador de texto 4" title="Subtítulo">
             <a:extLst>
               <a:ext uri="{FF2B5EF4-FFF2-40B4-BE49-F238E27FC236}">
-                <a16:creationId xmlns:a16="http://schemas.microsoft.com/office/drawing/2014/main" id="{FE79FAE9-2A8C-46BA-8738-44CBCF7294A9}"/>
+                <a16:creationId xmlns:a16="http://schemas.microsoft.com/office/drawing/2014/main" xmlns="" id="{FE79FAE9-2A8C-46BA-8738-44CBCF7294A9}"/>
               </a:ext>
             </a:extLst>
           </p:cNvPr>
@@ -12931,7 +12933,7 @@
           <p:cNvPr id="2" name="Marcador de pie de página 1">
             <a:extLst>
               <a:ext uri="{FF2B5EF4-FFF2-40B4-BE49-F238E27FC236}">
-                <a16:creationId xmlns:a16="http://schemas.microsoft.com/office/drawing/2014/main" id="{5750A33E-CEFE-4D43-9554-513B01B1D3D9}"/>
+                <a16:creationId xmlns:a16="http://schemas.microsoft.com/office/drawing/2014/main" xmlns="" id="{5750A33E-CEFE-4D43-9554-513B01B1D3D9}"/>
               </a:ext>
             </a:extLst>
           </p:cNvPr>
@@ -12960,7 +12962,7 @@
           <p:cNvPr id="3" name="Marcador de número de diapositiva 2">
             <a:extLst>
               <a:ext uri="{FF2B5EF4-FFF2-40B4-BE49-F238E27FC236}">
-                <a16:creationId xmlns:a16="http://schemas.microsoft.com/office/drawing/2014/main" id="{4A960C75-8FA7-5740-9388-2B5112B2C5B9}"/>
+                <a16:creationId xmlns:a16="http://schemas.microsoft.com/office/drawing/2014/main" xmlns="" id="{4A960C75-8FA7-5740-9388-2B5112B2C5B9}"/>
               </a:ext>
             </a:extLst>
           </p:cNvPr>
@@ -12990,7 +12992,7 @@
           <p:cNvPr id="17" name="Título 1" title="Título ">
             <a:extLst>
               <a:ext uri="{FF2B5EF4-FFF2-40B4-BE49-F238E27FC236}">
-                <a16:creationId xmlns:a16="http://schemas.microsoft.com/office/drawing/2014/main" id="{0F525D04-A814-7A4D-9732-11097EA76257}"/>
+                <a16:creationId xmlns:a16="http://schemas.microsoft.com/office/drawing/2014/main" xmlns="" id="{0F525D04-A814-7A4D-9732-11097EA76257}"/>
               </a:ext>
             </a:extLst>
           </p:cNvPr>
@@ -13037,7 +13039,7 @@
           <p:cNvPr id="15" name="Marcador de posición de título 11" title="Tabla">
             <a:extLst>
               <a:ext uri="{FF2B5EF4-FFF2-40B4-BE49-F238E27FC236}">
-                <a16:creationId xmlns:a16="http://schemas.microsoft.com/office/drawing/2014/main" id="{7CD3E31F-0AF8-4EB8-B6FA-BD95A2EDA63B}"/>
+                <a16:creationId xmlns:a16="http://schemas.microsoft.com/office/drawing/2014/main" xmlns="" id="{7CD3E31F-0AF8-4EB8-B6FA-BD95A2EDA63B}"/>
               </a:ext>
             </a:extLst>
           </p:cNvPr>
@@ -13138,7 +13140,7 @@
           <p:cNvPr id="7" name="Rectángulo 6">
             <a:extLst>
               <a:ext uri="{FF2B5EF4-FFF2-40B4-BE49-F238E27FC236}">
-                <a16:creationId xmlns:a16="http://schemas.microsoft.com/office/drawing/2014/main" id="{BCAFD81C-E6E5-4292-828B-BD147E6DEABE}"/>
+                <a16:creationId xmlns:a16="http://schemas.microsoft.com/office/drawing/2014/main" xmlns="" id="{BCAFD81C-E6E5-4292-828B-BD147E6DEABE}"/>
               </a:ext>
             </a:extLst>
           </p:cNvPr>
@@ -13190,7 +13192,7 @@
           <p:cNvPr id="4" name="Triángulo rectángulo 3">
             <a:extLst>
               <a:ext uri="{FF2B5EF4-FFF2-40B4-BE49-F238E27FC236}">
-                <a16:creationId xmlns:a16="http://schemas.microsoft.com/office/drawing/2014/main" id="{79ED029D-F488-47E5-B064-0E35B31D23A5}"/>
+                <a16:creationId xmlns:a16="http://schemas.microsoft.com/office/drawing/2014/main" xmlns="" id="{79ED029D-F488-47E5-B064-0E35B31D23A5}"/>
               </a:ext>
             </a:extLst>
           </p:cNvPr>
@@ -13242,7 +13244,7 @@
           <p:cNvPr id="5" name="Marcador de posición de imagen 31" title="Imagen">
             <a:extLst>
               <a:ext uri="{FF2B5EF4-FFF2-40B4-BE49-F238E27FC236}">
-                <a16:creationId xmlns:a16="http://schemas.microsoft.com/office/drawing/2014/main" id="{D683190A-95C6-428D-AEE4-FC8350C3246D}"/>
+                <a16:creationId xmlns:a16="http://schemas.microsoft.com/office/drawing/2014/main" xmlns="" id="{D683190A-95C6-428D-AEE4-FC8350C3246D}"/>
               </a:ext>
             </a:extLst>
           </p:cNvPr>
@@ -13292,7 +13294,7 @@
           <p:cNvPr id="6" name="Conector recto 5">
             <a:extLst>
               <a:ext uri="{FF2B5EF4-FFF2-40B4-BE49-F238E27FC236}">
-                <a16:creationId xmlns:a16="http://schemas.microsoft.com/office/drawing/2014/main" id="{F78F4957-6DDE-40CE-9D33-00B1434FA085}"/>
+                <a16:creationId xmlns:a16="http://schemas.microsoft.com/office/drawing/2014/main" xmlns="" id="{F78F4957-6DDE-40CE-9D33-00B1434FA085}"/>
               </a:ext>
             </a:extLst>
           </p:cNvPr>
@@ -13337,7 +13339,7 @@
           <p:cNvPr id="9" name="Título 1" title="Título ">
             <a:extLst>
               <a:ext uri="{FF2B5EF4-FFF2-40B4-BE49-F238E27FC236}">
-                <a16:creationId xmlns:a16="http://schemas.microsoft.com/office/drawing/2014/main" id="{D9A8085F-72C4-4DFB-813E-C5666B0CCF3A}"/>
+                <a16:creationId xmlns:a16="http://schemas.microsoft.com/office/drawing/2014/main" xmlns="" id="{D9A8085F-72C4-4DFB-813E-C5666B0CCF3A}"/>
               </a:ext>
             </a:extLst>
           </p:cNvPr>
@@ -13435,7 +13437,7 @@
           <p:cNvPr id="26" name="Rectángulo 25">
             <a:extLst>
               <a:ext uri="{FF2B5EF4-FFF2-40B4-BE49-F238E27FC236}">
-                <a16:creationId xmlns:a16="http://schemas.microsoft.com/office/drawing/2014/main" id="{40A6720D-B182-4290-BD91-1D1E4D930603}"/>
+                <a16:creationId xmlns:a16="http://schemas.microsoft.com/office/drawing/2014/main" xmlns="" id="{40A6720D-B182-4290-BD91-1D1E4D930603}"/>
               </a:ext>
             </a:extLst>
           </p:cNvPr>
@@ -13487,7 +13489,7 @@
           <p:cNvPr id="9" name="Marcador de texto 3">
             <a:extLst>
               <a:ext uri="{FF2B5EF4-FFF2-40B4-BE49-F238E27FC236}">
-                <a16:creationId xmlns:a16="http://schemas.microsoft.com/office/drawing/2014/main" id="{A488AB73-8058-4FB5-9619-FCECCA9F3941}"/>
+                <a16:creationId xmlns:a16="http://schemas.microsoft.com/office/drawing/2014/main" xmlns="" id="{A488AB73-8058-4FB5-9619-FCECCA9F3941}"/>
               </a:ext>
             </a:extLst>
           </p:cNvPr>
@@ -13532,7 +13534,7 @@
           <p:cNvPr id="10" name="Marcador de texto 4">
             <a:extLst>
               <a:ext uri="{FF2B5EF4-FFF2-40B4-BE49-F238E27FC236}">
-                <a16:creationId xmlns:a16="http://schemas.microsoft.com/office/drawing/2014/main" id="{359BE165-3EB5-4C11-8B53-6E98C0BC2E65}"/>
+                <a16:creationId xmlns:a16="http://schemas.microsoft.com/office/drawing/2014/main" xmlns="" id="{359BE165-3EB5-4C11-8B53-6E98C0BC2E65}"/>
               </a:ext>
             </a:extLst>
           </p:cNvPr>
@@ -13577,7 +13579,7 @@
           <p:cNvPr id="11" name="Marcador de texto 5">
             <a:extLst>
               <a:ext uri="{FF2B5EF4-FFF2-40B4-BE49-F238E27FC236}">
-                <a16:creationId xmlns:a16="http://schemas.microsoft.com/office/drawing/2014/main" id="{79D05293-35AD-495F-A7AE-942398090B15}"/>
+                <a16:creationId xmlns:a16="http://schemas.microsoft.com/office/drawing/2014/main" xmlns="" id="{79D05293-35AD-495F-A7AE-942398090B15}"/>
               </a:ext>
             </a:extLst>
           </p:cNvPr>
@@ -13622,7 +13624,7 @@
           <p:cNvPr id="13" name="Marcador de texto 21">
             <a:extLst>
               <a:ext uri="{FF2B5EF4-FFF2-40B4-BE49-F238E27FC236}">
-                <a16:creationId xmlns:a16="http://schemas.microsoft.com/office/drawing/2014/main" id="{997A03F2-8D8A-4425-9F56-66DB33CE11A1}"/>
+                <a16:creationId xmlns:a16="http://schemas.microsoft.com/office/drawing/2014/main" xmlns="" id="{997A03F2-8D8A-4425-9F56-66DB33CE11A1}"/>
               </a:ext>
             </a:extLst>
           </p:cNvPr>
@@ -13667,7 +13669,7 @@
           <p:cNvPr id="14" name="Forma 4157">
             <a:extLst>
               <a:ext uri="{FF2B5EF4-FFF2-40B4-BE49-F238E27FC236}">
-                <a16:creationId xmlns:a16="http://schemas.microsoft.com/office/drawing/2014/main" id="{A30A8F28-98F4-425F-A750-78192A157DF4}"/>
+                <a16:creationId xmlns:a16="http://schemas.microsoft.com/office/drawing/2014/main" xmlns="" id="{A30A8F28-98F4-425F-A750-78192A157DF4}"/>
               </a:ext>
             </a:extLst>
           </p:cNvPr>
@@ -13933,7 +13935,7 @@
           <p:cNvPr id="15" name="Forma 4186">
             <a:extLst>
               <a:ext uri="{FF2B5EF4-FFF2-40B4-BE49-F238E27FC236}">
-                <a16:creationId xmlns:a16="http://schemas.microsoft.com/office/drawing/2014/main" id="{2F84D399-8148-4E86-A1E4-BE7D1D81383A}"/>
+                <a16:creationId xmlns:a16="http://schemas.microsoft.com/office/drawing/2014/main" xmlns="" id="{2F84D399-8148-4E86-A1E4-BE7D1D81383A}"/>
               </a:ext>
             </a:extLst>
           </p:cNvPr>
@@ -14171,7 +14173,7 @@
           <p:cNvPr id="19" name="Forma 4379">
             <a:extLst>
               <a:ext uri="{FF2B5EF4-FFF2-40B4-BE49-F238E27FC236}">
-                <a16:creationId xmlns:a16="http://schemas.microsoft.com/office/drawing/2014/main" id="{E4408FF8-E342-42F8-BBE9-1220822B5E99}"/>
+                <a16:creationId xmlns:a16="http://schemas.microsoft.com/office/drawing/2014/main" xmlns="" id="{E4408FF8-E342-42F8-BBE9-1220822B5E99}"/>
               </a:ext>
             </a:extLst>
           </p:cNvPr>
@@ -14400,7 +14402,7 @@
           <p:cNvPr id="20" name="Forma 4487">
             <a:extLst>
               <a:ext uri="{FF2B5EF4-FFF2-40B4-BE49-F238E27FC236}">
-                <a16:creationId xmlns:a16="http://schemas.microsoft.com/office/drawing/2014/main" id="{11D27456-C005-4109-9E74-0B692200A0B3}"/>
+                <a16:creationId xmlns:a16="http://schemas.microsoft.com/office/drawing/2014/main" xmlns="" id="{11D27456-C005-4109-9E74-0B692200A0B3}"/>
               </a:ext>
             </a:extLst>
           </p:cNvPr>
@@ -14997,7 +14999,7 @@
           <p:cNvPr id="21" name="Triángulo rectángulo 20">
             <a:extLst>
               <a:ext uri="{FF2B5EF4-FFF2-40B4-BE49-F238E27FC236}">
-                <a16:creationId xmlns:a16="http://schemas.microsoft.com/office/drawing/2014/main" id="{FDDD2B84-3CB9-4567-8C91-C538E8A1C89F}"/>
+                <a16:creationId xmlns:a16="http://schemas.microsoft.com/office/drawing/2014/main" xmlns="" id="{FDDD2B84-3CB9-4567-8C91-C538E8A1C89F}"/>
               </a:ext>
             </a:extLst>
           </p:cNvPr>
@@ -15049,7 +15051,7 @@
           <p:cNvPr id="22" name="Conector recto 21">
             <a:extLst>
               <a:ext uri="{FF2B5EF4-FFF2-40B4-BE49-F238E27FC236}">
-                <a16:creationId xmlns:a16="http://schemas.microsoft.com/office/drawing/2014/main" id="{34EF3020-1476-41B1-9FE7-B476A25C53D3}"/>
+                <a16:creationId xmlns:a16="http://schemas.microsoft.com/office/drawing/2014/main" xmlns="" id="{34EF3020-1476-41B1-9FE7-B476A25C53D3}"/>
               </a:ext>
             </a:extLst>
           </p:cNvPr>
@@ -15094,7 +15096,7 @@
           <p:cNvPr id="23" name="Conector recto 22">
             <a:extLst>
               <a:ext uri="{FF2B5EF4-FFF2-40B4-BE49-F238E27FC236}">
-                <a16:creationId xmlns:a16="http://schemas.microsoft.com/office/drawing/2014/main" id="{B1B64EC3-B232-415D-8E27-EB3E24D13922}"/>
+                <a16:creationId xmlns:a16="http://schemas.microsoft.com/office/drawing/2014/main" xmlns="" id="{B1B64EC3-B232-415D-8E27-EB3E24D13922}"/>
               </a:ext>
             </a:extLst>
           </p:cNvPr>
@@ -15137,7 +15139,7 @@
           <p:cNvPr id="24" name="Conector recto 23">
             <a:extLst>
               <a:ext uri="{FF2B5EF4-FFF2-40B4-BE49-F238E27FC236}">
-                <a16:creationId xmlns:a16="http://schemas.microsoft.com/office/drawing/2014/main" id="{2261CE2F-F199-4242-AC6C-692676B81FF1}"/>
+                <a16:creationId xmlns:a16="http://schemas.microsoft.com/office/drawing/2014/main" xmlns="" id="{2261CE2F-F199-4242-AC6C-692676B81FF1}"/>
               </a:ext>
             </a:extLst>
           </p:cNvPr>
@@ -15180,7 +15182,7 @@
           <p:cNvPr id="27" name="Marcador de posición de imagen 24">
             <a:extLst>
               <a:ext uri="{FF2B5EF4-FFF2-40B4-BE49-F238E27FC236}">
-                <a16:creationId xmlns:a16="http://schemas.microsoft.com/office/drawing/2014/main" id="{89C0506D-0CA6-4583-9D04-24E7F4D16AD8}"/>
+                <a16:creationId xmlns:a16="http://schemas.microsoft.com/office/drawing/2014/main" xmlns="" id="{89C0506D-0CA6-4583-9D04-24E7F4D16AD8}"/>
               </a:ext>
             </a:extLst>
           </p:cNvPr>
@@ -15288,7 +15290,7 @@
           <p:cNvPr id="2" name="Título 1" title="Título">
             <a:extLst>
               <a:ext uri="{FF2B5EF4-FFF2-40B4-BE49-F238E27FC236}">
-                <a16:creationId xmlns:a16="http://schemas.microsoft.com/office/drawing/2014/main" id="{A648E0EA-49ED-4F2D-A107-8FCE6301FC88}"/>
+                <a16:creationId xmlns:a16="http://schemas.microsoft.com/office/drawing/2014/main" xmlns="" id="{A648E0EA-49ED-4F2D-A107-8FCE6301FC88}"/>
               </a:ext>
             </a:extLst>
           </p:cNvPr>
@@ -15441,7 +15443,7 @@
           <p:cNvPr id="5" name="Marcador de posición de pie de página 4">
             <a:extLst>
               <a:ext uri="{FF2B5EF4-FFF2-40B4-BE49-F238E27FC236}">
-                <a16:creationId xmlns:a16="http://schemas.microsoft.com/office/drawing/2014/main" id="{BDB16155-303B-403D-8B49-D4CEE47D6863}"/>
+                <a16:creationId xmlns:a16="http://schemas.microsoft.com/office/drawing/2014/main" xmlns="" id="{BDB16155-303B-403D-8B49-D4CEE47D6863}"/>
               </a:ext>
             </a:extLst>
           </p:cNvPr>
@@ -15486,7 +15488,7 @@
           <p:cNvPr id="6" name="Marcador de posición de número de diapositiva 5">
             <a:extLst>
               <a:ext uri="{FF2B5EF4-FFF2-40B4-BE49-F238E27FC236}">
-                <a16:creationId xmlns:a16="http://schemas.microsoft.com/office/drawing/2014/main" id="{6B915EF5-4ABE-4759-AC09-679CD6083A55}"/>
+                <a16:creationId xmlns:a16="http://schemas.microsoft.com/office/drawing/2014/main" xmlns="" id="{6B915EF5-4ABE-4759-AC09-679CD6083A55}"/>
               </a:ext>
             </a:extLst>
           </p:cNvPr>
@@ -15533,7 +15535,7 @@
           <p:cNvPr id="9" name="Marcador de título 8">
             <a:extLst>
               <a:ext uri="{FF2B5EF4-FFF2-40B4-BE49-F238E27FC236}">
-                <a16:creationId xmlns:a16="http://schemas.microsoft.com/office/drawing/2014/main" id="{AA2D2B61-D240-024D-AD60-4162EF1528B9}"/>
+                <a16:creationId xmlns:a16="http://schemas.microsoft.com/office/drawing/2014/main" xmlns="" id="{AA2D2B61-D240-024D-AD60-4162EF1528B9}"/>
               </a:ext>
             </a:extLst>
           </p:cNvPr>
@@ -15917,7 +15919,7 @@
           <p:cNvPr id="17" name="Marcador de posición de imagen 16" title="Imagen de edificio">
             <a:extLst>
               <a:ext uri="{FF2B5EF4-FFF2-40B4-BE49-F238E27FC236}">
-                <a16:creationId xmlns:a16="http://schemas.microsoft.com/office/drawing/2014/main" id="{257F6BCE-75BB-4ECD-BEA5-21C36A9CC0E9}"/>
+                <a16:creationId xmlns:a16="http://schemas.microsoft.com/office/drawing/2014/main" xmlns="" id="{257F6BCE-75BB-4ECD-BEA5-21C36A9CC0E9}"/>
               </a:ext>
             </a:extLst>
           </p:cNvPr>
@@ -15947,7 +15949,7 @@
           <p:cNvPr id="20" name="Cuadro de texto 19">
             <a:extLst>
               <a:ext uri="{FF2B5EF4-FFF2-40B4-BE49-F238E27FC236}">
-                <a16:creationId xmlns:a16="http://schemas.microsoft.com/office/drawing/2014/main" id="{94DF2E04-7632-4FED-B0BF-8FB243D982A3}"/>
+                <a16:creationId xmlns:a16="http://schemas.microsoft.com/office/drawing/2014/main" xmlns="" id="{94DF2E04-7632-4FED-B0BF-8FB243D982A3}"/>
               </a:ext>
             </a:extLst>
           </p:cNvPr>
@@ -15985,7 +15987,7 @@
           <p:cNvPr id="2" name="Título 1">
             <a:extLst>
               <a:ext uri="{FF2B5EF4-FFF2-40B4-BE49-F238E27FC236}">
-                <a16:creationId xmlns:a16="http://schemas.microsoft.com/office/drawing/2014/main" id="{3D638ACE-163E-40EB-A458-E794C67EA2A6}"/>
+                <a16:creationId xmlns:a16="http://schemas.microsoft.com/office/drawing/2014/main" xmlns="" id="{3D638ACE-163E-40EB-A458-E794C67EA2A6}"/>
               </a:ext>
             </a:extLst>
           </p:cNvPr>
@@ -16029,7 +16031,7 @@
           <p:cNvPr id="7" name="Subtítulo 6">
             <a:extLst>
               <a:ext uri="{FF2B5EF4-FFF2-40B4-BE49-F238E27FC236}">
-                <a16:creationId xmlns:a16="http://schemas.microsoft.com/office/drawing/2014/main" id="{AB7A4220-911D-412E-8B7B-991722497A10}"/>
+                <a16:creationId xmlns:a16="http://schemas.microsoft.com/office/drawing/2014/main" xmlns="" id="{AB7A4220-911D-412E-8B7B-991722497A10}"/>
               </a:ext>
             </a:extLst>
           </p:cNvPr>
@@ -16083,7 +16085,7 @@
           <p:cNvPr id="8" name="Imagen 7">
             <a:extLst>
               <a:ext uri="{FF2B5EF4-FFF2-40B4-BE49-F238E27FC236}">
-                <a16:creationId xmlns:a16="http://schemas.microsoft.com/office/drawing/2014/main" id="{3A663D7C-F976-408B-8BAA-E4A644F3235D}"/>
+                <a16:creationId xmlns:a16="http://schemas.microsoft.com/office/drawing/2014/main" xmlns="" id="{3A663D7C-F976-408B-8BAA-E4A644F3235D}"/>
               </a:ext>
             </a:extLst>
           </p:cNvPr>
@@ -16143,7 +16145,7 @@
           <p:cNvPr id="59" name="Marcador de posición de imagen 58" title="Edificios">
             <a:extLst>
               <a:ext uri="{FF2B5EF4-FFF2-40B4-BE49-F238E27FC236}">
-                <a16:creationId xmlns:a16="http://schemas.microsoft.com/office/drawing/2014/main" id="{3FCCC668-2247-4814-9CC5-9C5D4B447AA3}"/>
+                <a16:creationId xmlns:a16="http://schemas.microsoft.com/office/drawing/2014/main" xmlns="" id="{3FCCC668-2247-4814-9CC5-9C5D4B447AA3}"/>
               </a:ext>
             </a:extLst>
           </p:cNvPr>
@@ -16168,7 +16170,7 @@
           <p:cNvPr id="35" name="Marcador de pie de página 34">
             <a:extLst>
               <a:ext uri="{FF2B5EF4-FFF2-40B4-BE49-F238E27FC236}">
-                <a16:creationId xmlns:a16="http://schemas.microsoft.com/office/drawing/2014/main" id="{6390A22B-EC07-E942-A46F-F36FDD7FDB9D}"/>
+                <a16:creationId xmlns:a16="http://schemas.microsoft.com/office/drawing/2014/main" xmlns="" id="{6390A22B-EC07-E942-A46F-F36FDD7FDB9D}"/>
               </a:ext>
             </a:extLst>
           </p:cNvPr>
@@ -16197,7 +16199,7 @@
           <p:cNvPr id="10" name="Marcador de número de diapositiva 9">
             <a:extLst>
               <a:ext uri="{FF2B5EF4-FFF2-40B4-BE49-F238E27FC236}">
-                <a16:creationId xmlns:a16="http://schemas.microsoft.com/office/drawing/2014/main" id="{A267D224-5586-43DC-82CA-8605E158298B}"/>
+                <a16:creationId xmlns:a16="http://schemas.microsoft.com/office/drawing/2014/main" xmlns="" id="{A267D224-5586-43DC-82CA-8605E158298B}"/>
               </a:ext>
             </a:extLst>
           </p:cNvPr>
@@ -16228,7 +16230,7 @@
           <p:cNvPr id="11" name="Imagen 10">
             <a:extLst>
               <a:ext uri="{FF2B5EF4-FFF2-40B4-BE49-F238E27FC236}">
-                <a16:creationId xmlns:a16="http://schemas.microsoft.com/office/drawing/2014/main" id="{9A7C7285-ED76-42F7-A5E2-A16084FDC569}"/>
+                <a16:creationId xmlns:a16="http://schemas.microsoft.com/office/drawing/2014/main" xmlns="" id="{9A7C7285-ED76-42F7-A5E2-A16084FDC569}"/>
               </a:ext>
             </a:extLst>
           </p:cNvPr>
@@ -16258,7 +16260,7 @@
           <p:cNvPr id="12" name="Título 13">
             <a:extLst>
               <a:ext uri="{FF2B5EF4-FFF2-40B4-BE49-F238E27FC236}">
-                <a16:creationId xmlns:a16="http://schemas.microsoft.com/office/drawing/2014/main" id="{C27D6F22-3FD7-4DE2-9A6B-A05D9C187734}"/>
+                <a16:creationId xmlns:a16="http://schemas.microsoft.com/office/drawing/2014/main" xmlns="" id="{C27D6F22-3FD7-4DE2-9A6B-A05D9C187734}"/>
               </a:ext>
             </a:extLst>
           </p:cNvPr>
@@ -16306,7 +16308,7 @@
           <p:cNvPr id="13" name="Marcador de texto 18">
             <a:extLst>
               <a:ext uri="{FF2B5EF4-FFF2-40B4-BE49-F238E27FC236}">
-                <a16:creationId xmlns:a16="http://schemas.microsoft.com/office/drawing/2014/main" id="{45BD1B04-A7A2-487E-8371-10988553F022}"/>
+                <a16:creationId xmlns:a16="http://schemas.microsoft.com/office/drawing/2014/main" xmlns="" id="{45BD1B04-A7A2-487E-8371-10988553F022}"/>
               </a:ext>
             </a:extLst>
           </p:cNvPr>
@@ -16357,7 +16359,7 @@
           <a:bodyPr vert="horz" lIns="91440" tIns="45720" rIns="91440" bIns="45720" rtlCol="0" anchor="ctr"/>
           <a:lstStyle>
             <a:defPPr rtl="0">
-              <a:defRPr lang="es-es"/>
+              <a:defRPr lang="es-ES"/>
             </a:defPPr>
             <a:lvl1pPr marL="0" algn="r" defTabSz="914400" rtl="0" eaLnBrk="1" latinLnBrk="0" hangingPunct="1">
               <a:defRPr sz="1200" kern="1200">
@@ -16473,7 +16475,7 @@
           <p:cNvPr id="4" name="Tabla 3">
             <a:extLst>
               <a:ext uri="{FF2B5EF4-FFF2-40B4-BE49-F238E27FC236}">
-                <a16:creationId xmlns:a16="http://schemas.microsoft.com/office/drawing/2014/main" id="{012992CF-F9EC-4BD2-97C1-652CFC2C6A43}"/>
+                <a16:creationId xmlns:a16="http://schemas.microsoft.com/office/drawing/2014/main" xmlns="" id="{012992CF-F9EC-4BD2-97C1-652CFC2C6A43}"/>
               </a:ext>
             </a:extLst>
           </p:cNvPr>
@@ -16483,7 +16485,7 @@
           <p:nvPr>
             <p:extLst>
               <p:ext uri="{D42A27DB-BD31-4B8C-83A1-F6EECF244321}">
-                <p14:modId xmlns:p14="http://schemas.microsoft.com/office/powerpoint/2010/main" val="1312732728"/>
+                <p14:modId xmlns:p14="http://schemas.microsoft.com/office/powerpoint/2010/main" val="3105157331"/>
               </p:ext>
             </p:extLst>
           </p:nvPr>
@@ -16502,35 +16504,35 @@
                 <a:gridCol w="1279663">
                   <a:extLst>
                     <a:ext uri="{9D8B030D-6E8A-4147-A177-3AD203B41FA5}">
-                      <a16:colId xmlns:a16="http://schemas.microsoft.com/office/drawing/2014/main" val="1232389711"/>
+                      <a16:colId xmlns:a16="http://schemas.microsoft.com/office/drawing/2014/main" xmlns="" val="1232389711"/>
                     </a:ext>
                   </a:extLst>
                 </a:gridCol>
                 <a:gridCol w="853109">
                   <a:extLst>
                     <a:ext uri="{9D8B030D-6E8A-4147-A177-3AD203B41FA5}">
-                      <a16:colId xmlns:a16="http://schemas.microsoft.com/office/drawing/2014/main" val="4108259117"/>
+                      <a16:colId xmlns:a16="http://schemas.microsoft.com/office/drawing/2014/main" xmlns="" val="4108259117"/>
                     </a:ext>
                   </a:extLst>
                 </a:gridCol>
                 <a:gridCol w="1728667">
                   <a:extLst>
                     <a:ext uri="{9D8B030D-6E8A-4147-A177-3AD203B41FA5}">
-                      <a16:colId xmlns:a16="http://schemas.microsoft.com/office/drawing/2014/main" val="3602533467"/>
+                      <a16:colId xmlns:a16="http://schemas.microsoft.com/office/drawing/2014/main" xmlns="" val="3602533467"/>
                     </a:ext>
                   </a:extLst>
                 </a:gridCol>
                 <a:gridCol w="1234762">
                   <a:extLst>
                     <a:ext uri="{9D8B030D-6E8A-4147-A177-3AD203B41FA5}">
-                      <a16:colId xmlns:a16="http://schemas.microsoft.com/office/drawing/2014/main" val="1867778514"/>
+                      <a16:colId xmlns:a16="http://schemas.microsoft.com/office/drawing/2014/main" xmlns="" val="1867778514"/>
                     </a:ext>
                   </a:extLst>
                 </a:gridCol>
                 <a:gridCol w="1077611">
                   <a:extLst>
                     <a:ext uri="{9D8B030D-6E8A-4147-A177-3AD203B41FA5}">
-                      <a16:colId xmlns:a16="http://schemas.microsoft.com/office/drawing/2014/main" val="2535776131"/>
+                      <a16:colId xmlns:a16="http://schemas.microsoft.com/office/drawing/2014/main" xmlns="" val="2535776131"/>
                     </a:ext>
                   </a:extLst>
                 </a:gridCol>
@@ -16550,12 +16552,18 @@
                         </a:spcAft>
                       </a:pPr>
                       <a:r>
-                        <a:rPr lang="es-ES" sz="1200">
+                        <a:rPr lang="es-ES" sz="1200" dirty="0" err="1">
                           <a:effectLst/>
                         </a:rPr>
-                        <a:t>Dia de la Semana</a:t>
+                        <a:t>Dia</a:t>
                       </a:r>
-                      <a:endParaRPr lang="es-EC" sz="1100">
+                      <a:r>
+                        <a:rPr lang="es-ES" sz="1200" dirty="0">
+                          <a:effectLst/>
+                        </a:rPr>
+                        <a:t> de la Semana</a:t>
+                      </a:r>
+                      <a:endParaRPr lang="es-EC" sz="1100" dirty="0">
                         <a:effectLst/>
                         <a:latin typeface="Arial" panose="020B0604020202020204" pitchFamily="34" charset="0"/>
                         <a:ea typeface="Arial" panose="020B0604020202020204" pitchFamily="34" charset="0"/>
@@ -16662,12 +16670,12 @@
                         </a:spcAft>
                       </a:pPr>
                       <a:r>
-                        <a:rPr lang="es-ES" sz="1200">
+                        <a:rPr lang="es-ES" sz="1200" dirty="0">
                           <a:effectLst/>
                         </a:rPr>
                         <a:t>Semáforo Verde</a:t>
                       </a:r>
-                      <a:endParaRPr lang="es-EC" sz="1100">
+                      <a:endParaRPr lang="es-EC" sz="1100" dirty="0">
                         <a:effectLst/>
                         <a:latin typeface="Arial" panose="020B0604020202020204" pitchFamily="34" charset="0"/>
                         <a:ea typeface="Arial" panose="020B0604020202020204" pitchFamily="34" charset="0"/>
@@ -16678,7 +16686,7 @@
                 </a:tc>
                 <a:extLst>
                   <a:ext uri="{0D108BD9-81ED-4DB2-BD59-A6C34878D82A}">
-                    <a16:rowId xmlns:a16="http://schemas.microsoft.com/office/drawing/2014/main" val="2924200619"/>
+                    <a16:rowId xmlns:a16="http://schemas.microsoft.com/office/drawing/2014/main" xmlns="" val="2924200619"/>
                   </a:ext>
                 </a:extLst>
               </a:tr>
@@ -16820,119 +16828,15 @@
                         </a:spcAft>
                       </a:pPr>
                       <a:r>
-                        <a:rPr lang="es-ES" sz="1200">
+                        <a:rPr lang="es-ES" sz="1200" dirty="0">
                           <a:effectLst/>
                         </a:rPr>
                         <a:t> </a:t>
                       </a:r>
-                      <a:endParaRPr lang="es-EC" sz="1100">
+                      <a:endParaRPr lang="es-EC" sz="1100" dirty="0">
                         <a:effectLst/>
                       </a:endParaRPr>
                     </a:p>
-                    <a:p>
-                      <a:pPr>
-                        <a:lnSpc>
-                          <a:spcPct val="115000"/>
-                        </a:lnSpc>
-                        <a:spcAft>
-                          <a:spcPts val="0"/>
-                        </a:spcAft>
-                      </a:pPr>
-                      <a:r>
-                        <a:rPr lang="es-ES" sz="1200">
-                          <a:effectLst/>
-                        </a:rPr>
-                        <a:t> </a:t>
-                      </a:r>
-                      <a:endParaRPr lang="es-EC" sz="1100">
-                        <a:effectLst/>
-                      </a:endParaRPr>
-                    </a:p>
-                    <a:p>
-                      <a:pPr>
-                        <a:lnSpc>
-                          <a:spcPct val="115000"/>
-                        </a:lnSpc>
-                        <a:spcAft>
-                          <a:spcPts val="0"/>
-                        </a:spcAft>
-                      </a:pPr>
-                      <a:r>
-                        <a:rPr lang="es-ES" sz="1200">
-                          <a:effectLst/>
-                        </a:rPr>
-                        <a:t> </a:t>
-                      </a:r>
-                      <a:endParaRPr lang="es-EC" sz="1100">
-                        <a:effectLst/>
-                      </a:endParaRPr>
-                    </a:p>
-                    <a:p>
-                      <a:pPr>
-                        <a:lnSpc>
-                          <a:spcPct val="115000"/>
-                        </a:lnSpc>
-                        <a:spcAft>
-                          <a:spcPts val="0"/>
-                        </a:spcAft>
-                      </a:pPr>
-                      <a:r>
-                        <a:rPr lang="es-ES" sz="1200">
-                          <a:effectLst/>
-                        </a:rPr>
-                        <a:t> </a:t>
-                      </a:r>
-                      <a:endParaRPr lang="es-EC" sz="1100">
-                        <a:effectLst/>
-                      </a:endParaRPr>
-                    </a:p>
-                    <a:p>
-                      <a:pPr>
-                        <a:lnSpc>
-                          <a:spcPct val="115000"/>
-                        </a:lnSpc>
-                        <a:spcAft>
-                          <a:spcPts val="0"/>
-                        </a:spcAft>
-                      </a:pPr>
-                      <a:r>
-                        <a:rPr lang="es-ES" sz="1200">
-                          <a:effectLst/>
-                        </a:rPr>
-                        <a:t> </a:t>
-                      </a:r>
-                      <a:endParaRPr lang="es-EC" sz="1100">
-                        <a:effectLst/>
-                      </a:endParaRPr>
-                    </a:p>
-                    <a:p>
-                      <a:pPr>
-                        <a:lnSpc>
-                          <a:spcPct val="115000"/>
-                        </a:lnSpc>
-                        <a:spcAft>
-                          <a:spcPts val="0"/>
-                        </a:spcAft>
-                      </a:pPr>
-                      <a:r>
-                        <a:rPr lang="es-ES" sz="1200">
-                          <a:effectLst/>
-                        </a:rPr>
-                        <a:t>13:00 h</a:t>
-                      </a:r>
-                      <a:endParaRPr lang="es-EC" sz="1100">
-                        <a:effectLst/>
-                        <a:latin typeface="Arial" panose="020B0604020202020204" pitchFamily="34" charset="0"/>
-                        <a:ea typeface="Arial" panose="020B0604020202020204" pitchFamily="34" charset="0"/>
-                      </a:endParaRPr>
-                    </a:p>
-                  </a:txBody>
-                  <a:tcPr marL="63500" marR="63500" marT="63500" marB="63500"/>
-                </a:tc>
-                <a:tc rowSpan="7">
-                  <a:txBody>
-                    <a:bodyPr/>
-                    <a:lstStyle/>
                     <a:p>
                       <a:pPr>
                         <a:lnSpc>
@@ -17019,12 +16923,16 @@
                         </a:spcAft>
                       </a:pPr>
                       <a:r>
+                        <a:rPr lang="es-ES" sz="1200" dirty="0" smtClean="0">
+                          <a:effectLst/>
+                        </a:rPr>
+                        <a:t>18:00 </a:t>
+                      </a:r>
+                      <a:r>
                         <a:rPr lang="es-ES" sz="1200" dirty="0">
                           <a:effectLst/>
-                          <a:latin typeface="Arial" panose="020B0604020202020204" pitchFamily="34" charset="0"/>
-                          <a:ea typeface="Arial" panose="020B0604020202020204" pitchFamily="34" charset="0"/>
                         </a:rPr>
-                        <a:t>Calle. Alonso de Mercadillo</a:t>
+                        <a:t>h</a:t>
                       </a:r>
                       <a:endParaRPr lang="es-EC" sz="1100" dirty="0">
                         <a:effectLst/>
@@ -17035,7 +16943,7 @@
                   </a:txBody>
                   <a:tcPr marL="63500" marR="63500" marT="63500" marB="63500"/>
                 </a:tc>
-                <a:tc>
+                <a:tc rowSpan="7">
                   <a:txBody>
                     <a:bodyPr/>
                     <a:lstStyle/>
@@ -17049,24 +16957,15 @@
                         </a:spcAft>
                       </a:pPr>
                       <a:r>
-                        <a:rPr lang="es-ES" sz="1200">
+                        <a:rPr lang="es-ES" sz="1200" dirty="0">
                           <a:effectLst/>
                         </a:rPr>
-                        <a:t>20</a:t>
+                        <a:t> </a:t>
                       </a:r>
-                      <a:endParaRPr lang="es-EC" sz="1100">
+                      <a:endParaRPr lang="es-EC" sz="1100" dirty="0">
                         <a:effectLst/>
-                        <a:latin typeface="Arial" panose="020B0604020202020204" pitchFamily="34" charset="0"/>
-                        <a:ea typeface="Arial" panose="020B0604020202020204" pitchFamily="34" charset="0"/>
                       </a:endParaRPr>
                     </a:p>
-                  </a:txBody>
-                  <a:tcPr marL="63500" marR="63500" marT="63500" marB="63500"/>
-                </a:tc>
-                <a:tc>
-                  <a:txBody>
-                    <a:bodyPr/>
-                    <a:lstStyle/>
                     <a:p>
                       <a:pPr>
                         <a:lnSpc>
@@ -17077,61 +16976,15 @@
                         </a:spcAft>
                       </a:pPr>
                       <a:r>
-                        <a:rPr lang="es-ES" sz="1200">
+                        <a:rPr lang="es-ES" sz="1200" dirty="0">
                           <a:effectLst/>
                         </a:rPr>
-                        <a:t>25</a:t>
+                        <a:t> </a:t>
                       </a:r>
-                      <a:endParaRPr lang="es-EC" sz="1100">
+                      <a:endParaRPr lang="es-EC" sz="1100" dirty="0">
                         <a:effectLst/>
-                        <a:latin typeface="Arial" panose="020B0604020202020204" pitchFamily="34" charset="0"/>
-                        <a:ea typeface="Arial" panose="020B0604020202020204" pitchFamily="34" charset="0"/>
                       </a:endParaRPr>
                     </a:p>
-                  </a:txBody>
-                  <a:tcPr marL="63500" marR="63500" marT="63500" marB="63500"/>
-                </a:tc>
-                <a:extLst>
-                  <a:ext uri="{0D108BD9-81ED-4DB2-BD59-A6C34878D82A}">
-                    <a16:rowId xmlns:a16="http://schemas.microsoft.com/office/drawing/2014/main" val="3114929782"/>
-                  </a:ext>
-                </a:extLst>
-              </a:tr>
-              <a:tr h="365721">
-                <a:tc vMerge="1">
-                  <a:txBody>
-                    <a:bodyPr/>
-                    <a:lstStyle/>
-                    <a:p>
-                      <a:endParaRPr lang="es-EC"/>
-                    </a:p>
-                  </a:txBody>
-                  <a:tcPr/>
-                </a:tc>
-                <a:tc vMerge="1">
-                  <a:txBody>
-                    <a:bodyPr/>
-                    <a:lstStyle/>
-                    <a:p>
-                      <a:endParaRPr lang="es-EC"/>
-                    </a:p>
-                  </a:txBody>
-                  <a:tcPr/>
-                </a:tc>
-                <a:tc vMerge="1">
-                  <a:txBody>
-                    <a:bodyPr/>
-                    <a:lstStyle/>
-                    <a:p>
-                      <a:endParaRPr lang="es-EC"/>
-                    </a:p>
-                  </a:txBody>
-                  <a:tcPr/>
-                </a:tc>
-                <a:tc>
-                  <a:txBody>
-                    <a:bodyPr/>
-                    <a:lstStyle/>
                     <a:p>
                       <a:pPr>
                         <a:lnSpc>
@@ -17142,24 +16995,15 @@
                         </a:spcAft>
                       </a:pPr>
                       <a:r>
-                        <a:rPr lang="es-ES" sz="1200">
+                        <a:rPr lang="es-ES" sz="1200" dirty="0">
                           <a:effectLst/>
                         </a:rPr>
-                        <a:t>21</a:t>
+                        <a:t> </a:t>
                       </a:r>
-                      <a:endParaRPr lang="es-EC" sz="1100">
+                      <a:endParaRPr lang="es-EC" sz="1100" dirty="0">
                         <a:effectLst/>
-                        <a:latin typeface="Arial" panose="020B0604020202020204" pitchFamily="34" charset="0"/>
-                        <a:ea typeface="Arial" panose="020B0604020202020204" pitchFamily="34" charset="0"/>
                       </a:endParaRPr>
                     </a:p>
-                  </a:txBody>
-                  <a:tcPr marL="63500" marR="63500" marT="63500" marB="63500"/>
-                </a:tc>
-                <a:tc>
-                  <a:txBody>
-                    <a:bodyPr/>
-                    <a:lstStyle/>
                     <a:p>
                       <a:pPr>
                         <a:lnSpc>
@@ -17170,61 +17014,15 @@
                         </a:spcAft>
                       </a:pPr>
                       <a:r>
-                        <a:rPr lang="es-ES" sz="1200">
+                        <a:rPr lang="es-ES" sz="1200" dirty="0">
                           <a:effectLst/>
                         </a:rPr>
-                        <a:t>30</a:t>
+                        <a:t> </a:t>
                       </a:r>
-                      <a:endParaRPr lang="es-EC" sz="1100">
+                      <a:endParaRPr lang="es-EC" sz="1100" dirty="0">
                         <a:effectLst/>
-                        <a:latin typeface="Arial" panose="020B0604020202020204" pitchFamily="34" charset="0"/>
-                        <a:ea typeface="Arial" panose="020B0604020202020204" pitchFamily="34" charset="0"/>
                       </a:endParaRPr>
                     </a:p>
-                  </a:txBody>
-                  <a:tcPr marL="63500" marR="63500" marT="63500" marB="63500"/>
-                </a:tc>
-                <a:extLst>
-                  <a:ext uri="{0D108BD9-81ED-4DB2-BD59-A6C34878D82A}">
-                    <a16:rowId xmlns:a16="http://schemas.microsoft.com/office/drawing/2014/main" val="1676246670"/>
-                  </a:ext>
-                </a:extLst>
-              </a:tr>
-              <a:tr h="365721">
-                <a:tc vMerge="1">
-                  <a:txBody>
-                    <a:bodyPr/>
-                    <a:lstStyle/>
-                    <a:p>
-                      <a:endParaRPr lang="es-EC"/>
-                    </a:p>
-                  </a:txBody>
-                  <a:tcPr/>
-                </a:tc>
-                <a:tc vMerge="1">
-                  <a:txBody>
-                    <a:bodyPr/>
-                    <a:lstStyle/>
-                    <a:p>
-                      <a:endParaRPr lang="es-EC"/>
-                    </a:p>
-                  </a:txBody>
-                  <a:tcPr/>
-                </a:tc>
-                <a:tc vMerge="1">
-                  <a:txBody>
-                    <a:bodyPr/>
-                    <a:lstStyle/>
-                    <a:p>
-                      <a:endParaRPr lang="es-EC"/>
-                    </a:p>
-                  </a:txBody>
-                  <a:tcPr/>
-                </a:tc>
-                <a:tc>
-                  <a:txBody>
-                    <a:bodyPr/>
-                    <a:lstStyle/>
                     <a:p>
                       <a:pPr>
                         <a:lnSpc>
@@ -17235,12 +17033,42 @@
                         </a:spcAft>
                       </a:pPr>
                       <a:r>
-                        <a:rPr lang="es-ES" sz="1200">
+                        <a:rPr lang="es-ES" sz="1800" kern="1200" dirty="0" smtClean="0">
+                          <a:solidFill>
+                            <a:schemeClr val="dk1"/>
+                          </a:solidFill>
                           <a:effectLst/>
+                          <a:latin typeface="+mn-lt"/>
+                          <a:ea typeface="+mn-ea"/>
+                          <a:cs typeface="+mn-cs"/>
                         </a:rPr>
-                        <a:t>27</a:t>
+                        <a:t>Calle</a:t>
                       </a:r>
-                      <a:endParaRPr lang="es-EC" sz="1100">
+                      <a:r>
+                        <a:rPr lang="es-ES" sz="1800" kern="1200" baseline="0" dirty="0" smtClean="0">
+                          <a:solidFill>
+                            <a:schemeClr val="dk1"/>
+                          </a:solidFill>
+                          <a:effectLst/>
+                          <a:latin typeface="+mn-lt"/>
+                          <a:ea typeface="+mn-ea"/>
+                          <a:cs typeface="+mn-cs"/>
+                        </a:rPr>
+                        <a:t> Alonso</a:t>
+                      </a:r>
+                      <a:r>
+                        <a:rPr lang="es-ES" sz="1800" kern="1200" dirty="0" smtClean="0">
+                          <a:solidFill>
+                            <a:schemeClr val="dk1"/>
+                          </a:solidFill>
+                          <a:effectLst/>
+                          <a:latin typeface="+mn-lt"/>
+                          <a:ea typeface="+mn-ea"/>
+                          <a:cs typeface="+mn-cs"/>
+                        </a:rPr>
+                        <a:t>  de Mercadillo</a:t>
+                      </a:r>
+                      <a:endParaRPr lang="es-EC" sz="1100" dirty="0">
                         <a:effectLst/>
                         <a:latin typeface="Arial" panose="020B0604020202020204" pitchFamily="34" charset="0"/>
                         <a:ea typeface="Arial" panose="020B0604020202020204" pitchFamily="34" charset="0"/>
@@ -17263,12 +17091,14 @@
                         </a:spcAft>
                       </a:pPr>
                       <a:r>
-                        <a:rPr lang="es-ES" sz="1200">
+                        <a:rPr lang="es-ES" sz="1200" dirty="0" smtClean="0">
                           <a:effectLst/>
+                          <a:latin typeface="+mn-lt"/>
+                          <a:ea typeface="+mn-ea"/>
                         </a:rPr>
-                        <a:t>30</a:t>
+                        <a:t>22</a:t>
                       </a:r>
-                      <a:endParaRPr lang="es-EC" sz="1100">
+                      <a:endParaRPr lang="es-EC" sz="1100" dirty="0">
                         <a:effectLst/>
                         <a:latin typeface="Arial" panose="020B0604020202020204" pitchFamily="34" charset="0"/>
                         <a:ea typeface="Arial" panose="020B0604020202020204" pitchFamily="34" charset="0"/>
@@ -17276,43 +17106,6 @@
                     </a:p>
                   </a:txBody>
                   <a:tcPr marL="63500" marR="63500" marT="63500" marB="63500"/>
-                </a:tc>
-                <a:extLst>
-                  <a:ext uri="{0D108BD9-81ED-4DB2-BD59-A6C34878D82A}">
-                    <a16:rowId xmlns:a16="http://schemas.microsoft.com/office/drawing/2014/main" val="2452516382"/>
-                  </a:ext>
-                </a:extLst>
-              </a:tr>
-              <a:tr h="365721">
-                <a:tc vMerge="1">
-                  <a:txBody>
-                    <a:bodyPr/>
-                    <a:lstStyle/>
-                    <a:p>
-                      <a:endParaRPr lang="es-EC"/>
-                    </a:p>
-                  </a:txBody>
-                  <a:tcPr/>
-                </a:tc>
-                <a:tc vMerge="1">
-                  <a:txBody>
-                    <a:bodyPr/>
-                    <a:lstStyle/>
-                    <a:p>
-                      <a:endParaRPr lang="es-EC"/>
-                    </a:p>
-                  </a:txBody>
-                  <a:tcPr/>
-                </a:tc>
-                <a:tc vMerge="1">
-                  <a:txBody>
-                    <a:bodyPr/>
-                    <a:lstStyle/>
-                    <a:p>
-                      <a:endParaRPr lang="es-EC"/>
-                    </a:p>
-                  </a:txBody>
-                  <a:tcPr/>
                 </a:tc>
                 <a:tc>
                   <a:txBody>
@@ -17328,12 +17121,14 @@
                         </a:spcAft>
                       </a:pPr>
                       <a:r>
-                        <a:rPr lang="es-ES" sz="1200">
+                        <a:rPr lang="es-ES" sz="1200" dirty="0" smtClean="0">
                           <a:effectLst/>
+                          <a:latin typeface="+mn-lt"/>
+                          <a:ea typeface="+mn-ea"/>
                         </a:rPr>
-                        <a:t>26</a:t>
+                        <a:t>30</a:t>
                       </a:r>
-                      <a:endParaRPr lang="es-EC" sz="1100">
+                      <a:endParaRPr lang="es-EC" sz="1100" dirty="0">
                         <a:effectLst/>
                         <a:latin typeface="Arial" panose="020B0604020202020204" pitchFamily="34" charset="0"/>
                         <a:ea typeface="Arial" panose="020B0604020202020204" pitchFamily="34" charset="0"/>
@@ -17341,6 +17136,43 @@
                     </a:p>
                   </a:txBody>
                   <a:tcPr marL="63500" marR="63500" marT="63500" marB="63500"/>
+                </a:tc>
+                <a:extLst>
+                  <a:ext uri="{0D108BD9-81ED-4DB2-BD59-A6C34878D82A}">
+                    <a16:rowId xmlns:a16="http://schemas.microsoft.com/office/drawing/2014/main" xmlns="" val="3114929782"/>
+                  </a:ext>
+                </a:extLst>
+              </a:tr>
+              <a:tr h="365721">
+                <a:tc vMerge="1">
+                  <a:txBody>
+                    <a:bodyPr/>
+                    <a:lstStyle/>
+                    <a:p>
+                      <a:endParaRPr lang="es-EC"/>
+                    </a:p>
+                  </a:txBody>
+                  <a:tcPr/>
+                </a:tc>
+                <a:tc vMerge="1">
+                  <a:txBody>
+                    <a:bodyPr/>
+                    <a:lstStyle/>
+                    <a:p>
+                      <a:endParaRPr lang="es-EC"/>
+                    </a:p>
+                  </a:txBody>
+                  <a:tcPr/>
+                </a:tc>
+                <a:tc vMerge="1">
+                  <a:txBody>
+                    <a:bodyPr/>
+                    <a:lstStyle/>
+                    <a:p>
+                      <a:endParaRPr lang="es-EC"/>
+                    </a:p>
+                  </a:txBody>
+                  <a:tcPr/>
                 </a:tc>
                 <a:tc>
                   <a:txBody>
@@ -17356,12 +17188,14 @@
                         </a:spcAft>
                       </a:pPr>
                       <a:r>
-                        <a:rPr lang="es-ES" sz="1200">
+                        <a:rPr lang="es-ES" sz="1200" dirty="0" smtClean="0">
                           <a:effectLst/>
+                          <a:latin typeface="+mn-lt"/>
+                          <a:ea typeface="+mn-ea"/>
                         </a:rPr>
-                        <a:t>32</a:t>
+                        <a:t>28</a:t>
                       </a:r>
-                      <a:endParaRPr lang="es-EC" sz="1100">
+                      <a:endParaRPr lang="es-EC" sz="1100" dirty="0">
                         <a:effectLst/>
                         <a:latin typeface="Arial" panose="020B0604020202020204" pitchFamily="34" charset="0"/>
                         <a:ea typeface="Arial" panose="020B0604020202020204" pitchFamily="34" charset="0"/>
@@ -17369,43 +17203,6 @@
                     </a:p>
                   </a:txBody>
                   <a:tcPr marL="63500" marR="63500" marT="63500" marB="63500"/>
-                </a:tc>
-                <a:extLst>
-                  <a:ext uri="{0D108BD9-81ED-4DB2-BD59-A6C34878D82A}">
-                    <a16:rowId xmlns:a16="http://schemas.microsoft.com/office/drawing/2014/main" val="1952025531"/>
-                  </a:ext>
-                </a:extLst>
-              </a:tr>
-              <a:tr h="365721">
-                <a:tc vMerge="1">
-                  <a:txBody>
-                    <a:bodyPr/>
-                    <a:lstStyle/>
-                    <a:p>
-                      <a:endParaRPr lang="es-EC"/>
-                    </a:p>
-                  </a:txBody>
-                  <a:tcPr/>
-                </a:tc>
-                <a:tc vMerge="1">
-                  <a:txBody>
-                    <a:bodyPr/>
-                    <a:lstStyle/>
-                    <a:p>
-                      <a:endParaRPr lang="es-EC"/>
-                    </a:p>
-                  </a:txBody>
-                  <a:tcPr/>
-                </a:tc>
-                <a:tc vMerge="1">
-                  <a:txBody>
-                    <a:bodyPr/>
-                    <a:lstStyle/>
-                    <a:p>
-                      <a:endParaRPr lang="es-EC"/>
-                    </a:p>
-                  </a:txBody>
-                  <a:tcPr/>
                 </a:tc>
                 <a:tc>
                   <a:txBody>
@@ -17421,12 +17218,14 @@
                         </a:spcAft>
                       </a:pPr>
                       <a:r>
-                        <a:rPr lang="es-ES" sz="1200">
+                        <a:rPr lang="es-ES" sz="1200" dirty="0" smtClean="0">
                           <a:effectLst/>
+                          <a:latin typeface="+mn-lt"/>
+                          <a:ea typeface="+mn-ea"/>
                         </a:rPr>
-                        <a:t>20</a:t>
+                        <a:t>31</a:t>
                       </a:r>
-                      <a:endParaRPr lang="es-EC" sz="1100">
+                      <a:endParaRPr lang="es-EC" sz="1100" dirty="0">
                         <a:effectLst/>
                         <a:latin typeface="Arial" panose="020B0604020202020204" pitchFamily="34" charset="0"/>
                         <a:ea typeface="Arial" panose="020B0604020202020204" pitchFamily="34" charset="0"/>
@@ -17434,6 +17233,43 @@
                     </a:p>
                   </a:txBody>
                   <a:tcPr marL="63500" marR="63500" marT="63500" marB="63500"/>
+                </a:tc>
+                <a:extLst>
+                  <a:ext uri="{0D108BD9-81ED-4DB2-BD59-A6C34878D82A}">
+                    <a16:rowId xmlns:a16="http://schemas.microsoft.com/office/drawing/2014/main" xmlns="" val="1676246670"/>
+                  </a:ext>
+                </a:extLst>
+              </a:tr>
+              <a:tr h="365721">
+                <a:tc vMerge="1">
+                  <a:txBody>
+                    <a:bodyPr/>
+                    <a:lstStyle/>
+                    <a:p>
+                      <a:endParaRPr lang="es-EC"/>
+                    </a:p>
+                  </a:txBody>
+                  <a:tcPr/>
+                </a:tc>
+                <a:tc vMerge="1">
+                  <a:txBody>
+                    <a:bodyPr/>
+                    <a:lstStyle/>
+                    <a:p>
+                      <a:endParaRPr lang="es-EC"/>
+                    </a:p>
+                  </a:txBody>
+                  <a:tcPr/>
+                </a:tc>
+                <a:tc vMerge="1">
+                  <a:txBody>
+                    <a:bodyPr/>
+                    <a:lstStyle/>
+                    <a:p>
+                      <a:endParaRPr lang="es-EC"/>
+                    </a:p>
+                  </a:txBody>
+                  <a:tcPr/>
                 </a:tc>
                 <a:tc>
                   <a:txBody>
@@ -17449,12 +17285,14 @@
                         </a:spcAft>
                       </a:pPr>
                       <a:r>
-                        <a:rPr lang="es-ES" sz="1200">
+                        <a:rPr lang="es-ES" sz="1200" dirty="0" smtClean="0">
                           <a:effectLst/>
+                          <a:latin typeface="+mn-lt"/>
+                          <a:ea typeface="+mn-ea"/>
                         </a:rPr>
                         <a:t>27</a:t>
                       </a:r>
-                      <a:endParaRPr lang="es-EC" sz="1100">
+                      <a:endParaRPr lang="es-EC" sz="1100" dirty="0">
                         <a:effectLst/>
                         <a:latin typeface="Arial" panose="020B0604020202020204" pitchFamily="34" charset="0"/>
                         <a:ea typeface="Arial" panose="020B0604020202020204" pitchFamily="34" charset="0"/>
@@ -17462,43 +17300,6 @@
                     </a:p>
                   </a:txBody>
                   <a:tcPr marL="63500" marR="63500" marT="63500" marB="63500"/>
-                </a:tc>
-                <a:extLst>
-                  <a:ext uri="{0D108BD9-81ED-4DB2-BD59-A6C34878D82A}">
-                    <a16:rowId xmlns:a16="http://schemas.microsoft.com/office/drawing/2014/main" val="741258074"/>
-                  </a:ext>
-                </a:extLst>
-              </a:tr>
-              <a:tr h="365721">
-                <a:tc vMerge="1">
-                  <a:txBody>
-                    <a:bodyPr/>
-                    <a:lstStyle/>
-                    <a:p>
-                      <a:endParaRPr lang="es-EC"/>
-                    </a:p>
-                  </a:txBody>
-                  <a:tcPr/>
-                </a:tc>
-                <a:tc vMerge="1">
-                  <a:txBody>
-                    <a:bodyPr/>
-                    <a:lstStyle/>
-                    <a:p>
-                      <a:endParaRPr lang="es-EC"/>
-                    </a:p>
-                  </a:txBody>
-                  <a:tcPr/>
-                </a:tc>
-                <a:tc vMerge="1">
-                  <a:txBody>
-                    <a:bodyPr/>
-                    <a:lstStyle/>
-                    <a:p>
-                      <a:endParaRPr lang="es-EC"/>
-                    </a:p>
-                  </a:txBody>
-                  <a:tcPr/>
                 </a:tc>
                 <a:tc>
                   <a:txBody>
@@ -17514,12 +17315,14 @@
                         </a:spcAft>
                       </a:pPr>
                       <a:r>
-                        <a:rPr lang="es-ES" sz="1200">
+                        <a:rPr lang="es-ES" sz="1200" dirty="0" smtClean="0">
                           <a:effectLst/>
+                          <a:latin typeface="+mn-lt"/>
+                          <a:ea typeface="+mn-ea"/>
                         </a:rPr>
-                        <a:t>18</a:t>
+                        <a:t>38</a:t>
                       </a:r>
-                      <a:endParaRPr lang="es-EC" sz="1100">
+                      <a:endParaRPr lang="es-EC" sz="1100" dirty="0">
                         <a:effectLst/>
                         <a:latin typeface="Arial" panose="020B0604020202020204" pitchFamily="34" charset="0"/>
                         <a:ea typeface="Arial" panose="020B0604020202020204" pitchFamily="34" charset="0"/>
@@ -17527,6 +17330,43 @@
                     </a:p>
                   </a:txBody>
                   <a:tcPr marL="63500" marR="63500" marT="63500" marB="63500"/>
+                </a:tc>
+                <a:extLst>
+                  <a:ext uri="{0D108BD9-81ED-4DB2-BD59-A6C34878D82A}">
+                    <a16:rowId xmlns:a16="http://schemas.microsoft.com/office/drawing/2014/main" xmlns="" val="2452516382"/>
+                  </a:ext>
+                </a:extLst>
+              </a:tr>
+              <a:tr h="365721">
+                <a:tc vMerge="1">
+                  <a:txBody>
+                    <a:bodyPr/>
+                    <a:lstStyle/>
+                    <a:p>
+                      <a:endParaRPr lang="es-EC"/>
+                    </a:p>
+                  </a:txBody>
+                  <a:tcPr/>
+                </a:tc>
+                <a:tc vMerge="1">
+                  <a:txBody>
+                    <a:bodyPr/>
+                    <a:lstStyle/>
+                    <a:p>
+                      <a:endParaRPr lang="es-EC"/>
+                    </a:p>
+                  </a:txBody>
+                  <a:tcPr/>
+                </a:tc>
+                <a:tc vMerge="1">
+                  <a:txBody>
+                    <a:bodyPr/>
+                    <a:lstStyle/>
+                    <a:p>
+                      <a:endParaRPr lang="es-EC"/>
+                    </a:p>
+                  </a:txBody>
+                  <a:tcPr/>
                 </a:tc>
                 <a:tc>
                   <a:txBody>
@@ -17542,12 +17382,14 @@
                         </a:spcAft>
                       </a:pPr>
                       <a:r>
-                        <a:rPr lang="es-ES" sz="1200">
+                        <a:rPr lang="es-ES" sz="1200" dirty="0" smtClean="0">
                           <a:effectLst/>
+                          <a:latin typeface="+mn-lt"/>
+                          <a:ea typeface="+mn-ea"/>
                         </a:rPr>
-                        <a:t>23</a:t>
+                        <a:t>26</a:t>
                       </a:r>
-                      <a:endParaRPr lang="es-EC" sz="1100">
+                      <a:endParaRPr lang="es-EC" sz="1100" dirty="0">
                         <a:effectLst/>
                         <a:latin typeface="Arial" panose="020B0604020202020204" pitchFamily="34" charset="0"/>
                         <a:ea typeface="Arial" panose="020B0604020202020204" pitchFamily="34" charset="0"/>
@@ -17555,43 +17397,6 @@
                     </a:p>
                   </a:txBody>
                   <a:tcPr marL="63500" marR="63500" marT="63500" marB="63500"/>
-                </a:tc>
-                <a:extLst>
-                  <a:ext uri="{0D108BD9-81ED-4DB2-BD59-A6C34878D82A}">
-                    <a16:rowId xmlns:a16="http://schemas.microsoft.com/office/drawing/2014/main" val="1839214891"/>
-                  </a:ext>
-                </a:extLst>
-              </a:tr>
-              <a:tr h="365721">
-                <a:tc vMerge="1">
-                  <a:txBody>
-                    <a:bodyPr/>
-                    <a:lstStyle/>
-                    <a:p>
-                      <a:endParaRPr lang="es-EC"/>
-                    </a:p>
-                  </a:txBody>
-                  <a:tcPr/>
-                </a:tc>
-                <a:tc vMerge="1">
-                  <a:txBody>
-                    <a:bodyPr/>
-                    <a:lstStyle/>
-                    <a:p>
-                      <a:endParaRPr lang="es-EC"/>
-                    </a:p>
-                  </a:txBody>
-                  <a:tcPr/>
-                </a:tc>
-                <a:tc vMerge="1">
-                  <a:txBody>
-                    <a:bodyPr/>
-                    <a:lstStyle/>
-                    <a:p>
-                      <a:endParaRPr lang="es-EC"/>
-                    </a:p>
-                  </a:txBody>
-                  <a:tcPr/>
                 </a:tc>
                 <a:tc>
                   <a:txBody>
@@ -17607,12 +17412,14 @@
                         </a:spcAft>
                       </a:pPr>
                       <a:r>
-                        <a:rPr lang="es-ES" sz="1200">
+                        <a:rPr lang="es-ES" sz="1200" dirty="0" smtClean="0">
                           <a:effectLst/>
+                          <a:latin typeface="+mn-lt"/>
+                          <a:ea typeface="+mn-ea"/>
                         </a:rPr>
-                        <a:t>22</a:t>
+                        <a:t>35</a:t>
                       </a:r>
-                      <a:endParaRPr lang="es-EC" sz="1100">
+                      <a:endParaRPr lang="es-EC" sz="1100" dirty="0">
                         <a:effectLst/>
                         <a:latin typeface="Arial" panose="020B0604020202020204" pitchFamily="34" charset="0"/>
                         <a:ea typeface="Arial" panose="020B0604020202020204" pitchFamily="34" charset="0"/>
@@ -17620,6 +17427,43 @@
                     </a:p>
                   </a:txBody>
                   <a:tcPr marL="63500" marR="63500" marT="63500" marB="63500"/>
+                </a:tc>
+                <a:extLst>
+                  <a:ext uri="{0D108BD9-81ED-4DB2-BD59-A6C34878D82A}">
+                    <a16:rowId xmlns:a16="http://schemas.microsoft.com/office/drawing/2014/main" xmlns="" val="1952025531"/>
+                  </a:ext>
+                </a:extLst>
+              </a:tr>
+              <a:tr h="365721">
+                <a:tc vMerge="1">
+                  <a:txBody>
+                    <a:bodyPr/>
+                    <a:lstStyle/>
+                    <a:p>
+                      <a:endParaRPr lang="es-EC"/>
+                    </a:p>
+                  </a:txBody>
+                  <a:tcPr/>
+                </a:tc>
+                <a:tc vMerge="1">
+                  <a:txBody>
+                    <a:bodyPr/>
+                    <a:lstStyle/>
+                    <a:p>
+                      <a:endParaRPr lang="es-EC"/>
+                    </a:p>
+                  </a:txBody>
+                  <a:tcPr/>
+                </a:tc>
+                <a:tc vMerge="1">
+                  <a:txBody>
+                    <a:bodyPr/>
+                    <a:lstStyle/>
+                    <a:p>
+                      <a:endParaRPr lang="es-EC"/>
+                    </a:p>
+                  </a:txBody>
+                  <a:tcPr/>
                 </a:tc>
                 <a:tc>
                   <a:txBody>
@@ -17635,12 +17479,44 @@
                         </a:spcAft>
                       </a:pPr>
                       <a:r>
-                        <a:rPr lang="es-ES" sz="1200">
+                        <a:rPr lang="es-ES" sz="1200" dirty="0" smtClean="0">
                           <a:effectLst/>
+                          <a:latin typeface="+mn-lt"/>
+                          <a:ea typeface="+mn-ea"/>
                         </a:rPr>
-                        <a:t>28</a:t>
+                        <a:t>20</a:t>
                       </a:r>
-                      <a:endParaRPr lang="es-EC" sz="1100">
+                      <a:endParaRPr lang="es-EC" sz="1100" dirty="0">
+                        <a:effectLst/>
+                        <a:latin typeface="Arial" panose="020B0604020202020204" pitchFamily="34" charset="0"/>
+                        <a:ea typeface="Arial" panose="020B0604020202020204" pitchFamily="34" charset="0"/>
+                      </a:endParaRPr>
+                    </a:p>
+                  </a:txBody>
+                  <a:tcPr marL="63500" marR="63500" marT="63500" marB="63500"/>
+                </a:tc>
+                <a:tc>
+                  <a:txBody>
+                    <a:bodyPr/>
+                    <a:lstStyle/>
+                    <a:p>
+                      <a:pPr>
+                        <a:lnSpc>
+                          <a:spcPct val="115000"/>
+                        </a:lnSpc>
+                        <a:spcAft>
+                          <a:spcPts val="0"/>
+                        </a:spcAft>
+                      </a:pPr>
+                      <a:r>
+                        <a:rPr lang="es-ES" sz="1200" dirty="0" smtClean="0">
+                          <a:effectLst/>
+                          <a:latin typeface="+mn-lt"/>
+                          <a:ea typeface="+mn-ea"/>
+                        </a:rPr>
+                        <a:t>39</a:t>
+                      </a:r>
+                      <a:endParaRPr lang="es-EC" sz="1100" dirty="0">
                         <a:effectLst/>
                         <a:latin typeface="Arial" panose="020B0604020202020204" pitchFamily="34" charset="0"/>
                         <a:ea typeface="Arial" panose="020B0604020202020204" pitchFamily="34" charset="0"/>
@@ -17651,7 +17527,201 @@
                 </a:tc>
                 <a:extLst>
                   <a:ext uri="{0D108BD9-81ED-4DB2-BD59-A6C34878D82A}">
-                    <a16:rowId xmlns:a16="http://schemas.microsoft.com/office/drawing/2014/main" val="2345991613"/>
+                    <a16:rowId xmlns:a16="http://schemas.microsoft.com/office/drawing/2014/main" xmlns="" val="741258074"/>
+                  </a:ext>
+                </a:extLst>
+              </a:tr>
+              <a:tr h="365721">
+                <a:tc vMerge="1">
+                  <a:txBody>
+                    <a:bodyPr/>
+                    <a:lstStyle/>
+                    <a:p>
+                      <a:endParaRPr lang="es-EC"/>
+                    </a:p>
+                  </a:txBody>
+                  <a:tcPr/>
+                </a:tc>
+                <a:tc vMerge="1">
+                  <a:txBody>
+                    <a:bodyPr/>
+                    <a:lstStyle/>
+                    <a:p>
+                      <a:endParaRPr lang="es-EC"/>
+                    </a:p>
+                  </a:txBody>
+                  <a:tcPr/>
+                </a:tc>
+                <a:tc vMerge="1">
+                  <a:txBody>
+                    <a:bodyPr/>
+                    <a:lstStyle/>
+                    <a:p>
+                      <a:endParaRPr lang="es-EC"/>
+                    </a:p>
+                  </a:txBody>
+                  <a:tcPr/>
+                </a:tc>
+                <a:tc>
+                  <a:txBody>
+                    <a:bodyPr/>
+                    <a:lstStyle/>
+                    <a:p>
+                      <a:pPr>
+                        <a:lnSpc>
+                          <a:spcPct val="115000"/>
+                        </a:lnSpc>
+                        <a:spcAft>
+                          <a:spcPts val="0"/>
+                        </a:spcAft>
+                      </a:pPr>
+                      <a:r>
+                        <a:rPr lang="es-ES" sz="1200" dirty="0" smtClean="0">
+                          <a:effectLst/>
+                          <a:latin typeface="+mn-lt"/>
+                          <a:ea typeface="+mn-ea"/>
+                        </a:rPr>
+                        <a:t>25</a:t>
+                      </a:r>
+                      <a:endParaRPr lang="es-EC" sz="1100" dirty="0">
+                        <a:effectLst/>
+                        <a:latin typeface="Arial" panose="020B0604020202020204" pitchFamily="34" charset="0"/>
+                        <a:ea typeface="Arial" panose="020B0604020202020204" pitchFamily="34" charset="0"/>
+                      </a:endParaRPr>
+                    </a:p>
+                  </a:txBody>
+                  <a:tcPr marL="63500" marR="63500" marT="63500" marB="63500"/>
+                </a:tc>
+                <a:tc>
+                  <a:txBody>
+                    <a:bodyPr/>
+                    <a:lstStyle/>
+                    <a:p>
+                      <a:pPr>
+                        <a:lnSpc>
+                          <a:spcPct val="115000"/>
+                        </a:lnSpc>
+                        <a:spcAft>
+                          <a:spcPts val="0"/>
+                        </a:spcAft>
+                      </a:pPr>
+                      <a:r>
+                        <a:rPr lang="es-ES" sz="1200" dirty="0" smtClean="0">
+                          <a:effectLst/>
+                          <a:latin typeface="+mn-lt"/>
+                          <a:ea typeface="+mn-ea"/>
+                        </a:rPr>
+                        <a:t>30</a:t>
+                      </a:r>
+                      <a:endParaRPr lang="es-EC" sz="1100" dirty="0">
+                        <a:effectLst/>
+                        <a:latin typeface="Arial" panose="020B0604020202020204" pitchFamily="34" charset="0"/>
+                        <a:ea typeface="Arial" panose="020B0604020202020204" pitchFamily="34" charset="0"/>
+                      </a:endParaRPr>
+                    </a:p>
+                  </a:txBody>
+                  <a:tcPr marL="63500" marR="63500" marT="63500" marB="63500"/>
+                </a:tc>
+                <a:extLst>
+                  <a:ext uri="{0D108BD9-81ED-4DB2-BD59-A6C34878D82A}">
+                    <a16:rowId xmlns:a16="http://schemas.microsoft.com/office/drawing/2014/main" xmlns="" val="1839214891"/>
+                  </a:ext>
+                </a:extLst>
+              </a:tr>
+              <a:tr h="365721">
+                <a:tc vMerge="1">
+                  <a:txBody>
+                    <a:bodyPr/>
+                    <a:lstStyle/>
+                    <a:p>
+                      <a:endParaRPr lang="es-EC"/>
+                    </a:p>
+                  </a:txBody>
+                  <a:tcPr/>
+                </a:tc>
+                <a:tc vMerge="1">
+                  <a:txBody>
+                    <a:bodyPr/>
+                    <a:lstStyle/>
+                    <a:p>
+                      <a:endParaRPr lang="es-EC"/>
+                    </a:p>
+                  </a:txBody>
+                  <a:tcPr/>
+                </a:tc>
+                <a:tc vMerge="1">
+                  <a:txBody>
+                    <a:bodyPr/>
+                    <a:lstStyle/>
+                    <a:p>
+                      <a:endParaRPr lang="es-EC"/>
+                    </a:p>
+                  </a:txBody>
+                  <a:tcPr/>
+                </a:tc>
+                <a:tc>
+                  <a:txBody>
+                    <a:bodyPr/>
+                    <a:lstStyle/>
+                    <a:p>
+                      <a:pPr>
+                        <a:lnSpc>
+                          <a:spcPct val="115000"/>
+                        </a:lnSpc>
+                        <a:spcAft>
+                          <a:spcPts val="0"/>
+                        </a:spcAft>
+                      </a:pPr>
+                      <a:r>
+                        <a:rPr lang="es-ES" sz="1200" dirty="0" smtClean="0">
+                          <a:effectLst/>
+                          <a:latin typeface="+mn-lt"/>
+                          <a:ea typeface="+mn-ea"/>
+                        </a:rPr>
+                        <a:t>29</a:t>
+                      </a:r>
+                      <a:endParaRPr lang="es-EC" sz="1100" dirty="0">
+                        <a:effectLst/>
+                        <a:latin typeface="Arial" panose="020B0604020202020204" pitchFamily="34" charset="0"/>
+                        <a:ea typeface="Arial" panose="020B0604020202020204" pitchFamily="34" charset="0"/>
+                      </a:endParaRPr>
+                    </a:p>
+                  </a:txBody>
+                  <a:tcPr marL="63500" marR="63500" marT="63500" marB="63500"/>
+                </a:tc>
+                <a:tc>
+                  <a:txBody>
+                    <a:bodyPr/>
+                    <a:lstStyle/>
+                    <a:p>
+                      <a:pPr>
+                        <a:lnSpc>
+                          <a:spcPct val="115000"/>
+                        </a:lnSpc>
+                        <a:spcAft>
+                          <a:spcPts val="0"/>
+                        </a:spcAft>
+                      </a:pPr>
+                      <a:r>
+                        <a:rPr lang="es-ES" sz="1200" dirty="0" smtClean="0">
+                          <a:effectLst/>
+                          <a:latin typeface="+mn-lt"/>
+                          <a:ea typeface="+mn-ea"/>
+                        </a:rPr>
+                        <a:t>42</a:t>
+                      </a:r>
+                      <a:endParaRPr lang="es-EC" sz="1100" dirty="0">
+                        <a:effectLst/>
+                        <a:latin typeface="Arial" panose="020B0604020202020204" pitchFamily="34" charset="0"/>
+                        <a:ea typeface="Arial" panose="020B0604020202020204" pitchFamily="34" charset="0"/>
+                      </a:endParaRPr>
+                    </a:p>
+                  </a:txBody>
+                  <a:tcPr marL="63500" marR="63500" marT="63500" marB="63500"/>
+                </a:tc>
+                <a:extLst>
+                  <a:ext uri="{0D108BD9-81ED-4DB2-BD59-A6C34878D82A}">
+                    <a16:rowId xmlns:a16="http://schemas.microsoft.com/office/drawing/2014/main" xmlns="" val="2345991613"/>
                   </a:ext>
                 </a:extLst>
               </a:tr>
@@ -17754,12 +17824,14 @@
                         </a:spcAft>
                       </a:pPr>
                       <a:r>
-                        <a:rPr lang="es-ES" sz="1200">
+                        <a:rPr lang="es-ES" sz="1200" dirty="0" smtClean="0">
                           <a:effectLst/>
+                          <a:latin typeface="+mn-lt"/>
+                          <a:ea typeface="+mn-ea"/>
                         </a:rPr>
-                        <a:t>154</a:t>
+                        <a:t>177</a:t>
                       </a:r>
-                      <a:endParaRPr lang="es-EC" sz="1100">
+                      <a:endParaRPr lang="es-EC" sz="1100" dirty="0">
                         <a:effectLst/>
                         <a:latin typeface="Arial" panose="020B0604020202020204" pitchFamily="34" charset="0"/>
                         <a:ea typeface="Arial" panose="020B0604020202020204" pitchFamily="34" charset="0"/>
@@ -17782,10 +17854,12 @@
                         </a:spcAft>
                       </a:pPr>
                       <a:r>
-                        <a:rPr lang="es-ES" sz="1200" dirty="0">
+                        <a:rPr lang="es-ES" sz="1200" dirty="0" smtClean="0">
                           <a:effectLst/>
+                          <a:latin typeface="+mn-lt"/>
+                          <a:ea typeface="+mn-ea"/>
                         </a:rPr>
-                        <a:t>195</a:t>
+                        <a:t>235</a:t>
                       </a:r>
                       <a:endParaRPr lang="es-EC" sz="1100" dirty="0">
                         <a:effectLst/>
@@ -17798,7 +17872,7 @@
                 </a:tc>
                 <a:extLst>
                   <a:ext uri="{0D108BD9-81ED-4DB2-BD59-A6C34878D82A}">
-                    <a16:rowId xmlns:a16="http://schemas.microsoft.com/office/drawing/2014/main" val="1679063500"/>
+                    <a16:rowId xmlns:a16="http://schemas.microsoft.com/office/drawing/2014/main" xmlns="" val="1679063500"/>
                   </a:ext>
                 </a:extLst>
               </a:tr>
@@ -17841,7 +17915,7 @@
           <p:cNvPr id="18" name="Título 13">
             <a:extLst>
               <a:ext uri="{FF2B5EF4-FFF2-40B4-BE49-F238E27FC236}">
-                <a16:creationId xmlns:a16="http://schemas.microsoft.com/office/drawing/2014/main" id="{92896B42-4638-40D0-8887-7AB8D1D86B3D}"/>
+                <a16:creationId xmlns:a16="http://schemas.microsoft.com/office/drawing/2014/main" xmlns="" id="{92896B42-4638-40D0-8887-7AB8D1D86B3D}"/>
               </a:ext>
             </a:extLst>
           </p:cNvPr>
@@ -17872,7 +17946,7 @@
           <p:cNvPr id="17" name="Marcador de texto 18">
             <a:extLst>
               <a:ext uri="{FF2B5EF4-FFF2-40B4-BE49-F238E27FC236}">
-                <a16:creationId xmlns:a16="http://schemas.microsoft.com/office/drawing/2014/main" id="{D7CE36F2-C321-46C5-AFD9-00917224D390}"/>
+                <a16:creationId xmlns:a16="http://schemas.microsoft.com/office/drawing/2014/main" xmlns="" id="{D7CE36F2-C321-46C5-AFD9-00917224D390}"/>
               </a:ext>
             </a:extLst>
           </p:cNvPr>
@@ -17901,7 +17975,7 @@
           <p:cNvPr id="33" name="Marcador de texto 32">
             <a:extLst>
               <a:ext uri="{FF2B5EF4-FFF2-40B4-BE49-F238E27FC236}">
-                <a16:creationId xmlns:a16="http://schemas.microsoft.com/office/drawing/2014/main" id="{7CFD0302-279C-8A48-9E27-AD5B08D6501E}"/>
+                <a16:creationId xmlns:a16="http://schemas.microsoft.com/office/drawing/2014/main" xmlns="" id="{7CFD0302-279C-8A48-9E27-AD5B08D6501E}"/>
               </a:ext>
             </a:extLst>
           </p:cNvPr>
@@ -17931,7 +18005,7 @@
           <p:cNvPr id="34" name="Marcador de posición de gráfico 24" descr="Gráfico cilíndrico">
             <a:extLst>
               <a:ext uri="{FF2B5EF4-FFF2-40B4-BE49-F238E27FC236}">
-                <a16:creationId xmlns:a16="http://schemas.microsoft.com/office/drawing/2014/main" id="{71FC94C7-3179-A442-AB05-74D7AFF60709}"/>
+                <a16:creationId xmlns:a16="http://schemas.microsoft.com/office/drawing/2014/main" xmlns="" id="{71FC94C7-3179-A442-AB05-74D7AFF60709}"/>
               </a:ext>
             </a:extLst>
           </p:cNvPr>
@@ -17962,7 +18036,7 @@
           <p:cNvPr id="3" name="Marcador de pie de página 2">
             <a:extLst>
               <a:ext uri="{FF2B5EF4-FFF2-40B4-BE49-F238E27FC236}">
-                <a16:creationId xmlns:a16="http://schemas.microsoft.com/office/drawing/2014/main" id="{B04C11C9-3DF6-471E-87C0-4DCED41031D4}"/>
+                <a16:creationId xmlns:a16="http://schemas.microsoft.com/office/drawing/2014/main" xmlns="" id="{B04C11C9-3DF6-471E-87C0-4DCED41031D4}"/>
               </a:ext>
             </a:extLst>
           </p:cNvPr>
@@ -17991,7 +18065,7 @@
           <p:cNvPr id="4" name="Marcador de número de diapositiva 3">
             <a:extLst>
               <a:ext uri="{FF2B5EF4-FFF2-40B4-BE49-F238E27FC236}">
-                <a16:creationId xmlns:a16="http://schemas.microsoft.com/office/drawing/2014/main" id="{B2228214-87DB-4B3A-BD81-9A709A69BAAC}"/>
+                <a16:creationId xmlns:a16="http://schemas.microsoft.com/office/drawing/2014/main" xmlns="" id="{B2228214-87DB-4B3A-BD81-9A709A69BAAC}"/>
               </a:ext>
             </a:extLst>
           </p:cNvPr>
@@ -18022,7 +18096,7 @@
           <p:cNvPr id="12" name="Imagen 11">
             <a:extLst>
               <a:ext uri="{FF2B5EF4-FFF2-40B4-BE49-F238E27FC236}">
-                <a16:creationId xmlns:a16="http://schemas.microsoft.com/office/drawing/2014/main" id="{6DD6C420-8CF9-4BFF-A6E2-4E3CB179959A}"/>
+                <a16:creationId xmlns:a16="http://schemas.microsoft.com/office/drawing/2014/main" xmlns="" id="{6DD6C420-8CF9-4BFF-A6E2-4E3CB179959A}"/>
               </a:ext>
             </a:extLst>
           </p:cNvPr>
@@ -18082,7 +18156,7 @@
           <p:cNvPr id="12" name="Marcador de posición de imagen 11" title="Horizonte">
             <a:extLst>
               <a:ext uri="{FF2B5EF4-FFF2-40B4-BE49-F238E27FC236}">
-                <a16:creationId xmlns:a16="http://schemas.microsoft.com/office/drawing/2014/main" id="{6B070BD8-8610-4F64-A93A-41F46C39ECA6}"/>
+                <a16:creationId xmlns:a16="http://schemas.microsoft.com/office/drawing/2014/main" xmlns="" id="{6B070BD8-8610-4F64-A93A-41F46C39ECA6}"/>
               </a:ext>
             </a:extLst>
           </p:cNvPr>
@@ -18112,7 +18186,7 @@
           <p:cNvPr id="11" name="Título 10">
             <a:extLst>
               <a:ext uri="{FF2B5EF4-FFF2-40B4-BE49-F238E27FC236}">
-                <a16:creationId xmlns:a16="http://schemas.microsoft.com/office/drawing/2014/main" id="{69D4BCF2-C773-495F-A4D5-860FB6A2FA91}"/>
+                <a16:creationId xmlns:a16="http://schemas.microsoft.com/office/drawing/2014/main" xmlns="" id="{69D4BCF2-C773-495F-A4D5-860FB6A2FA91}"/>
               </a:ext>
             </a:extLst>
           </p:cNvPr>
@@ -18156,7 +18230,7 @@
           <p:cNvPr id="2" name="Rectángulo 1">
             <a:extLst>
               <a:ext uri="{FF2B5EF4-FFF2-40B4-BE49-F238E27FC236}">
-                <a16:creationId xmlns:a16="http://schemas.microsoft.com/office/drawing/2014/main" id="{278160E3-28A9-44D8-9A76-47E1BD69AC7C}"/>
+                <a16:creationId xmlns:a16="http://schemas.microsoft.com/office/drawing/2014/main" xmlns="" id="{278160E3-28A9-44D8-9A76-47E1BD69AC7C}"/>
               </a:ext>
             </a:extLst>
           </p:cNvPr>
@@ -18333,7 +18407,7 @@
           <p:cNvPr id="18" name="Marcador de posición de imagen 16" title="Imagen de edificio">
             <a:extLst>
               <a:ext uri="{FF2B5EF4-FFF2-40B4-BE49-F238E27FC236}">
-                <a16:creationId xmlns:a16="http://schemas.microsoft.com/office/drawing/2014/main" id="{BA026684-ED32-4C82-8EFB-03E9E047EA33}"/>
+                <a16:creationId xmlns:a16="http://schemas.microsoft.com/office/drawing/2014/main" xmlns="" id="{BA026684-ED32-4C82-8EFB-03E9E047EA33}"/>
               </a:ext>
             </a:extLst>
           </p:cNvPr>
@@ -18358,7 +18432,7 @@
           <p:cNvPr id="19" name="Hexágono 18" descr="Hexágono sólido de color oscuro en medio de énfasis de imagen">
             <a:extLst>
               <a:ext uri="{FF2B5EF4-FFF2-40B4-BE49-F238E27FC236}">
-                <a16:creationId xmlns:a16="http://schemas.microsoft.com/office/drawing/2014/main" id="{7CE8B54A-D8B2-498F-ACFB-31AC2DEB83FA}"/>
+                <a16:creationId xmlns:a16="http://schemas.microsoft.com/office/drawing/2014/main" xmlns="" id="{7CE8B54A-D8B2-498F-ACFB-31AC2DEB83FA}"/>
               </a:ext>
             </a:extLst>
           </p:cNvPr>
@@ -18410,7 +18484,7 @@
           <p:cNvPr id="20" name="Grupo 19" descr="Texto agrupado con iniciales y nombre de la compañía">
             <a:extLst>
               <a:ext uri="{FF2B5EF4-FFF2-40B4-BE49-F238E27FC236}">
-                <a16:creationId xmlns:a16="http://schemas.microsoft.com/office/drawing/2014/main" id="{82C4EAC6-3E04-4614-86BA-A23C851754D9}"/>
+                <a16:creationId xmlns:a16="http://schemas.microsoft.com/office/drawing/2014/main" xmlns="" id="{82C4EAC6-3E04-4614-86BA-A23C851754D9}"/>
               </a:ext>
             </a:extLst>
           </p:cNvPr>
@@ -18430,7 +18504,7 @@
             <p:cNvPr id="21" name="Cuadro de texto 20">
               <a:extLst>
                 <a:ext uri="{FF2B5EF4-FFF2-40B4-BE49-F238E27FC236}">
-                  <a16:creationId xmlns:a16="http://schemas.microsoft.com/office/drawing/2014/main" id="{A20626FA-81E3-4C45-BF2D-D52CF6D96238}"/>
+                  <a16:creationId xmlns:a16="http://schemas.microsoft.com/office/drawing/2014/main" xmlns="" id="{A20626FA-81E3-4C45-BF2D-D52CF6D96238}"/>
                 </a:ext>
               </a:extLst>
             </p:cNvPr>
@@ -18471,7 +18545,7 @@
             <p:cNvPr id="22" name="Cuadro de texto 21">
               <a:extLst>
                 <a:ext uri="{FF2B5EF4-FFF2-40B4-BE49-F238E27FC236}">
-                  <a16:creationId xmlns:a16="http://schemas.microsoft.com/office/drawing/2014/main" id="{D6E86452-6AEA-4380-9682-AB26317ADB62}"/>
+                  <a16:creationId xmlns:a16="http://schemas.microsoft.com/office/drawing/2014/main" xmlns="" id="{D6E86452-6AEA-4380-9682-AB26317ADB62}"/>
                 </a:ext>
               </a:extLst>
             </p:cNvPr>
@@ -18514,7 +18588,7 @@
           <p:cNvPr id="8" name="Título 7">
             <a:extLst>
               <a:ext uri="{FF2B5EF4-FFF2-40B4-BE49-F238E27FC236}">
-                <a16:creationId xmlns:a16="http://schemas.microsoft.com/office/drawing/2014/main" id="{8B6C5EAB-81FF-4827-A160-22F4363C611A}"/>
+                <a16:creationId xmlns:a16="http://schemas.microsoft.com/office/drawing/2014/main" xmlns="" id="{8B6C5EAB-81FF-4827-A160-22F4363C611A}"/>
               </a:ext>
             </a:extLst>
           </p:cNvPr>
@@ -18547,7 +18621,7 @@
           <p:cNvPr id="14" name="Marcador de texto 13">
             <a:extLst>
               <a:ext uri="{FF2B5EF4-FFF2-40B4-BE49-F238E27FC236}">
-                <a16:creationId xmlns:a16="http://schemas.microsoft.com/office/drawing/2014/main" id="{B6611344-9447-438E-873C-299AF4110B03}"/>
+                <a16:creationId xmlns:a16="http://schemas.microsoft.com/office/drawing/2014/main" xmlns="" id="{B6611344-9447-438E-873C-299AF4110B03}"/>
               </a:ext>
             </a:extLst>
           </p:cNvPr>
@@ -18576,7 +18650,7 @@
           <p:cNvPr id="15" name="Marcador de texto 14">
             <a:extLst>
               <a:ext uri="{FF2B5EF4-FFF2-40B4-BE49-F238E27FC236}">
-                <a16:creationId xmlns:a16="http://schemas.microsoft.com/office/drawing/2014/main" id="{7A3FB895-3D21-4707-8EDE-3F825906DE41}"/>
+                <a16:creationId xmlns:a16="http://schemas.microsoft.com/office/drawing/2014/main" xmlns="" id="{7A3FB895-3D21-4707-8EDE-3F825906DE41}"/>
               </a:ext>
             </a:extLst>
           </p:cNvPr>
@@ -18605,7 +18679,7 @@
           <p:cNvPr id="23" name="Marcador de texto 22">
             <a:extLst>
               <a:ext uri="{FF2B5EF4-FFF2-40B4-BE49-F238E27FC236}">
-                <a16:creationId xmlns:a16="http://schemas.microsoft.com/office/drawing/2014/main" id="{A0B41C33-430D-4B31-A546-F85646919475}"/>
+                <a16:creationId xmlns:a16="http://schemas.microsoft.com/office/drawing/2014/main" xmlns="" id="{A0B41C33-430D-4B31-A546-F85646919475}"/>
               </a:ext>
             </a:extLst>
           </p:cNvPr>
@@ -18643,7 +18717,7 @@
           <p:cNvPr id="12" name="Imagen 11">
             <a:extLst>
               <a:ext uri="{FF2B5EF4-FFF2-40B4-BE49-F238E27FC236}">
-                <a16:creationId xmlns:a16="http://schemas.microsoft.com/office/drawing/2014/main" id="{8613A34E-3E95-4F4C-9F6C-2868CB7C5250}"/>
+                <a16:creationId xmlns:a16="http://schemas.microsoft.com/office/drawing/2014/main" xmlns="" id="{8613A34E-3E95-4F4C-9F6C-2868CB7C5250}"/>
               </a:ext>
             </a:extLst>
           </p:cNvPr>
@@ -18703,7 +18777,7 @@
           <p:cNvPr id="4" name="Título 3">
             <a:extLst>
               <a:ext uri="{FF2B5EF4-FFF2-40B4-BE49-F238E27FC236}">
-                <a16:creationId xmlns:a16="http://schemas.microsoft.com/office/drawing/2014/main" id="{1ABE11BF-33A5-4653-A144-CCCBACF58C30}"/>
+                <a16:creationId xmlns:a16="http://schemas.microsoft.com/office/drawing/2014/main" xmlns="" id="{1ABE11BF-33A5-4653-A144-CCCBACF58C30}"/>
               </a:ext>
             </a:extLst>
           </p:cNvPr>
@@ -18732,7 +18806,7 @@
           <p:cNvPr id="7" name="Marcador de contenido 6">
             <a:extLst>
               <a:ext uri="{FF2B5EF4-FFF2-40B4-BE49-F238E27FC236}">
-                <a16:creationId xmlns:a16="http://schemas.microsoft.com/office/drawing/2014/main" id="{2482DBEC-EE72-4155-ACC5-87E80C5606A9}"/>
+                <a16:creationId xmlns:a16="http://schemas.microsoft.com/office/drawing/2014/main" xmlns="" id="{2482DBEC-EE72-4155-ACC5-87E80C5606A9}"/>
               </a:ext>
             </a:extLst>
           </p:cNvPr>
@@ -18789,7 +18863,7 @@
           <p:cNvPr id="13" name="Marcador de posición de imagen 12" title="Horizonte">
             <a:extLst>
               <a:ext uri="{FF2B5EF4-FFF2-40B4-BE49-F238E27FC236}">
-                <a16:creationId xmlns:a16="http://schemas.microsoft.com/office/drawing/2014/main" id="{066FE296-3466-420F-AD6C-D3A37B973B7D}"/>
+                <a16:creationId xmlns:a16="http://schemas.microsoft.com/office/drawing/2014/main" xmlns="" id="{066FE296-3466-420F-AD6C-D3A37B973B7D}"/>
               </a:ext>
             </a:extLst>
           </p:cNvPr>
@@ -18817,7 +18891,7 @@
           <p:cNvPr id="11" name="Marcador de pie de página 10">
             <a:extLst>
               <a:ext uri="{FF2B5EF4-FFF2-40B4-BE49-F238E27FC236}">
-                <a16:creationId xmlns:a16="http://schemas.microsoft.com/office/drawing/2014/main" id="{47F4D2C2-B71A-4089-A3FE-603C32706CA6}"/>
+                <a16:creationId xmlns:a16="http://schemas.microsoft.com/office/drawing/2014/main" xmlns="" id="{47F4D2C2-B71A-4089-A3FE-603C32706CA6}"/>
               </a:ext>
             </a:extLst>
           </p:cNvPr>
@@ -18846,7 +18920,7 @@
           <p:cNvPr id="12" name="Marcador de número de diapositiva 11">
             <a:extLst>
               <a:ext uri="{FF2B5EF4-FFF2-40B4-BE49-F238E27FC236}">
-                <a16:creationId xmlns:a16="http://schemas.microsoft.com/office/drawing/2014/main" id="{FBA1BB58-7555-4382-B178-7ED04E137E77}"/>
+                <a16:creationId xmlns:a16="http://schemas.microsoft.com/office/drawing/2014/main" xmlns="" id="{FBA1BB58-7555-4382-B178-7ED04E137E77}"/>
               </a:ext>
             </a:extLst>
           </p:cNvPr>
@@ -18877,7 +18951,7 @@
           <p:cNvPr id="2050" name="Picture 2" descr="Resultado de imagen de imagenes de netlogo">
             <a:extLst>
               <a:ext uri="{FF2B5EF4-FFF2-40B4-BE49-F238E27FC236}">
-                <a16:creationId xmlns:a16="http://schemas.microsoft.com/office/drawing/2014/main" id="{D7392798-F9D6-43BE-914E-19293A3AA366}"/>
+                <a16:creationId xmlns:a16="http://schemas.microsoft.com/office/drawing/2014/main" xmlns="" id="{D7392798-F9D6-43BE-914E-19293A3AA366}"/>
               </a:ext>
             </a:extLst>
           </p:cNvPr>
@@ -18954,7 +19028,7 @@
           <p:cNvPr id="41" name="Título 3">
             <a:extLst>
               <a:ext uri="{FF2B5EF4-FFF2-40B4-BE49-F238E27FC236}">
-                <a16:creationId xmlns:a16="http://schemas.microsoft.com/office/drawing/2014/main" id="{1ABD613F-111C-41D6-9F8E-8B2C42A5E047}"/>
+                <a16:creationId xmlns:a16="http://schemas.microsoft.com/office/drawing/2014/main" xmlns="" id="{1ABD613F-111C-41D6-9F8E-8B2C42A5E047}"/>
               </a:ext>
             </a:extLst>
           </p:cNvPr>
@@ -18983,7 +19057,7 @@
           <p:cNvPr id="42" name="Marcador de contenido 6">
             <a:extLst>
               <a:ext uri="{FF2B5EF4-FFF2-40B4-BE49-F238E27FC236}">
-                <a16:creationId xmlns:a16="http://schemas.microsoft.com/office/drawing/2014/main" id="{55EACD59-7C51-4810-94C6-BCB4D12346DC}"/>
+                <a16:creationId xmlns:a16="http://schemas.microsoft.com/office/drawing/2014/main" xmlns="" id="{55EACD59-7C51-4810-94C6-BCB4D12346DC}"/>
               </a:ext>
             </a:extLst>
           </p:cNvPr>
@@ -19090,7 +19164,7 @@
           <p:cNvPr id="59" name="Marcador de posición de imagen 58" title="Edificios">
             <a:extLst>
               <a:ext uri="{FF2B5EF4-FFF2-40B4-BE49-F238E27FC236}">
-                <a16:creationId xmlns:a16="http://schemas.microsoft.com/office/drawing/2014/main" id="{3FCCC668-2247-4814-9CC5-9C5D4B447AA3}"/>
+                <a16:creationId xmlns:a16="http://schemas.microsoft.com/office/drawing/2014/main" xmlns="" id="{3FCCC668-2247-4814-9CC5-9C5D4B447AA3}"/>
               </a:ext>
             </a:extLst>
           </p:cNvPr>
@@ -19115,7 +19189,7 @@
           <p:cNvPr id="35" name="Marcador de pie de página 34">
             <a:extLst>
               <a:ext uri="{FF2B5EF4-FFF2-40B4-BE49-F238E27FC236}">
-                <a16:creationId xmlns:a16="http://schemas.microsoft.com/office/drawing/2014/main" id="{6390A22B-EC07-E942-A46F-F36FDD7FDB9D}"/>
+                <a16:creationId xmlns:a16="http://schemas.microsoft.com/office/drawing/2014/main" xmlns="" id="{6390A22B-EC07-E942-A46F-F36FDD7FDB9D}"/>
               </a:ext>
             </a:extLst>
           </p:cNvPr>
@@ -19144,7 +19218,7 @@
           <p:cNvPr id="10" name="Marcador de número de diapositiva 9">
             <a:extLst>
               <a:ext uri="{FF2B5EF4-FFF2-40B4-BE49-F238E27FC236}">
-                <a16:creationId xmlns:a16="http://schemas.microsoft.com/office/drawing/2014/main" id="{A267D224-5586-43DC-82CA-8605E158298B}"/>
+                <a16:creationId xmlns:a16="http://schemas.microsoft.com/office/drawing/2014/main" xmlns="" id="{A267D224-5586-43DC-82CA-8605E158298B}"/>
               </a:ext>
             </a:extLst>
           </p:cNvPr>
@@ -19175,7 +19249,7 @@
           <p:cNvPr id="11" name="Imagen 10">
             <a:extLst>
               <a:ext uri="{FF2B5EF4-FFF2-40B4-BE49-F238E27FC236}">
-                <a16:creationId xmlns:a16="http://schemas.microsoft.com/office/drawing/2014/main" id="{9A7C7285-ED76-42F7-A5E2-A16084FDC569}"/>
+                <a16:creationId xmlns:a16="http://schemas.microsoft.com/office/drawing/2014/main" xmlns="" id="{9A7C7285-ED76-42F7-A5E2-A16084FDC569}"/>
               </a:ext>
             </a:extLst>
           </p:cNvPr>
@@ -19235,7 +19309,7 @@
           <p:cNvPr id="59" name="Marcador de posición de imagen 58" title="Edificios">
             <a:extLst>
               <a:ext uri="{FF2B5EF4-FFF2-40B4-BE49-F238E27FC236}">
-                <a16:creationId xmlns:a16="http://schemas.microsoft.com/office/drawing/2014/main" id="{3FCCC668-2247-4814-9CC5-9C5D4B447AA3}"/>
+                <a16:creationId xmlns:a16="http://schemas.microsoft.com/office/drawing/2014/main" xmlns="" id="{3FCCC668-2247-4814-9CC5-9C5D4B447AA3}"/>
               </a:ext>
             </a:extLst>
           </p:cNvPr>
@@ -19260,7 +19334,7 @@
           <p:cNvPr id="35" name="Marcador de pie de página 34">
             <a:extLst>
               <a:ext uri="{FF2B5EF4-FFF2-40B4-BE49-F238E27FC236}">
-                <a16:creationId xmlns:a16="http://schemas.microsoft.com/office/drawing/2014/main" id="{6390A22B-EC07-E942-A46F-F36FDD7FDB9D}"/>
+                <a16:creationId xmlns:a16="http://schemas.microsoft.com/office/drawing/2014/main" xmlns="" id="{6390A22B-EC07-E942-A46F-F36FDD7FDB9D}"/>
               </a:ext>
             </a:extLst>
           </p:cNvPr>
@@ -19289,7 +19363,7 @@
           <p:cNvPr id="10" name="Marcador de número de diapositiva 9">
             <a:extLst>
               <a:ext uri="{FF2B5EF4-FFF2-40B4-BE49-F238E27FC236}">
-                <a16:creationId xmlns:a16="http://schemas.microsoft.com/office/drawing/2014/main" id="{A267D224-5586-43DC-82CA-8605E158298B}"/>
+                <a16:creationId xmlns:a16="http://schemas.microsoft.com/office/drawing/2014/main" xmlns="" id="{A267D224-5586-43DC-82CA-8605E158298B}"/>
               </a:ext>
             </a:extLst>
           </p:cNvPr>
@@ -19320,7 +19394,7 @@
           <p:cNvPr id="11" name="Imagen 10">
             <a:extLst>
               <a:ext uri="{FF2B5EF4-FFF2-40B4-BE49-F238E27FC236}">
-                <a16:creationId xmlns:a16="http://schemas.microsoft.com/office/drawing/2014/main" id="{9A7C7285-ED76-42F7-A5E2-A16084FDC569}"/>
+                <a16:creationId xmlns:a16="http://schemas.microsoft.com/office/drawing/2014/main" xmlns="" id="{9A7C7285-ED76-42F7-A5E2-A16084FDC569}"/>
               </a:ext>
             </a:extLst>
           </p:cNvPr>
@@ -19350,7 +19424,7 @@
           <p:cNvPr id="12" name="Título 13">
             <a:extLst>
               <a:ext uri="{FF2B5EF4-FFF2-40B4-BE49-F238E27FC236}">
-                <a16:creationId xmlns:a16="http://schemas.microsoft.com/office/drawing/2014/main" id="{C27D6F22-3FD7-4DE2-9A6B-A05D9C187734}"/>
+                <a16:creationId xmlns:a16="http://schemas.microsoft.com/office/drawing/2014/main" xmlns="" id="{C27D6F22-3FD7-4DE2-9A6B-A05D9C187734}"/>
               </a:ext>
             </a:extLst>
           </p:cNvPr>
@@ -19398,7 +19472,7 @@
           <p:cNvPr id="19" name="Imagen 18">
             <a:extLst>
               <a:ext uri="{FF2B5EF4-FFF2-40B4-BE49-F238E27FC236}">
-                <a16:creationId xmlns:a16="http://schemas.microsoft.com/office/drawing/2014/main" id="{EACB2BFD-D610-4087-ABCD-65C5FBF777B1}"/>
+                <a16:creationId xmlns:a16="http://schemas.microsoft.com/office/drawing/2014/main" xmlns="" id="{EACB2BFD-D610-4087-ABCD-65C5FBF777B1}"/>
               </a:ext>
             </a:extLst>
           </p:cNvPr>
@@ -19432,7 +19506,7 @@
           <p:cNvPr id="24" name="Marcador de texto 18">
             <a:extLst>
               <a:ext uri="{FF2B5EF4-FFF2-40B4-BE49-F238E27FC236}">
-                <a16:creationId xmlns:a16="http://schemas.microsoft.com/office/drawing/2014/main" id="{8262328A-A445-43C6-8744-A32518FDD315}"/>
+                <a16:creationId xmlns:a16="http://schemas.microsoft.com/office/drawing/2014/main" xmlns="" id="{8262328A-A445-43C6-8744-A32518FDD315}"/>
               </a:ext>
             </a:extLst>
           </p:cNvPr>
@@ -19454,7 +19528,7 @@
           <a:bodyPr vert="horz" lIns="91440" tIns="45720" rIns="91440" bIns="45720" rtlCol="0" anchor="ctr"/>
           <a:lstStyle>
             <a:defPPr rtl="0">
-              <a:defRPr lang="es-es"/>
+              <a:defRPr lang="es-ES"/>
             </a:defPPr>
             <a:lvl1pPr marL="0" algn="r" defTabSz="914400" rtl="0" eaLnBrk="1" latinLnBrk="0" hangingPunct="1">
               <a:defRPr sz="1200" kern="1200">
@@ -19595,7 +19669,7 @@
           <p:cNvPr id="59" name="Marcador de posición de imagen 58" title="Edificios">
             <a:extLst>
               <a:ext uri="{FF2B5EF4-FFF2-40B4-BE49-F238E27FC236}">
-                <a16:creationId xmlns:a16="http://schemas.microsoft.com/office/drawing/2014/main" id="{3FCCC668-2247-4814-9CC5-9C5D4B447AA3}"/>
+                <a16:creationId xmlns:a16="http://schemas.microsoft.com/office/drawing/2014/main" xmlns="" id="{3FCCC668-2247-4814-9CC5-9C5D4B447AA3}"/>
               </a:ext>
             </a:extLst>
           </p:cNvPr>
@@ -19620,7 +19694,7 @@
           <p:cNvPr id="35" name="Marcador de pie de página 34">
             <a:extLst>
               <a:ext uri="{FF2B5EF4-FFF2-40B4-BE49-F238E27FC236}">
-                <a16:creationId xmlns:a16="http://schemas.microsoft.com/office/drawing/2014/main" id="{6390A22B-EC07-E942-A46F-F36FDD7FDB9D}"/>
+                <a16:creationId xmlns:a16="http://schemas.microsoft.com/office/drawing/2014/main" xmlns="" id="{6390A22B-EC07-E942-A46F-F36FDD7FDB9D}"/>
               </a:ext>
             </a:extLst>
           </p:cNvPr>
@@ -19649,7 +19723,7 @@
           <p:cNvPr id="10" name="Marcador de número de diapositiva 9">
             <a:extLst>
               <a:ext uri="{FF2B5EF4-FFF2-40B4-BE49-F238E27FC236}">
-                <a16:creationId xmlns:a16="http://schemas.microsoft.com/office/drawing/2014/main" id="{A267D224-5586-43DC-82CA-8605E158298B}"/>
+                <a16:creationId xmlns:a16="http://schemas.microsoft.com/office/drawing/2014/main" xmlns="" id="{A267D224-5586-43DC-82CA-8605E158298B}"/>
               </a:ext>
             </a:extLst>
           </p:cNvPr>
@@ -19680,7 +19754,7 @@
           <p:cNvPr id="11" name="Imagen 10">
             <a:extLst>
               <a:ext uri="{FF2B5EF4-FFF2-40B4-BE49-F238E27FC236}">
-                <a16:creationId xmlns:a16="http://schemas.microsoft.com/office/drawing/2014/main" id="{9A7C7285-ED76-42F7-A5E2-A16084FDC569}"/>
+                <a16:creationId xmlns:a16="http://schemas.microsoft.com/office/drawing/2014/main" xmlns="" id="{9A7C7285-ED76-42F7-A5E2-A16084FDC569}"/>
               </a:ext>
             </a:extLst>
           </p:cNvPr>
@@ -19710,7 +19784,7 @@
           <p:cNvPr id="12" name="Título 13">
             <a:extLst>
               <a:ext uri="{FF2B5EF4-FFF2-40B4-BE49-F238E27FC236}">
-                <a16:creationId xmlns:a16="http://schemas.microsoft.com/office/drawing/2014/main" id="{C27D6F22-3FD7-4DE2-9A6B-A05D9C187734}"/>
+                <a16:creationId xmlns:a16="http://schemas.microsoft.com/office/drawing/2014/main" xmlns="" id="{C27D6F22-3FD7-4DE2-9A6B-A05D9C187734}"/>
               </a:ext>
             </a:extLst>
           </p:cNvPr>
@@ -19758,7 +19832,7 @@
           <p:cNvPr id="3" name="Imagen 2">
             <a:extLst>
               <a:ext uri="{FF2B5EF4-FFF2-40B4-BE49-F238E27FC236}">
-                <a16:creationId xmlns:a16="http://schemas.microsoft.com/office/drawing/2014/main" id="{1A707C3B-84F4-4F18-B824-39EF20E5D47A}"/>
+                <a16:creationId xmlns:a16="http://schemas.microsoft.com/office/drawing/2014/main" xmlns="" id="{1A707C3B-84F4-4F18-B824-39EF20E5D47A}"/>
               </a:ext>
             </a:extLst>
           </p:cNvPr>
@@ -19792,7 +19866,7 @@
           <p:cNvPr id="13" name="Marcador de texto 18">
             <a:extLst>
               <a:ext uri="{FF2B5EF4-FFF2-40B4-BE49-F238E27FC236}">
-                <a16:creationId xmlns:a16="http://schemas.microsoft.com/office/drawing/2014/main" id="{45BD1B04-A7A2-487E-8371-10988553F022}"/>
+                <a16:creationId xmlns:a16="http://schemas.microsoft.com/office/drawing/2014/main" xmlns="" id="{45BD1B04-A7A2-487E-8371-10988553F022}"/>
               </a:ext>
             </a:extLst>
           </p:cNvPr>
@@ -19814,7 +19888,7 @@
           <a:bodyPr vert="horz" lIns="91440" tIns="45720" rIns="91440" bIns="45720" rtlCol="0" anchor="ctr"/>
           <a:lstStyle>
             <a:defPPr rtl="0">
-              <a:defRPr lang="es-es"/>
+              <a:defRPr lang="es-ES"/>
             </a:defPPr>
             <a:lvl1pPr marL="0" algn="r" defTabSz="914400" rtl="0" eaLnBrk="1" latinLnBrk="0" hangingPunct="1">
               <a:defRPr sz="1200" kern="1200">
@@ -19955,7 +20029,7 @@
           <p:cNvPr id="59" name="Marcador de posición de imagen 58" title="Edificios">
             <a:extLst>
               <a:ext uri="{FF2B5EF4-FFF2-40B4-BE49-F238E27FC236}">
-                <a16:creationId xmlns:a16="http://schemas.microsoft.com/office/drawing/2014/main" id="{3FCCC668-2247-4814-9CC5-9C5D4B447AA3}"/>
+                <a16:creationId xmlns:a16="http://schemas.microsoft.com/office/drawing/2014/main" xmlns="" id="{3FCCC668-2247-4814-9CC5-9C5D4B447AA3}"/>
               </a:ext>
             </a:extLst>
           </p:cNvPr>
@@ -19980,7 +20054,7 @@
           <p:cNvPr id="35" name="Marcador de pie de página 34">
             <a:extLst>
               <a:ext uri="{FF2B5EF4-FFF2-40B4-BE49-F238E27FC236}">
-                <a16:creationId xmlns:a16="http://schemas.microsoft.com/office/drawing/2014/main" id="{6390A22B-EC07-E942-A46F-F36FDD7FDB9D}"/>
+                <a16:creationId xmlns:a16="http://schemas.microsoft.com/office/drawing/2014/main" xmlns="" id="{6390A22B-EC07-E942-A46F-F36FDD7FDB9D}"/>
               </a:ext>
             </a:extLst>
           </p:cNvPr>
@@ -20009,7 +20083,7 @@
           <p:cNvPr id="10" name="Marcador de número de diapositiva 9">
             <a:extLst>
               <a:ext uri="{FF2B5EF4-FFF2-40B4-BE49-F238E27FC236}">
-                <a16:creationId xmlns:a16="http://schemas.microsoft.com/office/drawing/2014/main" id="{A267D224-5586-43DC-82CA-8605E158298B}"/>
+                <a16:creationId xmlns:a16="http://schemas.microsoft.com/office/drawing/2014/main" xmlns="" id="{A267D224-5586-43DC-82CA-8605E158298B}"/>
               </a:ext>
             </a:extLst>
           </p:cNvPr>
@@ -20040,7 +20114,7 @@
           <p:cNvPr id="11" name="Imagen 10">
             <a:extLst>
               <a:ext uri="{FF2B5EF4-FFF2-40B4-BE49-F238E27FC236}">
-                <a16:creationId xmlns:a16="http://schemas.microsoft.com/office/drawing/2014/main" id="{9A7C7285-ED76-42F7-A5E2-A16084FDC569}"/>
+                <a16:creationId xmlns:a16="http://schemas.microsoft.com/office/drawing/2014/main" xmlns="" id="{9A7C7285-ED76-42F7-A5E2-A16084FDC569}"/>
               </a:ext>
             </a:extLst>
           </p:cNvPr>
@@ -20070,7 +20144,7 @@
           <p:cNvPr id="12" name="Título 13">
             <a:extLst>
               <a:ext uri="{FF2B5EF4-FFF2-40B4-BE49-F238E27FC236}">
-                <a16:creationId xmlns:a16="http://schemas.microsoft.com/office/drawing/2014/main" id="{C27D6F22-3FD7-4DE2-9A6B-A05D9C187734}"/>
+                <a16:creationId xmlns:a16="http://schemas.microsoft.com/office/drawing/2014/main" xmlns="" id="{C27D6F22-3FD7-4DE2-9A6B-A05D9C187734}"/>
               </a:ext>
             </a:extLst>
           </p:cNvPr>
@@ -20118,7 +20192,7 @@
           <p:cNvPr id="13" name="Marcador de texto 18">
             <a:extLst>
               <a:ext uri="{FF2B5EF4-FFF2-40B4-BE49-F238E27FC236}">
-                <a16:creationId xmlns:a16="http://schemas.microsoft.com/office/drawing/2014/main" id="{45BD1B04-A7A2-487E-8371-10988553F022}"/>
+                <a16:creationId xmlns:a16="http://schemas.microsoft.com/office/drawing/2014/main" xmlns="" id="{45BD1B04-A7A2-487E-8371-10988553F022}"/>
               </a:ext>
             </a:extLst>
           </p:cNvPr>
@@ -20140,7 +20214,7 @@
           <a:bodyPr vert="horz" lIns="91440" tIns="45720" rIns="91440" bIns="45720" rtlCol="0" anchor="ctr"/>
           <a:lstStyle>
             <a:defPPr rtl="0">
-              <a:defRPr lang="es-es"/>
+              <a:defRPr lang="es-ES"/>
             </a:defPPr>
             <a:lvl1pPr marL="0" algn="r" defTabSz="914400" rtl="0" eaLnBrk="1" latinLnBrk="0" hangingPunct="1">
               <a:defRPr sz="1200" kern="1200">
@@ -20251,7 +20325,7 @@
           <p:cNvPr id="4" name="Imagen 3">
             <a:extLst>
               <a:ext uri="{FF2B5EF4-FFF2-40B4-BE49-F238E27FC236}">
-                <a16:creationId xmlns:a16="http://schemas.microsoft.com/office/drawing/2014/main" id="{55F9901D-2541-4370-8D73-D05E0353E6B8}"/>
+                <a16:creationId xmlns:a16="http://schemas.microsoft.com/office/drawing/2014/main" xmlns="" id="{55F9901D-2541-4370-8D73-D05E0353E6B8}"/>
               </a:ext>
             </a:extLst>
           </p:cNvPr>
@@ -20315,7 +20389,7 @@
           <p:cNvPr id="59" name="Marcador de posición de imagen 58" title="Edificios">
             <a:extLst>
               <a:ext uri="{FF2B5EF4-FFF2-40B4-BE49-F238E27FC236}">
-                <a16:creationId xmlns:a16="http://schemas.microsoft.com/office/drawing/2014/main" id="{3FCCC668-2247-4814-9CC5-9C5D4B447AA3}"/>
+                <a16:creationId xmlns:a16="http://schemas.microsoft.com/office/drawing/2014/main" xmlns="" id="{3FCCC668-2247-4814-9CC5-9C5D4B447AA3}"/>
               </a:ext>
             </a:extLst>
           </p:cNvPr>
@@ -20340,7 +20414,7 @@
           <p:cNvPr id="35" name="Marcador de pie de página 34">
             <a:extLst>
               <a:ext uri="{FF2B5EF4-FFF2-40B4-BE49-F238E27FC236}">
-                <a16:creationId xmlns:a16="http://schemas.microsoft.com/office/drawing/2014/main" id="{6390A22B-EC07-E942-A46F-F36FDD7FDB9D}"/>
+                <a16:creationId xmlns:a16="http://schemas.microsoft.com/office/drawing/2014/main" xmlns="" id="{6390A22B-EC07-E942-A46F-F36FDD7FDB9D}"/>
               </a:ext>
             </a:extLst>
           </p:cNvPr>
@@ -20369,7 +20443,7 @@
           <p:cNvPr id="10" name="Marcador de número de diapositiva 9">
             <a:extLst>
               <a:ext uri="{FF2B5EF4-FFF2-40B4-BE49-F238E27FC236}">
-                <a16:creationId xmlns:a16="http://schemas.microsoft.com/office/drawing/2014/main" id="{A267D224-5586-43DC-82CA-8605E158298B}"/>
+                <a16:creationId xmlns:a16="http://schemas.microsoft.com/office/drawing/2014/main" xmlns="" id="{A267D224-5586-43DC-82CA-8605E158298B}"/>
               </a:ext>
             </a:extLst>
           </p:cNvPr>
@@ -20400,7 +20474,7 @@
           <p:cNvPr id="11" name="Imagen 10">
             <a:extLst>
               <a:ext uri="{FF2B5EF4-FFF2-40B4-BE49-F238E27FC236}">
-                <a16:creationId xmlns:a16="http://schemas.microsoft.com/office/drawing/2014/main" id="{9A7C7285-ED76-42F7-A5E2-A16084FDC569}"/>
+                <a16:creationId xmlns:a16="http://schemas.microsoft.com/office/drawing/2014/main" xmlns="" id="{9A7C7285-ED76-42F7-A5E2-A16084FDC569}"/>
               </a:ext>
             </a:extLst>
           </p:cNvPr>
@@ -20430,7 +20504,7 @@
           <p:cNvPr id="12" name="Título 13">
             <a:extLst>
               <a:ext uri="{FF2B5EF4-FFF2-40B4-BE49-F238E27FC236}">
-                <a16:creationId xmlns:a16="http://schemas.microsoft.com/office/drawing/2014/main" id="{C27D6F22-3FD7-4DE2-9A6B-A05D9C187734}"/>
+                <a16:creationId xmlns:a16="http://schemas.microsoft.com/office/drawing/2014/main" xmlns="" id="{C27D6F22-3FD7-4DE2-9A6B-A05D9C187734}"/>
               </a:ext>
             </a:extLst>
           </p:cNvPr>
@@ -20478,7 +20552,7 @@
           <p:cNvPr id="13" name="Marcador de texto 18">
             <a:extLst>
               <a:ext uri="{FF2B5EF4-FFF2-40B4-BE49-F238E27FC236}">
-                <a16:creationId xmlns:a16="http://schemas.microsoft.com/office/drawing/2014/main" id="{45BD1B04-A7A2-487E-8371-10988553F022}"/>
+                <a16:creationId xmlns:a16="http://schemas.microsoft.com/office/drawing/2014/main" xmlns="" id="{45BD1B04-A7A2-487E-8371-10988553F022}"/>
               </a:ext>
             </a:extLst>
           </p:cNvPr>
@@ -20529,7 +20603,7 @@
           <a:bodyPr vert="horz" lIns="91440" tIns="45720" rIns="91440" bIns="45720" rtlCol="0" anchor="ctr"/>
           <a:lstStyle>
             <a:defPPr rtl="0">
-              <a:defRPr lang="es-es"/>
+              <a:defRPr lang="es-ES"/>
             </a:defPPr>
             <a:lvl1pPr marL="0" algn="r" defTabSz="914400" rtl="0" eaLnBrk="1" latinLnBrk="0" hangingPunct="1">
               <a:defRPr sz="1200" kern="1200">
@@ -20645,7 +20719,7 @@
           <p:cNvPr id="2" name="Tabla 1">
             <a:extLst>
               <a:ext uri="{FF2B5EF4-FFF2-40B4-BE49-F238E27FC236}">
-                <a16:creationId xmlns:a16="http://schemas.microsoft.com/office/drawing/2014/main" id="{5A650A71-0229-49D8-A1A8-8BDCB1E04F06}"/>
+                <a16:creationId xmlns:a16="http://schemas.microsoft.com/office/drawing/2014/main" xmlns="" id="{5A650A71-0229-49D8-A1A8-8BDCB1E04F06}"/>
               </a:ext>
             </a:extLst>
           </p:cNvPr>
@@ -20674,35 +20748,35 @@
                 <a:gridCol w="1278134">
                   <a:extLst>
                     <a:ext uri="{9D8B030D-6E8A-4147-A177-3AD203B41FA5}">
-                      <a16:colId xmlns:a16="http://schemas.microsoft.com/office/drawing/2014/main" val="1886546668"/>
+                      <a16:colId xmlns:a16="http://schemas.microsoft.com/office/drawing/2014/main" xmlns="" val="1886546668"/>
                     </a:ext>
                   </a:extLst>
                 </a:gridCol>
                 <a:gridCol w="701926">
                   <a:extLst>
                     <a:ext uri="{9D8B030D-6E8A-4147-A177-3AD203B41FA5}">
-                      <a16:colId xmlns:a16="http://schemas.microsoft.com/office/drawing/2014/main" val="1863061668"/>
+                      <a16:colId xmlns:a16="http://schemas.microsoft.com/office/drawing/2014/main" xmlns="" val="1863061668"/>
                     </a:ext>
                   </a:extLst>
                 </a:gridCol>
                 <a:gridCol w="1257181">
                   <a:extLst>
                     <a:ext uri="{9D8B030D-6E8A-4147-A177-3AD203B41FA5}">
-                      <a16:colId xmlns:a16="http://schemas.microsoft.com/office/drawing/2014/main" val="3975823199"/>
+                      <a16:colId xmlns:a16="http://schemas.microsoft.com/office/drawing/2014/main" xmlns="" val="3975823199"/>
                     </a:ext>
                   </a:extLst>
                 </a:gridCol>
                 <a:gridCol w="1257181">
                   <a:extLst>
                     <a:ext uri="{9D8B030D-6E8A-4147-A177-3AD203B41FA5}">
-                      <a16:colId xmlns:a16="http://schemas.microsoft.com/office/drawing/2014/main" val="3881720756"/>
+                      <a16:colId xmlns:a16="http://schemas.microsoft.com/office/drawing/2014/main" xmlns="" val="3881720756"/>
                     </a:ext>
                   </a:extLst>
                 </a:gridCol>
                 <a:gridCol w="1257181">
                   <a:extLst>
                     <a:ext uri="{9D8B030D-6E8A-4147-A177-3AD203B41FA5}">
-                      <a16:colId xmlns:a16="http://schemas.microsoft.com/office/drawing/2014/main" val="2507845691"/>
+                      <a16:colId xmlns:a16="http://schemas.microsoft.com/office/drawing/2014/main" xmlns="" val="2507845691"/>
                     </a:ext>
                   </a:extLst>
                 </a:gridCol>
@@ -20850,7 +20924,7 @@
                 </a:tc>
                 <a:extLst>
                   <a:ext uri="{0D108BD9-81ED-4DB2-BD59-A6C34878D82A}">
-                    <a16:rowId xmlns:a16="http://schemas.microsoft.com/office/drawing/2014/main" val="3521486145"/>
+                    <a16:rowId xmlns:a16="http://schemas.microsoft.com/office/drawing/2014/main" xmlns="" val="3521486145"/>
                   </a:ext>
                 </a:extLst>
               </a:tr>
@@ -21263,7 +21337,7 @@
                 </a:tc>
                 <a:extLst>
                   <a:ext uri="{0D108BD9-81ED-4DB2-BD59-A6C34878D82A}">
-                    <a16:rowId xmlns:a16="http://schemas.microsoft.com/office/drawing/2014/main" val="1634378426"/>
+                    <a16:rowId xmlns:a16="http://schemas.microsoft.com/office/drawing/2014/main" xmlns="" val="1634378426"/>
                   </a:ext>
                 </a:extLst>
               </a:tr>
@@ -21356,7 +21430,7 @@
                 </a:tc>
                 <a:extLst>
                   <a:ext uri="{0D108BD9-81ED-4DB2-BD59-A6C34878D82A}">
-                    <a16:rowId xmlns:a16="http://schemas.microsoft.com/office/drawing/2014/main" val="3434023768"/>
+                    <a16:rowId xmlns:a16="http://schemas.microsoft.com/office/drawing/2014/main" xmlns="" val="3434023768"/>
                   </a:ext>
                 </a:extLst>
               </a:tr>
@@ -21449,7 +21523,7 @@
                 </a:tc>
                 <a:extLst>
                   <a:ext uri="{0D108BD9-81ED-4DB2-BD59-A6C34878D82A}">
-                    <a16:rowId xmlns:a16="http://schemas.microsoft.com/office/drawing/2014/main" val="1612099498"/>
+                    <a16:rowId xmlns:a16="http://schemas.microsoft.com/office/drawing/2014/main" xmlns="" val="1612099498"/>
                   </a:ext>
                 </a:extLst>
               </a:tr>
@@ -21542,7 +21616,7 @@
                 </a:tc>
                 <a:extLst>
                   <a:ext uri="{0D108BD9-81ED-4DB2-BD59-A6C34878D82A}">
-                    <a16:rowId xmlns:a16="http://schemas.microsoft.com/office/drawing/2014/main" val="105696625"/>
+                    <a16:rowId xmlns:a16="http://schemas.microsoft.com/office/drawing/2014/main" xmlns="" val="105696625"/>
                   </a:ext>
                 </a:extLst>
               </a:tr>
@@ -21635,7 +21709,7 @@
                 </a:tc>
                 <a:extLst>
                   <a:ext uri="{0D108BD9-81ED-4DB2-BD59-A6C34878D82A}">
-                    <a16:rowId xmlns:a16="http://schemas.microsoft.com/office/drawing/2014/main" val="4174703296"/>
+                    <a16:rowId xmlns:a16="http://schemas.microsoft.com/office/drawing/2014/main" xmlns="" val="4174703296"/>
                   </a:ext>
                 </a:extLst>
               </a:tr>
@@ -21728,7 +21802,7 @@
                 </a:tc>
                 <a:extLst>
                   <a:ext uri="{0D108BD9-81ED-4DB2-BD59-A6C34878D82A}">
-                    <a16:rowId xmlns:a16="http://schemas.microsoft.com/office/drawing/2014/main" val="81124407"/>
+                    <a16:rowId xmlns:a16="http://schemas.microsoft.com/office/drawing/2014/main" xmlns="" val="81124407"/>
                   </a:ext>
                 </a:extLst>
               </a:tr>
@@ -21821,7 +21895,7 @@
                 </a:tc>
                 <a:extLst>
                   <a:ext uri="{0D108BD9-81ED-4DB2-BD59-A6C34878D82A}">
-                    <a16:rowId xmlns:a16="http://schemas.microsoft.com/office/drawing/2014/main" val="3983090621"/>
+                    <a16:rowId xmlns:a16="http://schemas.microsoft.com/office/drawing/2014/main" xmlns="" val="3983090621"/>
                   </a:ext>
                 </a:extLst>
               </a:tr>
@@ -21968,7 +22042,7 @@
                 </a:tc>
                 <a:extLst>
                   <a:ext uri="{0D108BD9-81ED-4DB2-BD59-A6C34878D82A}">
-                    <a16:rowId xmlns:a16="http://schemas.microsoft.com/office/drawing/2014/main" val="269161340"/>
+                    <a16:rowId xmlns:a16="http://schemas.microsoft.com/office/drawing/2014/main" xmlns="" val="269161340"/>
                   </a:ext>
                 </a:extLst>
               </a:tr>
@@ -21981,7 +22055,7 @@
           <p:cNvPr id="3" name="Tabla 2">
             <a:extLst>
               <a:ext uri="{FF2B5EF4-FFF2-40B4-BE49-F238E27FC236}">
-                <a16:creationId xmlns:a16="http://schemas.microsoft.com/office/drawing/2014/main" id="{9046B3F9-95CD-4FC8-B02D-61A88685819D}"/>
+                <a16:creationId xmlns:a16="http://schemas.microsoft.com/office/drawing/2014/main" xmlns="" id="{9046B3F9-95CD-4FC8-B02D-61A88685819D}"/>
               </a:ext>
             </a:extLst>
           </p:cNvPr>
@@ -21998,7 +22072,7 @@
         </p:nvGraphicFramePr>
         <p:xfrm>
           <a:off x="6204754" y="1883233"/>
-          <a:ext cx="5717023" cy="3124395"/>
+          <a:ext cx="5717023" cy="3246120"/>
         </p:xfrm>
         <a:graphic>
           <a:graphicData uri="http://schemas.openxmlformats.org/drawingml/2006/table">
@@ -22010,35 +22084,35 @@
                 <a:gridCol w="1257745">
                   <a:extLst>
                     <a:ext uri="{9D8B030D-6E8A-4147-A177-3AD203B41FA5}">
-                      <a16:colId xmlns:a16="http://schemas.microsoft.com/office/drawing/2014/main" val="3383974524"/>
+                      <a16:colId xmlns:a16="http://schemas.microsoft.com/office/drawing/2014/main" xmlns="" val="3383974524"/>
                     </a:ext>
                   </a:extLst>
                 </a:gridCol>
                 <a:gridCol w="717227">
                   <a:extLst>
                     <a:ext uri="{9D8B030D-6E8A-4147-A177-3AD203B41FA5}">
-                      <a16:colId xmlns:a16="http://schemas.microsoft.com/office/drawing/2014/main" val="1518497279"/>
+                      <a16:colId xmlns:a16="http://schemas.microsoft.com/office/drawing/2014/main" xmlns="" val="1518497279"/>
                     </a:ext>
                   </a:extLst>
                 </a:gridCol>
                 <a:gridCol w="1600766">
                   <a:extLst>
                     <a:ext uri="{9D8B030D-6E8A-4147-A177-3AD203B41FA5}">
-                      <a16:colId xmlns:a16="http://schemas.microsoft.com/office/drawing/2014/main" val="2246894711"/>
+                      <a16:colId xmlns:a16="http://schemas.microsoft.com/office/drawing/2014/main" xmlns="" val="2246894711"/>
                     </a:ext>
                   </a:extLst>
                 </a:gridCol>
                 <a:gridCol w="1143405">
                   <a:extLst>
                     <a:ext uri="{9D8B030D-6E8A-4147-A177-3AD203B41FA5}">
-                      <a16:colId xmlns:a16="http://schemas.microsoft.com/office/drawing/2014/main" val="4141969045"/>
+                      <a16:colId xmlns:a16="http://schemas.microsoft.com/office/drawing/2014/main" xmlns="" val="4141969045"/>
                     </a:ext>
                   </a:extLst>
                 </a:gridCol>
                 <a:gridCol w="997880">
                   <a:extLst>
                     <a:ext uri="{9D8B030D-6E8A-4147-A177-3AD203B41FA5}">
-                      <a16:colId xmlns:a16="http://schemas.microsoft.com/office/drawing/2014/main" val="306974695"/>
+                      <a16:colId xmlns:a16="http://schemas.microsoft.com/office/drawing/2014/main" xmlns="" val="306974695"/>
                     </a:ext>
                   </a:extLst>
                 </a:gridCol>
@@ -22186,7 +22260,7 @@
                 </a:tc>
                 <a:extLst>
                   <a:ext uri="{0D108BD9-81ED-4DB2-BD59-A6C34878D82A}">
-                    <a16:rowId xmlns:a16="http://schemas.microsoft.com/office/drawing/2014/main" val="12564354"/>
+                    <a16:rowId xmlns:a16="http://schemas.microsoft.com/office/drawing/2014/main" xmlns="" val="12564354"/>
                   </a:ext>
                 </a:extLst>
               </a:tr>
@@ -22599,7 +22673,7 @@
                 </a:tc>
                 <a:extLst>
                   <a:ext uri="{0D108BD9-81ED-4DB2-BD59-A6C34878D82A}">
-                    <a16:rowId xmlns:a16="http://schemas.microsoft.com/office/drawing/2014/main" val="1945327149"/>
+                    <a16:rowId xmlns:a16="http://schemas.microsoft.com/office/drawing/2014/main" xmlns="" val="1945327149"/>
                   </a:ext>
                 </a:extLst>
               </a:tr>
@@ -22692,7 +22766,7 @@
                 </a:tc>
                 <a:extLst>
                   <a:ext uri="{0D108BD9-81ED-4DB2-BD59-A6C34878D82A}">
-                    <a16:rowId xmlns:a16="http://schemas.microsoft.com/office/drawing/2014/main" val="60082074"/>
+                    <a16:rowId xmlns:a16="http://schemas.microsoft.com/office/drawing/2014/main" xmlns="" val="60082074"/>
                   </a:ext>
                 </a:extLst>
               </a:tr>
@@ -22785,7 +22859,7 @@
                 </a:tc>
                 <a:extLst>
                   <a:ext uri="{0D108BD9-81ED-4DB2-BD59-A6C34878D82A}">
-                    <a16:rowId xmlns:a16="http://schemas.microsoft.com/office/drawing/2014/main" val="1965427501"/>
+                    <a16:rowId xmlns:a16="http://schemas.microsoft.com/office/drawing/2014/main" xmlns="" val="1965427501"/>
                   </a:ext>
                 </a:extLst>
               </a:tr>
@@ -22878,7 +22952,7 @@
                 </a:tc>
                 <a:extLst>
                   <a:ext uri="{0D108BD9-81ED-4DB2-BD59-A6C34878D82A}">
-                    <a16:rowId xmlns:a16="http://schemas.microsoft.com/office/drawing/2014/main" val="1939662693"/>
+                    <a16:rowId xmlns:a16="http://schemas.microsoft.com/office/drawing/2014/main" xmlns="" val="1939662693"/>
                   </a:ext>
                 </a:extLst>
               </a:tr>
@@ -22971,7 +23045,7 @@
                 </a:tc>
                 <a:extLst>
                   <a:ext uri="{0D108BD9-81ED-4DB2-BD59-A6C34878D82A}">
-                    <a16:rowId xmlns:a16="http://schemas.microsoft.com/office/drawing/2014/main" val="24747921"/>
+                    <a16:rowId xmlns:a16="http://schemas.microsoft.com/office/drawing/2014/main" xmlns="" val="24747921"/>
                   </a:ext>
                 </a:extLst>
               </a:tr>
@@ -23064,7 +23138,7 @@
                 </a:tc>
                 <a:extLst>
                   <a:ext uri="{0D108BD9-81ED-4DB2-BD59-A6C34878D82A}">
-                    <a16:rowId xmlns:a16="http://schemas.microsoft.com/office/drawing/2014/main" val="2785249024"/>
+                    <a16:rowId xmlns:a16="http://schemas.microsoft.com/office/drawing/2014/main" xmlns="" val="2785249024"/>
                   </a:ext>
                 </a:extLst>
               </a:tr>
@@ -23157,7 +23231,7 @@
                 </a:tc>
                 <a:extLst>
                   <a:ext uri="{0D108BD9-81ED-4DB2-BD59-A6C34878D82A}">
-                    <a16:rowId xmlns:a16="http://schemas.microsoft.com/office/drawing/2014/main" val="643254361"/>
+                    <a16:rowId xmlns:a16="http://schemas.microsoft.com/office/drawing/2014/main" xmlns="" val="643254361"/>
                   </a:ext>
                 </a:extLst>
               </a:tr>
@@ -23304,7 +23378,7 @@
                 </a:tc>
                 <a:extLst>
                   <a:ext uri="{0D108BD9-81ED-4DB2-BD59-A6C34878D82A}">
-                    <a16:rowId xmlns:a16="http://schemas.microsoft.com/office/drawing/2014/main" val="533779036"/>
+                    <a16:rowId xmlns:a16="http://schemas.microsoft.com/office/drawing/2014/main" xmlns="" val="533779036"/>
                   </a:ext>
                 </a:extLst>
               </a:tr>
@@ -23317,7 +23391,7 @@
           <p:cNvPr id="14" name="Marcador de texto 18">
             <a:extLst>
               <a:ext uri="{FF2B5EF4-FFF2-40B4-BE49-F238E27FC236}">
-                <a16:creationId xmlns:a16="http://schemas.microsoft.com/office/drawing/2014/main" id="{B1F51716-9F0C-42D3-9B68-6D326A3FFED3}"/>
+                <a16:creationId xmlns:a16="http://schemas.microsoft.com/office/drawing/2014/main" xmlns="" id="{B1F51716-9F0C-42D3-9B68-6D326A3FFED3}"/>
               </a:ext>
             </a:extLst>
           </p:cNvPr>
@@ -23368,7 +23442,7 @@
           <a:bodyPr vert="horz" lIns="91440" tIns="45720" rIns="91440" bIns="45720" rtlCol="0" anchor="ctr"/>
           <a:lstStyle>
             <a:defPPr rtl="0">
-              <a:defRPr lang="es-es"/>
+              <a:defRPr lang="es-ES"/>
             </a:defPPr>
             <a:lvl1pPr marL="0" algn="r" defTabSz="914400" rtl="0" eaLnBrk="1" latinLnBrk="0" hangingPunct="1">
               <a:defRPr sz="1200" kern="1200">
@@ -23514,7 +23588,7 @@
           <p:cNvPr id="59" name="Marcador de posición de imagen 58" title="Edificios">
             <a:extLst>
               <a:ext uri="{FF2B5EF4-FFF2-40B4-BE49-F238E27FC236}">
-                <a16:creationId xmlns:a16="http://schemas.microsoft.com/office/drawing/2014/main" id="{3FCCC668-2247-4814-9CC5-9C5D4B447AA3}"/>
+                <a16:creationId xmlns:a16="http://schemas.microsoft.com/office/drawing/2014/main" xmlns="" id="{3FCCC668-2247-4814-9CC5-9C5D4B447AA3}"/>
               </a:ext>
             </a:extLst>
           </p:cNvPr>
@@ -23539,7 +23613,7 @@
           <p:cNvPr id="35" name="Marcador de pie de página 34">
             <a:extLst>
               <a:ext uri="{FF2B5EF4-FFF2-40B4-BE49-F238E27FC236}">
-                <a16:creationId xmlns:a16="http://schemas.microsoft.com/office/drawing/2014/main" id="{6390A22B-EC07-E942-A46F-F36FDD7FDB9D}"/>
+                <a16:creationId xmlns:a16="http://schemas.microsoft.com/office/drawing/2014/main" xmlns="" id="{6390A22B-EC07-E942-A46F-F36FDD7FDB9D}"/>
               </a:ext>
             </a:extLst>
           </p:cNvPr>
@@ -23568,7 +23642,7 @@
           <p:cNvPr id="10" name="Marcador de número de diapositiva 9">
             <a:extLst>
               <a:ext uri="{FF2B5EF4-FFF2-40B4-BE49-F238E27FC236}">
-                <a16:creationId xmlns:a16="http://schemas.microsoft.com/office/drawing/2014/main" id="{A267D224-5586-43DC-82CA-8605E158298B}"/>
+                <a16:creationId xmlns:a16="http://schemas.microsoft.com/office/drawing/2014/main" xmlns="" id="{A267D224-5586-43DC-82CA-8605E158298B}"/>
               </a:ext>
             </a:extLst>
           </p:cNvPr>
@@ -23599,7 +23673,7 @@
           <p:cNvPr id="11" name="Imagen 10">
             <a:extLst>
               <a:ext uri="{FF2B5EF4-FFF2-40B4-BE49-F238E27FC236}">
-                <a16:creationId xmlns:a16="http://schemas.microsoft.com/office/drawing/2014/main" id="{9A7C7285-ED76-42F7-A5E2-A16084FDC569}"/>
+                <a16:creationId xmlns:a16="http://schemas.microsoft.com/office/drawing/2014/main" xmlns="" id="{9A7C7285-ED76-42F7-A5E2-A16084FDC569}"/>
               </a:ext>
             </a:extLst>
           </p:cNvPr>
@@ -23629,7 +23703,7 @@
           <p:cNvPr id="12" name="Título 13">
             <a:extLst>
               <a:ext uri="{FF2B5EF4-FFF2-40B4-BE49-F238E27FC236}">
-                <a16:creationId xmlns:a16="http://schemas.microsoft.com/office/drawing/2014/main" id="{C27D6F22-3FD7-4DE2-9A6B-A05D9C187734}"/>
+                <a16:creationId xmlns:a16="http://schemas.microsoft.com/office/drawing/2014/main" xmlns="" id="{C27D6F22-3FD7-4DE2-9A6B-A05D9C187734}"/>
               </a:ext>
             </a:extLst>
           </p:cNvPr>
@@ -23677,7 +23751,7 @@
           <p:cNvPr id="13" name="Marcador de texto 18">
             <a:extLst>
               <a:ext uri="{FF2B5EF4-FFF2-40B4-BE49-F238E27FC236}">
-                <a16:creationId xmlns:a16="http://schemas.microsoft.com/office/drawing/2014/main" id="{45BD1B04-A7A2-487E-8371-10988553F022}"/>
+                <a16:creationId xmlns:a16="http://schemas.microsoft.com/office/drawing/2014/main" xmlns="" id="{45BD1B04-A7A2-487E-8371-10988553F022}"/>
               </a:ext>
             </a:extLst>
           </p:cNvPr>
@@ -23728,7 +23802,7 @@
           <a:bodyPr vert="horz" lIns="91440" tIns="45720" rIns="91440" bIns="45720" rtlCol="0" anchor="ctr"/>
           <a:lstStyle>
             <a:defPPr rtl="0">
-              <a:defRPr lang="es-es"/>
+              <a:defRPr lang="es-ES"/>
             </a:defPPr>
             <a:lvl1pPr marL="0" algn="r" defTabSz="914400" rtl="0" eaLnBrk="1" latinLnBrk="0" hangingPunct="1">
               <a:defRPr sz="1200" kern="1200">
@@ -23844,7 +23918,7 @@
           <p:cNvPr id="4" name="Tabla 3">
             <a:extLst>
               <a:ext uri="{FF2B5EF4-FFF2-40B4-BE49-F238E27FC236}">
-                <a16:creationId xmlns:a16="http://schemas.microsoft.com/office/drawing/2014/main" id="{012992CF-F9EC-4BD2-97C1-652CFC2C6A43}"/>
+                <a16:creationId xmlns:a16="http://schemas.microsoft.com/office/drawing/2014/main" xmlns="" id="{012992CF-F9EC-4BD2-97C1-652CFC2C6A43}"/>
               </a:ext>
             </a:extLst>
           </p:cNvPr>
@@ -23854,7 +23928,7 @@
           <p:nvPr>
             <p:extLst>
               <p:ext uri="{D42A27DB-BD31-4B8C-83A1-F6EECF244321}">
-                <p14:modId xmlns:p14="http://schemas.microsoft.com/office/powerpoint/2010/main" val="1834810159"/>
+                <p14:modId xmlns:p14="http://schemas.microsoft.com/office/powerpoint/2010/main" val="502471855"/>
               </p:ext>
             </p:extLst>
           </p:nvPr>
@@ -23873,35 +23947,35 @@
                 <a:gridCol w="1279663">
                   <a:extLst>
                     <a:ext uri="{9D8B030D-6E8A-4147-A177-3AD203B41FA5}">
-                      <a16:colId xmlns:a16="http://schemas.microsoft.com/office/drawing/2014/main" val="1232389711"/>
+                      <a16:colId xmlns:a16="http://schemas.microsoft.com/office/drawing/2014/main" xmlns="" val="1232389711"/>
                     </a:ext>
                   </a:extLst>
                 </a:gridCol>
                 <a:gridCol w="853109">
                   <a:extLst>
                     <a:ext uri="{9D8B030D-6E8A-4147-A177-3AD203B41FA5}">
-                      <a16:colId xmlns:a16="http://schemas.microsoft.com/office/drawing/2014/main" val="4108259117"/>
+                      <a16:colId xmlns:a16="http://schemas.microsoft.com/office/drawing/2014/main" xmlns="" val="4108259117"/>
                     </a:ext>
                   </a:extLst>
                 </a:gridCol>
                 <a:gridCol w="1728667">
                   <a:extLst>
                     <a:ext uri="{9D8B030D-6E8A-4147-A177-3AD203B41FA5}">
-                      <a16:colId xmlns:a16="http://schemas.microsoft.com/office/drawing/2014/main" val="3602533467"/>
+                      <a16:colId xmlns:a16="http://schemas.microsoft.com/office/drawing/2014/main" xmlns="" val="3602533467"/>
                     </a:ext>
                   </a:extLst>
                 </a:gridCol>
                 <a:gridCol w="1234762">
                   <a:extLst>
                     <a:ext uri="{9D8B030D-6E8A-4147-A177-3AD203B41FA5}">
-                      <a16:colId xmlns:a16="http://schemas.microsoft.com/office/drawing/2014/main" val="1867778514"/>
+                      <a16:colId xmlns:a16="http://schemas.microsoft.com/office/drawing/2014/main" xmlns="" val="1867778514"/>
                     </a:ext>
                   </a:extLst>
                 </a:gridCol>
                 <a:gridCol w="1077611">
                   <a:extLst>
                     <a:ext uri="{9D8B030D-6E8A-4147-A177-3AD203B41FA5}">
-                      <a16:colId xmlns:a16="http://schemas.microsoft.com/office/drawing/2014/main" val="2535776131"/>
+                      <a16:colId xmlns:a16="http://schemas.microsoft.com/office/drawing/2014/main" xmlns="" val="2535776131"/>
                     </a:ext>
                   </a:extLst>
                 </a:gridCol>
@@ -23921,12 +23995,18 @@
                         </a:spcAft>
                       </a:pPr>
                       <a:r>
-                        <a:rPr lang="es-ES" sz="1200">
+                        <a:rPr lang="es-ES" sz="1200" dirty="0" err="1">
                           <a:effectLst/>
                         </a:rPr>
-                        <a:t>Dia de la Semana</a:t>
+                        <a:t>Dia</a:t>
                       </a:r>
-                      <a:endParaRPr lang="es-EC" sz="1100">
+                      <a:r>
+                        <a:rPr lang="es-ES" sz="1200" dirty="0">
+                          <a:effectLst/>
+                        </a:rPr>
+                        <a:t> de la Semana</a:t>
+                      </a:r>
+                      <a:endParaRPr lang="es-EC" sz="1100" dirty="0">
                         <a:effectLst/>
                         <a:latin typeface="Arial" panose="020B0604020202020204" pitchFamily="34" charset="0"/>
                         <a:ea typeface="Arial" panose="020B0604020202020204" pitchFamily="34" charset="0"/>
@@ -24049,7 +24129,7 @@
                 </a:tc>
                 <a:extLst>
                   <a:ext uri="{0D108BD9-81ED-4DB2-BD59-A6C34878D82A}">
-                    <a16:rowId xmlns:a16="http://schemas.microsoft.com/office/drawing/2014/main" val="2924200619"/>
+                    <a16:rowId xmlns:a16="http://schemas.microsoft.com/office/drawing/2014/main" xmlns="" val="2924200619"/>
                   </a:ext>
                 </a:extLst>
               </a:tr>
@@ -24390,10 +24470,16 @@
                         </a:spcAft>
                       </a:pPr>
                       <a:r>
+                        <a:rPr lang="es-ES" sz="1200" dirty="0" smtClean="0">
+                          <a:effectLst/>
+                        </a:rPr>
+                        <a:t>Calle </a:t>
+                      </a:r>
+                      <a:r>
                         <a:rPr lang="es-ES" sz="1200" dirty="0">
                           <a:effectLst/>
                         </a:rPr>
-                        <a:t>Calle. Alonso de Mercadillo</a:t>
+                        <a:t>Alonso de Mercadillo</a:t>
                       </a:r>
                       <a:endParaRPr lang="es-EC" sz="1100" dirty="0">
                         <a:effectLst/>
@@ -24462,7 +24548,7 @@
                 </a:tc>
                 <a:extLst>
                   <a:ext uri="{0D108BD9-81ED-4DB2-BD59-A6C34878D82A}">
-                    <a16:rowId xmlns:a16="http://schemas.microsoft.com/office/drawing/2014/main" val="3114929782"/>
+                    <a16:rowId xmlns:a16="http://schemas.microsoft.com/office/drawing/2014/main" xmlns="" val="3114929782"/>
                   </a:ext>
                 </a:extLst>
               </a:tr>
@@ -24555,7 +24641,7 @@
                 </a:tc>
                 <a:extLst>
                   <a:ext uri="{0D108BD9-81ED-4DB2-BD59-A6C34878D82A}">
-                    <a16:rowId xmlns:a16="http://schemas.microsoft.com/office/drawing/2014/main" val="1676246670"/>
+                    <a16:rowId xmlns:a16="http://schemas.microsoft.com/office/drawing/2014/main" xmlns="" val="1676246670"/>
                   </a:ext>
                 </a:extLst>
               </a:tr>
@@ -24648,7 +24734,7 @@
                 </a:tc>
                 <a:extLst>
                   <a:ext uri="{0D108BD9-81ED-4DB2-BD59-A6C34878D82A}">
-                    <a16:rowId xmlns:a16="http://schemas.microsoft.com/office/drawing/2014/main" val="2452516382"/>
+                    <a16:rowId xmlns:a16="http://schemas.microsoft.com/office/drawing/2014/main" xmlns="" val="2452516382"/>
                   </a:ext>
                 </a:extLst>
               </a:tr>
@@ -24741,7 +24827,7 @@
                 </a:tc>
                 <a:extLst>
                   <a:ext uri="{0D108BD9-81ED-4DB2-BD59-A6C34878D82A}">
-                    <a16:rowId xmlns:a16="http://schemas.microsoft.com/office/drawing/2014/main" val="1952025531"/>
+                    <a16:rowId xmlns:a16="http://schemas.microsoft.com/office/drawing/2014/main" xmlns="" val="1952025531"/>
                   </a:ext>
                 </a:extLst>
               </a:tr>
@@ -24834,7 +24920,7 @@
                 </a:tc>
                 <a:extLst>
                   <a:ext uri="{0D108BD9-81ED-4DB2-BD59-A6C34878D82A}">
-                    <a16:rowId xmlns:a16="http://schemas.microsoft.com/office/drawing/2014/main" val="741258074"/>
+                    <a16:rowId xmlns:a16="http://schemas.microsoft.com/office/drawing/2014/main" xmlns="" val="741258074"/>
                   </a:ext>
                 </a:extLst>
               </a:tr>
@@ -24927,7 +25013,7 @@
                 </a:tc>
                 <a:extLst>
                   <a:ext uri="{0D108BD9-81ED-4DB2-BD59-A6C34878D82A}">
-                    <a16:rowId xmlns:a16="http://schemas.microsoft.com/office/drawing/2014/main" val="1839214891"/>
+                    <a16:rowId xmlns:a16="http://schemas.microsoft.com/office/drawing/2014/main" xmlns="" val="1839214891"/>
                   </a:ext>
                 </a:extLst>
               </a:tr>
@@ -25020,7 +25106,7 @@
                 </a:tc>
                 <a:extLst>
                   <a:ext uri="{0D108BD9-81ED-4DB2-BD59-A6C34878D82A}">
-                    <a16:rowId xmlns:a16="http://schemas.microsoft.com/office/drawing/2014/main" val="2345991613"/>
+                    <a16:rowId xmlns:a16="http://schemas.microsoft.com/office/drawing/2014/main" xmlns="" val="2345991613"/>
                   </a:ext>
                 </a:extLst>
               </a:tr>
@@ -25167,7 +25253,7 @@
                 </a:tc>
                 <a:extLst>
                   <a:ext uri="{0D108BD9-81ED-4DB2-BD59-A6C34878D82A}">
-                    <a16:rowId xmlns:a16="http://schemas.microsoft.com/office/drawing/2014/main" val="1679063500"/>
+                    <a16:rowId xmlns:a16="http://schemas.microsoft.com/office/drawing/2014/main" xmlns="" val="1679063500"/>
                   </a:ext>
                 </a:extLst>
               </a:tr>
@@ -25210,7 +25296,7 @@
           <p:cNvPr id="59" name="Marcador de posición de imagen 58" title="Edificios">
             <a:extLst>
               <a:ext uri="{FF2B5EF4-FFF2-40B4-BE49-F238E27FC236}">
-                <a16:creationId xmlns:a16="http://schemas.microsoft.com/office/drawing/2014/main" id="{3FCCC668-2247-4814-9CC5-9C5D4B447AA3}"/>
+                <a16:creationId xmlns:a16="http://schemas.microsoft.com/office/drawing/2014/main" xmlns="" id="{3FCCC668-2247-4814-9CC5-9C5D4B447AA3}"/>
               </a:ext>
             </a:extLst>
           </p:cNvPr>
@@ -25235,7 +25321,7 @@
           <p:cNvPr id="35" name="Marcador de pie de página 34">
             <a:extLst>
               <a:ext uri="{FF2B5EF4-FFF2-40B4-BE49-F238E27FC236}">
-                <a16:creationId xmlns:a16="http://schemas.microsoft.com/office/drawing/2014/main" id="{6390A22B-EC07-E942-A46F-F36FDD7FDB9D}"/>
+                <a16:creationId xmlns:a16="http://schemas.microsoft.com/office/drawing/2014/main" xmlns="" id="{6390A22B-EC07-E942-A46F-F36FDD7FDB9D}"/>
               </a:ext>
             </a:extLst>
           </p:cNvPr>
@@ -25264,7 +25350,7 @@
           <p:cNvPr id="10" name="Marcador de número de diapositiva 9">
             <a:extLst>
               <a:ext uri="{FF2B5EF4-FFF2-40B4-BE49-F238E27FC236}">
-                <a16:creationId xmlns:a16="http://schemas.microsoft.com/office/drawing/2014/main" id="{A267D224-5586-43DC-82CA-8605E158298B}"/>
+                <a16:creationId xmlns:a16="http://schemas.microsoft.com/office/drawing/2014/main" xmlns="" id="{A267D224-5586-43DC-82CA-8605E158298B}"/>
               </a:ext>
             </a:extLst>
           </p:cNvPr>
@@ -25295,7 +25381,7 @@
           <p:cNvPr id="11" name="Imagen 10">
             <a:extLst>
               <a:ext uri="{FF2B5EF4-FFF2-40B4-BE49-F238E27FC236}">
-                <a16:creationId xmlns:a16="http://schemas.microsoft.com/office/drawing/2014/main" id="{9A7C7285-ED76-42F7-A5E2-A16084FDC569}"/>
+                <a16:creationId xmlns:a16="http://schemas.microsoft.com/office/drawing/2014/main" xmlns="" id="{9A7C7285-ED76-42F7-A5E2-A16084FDC569}"/>
               </a:ext>
             </a:extLst>
           </p:cNvPr>
@@ -25325,7 +25411,7 @@
           <p:cNvPr id="12" name="Título 13">
             <a:extLst>
               <a:ext uri="{FF2B5EF4-FFF2-40B4-BE49-F238E27FC236}">
-                <a16:creationId xmlns:a16="http://schemas.microsoft.com/office/drawing/2014/main" id="{C27D6F22-3FD7-4DE2-9A6B-A05D9C187734}"/>
+                <a16:creationId xmlns:a16="http://schemas.microsoft.com/office/drawing/2014/main" xmlns="" id="{C27D6F22-3FD7-4DE2-9A6B-A05D9C187734}"/>
               </a:ext>
             </a:extLst>
           </p:cNvPr>
@@ -25373,7 +25459,7 @@
           <p:cNvPr id="13" name="Marcador de texto 18">
             <a:extLst>
               <a:ext uri="{FF2B5EF4-FFF2-40B4-BE49-F238E27FC236}">
-                <a16:creationId xmlns:a16="http://schemas.microsoft.com/office/drawing/2014/main" id="{45BD1B04-A7A2-487E-8371-10988553F022}"/>
+                <a16:creationId xmlns:a16="http://schemas.microsoft.com/office/drawing/2014/main" xmlns="" id="{45BD1B04-A7A2-487E-8371-10988553F022}"/>
               </a:ext>
             </a:extLst>
           </p:cNvPr>
@@ -25424,7 +25510,7 @@
           <a:bodyPr vert="horz" lIns="91440" tIns="45720" rIns="91440" bIns="45720" rtlCol="0" anchor="ctr"/>
           <a:lstStyle>
             <a:defPPr rtl="0">
-              <a:defRPr lang="es-es"/>
+              <a:defRPr lang="es-ES"/>
             </a:defPPr>
             <a:lvl1pPr marL="0" algn="r" defTabSz="914400" rtl="0" eaLnBrk="1" latinLnBrk="0" hangingPunct="1">
               <a:defRPr sz="1200" kern="1200">
@@ -25540,7 +25626,7 @@
           <p:cNvPr id="14" name="Marcador de texto 18">
             <a:extLst>
               <a:ext uri="{FF2B5EF4-FFF2-40B4-BE49-F238E27FC236}">
-                <a16:creationId xmlns:a16="http://schemas.microsoft.com/office/drawing/2014/main" id="{B1F51716-9F0C-42D3-9B68-6D326A3FFED3}"/>
+                <a16:creationId xmlns:a16="http://schemas.microsoft.com/office/drawing/2014/main" xmlns="" id="{B1F51716-9F0C-42D3-9B68-6D326A3FFED3}"/>
               </a:ext>
             </a:extLst>
           </p:cNvPr>
@@ -25591,7 +25677,7 @@
           <a:bodyPr vert="horz" lIns="91440" tIns="45720" rIns="91440" bIns="45720" rtlCol="0" anchor="ctr"/>
           <a:lstStyle>
             <a:defPPr rtl="0">
-              <a:defRPr lang="es-es"/>
+              <a:defRPr lang="es-ES"/>
             </a:defPPr>
             <a:lvl1pPr marL="0" algn="r" defTabSz="914400" rtl="0" eaLnBrk="1" latinLnBrk="0" hangingPunct="1">
               <a:defRPr sz="1200" kern="1200">
@@ -25707,7 +25793,7 @@
           <p:cNvPr id="4" name="Tabla 3">
             <a:extLst>
               <a:ext uri="{FF2B5EF4-FFF2-40B4-BE49-F238E27FC236}">
-                <a16:creationId xmlns:a16="http://schemas.microsoft.com/office/drawing/2014/main" id="{9FC5B9DF-3382-48B4-BE06-E2C7459E1B12}"/>
+                <a16:creationId xmlns:a16="http://schemas.microsoft.com/office/drawing/2014/main" xmlns="" id="{9FC5B9DF-3382-48B4-BE06-E2C7459E1B12}"/>
               </a:ext>
             </a:extLst>
           </p:cNvPr>
@@ -25717,14 +25803,14 @@
           <p:nvPr>
             <p:extLst>
               <p:ext uri="{D42A27DB-BD31-4B8C-83A1-F6EECF244321}">
-                <p14:modId xmlns:p14="http://schemas.microsoft.com/office/powerpoint/2010/main" val="170509231"/>
+                <p14:modId xmlns:p14="http://schemas.microsoft.com/office/powerpoint/2010/main" val="6844087"/>
               </p:ext>
             </p:extLst>
           </p:nvPr>
         </p:nvGraphicFramePr>
         <p:xfrm>
           <a:off x="74770" y="2119815"/>
-          <a:ext cx="5775155" cy="3232731"/>
+          <a:ext cx="5775155" cy="3235029"/>
         </p:xfrm>
         <a:graphic>
           <a:graphicData uri="http://schemas.openxmlformats.org/drawingml/2006/table">
@@ -25736,35 +25822,35 @@
                 <a:gridCol w="1257747">
                   <a:extLst>
                     <a:ext uri="{9D8B030D-6E8A-4147-A177-3AD203B41FA5}">
-                      <a16:colId xmlns:a16="http://schemas.microsoft.com/office/drawing/2014/main" val="2308429378"/>
+                      <a16:colId xmlns:a16="http://schemas.microsoft.com/office/drawing/2014/main" xmlns="" val="2308429378"/>
                     </a:ext>
                   </a:extLst>
                 </a:gridCol>
                 <a:gridCol w="744167">
                   <a:extLst>
                     <a:ext uri="{9D8B030D-6E8A-4147-A177-3AD203B41FA5}">
-                      <a16:colId xmlns:a16="http://schemas.microsoft.com/office/drawing/2014/main" val="2822757739"/>
+                      <a16:colId xmlns:a16="http://schemas.microsoft.com/office/drawing/2014/main" xmlns="" val="2822757739"/>
                     </a:ext>
                   </a:extLst>
                 </a:gridCol>
                 <a:gridCol w="1257747">
                   <a:extLst>
                     <a:ext uri="{9D8B030D-6E8A-4147-A177-3AD203B41FA5}">
-                      <a16:colId xmlns:a16="http://schemas.microsoft.com/office/drawing/2014/main" val="1079204375"/>
+                      <a16:colId xmlns:a16="http://schemas.microsoft.com/office/drawing/2014/main" xmlns="" val="1079204375"/>
                     </a:ext>
                   </a:extLst>
                 </a:gridCol>
                 <a:gridCol w="1257747">
                   <a:extLst>
                     <a:ext uri="{9D8B030D-6E8A-4147-A177-3AD203B41FA5}">
-                      <a16:colId xmlns:a16="http://schemas.microsoft.com/office/drawing/2014/main" val="243456237"/>
+                      <a16:colId xmlns:a16="http://schemas.microsoft.com/office/drawing/2014/main" xmlns="" val="243456237"/>
                     </a:ext>
                   </a:extLst>
                 </a:gridCol>
                 <a:gridCol w="1257747">
                   <a:extLst>
                     <a:ext uri="{9D8B030D-6E8A-4147-A177-3AD203B41FA5}">
-                      <a16:colId xmlns:a16="http://schemas.microsoft.com/office/drawing/2014/main" val="629278020"/>
+                      <a16:colId xmlns:a16="http://schemas.microsoft.com/office/drawing/2014/main" xmlns="" val="629278020"/>
                     </a:ext>
                   </a:extLst>
                 </a:gridCol>
@@ -25784,12 +25870,18 @@
                         </a:spcAft>
                       </a:pPr>
                       <a:r>
-                        <a:rPr lang="es-ES" sz="1200">
+                        <a:rPr lang="es-ES" sz="1200" dirty="0" err="1">
                           <a:effectLst/>
                         </a:rPr>
-                        <a:t>Dia de la Semana</a:t>
+                        <a:t>Dia</a:t>
                       </a:r>
-                      <a:endParaRPr lang="es-EC" sz="1100">
+                      <a:r>
+                        <a:rPr lang="es-ES" sz="1200" dirty="0">
+                          <a:effectLst/>
+                        </a:rPr>
+                        <a:t> de la Semana</a:t>
+                      </a:r>
+                      <a:endParaRPr lang="es-EC" sz="1100" dirty="0">
                         <a:effectLst/>
                         <a:latin typeface="Arial" panose="020B0604020202020204" pitchFamily="34" charset="0"/>
                         <a:ea typeface="Arial" panose="020B0604020202020204" pitchFamily="34" charset="0"/>
@@ -25912,7 +26004,7 @@
                 </a:tc>
                 <a:extLst>
                   <a:ext uri="{0D108BD9-81ED-4DB2-BD59-A6C34878D82A}">
-                    <a16:rowId xmlns:a16="http://schemas.microsoft.com/office/drawing/2014/main" val="466651800"/>
+                    <a16:rowId xmlns:a16="http://schemas.microsoft.com/office/drawing/2014/main" xmlns="" val="466651800"/>
                   </a:ext>
                 </a:extLst>
               </a:tr>
@@ -26054,6 +26146,1368 @@
                         </a:spcAft>
                       </a:pPr>
                       <a:r>
+                        <a:rPr lang="es-ES" sz="1200" dirty="0">
+                          <a:effectLst/>
+                        </a:rPr>
+                        <a:t> </a:t>
+                      </a:r>
+                      <a:endParaRPr lang="es-EC" sz="1100" dirty="0">
+                        <a:effectLst/>
+                      </a:endParaRPr>
+                    </a:p>
+                    <a:p>
+                      <a:pPr>
+                        <a:lnSpc>
+                          <a:spcPct val="115000"/>
+                        </a:lnSpc>
+                        <a:spcAft>
+                          <a:spcPts val="0"/>
+                        </a:spcAft>
+                      </a:pPr>
+                      <a:r>
+                        <a:rPr lang="es-ES" sz="1200" dirty="0">
+                          <a:effectLst/>
+                        </a:rPr>
+                        <a:t> </a:t>
+                      </a:r>
+                      <a:endParaRPr lang="es-EC" sz="1100" dirty="0">
+                        <a:effectLst/>
+                      </a:endParaRPr>
+                    </a:p>
+                    <a:p>
+                      <a:pPr>
+                        <a:lnSpc>
+                          <a:spcPct val="115000"/>
+                        </a:lnSpc>
+                        <a:spcAft>
+                          <a:spcPts val="0"/>
+                        </a:spcAft>
+                      </a:pPr>
+                      <a:r>
+                        <a:rPr lang="es-ES" sz="1200" dirty="0">
+                          <a:effectLst/>
+                        </a:rPr>
+                        <a:t> </a:t>
+                      </a:r>
+                      <a:endParaRPr lang="es-EC" sz="1100" dirty="0">
+                        <a:effectLst/>
+                      </a:endParaRPr>
+                    </a:p>
+                    <a:p>
+                      <a:pPr>
+                        <a:lnSpc>
+                          <a:spcPct val="115000"/>
+                        </a:lnSpc>
+                        <a:spcAft>
+                          <a:spcPts val="0"/>
+                        </a:spcAft>
+                      </a:pPr>
+                      <a:r>
+                        <a:rPr lang="es-ES" sz="1200" dirty="0">
+                          <a:effectLst/>
+                        </a:rPr>
+                        <a:t> </a:t>
+                      </a:r>
+                      <a:endParaRPr lang="es-EC" sz="1100" dirty="0">
+                        <a:effectLst/>
+                      </a:endParaRPr>
+                    </a:p>
+                    <a:p>
+                      <a:pPr>
+                        <a:lnSpc>
+                          <a:spcPct val="115000"/>
+                        </a:lnSpc>
+                        <a:spcAft>
+                          <a:spcPts val="0"/>
+                        </a:spcAft>
+                      </a:pPr>
+                      <a:r>
+                        <a:rPr lang="es-ES" sz="1200" dirty="0">
+                          <a:effectLst/>
+                        </a:rPr>
+                        <a:t> </a:t>
+                      </a:r>
+                      <a:endParaRPr lang="es-EC" sz="1100" dirty="0">
+                        <a:effectLst/>
+                      </a:endParaRPr>
+                    </a:p>
+                    <a:p>
+                      <a:pPr>
+                        <a:lnSpc>
+                          <a:spcPct val="115000"/>
+                        </a:lnSpc>
+                        <a:spcAft>
+                          <a:spcPts val="0"/>
+                        </a:spcAft>
+                      </a:pPr>
+                      <a:r>
+                        <a:rPr lang="es-ES" sz="1200" dirty="0">
+                          <a:effectLst/>
+                        </a:rPr>
+                        <a:t>18:00 h</a:t>
+                      </a:r>
+                      <a:endParaRPr lang="es-EC" sz="1100" dirty="0">
+                        <a:effectLst/>
+                        <a:latin typeface="Arial" panose="020B0604020202020204" pitchFamily="34" charset="0"/>
+                        <a:ea typeface="Arial" panose="020B0604020202020204" pitchFamily="34" charset="0"/>
+                      </a:endParaRPr>
+                    </a:p>
+                  </a:txBody>
+                  <a:tcPr marL="63500" marR="63500" marT="63500" marB="63500"/>
+                </a:tc>
+                <a:tc rowSpan="7">
+                  <a:txBody>
+                    <a:bodyPr/>
+                    <a:lstStyle/>
+                    <a:p>
+                      <a:pPr>
+                        <a:lnSpc>
+                          <a:spcPct val="115000"/>
+                        </a:lnSpc>
+                        <a:spcAft>
+                          <a:spcPts val="0"/>
+                        </a:spcAft>
+                      </a:pPr>
+                      <a:r>
+                        <a:rPr lang="es-ES" sz="1200">
+                          <a:effectLst/>
+                        </a:rPr>
+                        <a:t> </a:t>
+                      </a:r>
+                      <a:endParaRPr lang="es-EC" sz="1100">
+                        <a:effectLst/>
+                      </a:endParaRPr>
+                    </a:p>
+                    <a:p>
+                      <a:pPr>
+                        <a:lnSpc>
+                          <a:spcPct val="115000"/>
+                        </a:lnSpc>
+                        <a:spcAft>
+                          <a:spcPts val="0"/>
+                        </a:spcAft>
+                      </a:pPr>
+                      <a:r>
+                        <a:rPr lang="es-ES" sz="1200">
+                          <a:effectLst/>
+                        </a:rPr>
+                        <a:t> </a:t>
+                      </a:r>
+                      <a:endParaRPr lang="es-EC" sz="1100">
+                        <a:effectLst/>
+                      </a:endParaRPr>
+                    </a:p>
+                    <a:p>
+                      <a:pPr>
+                        <a:lnSpc>
+                          <a:spcPct val="115000"/>
+                        </a:lnSpc>
+                        <a:spcAft>
+                          <a:spcPts val="0"/>
+                        </a:spcAft>
+                      </a:pPr>
+                      <a:r>
+                        <a:rPr lang="es-ES" sz="1200">
+                          <a:effectLst/>
+                        </a:rPr>
+                        <a:t> </a:t>
+                      </a:r>
+                      <a:endParaRPr lang="es-EC" sz="1100">
+                        <a:effectLst/>
+                      </a:endParaRPr>
+                    </a:p>
+                    <a:p>
+                      <a:pPr>
+                        <a:lnSpc>
+                          <a:spcPct val="115000"/>
+                        </a:lnSpc>
+                        <a:spcAft>
+                          <a:spcPts val="0"/>
+                        </a:spcAft>
+                      </a:pPr>
+                      <a:r>
+                        <a:rPr lang="es-ES" sz="1200">
+                          <a:effectLst/>
+                        </a:rPr>
+                        <a:t> </a:t>
+                      </a:r>
+                      <a:endParaRPr lang="es-EC" sz="1100">
+                        <a:effectLst/>
+                      </a:endParaRPr>
+                    </a:p>
+                    <a:p>
+                      <a:pPr>
+                        <a:lnSpc>
+                          <a:spcPct val="115000"/>
+                        </a:lnSpc>
+                        <a:spcAft>
+                          <a:spcPts val="0"/>
+                        </a:spcAft>
+                      </a:pPr>
+                      <a:r>
+                        <a:rPr lang="es-ES" sz="1200">
+                          <a:effectLst/>
+                        </a:rPr>
+                        <a:t>Avd. Universitaria</a:t>
+                      </a:r>
+                      <a:endParaRPr lang="es-EC" sz="1100">
+                        <a:effectLst/>
+                        <a:latin typeface="Arial" panose="020B0604020202020204" pitchFamily="34" charset="0"/>
+                        <a:ea typeface="Arial" panose="020B0604020202020204" pitchFamily="34" charset="0"/>
+                      </a:endParaRPr>
+                    </a:p>
+                  </a:txBody>
+                  <a:tcPr marL="63500" marR="63500" marT="63500" marB="63500"/>
+                </a:tc>
+                <a:tc>
+                  <a:txBody>
+                    <a:bodyPr/>
+                    <a:lstStyle/>
+                    <a:p>
+                      <a:pPr>
+                        <a:lnSpc>
+                          <a:spcPct val="115000"/>
+                        </a:lnSpc>
+                        <a:spcAft>
+                          <a:spcPts val="0"/>
+                        </a:spcAft>
+                      </a:pPr>
+                      <a:r>
+                        <a:rPr lang="es-ES" sz="1200" dirty="0" smtClean="0">
+                          <a:effectLst/>
+                          <a:latin typeface="+mn-lt"/>
+                          <a:ea typeface="+mn-ea"/>
+                        </a:rPr>
+                        <a:t>18</a:t>
+                      </a:r>
+                      <a:endParaRPr lang="es-EC" sz="1100" dirty="0">
+                        <a:effectLst/>
+                        <a:latin typeface="Arial" panose="020B0604020202020204" pitchFamily="34" charset="0"/>
+                        <a:ea typeface="Arial" panose="020B0604020202020204" pitchFamily="34" charset="0"/>
+                      </a:endParaRPr>
+                    </a:p>
+                  </a:txBody>
+                  <a:tcPr marL="63500" marR="63500" marT="63500" marB="63500"/>
+                </a:tc>
+                <a:tc>
+                  <a:txBody>
+                    <a:bodyPr/>
+                    <a:lstStyle/>
+                    <a:p>
+                      <a:pPr>
+                        <a:lnSpc>
+                          <a:spcPct val="115000"/>
+                        </a:lnSpc>
+                        <a:spcAft>
+                          <a:spcPts val="0"/>
+                        </a:spcAft>
+                      </a:pPr>
+                      <a:r>
+                        <a:rPr lang="es-ES" sz="1200" dirty="0" smtClean="0">
+                          <a:effectLst/>
+                          <a:latin typeface="+mn-lt"/>
+                          <a:ea typeface="+mn-ea"/>
+                        </a:rPr>
+                        <a:t>28</a:t>
+                      </a:r>
+                      <a:endParaRPr lang="es-EC" sz="1100" dirty="0">
+                        <a:effectLst/>
+                        <a:latin typeface="Arial" panose="020B0604020202020204" pitchFamily="34" charset="0"/>
+                        <a:ea typeface="Arial" panose="020B0604020202020204" pitchFamily="34" charset="0"/>
+                      </a:endParaRPr>
+                    </a:p>
+                  </a:txBody>
+                  <a:tcPr marL="63500" marR="63500" marT="63500" marB="63500"/>
+                </a:tc>
+                <a:extLst>
+                  <a:ext uri="{0D108BD9-81ED-4DB2-BD59-A6C34878D82A}">
+                    <a16:rowId xmlns:a16="http://schemas.microsoft.com/office/drawing/2014/main" xmlns="" val="2708531466"/>
+                  </a:ext>
+                </a:extLst>
+              </a:tr>
+              <a:tr h="335014">
+                <a:tc vMerge="1">
+                  <a:txBody>
+                    <a:bodyPr/>
+                    <a:lstStyle/>
+                    <a:p>
+                      <a:endParaRPr lang="es-EC"/>
+                    </a:p>
+                  </a:txBody>
+                  <a:tcPr/>
+                </a:tc>
+                <a:tc vMerge="1">
+                  <a:txBody>
+                    <a:bodyPr/>
+                    <a:lstStyle/>
+                    <a:p>
+                      <a:endParaRPr lang="es-EC"/>
+                    </a:p>
+                  </a:txBody>
+                  <a:tcPr/>
+                </a:tc>
+                <a:tc vMerge="1">
+                  <a:txBody>
+                    <a:bodyPr/>
+                    <a:lstStyle/>
+                    <a:p>
+                      <a:endParaRPr lang="es-EC"/>
+                    </a:p>
+                  </a:txBody>
+                  <a:tcPr/>
+                </a:tc>
+                <a:tc>
+                  <a:txBody>
+                    <a:bodyPr/>
+                    <a:lstStyle/>
+                    <a:p>
+                      <a:pPr>
+                        <a:lnSpc>
+                          <a:spcPct val="115000"/>
+                        </a:lnSpc>
+                        <a:spcAft>
+                          <a:spcPts val="0"/>
+                        </a:spcAft>
+                      </a:pPr>
+                      <a:r>
+                        <a:rPr lang="es-ES" sz="1200" dirty="0" smtClean="0">
+                          <a:effectLst/>
+                          <a:latin typeface="+mn-lt"/>
+                          <a:ea typeface="+mn-ea"/>
+                        </a:rPr>
+                        <a:t>20</a:t>
+                      </a:r>
+                      <a:endParaRPr lang="es-EC" sz="1100" dirty="0">
+                        <a:effectLst/>
+                        <a:latin typeface="Arial" panose="020B0604020202020204" pitchFamily="34" charset="0"/>
+                        <a:ea typeface="Arial" panose="020B0604020202020204" pitchFamily="34" charset="0"/>
+                      </a:endParaRPr>
+                    </a:p>
+                  </a:txBody>
+                  <a:tcPr marL="63500" marR="63500" marT="63500" marB="63500"/>
+                </a:tc>
+                <a:tc>
+                  <a:txBody>
+                    <a:bodyPr/>
+                    <a:lstStyle/>
+                    <a:p>
+                      <a:pPr>
+                        <a:lnSpc>
+                          <a:spcPct val="115000"/>
+                        </a:lnSpc>
+                        <a:spcAft>
+                          <a:spcPts val="0"/>
+                        </a:spcAft>
+                      </a:pPr>
+                      <a:r>
+                        <a:rPr lang="es-ES" sz="1200" dirty="0" smtClean="0">
+                          <a:effectLst/>
+                          <a:latin typeface="+mn-lt"/>
+                          <a:ea typeface="+mn-ea"/>
+                        </a:rPr>
+                        <a:t>30</a:t>
+                      </a:r>
+                      <a:endParaRPr lang="es-EC" sz="1100" dirty="0">
+                        <a:effectLst/>
+                        <a:latin typeface="Arial" panose="020B0604020202020204" pitchFamily="34" charset="0"/>
+                        <a:ea typeface="Arial" panose="020B0604020202020204" pitchFamily="34" charset="0"/>
+                      </a:endParaRPr>
+                    </a:p>
+                  </a:txBody>
+                  <a:tcPr marL="63500" marR="63500" marT="63500" marB="63500"/>
+                </a:tc>
+                <a:extLst>
+                  <a:ext uri="{0D108BD9-81ED-4DB2-BD59-A6C34878D82A}">
+                    <a16:rowId xmlns:a16="http://schemas.microsoft.com/office/drawing/2014/main" xmlns="" val="3605229122"/>
+                  </a:ext>
+                </a:extLst>
+              </a:tr>
+              <a:tr h="335014">
+                <a:tc vMerge="1">
+                  <a:txBody>
+                    <a:bodyPr/>
+                    <a:lstStyle/>
+                    <a:p>
+                      <a:endParaRPr lang="es-EC"/>
+                    </a:p>
+                  </a:txBody>
+                  <a:tcPr/>
+                </a:tc>
+                <a:tc vMerge="1">
+                  <a:txBody>
+                    <a:bodyPr/>
+                    <a:lstStyle/>
+                    <a:p>
+                      <a:endParaRPr lang="es-EC"/>
+                    </a:p>
+                  </a:txBody>
+                  <a:tcPr/>
+                </a:tc>
+                <a:tc vMerge="1">
+                  <a:txBody>
+                    <a:bodyPr/>
+                    <a:lstStyle/>
+                    <a:p>
+                      <a:endParaRPr lang="es-EC"/>
+                    </a:p>
+                  </a:txBody>
+                  <a:tcPr/>
+                </a:tc>
+                <a:tc>
+                  <a:txBody>
+                    <a:bodyPr/>
+                    <a:lstStyle/>
+                    <a:p>
+                      <a:pPr>
+                        <a:lnSpc>
+                          <a:spcPct val="115000"/>
+                        </a:lnSpc>
+                        <a:spcAft>
+                          <a:spcPts val="0"/>
+                        </a:spcAft>
+                      </a:pPr>
+                      <a:r>
+                        <a:rPr lang="es-ES" sz="1200" dirty="0" smtClean="0">
+                          <a:effectLst/>
+                          <a:latin typeface="+mn-lt"/>
+                          <a:ea typeface="+mn-ea"/>
+                        </a:rPr>
+                        <a:t>19</a:t>
+                      </a:r>
+                      <a:endParaRPr lang="es-EC" sz="1100" dirty="0">
+                        <a:effectLst/>
+                        <a:latin typeface="Arial" panose="020B0604020202020204" pitchFamily="34" charset="0"/>
+                        <a:ea typeface="Arial" panose="020B0604020202020204" pitchFamily="34" charset="0"/>
+                      </a:endParaRPr>
+                    </a:p>
+                  </a:txBody>
+                  <a:tcPr marL="63500" marR="63500" marT="63500" marB="63500"/>
+                </a:tc>
+                <a:tc>
+                  <a:txBody>
+                    <a:bodyPr/>
+                    <a:lstStyle/>
+                    <a:p>
+                      <a:pPr>
+                        <a:lnSpc>
+                          <a:spcPct val="115000"/>
+                        </a:lnSpc>
+                        <a:spcAft>
+                          <a:spcPts val="0"/>
+                        </a:spcAft>
+                      </a:pPr>
+                      <a:r>
+                        <a:rPr lang="es-ES" sz="1200" dirty="0">
+                          <a:effectLst/>
+                        </a:rPr>
+                        <a:t>27</a:t>
+                      </a:r>
+                      <a:endParaRPr lang="es-EC" sz="1100" dirty="0">
+                        <a:effectLst/>
+                        <a:latin typeface="Arial" panose="020B0604020202020204" pitchFamily="34" charset="0"/>
+                        <a:ea typeface="Arial" panose="020B0604020202020204" pitchFamily="34" charset="0"/>
+                      </a:endParaRPr>
+                    </a:p>
+                  </a:txBody>
+                  <a:tcPr marL="63500" marR="63500" marT="63500" marB="63500"/>
+                </a:tc>
+                <a:extLst>
+                  <a:ext uri="{0D108BD9-81ED-4DB2-BD59-A6C34878D82A}">
+                    <a16:rowId xmlns:a16="http://schemas.microsoft.com/office/drawing/2014/main" xmlns="" val="1325885806"/>
+                  </a:ext>
+                </a:extLst>
+              </a:tr>
+              <a:tr h="335014">
+                <a:tc vMerge="1">
+                  <a:txBody>
+                    <a:bodyPr/>
+                    <a:lstStyle/>
+                    <a:p>
+                      <a:endParaRPr lang="es-EC"/>
+                    </a:p>
+                  </a:txBody>
+                  <a:tcPr/>
+                </a:tc>
+                <a:tc vMerge="1">
+                  <a:txBody>
+                    <a:bodyPr/>
+                    <a:lstStyle/>
+                    <a:p>
+                      <a:endParaRPr lang="es-EC"/>
+                    </a:p>
+                  </a:txBody>
+                  <a:tcPr/>
+                </a:tc>
+                <a:tc vMerge="1">
+                  <a:txBody>
+                    <a:bodyPr/>
+                    <a:lstStyle/>
+                    <a:p>
+                      <a:endParaRPr lang="es-EC"/>
+                    </a:p>
+                  </a:txBody>
+                  <a:tcPr/>
+                </a:tc>
+                <a:tc>
+                  <a:txBody>
+                    <a:bodyPr/>
+                    <a:lstStyle/>
+                    <a:p>
+                      <a:pPr>
+                        <a:lnSpc>
+                          <a:spcPct val="115000"/>
+                        </a:lnSpc>
+                        <a:spcAft>
+                          <a:spcPts val="0"/>
+                        </a:spcAft>
+                      </a:pPr>
+                      <a:r>
+                        <a:rPr lang="es-ES" sz="1200" dirty="0" smtClean="0">
+                          <a:effectLst/>
+                          <a:latin typeface="+mn-lt"/>
+                          <a:ea typeface="+mn-ea"/>
+                        </a:rPr>
+                        <a:t>25</a:t>
+                      </a:r>
+                      <a:endParaRPr lang="es-EC" sz="1100" dirty="0">
+                        <a:effectLst/>
+                        <a:latin typeface="Arial" panose="020B0604020202020204" pitchFamily="34" charset="0"/>
+                        <a:ea typeface="Arial" panose="020B0604020202020204" pitchFamily="34" charset="0"/>
+                      </a:endParaRPr>
+                    </a:p>
+                  </a:txBody>
+                  <a:tcPr marL="63500" marR="63500" marT="63500" marB="63500"/>
+                </a:tc>
+                <a:tc>
+                  <a:txBody>
+                    <a:bodyPr/>
+                    <a:lstStyle/>
+                    <a:p>
+                      <a:pPr>
+                        <a:lnSpc>
+                          <a:spcPct val="115000"/>
+                        </a:lnSpc>
+                        <a:spcAft>
+                          <a:spcPts val="0"/>
+                        </a:spcAft>
+                      </a:pPr>
+                      <a:r>
+                        <a:rPr lang="es-ES" sz="1200" dirty="0">
+                          <a:effectLst/>
+                        </a:rPr>
+                        <a:t>35</a:t>
+                      </a:r>
+                      <a:endParaRPr lang="es-EC" sz="1100" dirty="0">
+                        <a:effectLst/>
+                        <a:latin typeface="Arial" panose="020B0604020202020204" pitchFamily="34" charset="0"/>
+                        <a:ea typeface="Arial" panose="020B0604020202020204" pitchFamily="34" charset="0"/>
+                      </a:endParaRPr>
+                    </a:p>
+                  </a:txBody>
+                  <a:tcPr marL="63500" marR="63500" marT="63500" marB="63500"/>
+                </a:tc>
+                <a:extLst>
+                  <a:ext uri="{0D108BD9-81ED-4DB2-BD59-A6C34878D82A}">
+                    <a16:rowId xmlns:a16="http://schemas.microsoft.com/office/drawing/2014/main" xmlns="" val="3515862309"/>
+                  </a:ext>
+                </a:extLst>
+              </a:tr>
+              <a:tr h="335014">
+                <a:tc vMerge="1">
+                  <a:txBody>
+                    <a:bodyPr/>
+                    <a:lstStyle/>
+                    <a:p>
+                      <a:endParaRPr lang="es-EC"/>
+                    </a:p>
+                  </a:txBody>
+                  <a:tcPr/>
+                </a:tc>
+                <a:tc vMerge="1">
+                  <a:txBody>
+                    <a:bodyPr/>
+                    <a:lstStyle/>
+                    <a:p>
+                      <a:endParaRPr lang="es-EC"/>
+                    </a:p>
+                  </a:txBody>
+                  <a:tcPr/>
+                </a:tc>
+                <a:tc vMerge="1">
+                  <a:txBody>
+                    <a:bodyPr/>
+                    <a:lstStyle/>
+                    <a:p>
+                      <a:endParaRPr lang="es-EC"/>
+                    </a:p>
+                  </a:txBody>
+                  <a:tcPr/>
+                </a:tc>
+                <a:tc>
+                  <a:txBody>
+                    <a:bodyPr/>
+                    <a:lstStyle/>
+                    <a:p>
+                      <a:pPr>
+                        <a:lnSpc>
+                          <a:spcPct val="115000"/>
+                        </a:lnSpc>
+                        <a:spcAft>
+                          <a:spcPts val="0"/>
+                        </a:spcAft>
+                      </a:pPr>
+                      <a:r>
+                        <a:rPr lang="es-ES" sz="1200" dirty="0" smtClean="0">
+                          <a:effectLst/>
+                          <a:latin typeface="+mn-lt"/>
+                          <a:ea typeface="+mn-ea"/>
+                        </a:rPr>
+                        <a:t>26</a:t>
+                      </a:r>
+                      <a:endParaRPr lang="es-EC" sz="1100" dirty="0">
+                        <a:effectLst/>
+                        <a:latin typeface="Arial" panose="020B0604020202020204" pitchFamily="34" charset="0"/>
+                        <a:ea typeface="Arial" panose="020B0604020202020204" pitchFamily="34" charset="0"/>
+                      </a:endParaRPr>
+                    </a:p>
+                  </a:txBody>
+                  <a:tcPr marL="63500" marR="63500" marT="63500" marB="63500"/>
+                </a:tc>
+                <a:tc>
+                  <a:txBody>
+                    <a:bodyPr/>
+                    <a:lstStyle/>
+                    <a:p>
+                      <a:pPr>
+                        <a:lnSpc>
+                          <a:spcPct val="115000"/>
+                        </a:lnSpc>
+                        <a:spcAft>
+                          <a:spcPts val="0"/>
+                        </a:spcAft>
+                      </a:pPr>
+                      <a:r>
+                        <a:rPr lang="es-ES" sz="1200" dirty="0" smtClean="0">
+                          <a:effectLst/>
+                          <a:latin typeface="+mn-lt"/>
+                          <a:ea typeface="+mn-ea"/>
+                        </a:rPr>
+                        <a:t>38</a:t>
+                      </a:r>
+                      <a:endParaRPr lang="es-EC" sz="1100" dirty="0">
+                        <a:effectLst/>
+                        <a:latin typeface="Arial" panose="020B0604020202020204" pitchFamily="34" charset="0"/>
+                        <a:ea typeface="Arial" panose="020B0604020202020204" pitchFamily="34" charset="0"/>
+                      </a:endParaRPr>
+                    </a:p>
+                  </a:txBody>
+                  <a:tcPr marL="63500" marR="63500" marT="63500" marB="63500"/>
+                </a:tc>
+                <a:extLst>
+                  <a:ext uri="{0D108BD9-81ED-4DB2-BD59-A6C34878D82A}">
+                    <a16:rowId xmlns:a16="http://schemas.microsoft.com/office/drawing/2014/main" xmlns="" val="3233277525"/>
+                  </a:ext>
+                </a:extLst>
+              </a:tr>
+              <a:tr h="335014">
+                <a:tc vMerge="1">
+                  <a:txBody>
+                    <a:bodyPr/>
+                    <a:lstStyle/>
+                    <a:p>
+                      <a:endParaRPr lang="es-EC"/>
+                    </a:p>
+                  </a:txBody>
+                  <a:tcPr/>
+                </a:tc>
+                <a:tc vMerge="1">
+                  <a:txBody>
+                    <a:bodyPr/>
+                    <a:lstStyle/>
+                    <a:p>
+                      <a:endParaRPr lang="es-EC"/>
+                    </a:p>
+                  </a:txBody>
+                  <a:tcPr/>
+                </a:tc>
+                <a:tc vMerge="1">
+                  <a:txBody>
+                    <a:bodyPr/>
+                    <a:lstStyle/>
+                    <a:p>
+                      <a:endParaRPr lang="es-EC"/>
+                    </a:p>
+                  </a:txBody>
+                  <a:tcPr/>
+                </a:tc>
+                <a:tc>
+                  <a:txBody>
+                    <a:bodyPr/>
+                    <a:lstStyle/>
+                    <a:p>
+                      <a:pPr>
+                        <a:lnSpc>
+                          <a:spcPct val="115000"/>
+                        </a:lnSpc>
+                        <a:spcAft>
+                          <a:spcPts val="0"/>
+                        </a:spcAft>
+                      </a:pPr>
+                      <a:r>
+                        <a:rPr lang="es-ES" sz="1200" dirty="0" smtClean="0">
+                          <a:effectLst/>
+                          <a:latin typeface="+mn-lt"/>
+                          <a:ea typeface="+mn-ea"/>
+                        </a:rPr>
+                        <a:t>28</a:t>
+                      </a:r>
+                      <a:endParaRPr lang="es-EC" sz="1100" dirty="0">
+                        <a:effectLst/>
+                        <a:latin typeface="Arial" panose="020B0604020202020204" pitchFamily="34" charset="0"/>
+                        <a:ea typeface="Arial" panose="020B0604020202020204" pitchFamily="34" charset="0"/>
+                      </a:endParaRPr>
+                    </a:p>
+                  </a:txBody>
+                  <a:tcPr marL="63500" marR="63500" marT="63500" marB="63500"/>
+                </a:tc>
+                <a:tc>
+                  <a:txBody>
+                    <a:bodyPr/>
+                    <a:lstStyle/>
+                    <a:p>
+                      <a:pPr>
+                        <a:lnSpc>
+                          <a:spcPct val="115000"/>
+                        </a:lnSpc>
+                        <a:spcAft>
+                          <a:spcPts val="0"/>
+                        </a:spcAft>
+                      </a:pPr>
+                      <a:r>
+                        <a:rPr lang="es-ES" sz="1200" dirty="0" smtClean="0">
+                          <a:effectLst/>
+                        </a:rPr>
+                        <a:t>35</a:t>
+                      </a:r>
+                      <a:endParaRPr lang="es-EC" sz="1100" dirty="0">
+                        <a:effectLst/>
+                        <a:latin typeface="Arial" panose="020B0604020202020204" pitchFamily="34" charset="0"/>
+                        <a:ea typeface="Arial" panose="020B0604020202020204" pitchFamily="34" charset="0"/>
+                      </a:endParaRPr>
+                    </a:p>
+                  </a:txBody>
+                  <a:tcPr marL="63500" marR="63500" marT="63500" marB="63500"/>
+                </a:tc>
+                <a:extLst>
+                  <a:ext uri="{0D108BD9-81ED-4DB2-BD59-A6C34878D82A}">
+                    <a16:rowId xmlns:a16="http://schemas.microsoft.com/office/drawing/2014/main" xmlns="" val="4213487195"/>
+                  </a:ext>
+                </a:extLst>
+              </a:tr>
+              <a:tr h="335014">
+                <a:tc vMerge="1">
+                  <a:txBody>
+                    <a:bodyPr/>
+                    <a:lstStyle/>
+                    <a:p>
+                      <a:endParaRPr lang="es-EC"/>
+                    </a:p>
+                  </a:txBody>
+                  <a:tcPr/>
+                </a:tc>
+                <a:tc vMerge="1">
+                  <a:txBody>
+                    <a:bodyPr/>
+                    <a:lstStyle/>
+                    <a:p>
+                      <a:endParaRPr lang="es-EC"/>
+                    </a:p>
+                  </a:txBody>
+                  <a:tcPr/>
+                </a:tc>
+                <a:tc vMerge="1">
+                  <a:txBody>
+                    <a:bodyPr/>
+                    <a:lstStyle/>
+                    <a:p>
+                      <a:endParaRPr lang="es-EC"/>
+                    </a:p>
+                  </a:txBody>
+                  <a:tcPr/>
+                </a:tc>
+                <a:tc>
+                  <a:txBody>
+                    <a:bodyPr/>
+                    <a:lstStyle/>
+                    <a:p>
+                      <a:pPr>
+                        <a:lnSpc>
+                          <a:spcPct val="115000"/>
+                        </a:lnSpc>
+                        <a:spcAft>
+                          <a:spcPts val="0"/>
+                        </a:spcAft>
+                      </a:pPr>
+                      <a:r>
+                        <a:rPr lang="es-ES" sz="1200" dirty="0" smtClean="0">
+                          <a:effectLst/>
+                          <a:latin typeface="+mn-lt"/>
+                          <a:ea typeface="+mn-ea"/>
+                        </a:rPr>
+                        <a:t>29</a:t>
+                      </a:r>
+                      <a:endParaRPr lang="es-EC" sz="1100" dirty="0">
+                        <a:effectLst/>
+                        <a:latin typeface="Arial" panose="020B0604020202020204" pitchFamily="34" charset="0"/>
+                        <a:ea typeface="Arial" panose="020B0604020202020204" pitchFamily="34" charset="0"/>
+                      </a:endParaRPr>
+                    </a:p>
+                  </a:txBody>
+                  <a:tcPr marL="63500" marR="63500" marT="63500" marB="63500"/>
+                </a:tc>
+                <a:tc>
+                  <a:txBody>
+                    <a:bodyPr/>
+                    <a:lstStyle/>
+                    <a:p>
+                      <a:pPr>
+                        <a:lnSpc>
+                          <a:spcPct val="115000"/>
+                        </a:lnSpc>
+                        <a:spcAft>
+                          <a:spcPts val="0"/>
+                        </a:spcAft>
+                      </a:pPr>
+                      <a:r>
+                        <a:rPr lang="es-ES" sz="1200" dirty="0" smtClean="0">
+                          <a:effectLst/>
+                        </a:rPr>
+                        <a:t>338</a:t>
+                      </a:r>
+                      <a:endParaRPr lang="es-EC" sz="1100" dirty="0">
+                        <a:effectLst/>
+                        <a:latin typeface="Arial" panose="020B0604020202020204" pitchFamily="34" charset="0"/>
+                        <a:ea typeface="Arial" panose="020B0604020202020204" pitchFamily="34" charset="0"/>
+                      </a:endParaRPr>
+                    </a:p>
+                  </a:txBody>
+                  <a:tcPr marL="63500" marR="63500" marT="63500" marB="63500"/>
+                </a:tc>
+                <a:extLst>
+                  <a:ext uri="{0D108BD9-81ED-4DB2-BD59-A6C34878D82A}">
+                    <a16:rowId xmlns:a16="http://schemas.microsoft.com/office/drawing/2014/main" xmlns="" val="1637511536"/>
+                  </a:ext>
+                </a:extLst>
+              </a:tr>
+              <a:tr h="335014">
+                <a:tc>
+                  <a:txBody>
+                    <a:bodyPr/>
+                    <a:lstStyle/>
+                    <a:p>
+                      <a:pPr>
+                        <a:lnSpc>
+                          <a:spcPct val="115000"/>
+                        </a:lnSpc>
+                        <a:spcAft>
+                          <a:spcPts val="0"/>
+                        </a:spcAft>
+                      </a:pPr>
+                      <a:r>
+                        <a:rPr lang="es-ES" sz="1200">
+                          <a:effectLst/>
+                        </a:rPr>
+                        <a:t>Total</a:t>
+                      </a:r>
+                      <a:endParaRPr lang="es-EC" sz="1100">
+                        <a:effectLst/>
+                        <a:latin typeface="Arial" panose="020B0604020202020204" pitchFamily="34" charset="0"/>
+                        <a:ea typeface="Arial" panose="020B0604020202020204" pitchFamily="34" charset="0"/>
+                      </a:endParaRPr>
+                    </a:p>
+                  </a:txBody>
+                  <a:tcPr marL="63500" marR="63500" marT="63500" marB="63500"/>
+                </a:tc>
+                <a:tc>
+                  <a:txBody>
+                    <a:bodyPr/>
+                    <a:lstStyle/>
+                    <a:p>
+                      <a:pPr>
+                        <a:lnSpc>
+                          <a:spcPct val="115000"/>
+                        </a:lnSpc>
+                        <a:spcAft>
+                          <a:spcPts val="0"/>
+                        </a:spcAft>
+                      </a:pPr>
+                      <a:r>
+                        <a:rPr lang="es-ES" sz="1200">
+                          <a:effectLst/>
+                        </a:rPr>
+                        <a:t> </a:t>
+                      </a:r>
+                      <a:endParaRPr lang="es-EC" sz="1100">
+                        <a:effectLst/>
+                        <a:latin typeface="Arial" panose="020B0604020202020204" pitchFamily="34" charset="0"/>
+                        <a:ea typeface="Arial" panose="020B0604020202020204" pitchFamily="34" charset="0"/>
+                      </a:endParaRPr>
+                    </a:p>
+                  </a:txBody>
+                  <a:tcPr marL="63500" marR="63500" marT="63500" marB="63500"/>
+                </a:tc>
+                <a:tc>
+                  <a:txBody>
+                    <a:bodyPr/>
+                    <a:lstStyle/>
+                    <a:p>
+                      <a:pPr>
+                        <a:lnSpc>
+                          <a:spcPct val="115000"/>
+                        </a:lnSpc>
+                        <a:spcAft>
+                          <a:spcPts val="0"/>
+                        </a:spcAft>
+                      </a:pPr>
+                      <a:r>
+                        <a:rPr lang="es-ES" sz="1200">
+                          <a:effectLst/>
+                        </a:rPr>
+                        <a:t> </a:t>
+                      </a:r>
+                      <a:endParaRPr lang="es-EC" sz="1100">
+                        <a:effectLst/>
+                        <a:latin typeface="Arial" panose="020B0604020202020204" pitchFamily="34" charset="0"/>
+                        <a:ea typeface="Arial" panose="020B0604020202020204" pitchFamily="34" charset="0"/>
+                      </a:endParaRPr>
+                    </a:p>
+                  </a:txBody>
+                  <a:tcPr marL="63500" marR="63500" marT="63500" marB="63500"/>
+                </a:tc>
+                <a:tc>
+                  <a:txBody>
+                    <a:bodyPr/>
+                    <a:lstStyle/>
+                    <a:p>
+                      <a:pPr>
+                        <a:lnSpc>
+                          <a:spcPct val="115000"/>
+                        </a:lnSpc>
+                        <a:spcAft>
+                          <a:spcPts val="0"/>
+                        </a:spcAft>
+                      </a:pPr>
+                      <a:r>
+                        <a:rPr lang="es-ES" sz="1200" dirty="0" smtClean="0">
+                          <a:effectLst/>
+                        </a:rPr>
+                        <a:t>165</a:t>
+                      </a:r>
+                      <a:endParaRPr lang="es-EC" sz="1100" dirty="0">
+                        <a:effectLst/>
+                        <a:latin typeface="Arial" panose="020B0604020202020204" pitchFamily="34" charset="0"/>
+                        <a:ea typeface="Arial" panose="020B0604020202020204" pitchFamily="34" charset="0"/>
+                      </a:endParaRPr>
+                    </a:p>
+                  </a:txBody>
+                  <a:tcPr marL="63500" marR="63500" marT="63500" marB="63500"/>
+                </a:tc>
+                <a:tc>
+                  <a:txBody>
+                    <a:bodyPr/>
+                    <a:lstStyle/>
+                    <a:p>
+                      <a:pPr>
+                        <a:lnSpc>
+                          <a:spcPct val="115000"/>
+                        </a:lnSpc>
+                        <a:spcAft>
+                          <a:spcPts val="0"/>
+                        </a:spcAft>
+                      </a:pPr>
+                      <a:r>
+                        <a:rPr lang="es-ES" sz="1200" dirty="0" smtClean="0">
+                          <a:effectLst/>
+                        </a:rPr>
+                        <a:t>231</a:t>
+                      </a:r>
+                      <a:endParaRPr lang="es-EC" sz="1100" dirty="0">
+                        <a:effectLst/>
+                        <a:latin typeface="Arial" panose="020B0604020202020204" pitchFamily="34" charset="0"/>
+                        <a:ea typeface="Arial" panose="020B0604020202020204" pitchFamily="34" charset="0"/>
+                      </a:endParaRPr>
+                    </a:p>
+                  </a:txBody>
+                  <a:tcPr marL="63500" marR="63500" marT="63500" marB="63500"/>
+                </a:tc>
+                <a:extLst>
+                  <a:ext uri="{0D108BD9-81ED-4DB2-BD59-A6C34878D82A}">
+                    <a16:rowId xmlns:a16="http://schemas.microsoft.com/office/drawing/2014/main" xmlns="" val="2839862178"/>
+                  </a:ext>
+                </a:extLst>
+              </a:tr>
+            </a:tbl>
+          </a:graphicData>
+        </a:graphic>
+      </p:graphicFrame>
+      <p:graphicFrame>
+        <p:nvGraphicFramePr>
+          <p:cNvPr id="5" name="Tabla 4">
+            <a:extLst>
+              <a:ext uri="{FF2B5EF4-FFF2-40B4-BE49-F238E27FC236}">
+                <a16:creationId xmlns:a16="http://schemas.microsoft.com/office/drawing/2014/main" xmlns="" id="{B72420F1-FBA7-4E29-98FD-94624C956867}"/>
+              </a:ext>
+            </a:extLst>
+          </p:cNvPr>
+          <p:cNvGraphicFramePr>
+            <a:graphicFrameLocks noGrp="1"/>
+          </p:cNvGraphicFramePr>
+          <p:nvPr>
+            <p:extLst>
+              <p:ext uri="{D42A27DB-BD31-4B8C-83A1-F6EECF244321}">
+                <p14:modId xmlns:p14="http://schemas.microsoft.com/office/powerpoint/2010/main" val="4086488288"/>
+              </p:ext>
+            </p:extLst>
+          </p:nvPr>
+        </p:nvGraphicFramePr>
+        <p:xfrm>
+          <a:off x="6170175" y="2119815"/>
+          <a:ext cx="5717023" cy="3235028"/>
+        </p:xfrm>
+        <a:graphic>
+          <a:graphicData uri="http://schemas.openxmlformats.org/drawingml/2006/table">
+            <a:tbl>
+              <a:tblPr>
+                <a:tableStyleId>{5C22544A-7EE6-4342-B048-85BDC9FD1C3A}</a:tableStyleId>
+              </a:tblPr>
+              <a:tblGrid>
+                <a:gridCol w="1218382">
+                  <a:extLst>
+                    <a:ext uri="{9D8B030D-6E8A-4147-A177-3AD203B41FA5}">
+                      <a16:colId xmlns:a16="http://schemas.microsoft.com/office/drawing/2014/main" xmlns="" val="2675589353"/>
+                    </a:ext>
+                  </a:extLst>
+                </a:gridCol>
+                <a:gridCol w="749774">
+                  <a:extLst>
+                    <a:ext uri="{9D8B030D-6E8A-4147-A177-3AD203B41FA5}">
+                      <a16:colId xmlns:a16="http://schemas.microsoft.com/office/drawing/2014/main" xmlns="" val="3469098976"/>
+                    </a:ext>
+                  </a:extLst>
+                </a:gridCol>
+                <a:gridCol w="1603682">
+                  <a:extLst>
+                    <a:ext uri="{9D8B030D-6E8A-4147-A177-3AD203B41FA5}">
+                      <a16:colId xmlns:a16="http://schemas.microsoft.com/office/drawing/2014/main" xmlns="" val="864314904"/>
+                    </a:ext>
+                  </a:extLst>
+                </a:gridCol>
+                <a:gridCol w="1145487">
+                  <a:extLst>
+                    <a:ext uri="{9D8B030D-6E8A-4147-A177-3AD203B41FA5}">
+                      <a16:colId xmlns:a16="http://schemas.microsoft.com/office/drawing/2014/main" xmlns="" val="3624003134"/>
+                    </a:ext>
+                  </a:extLst>
+                </a:gridCol>
+                <a:gridCol w="999698">
+                  <a:extLst>
+                    <a:ext uri="{9D8B030D-6E8A-4147-A177-3AD203B41FA5}">
+                      <a16:colId xmlns:a16="http://schemas.microsoft.com/office/drawing/2014/main" xmlns="" val="2278579440"/>
+                    </a:ext>
+                  </a:extLst>
+                </a:gridCol>
+              </a:tblGrid>
+              <a:tr h="552618">
+                <a:tc>
+                  <a:txBody>
+                    <a:bodyPr/>
+                    <a:lstStyle/>
+                    <a:p>
+                      <a:pPr>
+                        <a:lnSpc>
+                          <a:spcPct val="115000"/>
+                        </a:lnSpc>
+                        <a:spcAft>
+                          <a:spcPts val="0"/>
+                        </a:spcAft>
+                      </a:pPr>
+                      <a:r>
+                        <a:rPr lang="es-ES" sz="1200" dirty="0" err="1">
+                          <a:effectLst/>
+                        </a:rPr>
+                        <a:t>Dia</a:t>
+                      </a:r>
+                      <a:r>
+                        <a:rPr lang="es-ES" sz="1200" dirty="0">
+                          <a:effectLst/>
+                        </a:rPr>
+                        <a:t> de la Semana</a:t>
+                      </a:r>
+                      <a:endParaRPr lang="es-EC" sz="1100" dirty="0">
+                        <a:effectLst/>
+                        <a:latin typeface="Arial" panose="020B0604020202020204" pitchFamily="34" charset="0"/>
+                        <a:ea typeface="Arial" panose="020B0604020202020204" pitchFamily="34" charset="0"/>
+                      </a:endParaRPr>
+                    </a:p>
+                  </a:txBody>
+                  <a:tcPr marL="63500" marR="63500" marT="63500" marB="63500"/>
+                </a:tc>
+                <a:tc>
+                  <a:txBody>
+                    <a:bodyPr/>
+                    <a:lstStyle/>
+                    <a:p>
+                      <a:pPr>
+                        <a:lnSpc>
+                          <a:spcPct val="115000"/>
+                        </a:lnSpc>
+                        <a:spcAft>
+                          <a:spcPts val="0"/>
+                        </a:spcAft>
+                      </a:pPr>
+                      <a:r>
+                        <a:rPr lang="es-ES" sz="1200">
+                          <a:effectLst/>
+                        </a:rPr>
+                        <a:t>Hora</a:t>
+                      </a:r>
+                      <a:endParaRPr lang="es-EC" sz="1100">
+                        <a:effectLst/>
+                        <a:latin typeface="Arial" panose="020B0604020202020204" pitchFamily="34" charset="0"/>
+                        <a:ea typeface="Arial" panose="020B0604020202020204" pitchFamily="34" charset="0"/>
+                      </a:endParaRPr>
+                    </a:p>
+                  </a:txBody>
+                  <a:tcPr marL="63500" marR="63500" marT="63500" marB="63500"/>
+                </a:tc>
+                <a:tc>
+                  <a:txBody>
+                    <a:bodyPr/>
+                    <a:lstStyle/>
+                    <a:p>
+                      <a:pPr>
+                        <a:lnSpc>
+                          <a:spcPct val="115000"/>
+                        </a:lnSpc>
+                        <a:spcAft>
+                          <a:spcPts val="0"/>
+                        </a:spcAft>
+                      </a:pPr>
+                      <a:r>
+                        <a:rPr lang="es-ES" sz="1200">
+                          <a:effectLst/>
+                        </a:rPr>
+                        <a:t>Calle o Avenida</a:t>
+                      </a:r>
+                      <a:endParaRPr lang="es-EC" sz="1100">
+                        <a:effectLst/>
+                        <a:latin typeface="Arial" panose="020B0604020202020204" pitchFamily="34" charset="0"/>
+                        <a:ea typeface="Arial" panose="020B0604020202020204" pitchFamily="34" charset="0"/>
+                      </a:endParaRPr>
+                    </a:p>
+                  </a:txBody>
+                  <a:tcPr marL="63500" marR="63500" marT="63500" marB="63500"/>
+                </a:tc>
+                <a:tc>
+                  <a:txBody>
+                    <a:bodyPr/>
+                    <a:lstStyle/>
+                    <a:p>
+                      <a:pPr>
+                        <a:lnSpc>
+                          <a:spcPct val="115000"/>
+                        </a:lnSpc>
+                        <a:spcAft>
+                          <a:spcPts val="0"/>
+                        </a:spcAft>
+                      </a:pPr>
+                      <a:r>
+                        <a:rPr lang="es-ES" sz="1200">
+                          <a:effectLst/>
+                        </a:rPr>
+                        <a:t>Semáforo Rojo</a:t>
+                      </a:r>
+                      <a:endParaRPr lang="es-EC" sz="1100">
+                        <a:effectLst/>
+                        <a:latin typeface="Arial" panose="020B0604020202020204" pitchFamily="34" charset="0"/>
+                        <a:ea typeface="Arial" panose="020B0604020202020204" pitchFamily="34" charset="0"/>
+                      </a:endParaRPr>
+                    </a:p>
+                  </a:txBody>
+                  <a:tcPr marL="63500" marR="63500" marT="63500" marB="63500"/>
+                </a:tc>
+                <a:tc>
+                  <a:txBody>
+                    <a:bodyPr/>
+                    <a:lstStyle/>
+                    <a:p>
+                      <a:pPr>
+                        <a:lnSpc>
+                          <a:spcPct val="115000"/>
+                        </a:lnSpc>
+                        <a:spcAft>
+                          <a:spcPts val="0"/>
+                        </a:spcAft>
+                      </a:pPr>
+                      <a:r>
+                        <a:rPr lang="es-ES" sz="1200" dirty="0">
+                          <a:effectLst/>
+                        </a:rPr>
+                        <a:t>Semáforo Verde</a:t>
+                      </a:r>
+                      <a:endParaRPr lang="es-EC" sz="1100" dirty="0">
+                        <a:effectLst/>
+                        <a:latin typeface="Arial" panose="020B0604020202020204" pitchFamily="34" charset="0"/>
+                        <a:ea typeface="Arial" panose="020B0604020202020204" pitchFamily="34" charset="0"/>
+                      </a:endParaRPr>
+                    </a:p>
+                  </a:txBody>
+                  <a:tcPr marL="63500" marR="63500" marT="63500" marB="63500"/>
+                </a:tc>
+                <a:extLst>
+                  <a:ext uri="{0D108BD9-81ED-4DB2-BD59-A6C34878D82A}">
+                    <a16:rowId xmlns:a16="http://schemas.microsoft.com/office/drawing/2014/main" xmlns="" val="2420365986"/>
+                  </a:ext>
+                </a:extLst>
+              </a:tr>
+              <a:tr h="335014">
+                <a:tc rowSpan="7">
+                  <a:txBody>
+                    <a:bodyPr/>
+                    <a:lstStyle/>
+                    <a:p>
+                      <a:pPr>
+                        <a:lnSpc>
+                          <a:spcPct val="115000"/>
+                        </a:lnSpc>
+                        <a:spcAft>
+                          <a:spcPts val="0"/>
+                        </a:spcAft>
+                      </a:pPr>
+                      <a:r>
+                        <a:rPr lang="es-ES" sz="1200">
+                          <a:effectLst/>
+                        </a:rPr>
+                        <a:t> </a:t>
+                      </a:r>
+                      <a:endParaRPr lang="es-EC" sz="1100">
+                        <a:effectLst/>
+                      </a:endParaRPr>
+                    </a:p>
+                    <a:p>
+                      <a:pPr>
+                        <a:lnSpc>
+                          <a:spcPct val="115000"/>
+                        </a:lnSpc>
+                        <a:spcAft>
+                          <a:spcPts val="0"/>
+                        </a:spcAft>
+                      </a:pPr>
+                      <a:r>
+                        <a:rPr lang="es-ES" sz="1200">
+                          <a:effectLst/>
+                        </a:rPr>
+                        <a:t> </a:t>
+                      </a:r>
+                      <a:endParaRPr lang="es-EC" sz="1100">
+                        <a:effectLst/>
+                      </a:endParaRPr>
+                    </a:p>
+                    <a:p>
+                      <a:pPr>
+                        <a:lnSpc>
+                          <a:spcPct val="115000"/>
+                        </a:lnSpc>
+                        <a:spcAft>
+                          <a:spcPts val="0"/>
+                        </a:spcAft>
+                      </a:pPr>
+                      <a:r>
+                        <a:rPr lang="es-ES" sz="1200">
+                          <a:effectLst/>
+                        </a:rPr>
+                        <a:t> </a:t>
+                      </a:r>
+                      <a:endParaRPr lang="es-EC" sz="1100">
+                        <a:effectLst/>
+                      </a:endParaRPr>
+                    </a:p>
+                    <a:p>
+                      <a:pPr>
+                        <a:lnSpc>
+                          <a:spcPct val="115000"/>
+                        </a:lnSpc>
+                        <a:spcAft>
+                          <a:spcPts val="0"/>
+                        </a:spcAft>
+                      </a:pPr>
+                      <a:r>
+                        <a:rPr lang="es-ES" sz="1200">
+                          <a:effectLst/>
+                        </a:rPr>
+                        <a:t> </a:t>
+                      </a:r>
+                      <a:endParaRPr lang="es-EC" sz="1100">
+                        <a:effectLst/>
+                      </a:endParaRPr>
+                    </a:p>
+                    <a:p>
+                      <a:pPr>
+                        <a:lnSpc>
+                          <a:spcPct val="115000"/>
+                        </a:lnSpc>
+                        <a:spcAft>
+                          <a:spcPts val="0"/>
+                        </a:spcAft>
+                      </a:pPr>
+                      <a:r>
+                        <a:rPr lang="es-ES" sz="1200">
+                          <a:effectLst/>
+                        </a:rPr>
+                        <a:t> </a:t>
+                      </a:r>
+                      <a:endParaRPr lang="es-EC" sz="1100">
+                        <a:effectLst/>
+                      </a:endParaRPr>
+                    </a:p>
+                    <a:p>
+                      <a:pPr>
+                        <a:lnSpc>
+                          <a:spcPct val="115000"/>
+                        </a:lnSpc>
+                        <a:spcAft>
+                          <a:spcPts val="0"/>
+                        </a:spcAft>
+                      </a:pPr>
+                      <a:r>
+                        <a:rPr lang="es-ES" sz="1200">
+                          <a:effectLst/>
+                        </a:rPr>
+                        <a:t>Viernes</a:t>
+                      </a:r>
+                      <a:endParaRPr lang="es-EC" sz="1100">
+                        <a:effectLst/>
+                        <a:latin typeface="Arial" panose="020B0604020202020204" pitchFamily="34" charset="0"/>
+                        <a:ea typeface="Arial" panose="020B0604020202020204" pitchFamily="34" charset="0"/>
+                      </a:endParaRPr>
+                    </a:p>
+                  </a:txBody>
+                  <a:tcPr marL="63500" marR="63500" marT="63500" marB="63500"/>
+                </a:tc>
+                <a:tc rowSpan="7">
+                  <a:txBody>
+                    <a:bodyPr/>
+                    <a:lstStyle/>
+                    <a:p>
+                      <a:pPr>
+                        <a:lnSpc>
+                          <a:spcPct val="115000"/>
+                        </a:lnSpc>
+                        <a:spcAft>
+                          <a:spcPts val="0"/>
+                        </a:spcAft>
+                      </a:pPr>
+                      <a:r>
                         <a:rPr lang="es-ES" sz="1200">
                           <a:effectLst/>
                         </a:rPr>
@@ -26177,12 +27631,12 @@
                         </a:spcAft>
                       </a:pPr>
                       <a:r>
-                        <a:rPr lang="es-ES" sz="1200">
+                        <a:rPr lang="es-ES" sz="1200" dirty="0">
                           <a:effectLst/>
                         </a:rPr>
                         <a:t> </a:t>
                       </a:r>
-                      <a:endParaRPr lang="es-EC" sz="1100">
+                      <a:endParaRPr lang="es-EC" sz="1100" dirty="0">
                         <a:effectLst/>
                       </a:endParaRPr>
                     </a:p>
@@ -26196,12 +27650,12 @@
                         </a:spcAft>
                       </a:pPr>
                       <a:r>
-                        <a:rPr lang="es-ES" sz="1200">
+                        <a:rPr lang="es-ES" sz="1200" dirty="0">
                           <a:effectLst/>
                         </a:rPr>
                         <a:t> </a:t>
                       </a:r>
-                      <a:endParaRPr lang="es-EC" sz="1100">
+                      <a:endParaRPr lang="es-EC" sz="1100" dirty="0">
                         <a:effectLst/>
                       </a:endParaRPr>
                     </a:p>
@@ -26215,12 +27669,12 @@
                         </a:spcAft>
                       </a:pPr>
                       <a:r>
-                        <a:rPr lang="es-ES" sz="1200">
+                        <a:rPr lang="es-ES" sz="1200" dirty="0">
                           <a:effectLst/>
                         </a:rPr>
                         <a:t> </a:t>
                       </a:r>
-                      <a:endParaRPr lang="es-EC" sz="1100">
+                      <a:endParaRPr lang="es-EC" sz="1100" dirty="0">
                         <a:effectLst/>
                       </a:endParaRPr>
                     </a:p>
@@ -26234,12 +27688,12 @@
                         </a:spcAft>
                       </a:pPr>
                       <a:r>
-                        <a:rPr lang="es-ES" sz="1200">
+                        <a:rPr lang="es-ES" sz="1200" dirty="0">
                           <a:effectLst/>
                         </a:rPr>
                         <a:t> </a:t>
                       </a:r>
-                      <a:endParaRPr lang="es-EC" sz="1100">
+                      <a:endParaRPr lang="es-EC" sz="1100" dirty="0">
                         <a:effectLst/>
                       </a:endParaRPr>
                     </a:p>
@@ -26253,12 +27707,12 @@
                         </a:spcAft>
                       </a:pPr>
                       <a:r>
-                        <a:rPr lang="es-ES" sz="1200">
+                        <a:rPr lang="es-ES" sz="1200" dirty="0">
                           <a:effectLst/>
                         </a:rPr>
-                        <a:t>Avd. Universitaria</a:t>
+                        <a:t>Avd. Manuel  Agustín Aguirre</a:t>
                       </a:r>
-                      <a:endParaRPr lang="es-EC" sz="1100">
+                      <a:endParaRPr lang="es-EC" sz="1100" dirty="0">
                         <a:effectLst/>
                         <a:latin typeface="Arial" panose="020B0604020202020204" pitchFamily="34" charset="0"/>
                         <a:ea typeface="Arial" panose="020B0604020202020204" pitchFamily="34" charset="0"/>
@@ -26281,12 +27735,14 @@
                         </a:spcAft>
                       </a:pPr>
                       <a:r>
-                        <a:rPr lang="es-ES" sz="1200">
+                        <a:rPr lang="es-ES" sz="1200" dirty="0" smtClean="0">
                           <a:effectLst/>
+                          <a:latin typeface="+mn-lt"/>
+                          <a:ea typeface="+mn-ea"/>
                         </a:rPr>
-                        <a:t>15</a:t>
+                        <a:t>28</a:t>
                       </a:r>
-                      <a:endParaRPr lang="es-EC" sz="1100">
+                      <a:endParaRPr lang="es-EC" sz="1100" dirty="0">
                         <a:effectLst/>
                         <a:latin typeface="Arial" panose="020B0604020202020204" pitchFamily="34" charset="0"/>
                         <a:ea typeface="Arial" panose="020B0604020202020204" pitchFamily="34" charset="0"/>
@@ -26309,12 +27765,14 @@
                         </a:spcAft>
                       </a:pPr>
                       <a:r>
-                        <a:rPr lang="es-ES" sz="1200">
+                        <a:rPr lang="es-ES" sz="1200" dirty="0" smtClean="0">
                           <a:effectLst/>
+                          <a:latin typeface="+mn-lt"/>
+                          <a:ea typeface="+mn-ea"/>
                         </a:rPr>
-                        <a:t>25</a:t>
+                        <a:t>40</a:t>
                       </a:r>
-                      <a:endParaRPr lang="es-EC" sz="1100">
+                      <a:endParaRPr lang="es-EC" sz="1100" dirty="0">
                         <a:effectLst/>
                         <a:latin typeface="Arial" panose="020B0604020202020204" pitchFamily="34" charset="0"/>
                         <a:ea typeface="Arial" panose="020B0604020202020204" pitchFamily="34" charset="0"/>
@@ -26325,7 +27783,7 @@
                 </a:tc>
                 <a:extLst>
                   <a:ext uri="{0D108BD9-81ED-4DB2-BD59-A6C34878D82A}">
-                    <a16:rowId xmlns:a16="http://schemas.microsoft.com/office/drawing/2014/main" val="2708531466"/>
+                    <a16:rowId xmlns:a16="http://schemas.microsoft.com/office/drawing/2014/main" xmlns="" val="1795285613"/>
                   </a:ext>
                 </a:extLst>
               </a:tr>
@@ -26374,12 +27832,14 @@
                         </a:spcAft>
                       </a:pPr>
                       <a:r>
-                        <a:rPr lang="es-ES" sz="1200">
+                        <a:rPr lang="es-ES" sz="1200" dirty="0" smtClean="0">
                           <a:effectLst/>
+                          <a:latin typeface="+mn-lt"/>
+                          <a:ea typeface="+mn-ea"/>
                         </a:rPr>
-                        <a:t>20</a:t>
+                        <a:t>30</a:t>
                       </a:r>
-                      <a:endParaRPr lang="es-EC" sz="1100">
+                      <a:endParaRPr lang="es-EC" sz="1100" dirty="0">
                         <a:effectLst/>
                         <a:latin typeface="Arial" panose="020B0604020202020204" pitchFamily="34" charset="0"/>
                         <a:ea typeface="Arial" panose="020B0604020202020204" pitchFamily="34" charset="0"/>
@@ -26402,12 +27862,14 @@
                         </a:spcAft>
                       </a:pPr>
                       <a:r>
-                        <a:rPr lang="es-ES" sz="1200">
+                        <a:rPr lang="es-ES" sz="1200" dirty="0" smtClean="0">
                           <a:effectLst/>
+                          <a:latin typeface="+mn-lt"/>
+                          <a:ea typeface="+mn-ea"/>
                         </a:rPr>
-                        <a:t>30</a:t>
+                        <a:t>35</a:t>
                       </a:r>
-                      <a:endParaRPr lang="es-EC" sz="1100">
+                      <a:endParaRPr lang="es-EC" sz="1100" dirty="0">
                         <a:effectLst/>
                         <a:latin typeface="Arial" panose="020B0604020202020204" pitchFamily="34" charset="0"/>
                         <a:ea typeface="Arial" panose="020B0604020202020204" pitchFamily="34" charset="0"/>
@@ -26418,7 +27880,7 @@
                 </a:tc>
                 <a:extLst>
                   <a:ext uri="{0D108BD9-81ED-4DB2-BD59-A6C34878D82A}">
-                    <a16:rowId xmlns:a16="http://schemas.microsoft.com/office/drawing/2014/main" val="3605229122"/>
+                    <a16:rowId xmlns:a16="http://schemas.microsoft.com/office/drawing/2014/main" xmlns="" val="2889248056"/>
                   </a:ext>
                 </a:extLst>
               </a:tr>
@@ -26467,12 +27929,14 @@
                         </a:spcAft>
                       </a:pPr>
                       <a:r>
-                        <a:rPr lang="es-ES" sz="1200">
+                        <a:rPr lang="es-ES" sz="1200" dirty="0" smtClean="0">
                           <a:effectLst/>
+                          <a:latin typeface="+mn-lt"/>
+                          <a:ea typeface="+mn-ea"/>
                         </a:rPr>
-                        <a:t>15</a:t>
+                        <a:t>27</a:t>
                       </a:r>
-                      <a:endParaRPr lang="es-EC" sz="1100">
+                      <a:endParaRPr lang="es-EC" sz="1100" dirty="0">
                         <a:effectLst/>
                         <a:latin typeface="Arial" panose="020B0604020202020204" pitchFamily="34" charset="0"/>
                         <a:ea typeface="Arial" panose="020B0604020202020204" pitchFamily="34" charset="0"/>
@@ -26495,12 +27959,14 @@
                         </a:spcAft>
                       </a:pPr>
                       <a:r>
-                        <a:rPr lang="es-ES" sz="1200">
+                        <a:rPr lang="es-ES" sz="1200" dirty="0" smtClean="0">
                           <a:effectLst/>
+                          <a:latin typeface="+mn-lt"/>
+                          <a:ea typeface="+mn-ea"/>
                         </a:rPr>
-                        <a:t>27</a:t>
+                        <a:t>39</a:t>
                       </a:r>
-                      <a:endParaRPr lang="es-EC" sz="1100">
+                      <a:endParaRPr lang="es-EC" sz="1100" dirty="0">
                         <a:effectLst/>
                         <a:latin typeface="Arial" panose="020B0604020202020204" pitchFamily="34" charset="0"/>
                         <a:ea typeface="Arial" panose="020B0604020202020204" pitchFamily="34" charset="0"/>
@@ -26511,7 +27977,7 @@
                 </a:tc>
                 <a:extLst>
                   <a:ext uri="{0D108BD9-81ED-4DB2-BD59-A6C34878D82A}">
-                    <a16:rowId xmlns:a16="http://schemas.microsoft.com/office/drawing/2014/main" val="1325885806"/>
+                    <a16:rowId xmlns:a16="http://schemas.microsoft.com/office/drawing/2014/main" xmlns="" val="2546131966"/>
                   </a:ext>
                 </a:extLst>
               </a:tr>
@@ -26560,12 +28026,14 @@
                         </a:spcAft>
                       </a:pPr>
                       <a:r>
-                        <a:rPr lang="es-ES" sz="1200">
+                        <a:rPr lang="es-ES" sz="1200" dirty="0" smtClean="0">
                           <a:effectLst/>
+                          <a:latin typeface="+mn-lt"/>
+                          <a:ea typeface="+mn-ea"/>
                         </a:rPr>
-                        <a:t>28</a:t>
+                        <a:t>35</a:t>
                       </a:r>
-                      <a:endParaRPr lang="es-EC" sz="1100">
+                      <a:endParaRPr lang="es-EC" sz="1100" dirty="0">
                         <a:effectLst/>
                         <a:latin typeface="Arial" panose="020B0604020202020204" pitchFamily="34" charset="0"/>
                         <a:ea typeface="Arial" panose="020B0604020202020204" pitchFamily="34" charset="0"/>
@@ -26588,12 +28056,14 @@
                         </a:spcAft>
                       </a:pPr>
                       <a:r>
-                        <a:rPr lang="es-ES" sz="1200">
+                        <a:rPr lang="es-ES" sz="1200" dirty="0" smtClean="0">
                           <a:effectLst/>
+                          <a:latin typeface="+mn-lt"/>
+                          <a:ea typeface="+mn-ea"/>
                         </a:rPr>
-                        <a:t>35</a:t>
+                        <a:t>43</a:t>
                       </a:r>
-                      <a:endParaRPr lang="es-EC" sz="1100">
+                      <a:endParaRPr lang="es-EC" sz="1100" dirty="0">
                         <a:effectLst/>
                         <a:latin typeface="Arial" panose="020B0604020202020204" pitchFamily="34" charset="0"/>
                         <a:ea typeface="Arial" panose="020B0604020202020204" pitchFamily="34" charset="0"/>
@@ -26604,7 +28074,7 @@
                 </a:tc>
                 <a:extLst>
                   <a:ext uri="{0D108BD9-81ED-4DB2-BD59-A6C34878D82A}">
-                    <a16:rowId xmlns:a16="http://schemas.microsoft.com/office/drawing/2014/main" val="3515862309"/>
+                    <a16:rowId xmlns:a16="http://schemas.microsoft.com/office/drawing/2014/main" xmlns="" val="2974932629"/>
                   </a:ext>
                 </a:extLst>
               </a:tr>
@@ -26653,12 +28123,14 @@
                         </a:spcAft>
                       </a:pPr>
                       <a:r>
-                        <a:rPr lang="es-ES" sz="1200">
+                        <a:rPr lang="es-ES" sz="1200" dirty="0" smtClean="0">
                           <a:effectLst/>
+                          <a:latin typeface="+mn-lt"/>
+                          <a:ea typeface="+mn-ea"/>
                         </a:rPr>
-                        <a:t>26</a:t>
+                        <a:t>29</a:t>
                       </a:r>
-                      <a:endParaRPr lang="es-EC" sz="1100">
+                      <a:endParaRPr lang="es-EC" sz="1100" dirty="0">
                         <a:effectLst/>
                         <a:latin typeface="Arial" panose="020B0604020202020204" pitchFamily="34" charset="0"/>
                         <a:ea typeface="Arial" panose="020B0604020202020204" pitchFamily="34" charset="0"/>
@@ -26681,12 +28153,14 @@
                         </a:spcAft>
                       </a:pPr>
                       <a:r>
-                        <a:rPr lang="es-ES" sz="1200">
+                        <a:rPr lang="es-ES" sz="1200" dirty="0" smtClean="0">
                           <a:effectLst/>
+                          <a:latin typeface="+mn-lt"/>
+                          <a:ea typeface="+mn-ea"/>
                         </a:rPr>
-                        <a:t>34</a:t>
+                        <a:t>41</a:t>
                       </a:r>
-                      <a:endParaRPr lang="es-EC" sz="1100">
+                      <a:endParaRPr lang="es-EC" sz="1100" dirty="0">
                         <a:effectLst/>
                         <a:latin typeface="Arial" panose="020B0604020202020204" pitchFamily="34" charset="0"/>
                         <a:ea typeface="Arial" panose="020B0604020202020204" pitchFamily="34" charset="0"/>
@@ -26697,7 +28171,7 @@
                 </a:tc>
                 <a:extLst>
                   <a:ext uri="{0D108BD9-81ED-4DB2-BD59-A6C34878D82A}">
-                    <a16:rowId xmlns:a16="http://schemas.microsoft.com/office/drawing/2014/main" val="3233277525"/>
+                    <a16:rowId xmlns:a16="http://schemas.microsoft.com/office/drawing/2014/main" xmlns="" val="1091297119"/>
                   </a:ext>
                 </a:extLst>
               </a:tr>
@@ -26746,12 +28220,14 @@
                         </a:spcAft>
                       </a:pPr>
                       <a:r>
-                        <a:rPr lang="es-ES" sz="1200">
+                        <a:rPr lang="es-ES" sz="1200" dirty="0" smtClean="0">
                           <a:effectLst/>
+                          <a:latin typeface="+mn-lt"/>
+                          <a:ea typeface="+mn-ea"/>
                         </a:rPr>
-                        <a:t>23</a:t>
+                        <a:t>29</a:t>
                       </a:r>
-                      <a:endParaRPr lang="es-EC" sz="1100">
+                      <a:endParaRPr lang="es-EC" sz="1100" dirty="0">
                         <a:effectLst/>
                         <a:latin typeface="Arial" panose="020B0604020202020204" pitchFamily="34" charset="0"/>
                         <a:ea typeface="Arial" panose="020B0604020202020204" pitchFamily="34" charset="0"/>
@@ -26774,12 +28250,14 @@
                         </a:spcAft>
                       </a:pPr>
                       <a:r>
-                        <a:rPr lang="es-ES" sz="1200">
+                        <a:rPr lang="es-ES" sz="1200" dirty="0" smtClean="0">
                           <a:effectLst/>
+                          <a:latin typeface="+mn-lt"/>
+                          <a:ea typeface="+mn-ea"/>
                         </a:rPr>
-                        <a:t>32</a:t>
+                        <a:t>42</a:t>
                       </a:r>
-                      <a:endParaRPr lang="es-EC" sz="1100">
+                      <a:endParaRPr lang="es-EC" sz="1100" dirty="0">
                         <a:effectLst/>
                         <a:latin typeface="Arial" panose="020B0604020202020204" pitchFamily="34" charset="0"/>
                         <a:ea typeface="Arial" panose="020B0604020202020204" pitchFamily="34" charset="0"/>
@@ -26790,7 +28268,7 @@
                 </a:tc>
                 <a:extLst>
                   <a:ext uri="{0D108BD9-81ED-4DB2-BD59-A6C34878D82A}">
-                    <a16:rowId xmlns:a16="http://schemas.microsoft.com/office/drawing/2014/main" val="4213487195"/>
+                    <a16:rowId xmlns:a16="http://schemas.microsoft.com/office/drawing/2014/main" xmlns="" val="915877127"/>
                   </a:ext>
                 </a:extLst>
               </a:tr>
@@ -26839,12 +28317,14 @@
                         </a:spcAft>
                       </a:pPr>
                       <a:r>
-                        <a:rPr lang="es-ES" sz="1200">
+                        <a:rPr lang="es-ES" sz="1200" dirty="0" smtClean="0">
                           <a:effectLst/>
+                          <a:latin typeface="+mn-lt"/>
+                          <a:ea typeface="+mn-ea"/>
                         </a:rPr>
-                        <a:t>25</a:t>
+                        <a:t>31</a:t>
                       </a:r>
-                      <a:endParaRPr lang="es-EC" sz="1100">
+                      <a:endParaRPr lang="es-EC" sz="1100" dirty="0">
                         <a:effectLst/>
                         <a:latin typeface="Arial" panose="020B0604020202020204" pitchFamily="34" charset="0"/>
                         <a:ea typeface="Arial" panose="020B0604020202020204" pitchFamily="34" charset="0"/>
@@ -26867,12 +28347,14 @@
                         </a:spcAft>
                       </a:pPr>
                       <a:r>
-                        <a:rPr lang="es-ES" sz="1200">
+                        <a:rPr lang="es-ES" sz="1200" dirty="0" smtClean="0">
                           <a:effectLst/>
+                          <a:latin typeface="+mn-lt"/>
+                          <a:ea typeface="+mn-ea"/>
                         </a:rPr>
-                        <a:t>38</a:t>
+                        <a:t>49</a:t>
                       </a:r>
-                      <a:endParaRPr lang="es-EC" sz="1100">
+                      <a:endParaRPr lang="es-EC" sz="1100" dirty="0">
                         <a:effectLst/>
                         <a:latin typeface="Arial" panose="020B0604020202020204" pitchFamily="34" charset="0"/>
                         <a:ea typeface="Arial" panose="020B0604020202020204" pitchFamily="34" charset="0"/>
@@ -26883,7 +28365,7 @@
                 </a:tc>
                 <a:extLst>
                   <a:ext uri="{0D108BD9-81ED-4DB2-BD59-A6C34878D82A}">
-                    <a16:rowId xmlns:a16="http://schemas.microsoft.com/office/drawing/2014/main" val="1637511536"/>
+                    <a16:rowId xmlns:a16="http://schemas.microsoft.com/office/drawing/2014/main" xmlns="" val="532426411"/>
                   </a:ext>
                 </a:extLst>
               </a:tr>
@@ -26986,12 +28468,14 @@
                         </a:spcAft>
                       </a:pPr>
                       <a:r>
-                        <a:rPr lang="es-ES" sz="1200">
+                        <a:rPr lang="es-ES" sz="1200" dirty="0" smtClean="0">
                           <a:effectLst/>
+                          <a:latin typeface="+mn-lt"/>
+                          <a:ea typeface="+mn-ea"/>
                         </a:rPr>
-                        <a:t>152</a:t>
+                        <a:t>209</a:t>
                       </a:r>
-                      <a:endParaRPr lang="es-EC" sz="1100">
+                      <a:endParaRPr lang="es-EC" sz="1100" dirty="0">
                         <a:effectLst/>
                         <a:latin typeface="Arial" panose="020B0604020202020204" pitchFamily="34" charset="0"/>
                         <a:ea typeface="Arial" panose="020B0604020202020204" pitchFamily="34" charset="0"/>
@@ -27014,10 +28498,12 @@
                         </a:spcAft>
                       </a:pPr>
                       <a:r>
-                        <a:rPr lang="es-ES" sz="1200" dirty="0">
+                        <a:rPr lang="es-ES" sz="1200" dirty="0" smtClean="0">
                           <a:effectLst/>
+                          <a:latin typeface="+mn-lt"/>
+                          <a:ea typeface="+mn-ea"/>
                         </a:rPr>
-                        <a:t>221</a:t>
+                        <a:t>289</a:t>
                       </a:r>
                       <a:endParaRPr lang="es-EC" sz="1100" dirty="0">
                         <a:effectLst/>
@@ -27030,1343 +28516,7 @@
                 </a:tc>
                 <a:extLst>
                   <a:ext uri="{0D108BD9-81ED-4DB2-BD59-A6C34878D82A}">
-                    <a16:rowId xmlns:a16="http://schemas.microsoft.com/office/drawing/2014/main" val="2839862178"/>
-                  </a:ext>
-                </a:extLst>
-              </a:tr>
-            </a:tbl>
-          </a:graphicData>
-        </a:graphic>
-      </p:graphicFrame>
-      <p:graphicFrame>
-        <p:nvGraphicFramePr>
-          <p:cNvPr id="5" name="Tabla 4">
-            <a:extLst>
-              <a:ext uri="{FF2B5EF4-FFF2-40B4-BE49-F238E27FC236}">
-                <a16:creationId xmlns:a16="http://schemas.microsoft.com/office/drawing/2014/main" id="{B72420F1-FBA7-4E29-98FD-94624C956867}"/>
-              </a:ext>
-            </a:extLst>
-          </p:cNvPr>
-          <p:cNvGraphicFramePr>
-            <a:graphicFrameLocks noGrp="1"/>
-          </p:cNvGraphicFramePr>
-          <p:nvPr>
-            <p:extLst>
-              <p:ext uri="{D42A27DB-BD31-4B8C-83A1-F6EECF244321}">
-                <p14:modId xmlns:p14="http://schemas.microsoft.com/office/powerpoint/2010/main" val="3468244743"/>
-              </p:ext>
-            </p:extLst>
-          </p:nvPr>
-        </p:nvGraphicFramePr>
-        <p:xfrm>
-          <a:off x="6170175" y="2119815"/>
-          <a:ext cx="5717023" cy="3232730"/>
-        </p:xfrm>
-        <a:graphic>
-          <a:graphicData uri="http://schemas.openxmlformats.org/drawingml/2006/table">
-            <a:tbl>
-              <a:tblPr>
-                <a:tableStyleId>{5C22544A-7EE6-4342-B048-85BDC9FD1C3A}</a:tableStyleId>
-              </a:tblPr>
-              <a:tblGrid>
-                <a:gridCol w="1218382">
-                  <a:extLst>
-                    <a:ext uri="{9D8B030D-6E8A-4147-A177-3AD203B41FA5}">
-                      <a16:colId xmlns:a16="http://schemas.microsoft.com/office/drawing/2014/main" val="2675589353"/>
-                    </a:ext>
-                  </a:extLst>
-                </a:gridCol>
-                <a:gridCol w="749774">
-                  <a:extLst>
-                    <a:ext uri="{9D8B030D-6E8A-4147-A177-3AD203B41FA5}">
-                      <a16:colId xmlns:a16="http://schemas.microsoft.com/office/drawing/2014/main" val="3469098976"/>
-                    </a:ext>
-                  </a:extLst>
-                </a:gridCol>
-                <a:gridCol w="1603682">
-                  <a:extLst>
-                    <a:ext uri="{9D8B030D-6E8A-4147-A177-3AD203B41FA5}">
-                      <a16:colId xmlns:a16="http://schemas.microsoft.com/office/drawing/2014/main" val="864314904"/>
-                    </a:ext>
-                  </a:extLst>
-                </a:gridCol>
-                <a:gridCol w="1145487">
-                  <a:extLst>
-                    <a:ext uri="{9D8B030D-6E8A-4147-A177-3AD203B41FA5}">
-                      <a16:colId xmlns:a16="http://schemas.microsoft.com/office/drawing/2014/main" val="3624003134"/>
-                    </a:ext>
-                  </a:extLst>
-                </a:gridCol>
-                <a:gridCol w="999698">
-                  <a:extLst>
-                    <a:ext uri="{9D8B030D-6E8A-4147-A177-3AD203B41FA5}">
-                      <a16:colId xmlns:a16="http://schemas.microsoft.com/office/drawing/2014/main" val="2278579440"/>
-                    </a:ext>
-                  </a:extLst>
-                </a:gridCol>
-              </a:tblGrid>
-              <a:tr h="552618">
-                <a:tc>
-                  <a:txBody>
-                    <a:bodyPr/>
-                    <a:lstStyle/>
-                    <a:p>
-                      <a:pPr>
-                        <a:lnSpc>
-                          <a:spcPct val="115000"/>
-                        </a:lnSpc>
-                        <a:spcAft>
-                          <a:spcPts val="0"/>
-                        </a:spcAft>
-                      </a:pPr>
-                      <a:r>
-                        <a:rPr lang="es-ES" sz="1200">
-                          <a:effectLst/>
-                        </a:rPr>
-                        <a:t>Dia de la Semana</a:t>
-                      </a:r>
-                      <a:endParaRPr lang="es-EC" sz="1100">
-                        <a:effectLst/>
-                        <a:latin typeface="Arial" panose="020B0604020202020204" pitchFamily="34" charset="0"/>
-                        <a:ea typeface="Arial" panose="020B0604020202020204" pitchFamily="34" charset="0"/>
-                      </a:endParaRPr>
-                    </a:p>
-                  </a:txBody>
-                  <a:tcPr marL="63500" marR="63500" marT="63500" marB="63500"/>
-                </a:tc>
-                <a:tc>
-                  <a:txBody>
-                    <a:bodyPr/>
-                    <a:lstStyle/>
-                    <a:p>
-                      <a:pPr>
-                        <a:lnSpc>
-                          <a:spcPct val="115000"/>
-                        </a:lnSpc>
-                        <a:spcAft>
-                          <a:spcPts val="0"/>
-                        </a:spcAft>
-                      </a:pPr>
-                      <a:r>
-                        <a:rPr lang="es-ES" sz="1200">
-                          <a:effectLst/>
-                        </a:rPr>
-                        <a:t>Hora</a:t>
-                      </a:r>
-                      <a:endParaRPr lang="es-EC" sz="1100">
-                        <a:effectLst/>
-                        <a:latin typeface="Arial" panose="020B0604020202020204" pitchFamily="34" charset="0"/>
-                        <a:ea typeface="Arial" panose="020B0604020202020204" pitchFamily="34" charset="0"/>
-                      </a:endParaRPr>
-                    </a:p>
-                  </a:txBody>
-                  <a:tcPr marL="63500" marR="63500" marT="63500" marB="63500"/>
-                </a:tc>
-                <a:tc>
-                  <a:txBody>
-                    <a:bodyPr/>
-                    <a:lstStyle/>
-                    <a:p>
-                      <a:pPr>
-                        <a:lnSpc>
-                          <a:spcPct val="115000"/>
-                        </a:lnSpc>
-                        <a:spcAft>
-                          <a:spcPts val="0"/>
-                        </a:spcAft>
-                      </a:pPr>
-                      <a:r>
-                        <a:rPr lang="es-ES" sz="1200">
-                          <a:effectLst/>
-                        </a:rPr>
-                        <a:t>Calle o Avenida</a:t>
-                      </a:r>
-                      <a:endParaRPr lang="es-EC" sz="1100">
-                        <a:effectLst/>
-                        <a:latin typeface="Arial" panose="020B0604020202020204" pitchFamily="34" charset="0"/>
-                        <a:ea typeface="Arial" panose="020B0604020202020204" pitchFamily="34" charset="0"/>
-                      </a:endParaRPr>
-                    </a:p>
-                  </a:txBody>
-                  <a:tcPr marL="63500" marR="63500" marT="63500" marB="63500"/>
-                </a:tc>
-                <a:tc>
-                  <a:txBody>
-                    <a:bodyPr/>
-                    <a:lstStyle/>
-                    <a:p>
-                      <a:pPr>
-                        <a:lnSpc>
-                          <a:spcPct val="115000"/>
-                        </a:lnSpc>
-                        <a:spcAft>
-                          <a:spcPts val="0"/>
-                        </a:spcAft>
-                      </a:pPr>
-                      <a:r>
-                        <a:rPr lang="es-ES" sz="1200">
-                          <a:effectLst/>
-                        </a:rPr>
-                        <a:t>Semáforo Rojo</a:t>
-                      </a:r>
-                      <a:endParaRPr lang="es-EC" sz="1100">
-                        <a:effectLst/>
-                        <a:latin typeface="Arial" panose="020B0604020202020204" pitchFamily="34" charset="0"/>
-                        <a:ea typeface="Arial" panose="020B0604020202020204" pitchFamily="34" charset="0"/>
-                      </a:endParaRPr>
-                    </a:p>
-                  </a:txBody>
-                  <a:tcPr marL="63500" marR="63500" marT="63500" marB="63500"/>
-                </a:tc>
-                <a:tc>
-                  <a:txBody>
-                    <a:bodyPr/>
-                    <a:lstStyle/>
-                    <a:p>
-                      <a:pPr>
-                        <a:lnSpc>
-                          <a:spcPct val="115000"/>
-                        </a:lnSpc>
-                        <a:spcAft>
-                          <a:spcPts val="0"/>
-                        </a:spcAft>
-                      </a:pPr>
-                      <a:r>
-                        <a:rPr lang="es-ES" sz="1200">
-                          <a:effectLst/>
-                        </a:rPr>
-                        <a:t>Semáforo Verde</a:t>
-                      </a:r>
-                      <a:endParaRPr lang="es-EC" sz="1100">
-                        <a:effectLst/>
-                        <a:latin typeface="Arial" panose="020B0604020202020204" pitchFamily="34" charset="0"/>
-                        <a:ea typeface="Arial" panose="020B0604020202020204" pitchFamily="34" charset="0"/>
-                      </a:endParaRPr>
-                    </a:p>
-                  </a:txBody>
-                  <a:tcPr marL="63500" marR="63500" marT="63500" marB="63500"/>
-                </a:tc>
-                <a:extLst>
-                  <a:ext uri="{0D108BD9-81ED-4DB2-BD59-A6C34878D82A}">
-                    <a16:rowId xmlns:a16="http://schemas.microsoft.com/office/drawing/2014/main" val="2420365986"/>
-                  </a:ext>
-                </a:extLst>
-              </a:tr>
-              <a:tr h="335014">
-                <a:tc rowSpan="7">
-                  <a:txBody>
-                    <a:bodyPr/>
-                    <a:lstStyle/>
-                    <a:p>
-                      <a:pPr>
-                        <a:lnSpc>
-                          <a:spcPct val="115000"/>
-                        </a:lnSpc>
-                        <a:spcAft>
-                          <a:spcPts val="0"/>
-                        </a:spcAft>
-                      </a:pPr>
-                      <a:r>
-                        <a:rPr lang="es-ES" sz="1200">
-                          <a:effectLst/>
-                        </a:rPr>
-                        <a:t> </a:t>
-                      </a:r>
-                      <a:endParaRPr lang="es-EC" sz="1100">
-                        <a:effectLst/>
-                      </a:endParaRPr>
-                    </a:p>
-                    <a:p>
-                      <a:pPr>
-                        <a:lnSpc>
-                          <a:spcPct val="115000"/>
-                        </a:lnSpc>
-                        <a:spcAft>
-                          <a:spcPts val="0"/>
-                        </a:spcAft>
-                      </a:pPr>
-                      <a:r>
-                        <a:rPr lang="es-ES" sz="1200">
-                          <a:effectLst/>
-                        </a:rPr>
-                        <a:t> </a:t>
-                      </a:r>
-                      <a:endParaRPr lang="es-EC" sz="1100">
-                        <a:effectLst/>
-                      </a:endParaRPr>
-                    </a:p>
-                    <a:p>
-                      <a:pPr>
-                        <a:lnSpc>
-                          <a:spcPct val="115000"/>
-                        </a:lnSpc>
-                        <a:spcAft>
-                          <a:spcPts val="0"/>
-                        </a:spcAft>
-                      </a:pPr>
-                      <a:r>
-                        <a:rPr lang="es-ES" sz="1200">
-                          <a:effectLst/>
-                        </a:rPr>
-                        <a:t> </a:t>
-                      </a:r>
-                      <a:endParaRPr lang="es-EC" sz="1100">
-                        <a:effectLst/>
-                      </a:endParaRPr>
-                    </a:p>
-                    <a:p>
-                      <a:pPr>
-                        <a:lnSpc>
-                          <a:spcPct val="115000"/>
-                        </a:lnSpc>
-                        <a:spcAft>
-                          <a:spcPts val="0"/>
-                        </a:spcAft>
-                      </a:pPr>
-                      <a:r>
-                        <a:rPr lang="es-ES" sz="1200">
-                          <a:effectLst/>
-                        </a:rPr>
-                        <a:t> </a:t>
-                      </a:r>
-                      <a:endParaRPr lang="es-EC" sz="1100">
-                        <a:effectLst/>
-                      </a:endParaRPr>
-                    </a:p>
-                    <a:p>
-                      <a:pPr>
-                        <a:lnSpc>
-                          <a:spcPct val="115000"/>
-                        </a:lnSpc>
-                        <a:spcAft>
-                          <a:spcPts val="0"/>
-                        </a:spcAft>
-                      </a:pPr>
-                      <a:r>
-                        <a:rPr lang="es-ES" sz="1200">
-                          <a:effectLst/>
-                        </a:rPr>
-                        <a:t> </a:t>
-                      </a:r>
-                      <a:endParaRPr lang="es-EC" sz="1100">
-                        <a:effectLst/>
-                      </a:endParaRPr>
-                    </a:p>
-                    <a:p>
-                      <a:pPr>
-                        <a:lnSpc>
-                          <a:spcPct val="115000"/>
-                        </a:lnSpc>
-                        <a:spcAft>
-                          <a:spcPts val="0"/>
-                        </a:spcAft>
-                      </a:pPr>
-                      <a:r>
-                        <a:rPr lang="es-ES" sz="1200">
-                          <a:effectLst/>
-                        </a:rPr>
-                        <a:t>Viernes</a:t>
-                      </a:r>
-                      <a:endParaRPr lang="es-EC" sz="1100">
-                        <a:effectLst/>
-                        <a:latin typeface="Arial" panose="020B0604020202020204" pitchFamily="34" charset="0"/>
-                        <a:ea typeface="Arial" panose="020B0604020202020204" pitchFamily="34" charset="0"/>
-                      </a:endParaRPr>
-                    </a:p>
-                  </a:txBody>
-                  <a:tcPr marL="63500" marR="63500" marT="63500" marB="63500"/>
-                </a:tc>
-                <a:tc rowSpan="7">
-                  <a:txBody>
-                    <a:bodyPr/>
-                    <a:lstStyle/>
-                    <a:p>
-                      <a:pPr>
-                        <a:lnSpc>
-                          <a:spcPct val="115000"/>
-                        </a:lnSpc>
-                        <a:spcAft>
-                          <a:spcPts val="0"/>
-                        </a:spcAft>
-                      </a:pPr>
-                      <a:r>
-                        <a:rPr lang="es-ES" sz="1200">
-                          <a:effectLst/>
-                        </a:rPr>
-                        <a:t> </a:t>
-                      </a:r>
-                      <a:endParaRPr lang="es-EC" sz="1100">
-                        <a:effectLst/>
-                      </a:endParaRPr>
-                    </a:p>
-                    <a:p>
-                      <a:pPr>
-                        <a:lnSpc>
-                          <a:spcPct val="115000"/>
-                        </a:lnSpc>
-                        <a:spcAft>
-                          <a:spcPts val="0"/>
-                        </a:spcAft>
-                      </a:pPr>
-                      <a:r>
-                        <a:rPr lang="es-ES" sz="1200">
-                          <a:effectLst/>
-                        </a:rPr>
-                        <a:t> </a:t>
-                      </a:r>
-                      <a:endParaRPr lang="es-EC" sz="1100">
-                        <a:effectLst/>
-                      </a:endParaRPr>
-                    </a:p>
-                    <a:p>
-                      <a:pPr>
-                        <a:lnSpc>
-                          <a:spcPct val="115000"/>
-                        </a:lnSpc>
-                        <a:spcAft>
-                          <a:spcPts val="0"/>
-                        </a:spcAft>
-                      </a:pPr>
-                      <a:r>
-                        <a:rPr lang="es-ES" sz="1200">
-                          <a:effectLst/>
-                        </a:rPr>
-                        <a:t> </a:t>
-                      </a:r>
-                      <a:endParaRPr lang="es-EC" sz="1100">
-                        <a:effectLst/>
-                      </a:endParaRPr>
-                    </a:p>
-                    <a:p>
-                      <a:pPr>
-                        <a:lnSpc>
-                          <a:spcPct val="115000"/>
-                        </a:lnSpc>
-                        <a:spcAft>
-                          <a:spcPts val="0"/>
-                        </a:spcAft>
-                      </a:pPr>
-                      <a:r>
-                        <a:rPr lang="es-ES" sz="1200">
-                          <a:effectLst/>
-                        </a:rPr>
-                        <a:t> </a:t>
-                      </a:r>
-                      <a:endParaRPr lang="es-EC" sz="1100">
-                        <a:effectLst/>
-                      </a:endParaRPr>
-                    </a:p>
-                    <a:p>
-                      <a:pPr>
-                        <a:lnSpc>
-                          <a:spcPct val="115000"/>
-                        </a:lnSpc>
-                        <a:spcAft>
-                          <a:spcPts val="0"/>
-                        </a:spcAft>
-                      </a:pPr>
-                      <a:r>
-                        <a:rPr lang="es-ES" sz="1200">
-                          <a:effectLst/>
-                        </a:rPr>
-                        <a:t> </a:t>
-                      </a:r>
-                      <a:endParaRPr lang="es-EC" sz="1100">
-                        <a:effectLst/>
-                      </a:endParaRPr>
-                    </a:p>
-                    <a:p>
-                      <a:pPr>
-                        <a:lnSpc>
-                          <a:spcPct val="115000"/>
-                        </a:lnSpc>
-                        <a:spcAft>
-                          <a:spcPts val="0"/>
-                        </a:spcAft>
-                      </a:pPr>
-                      <a:r>
-                        <a:rPr lang="es-ES" sz="1200">
-                          <a:effectLst/>
-                        </a:rPr>
-                        <a:t>18:00 h</a:t>
-                      </a:r>
-                      <a:endParaRPr lang="es-EC" sz="1100">
-                        <a:effectLst/>
-                        <a:latin typeface="Arial" panose="020B0604020202020204" pitchFamily="34" charset="0"/>
-                        <a:ea typeface="Arial" panose="020B0604020202020204" pitchFamily="34" charset="0"/>
-                      </a:endParaRPr>
-                    </a:p>
-                  </a:txBody>
-                  <a:tcPr marL="63500" marR="63500" marT="63500" marB="63500"/>
-                </a:tc>
-                <a:tc rowSpan="7">
-                  <a:txBody>
-                    <a:bodyPr/>
-                    <a:lstStyle/>
-                    <a:p>
-                      <a:pPr>
-                        <a:lnSpc>
-                          <a:spcPct val="115000"/>
-                        </a:lnSpc>
-                        <a:spcAft>
-                          <a:spcPts val="0"/>
-                        </a:spcAft>
-                      </a:pPr>
-                      <a:r>
-                        <a:rPr lang="es-ES" sz="1200" dirty="0">
-                          <a:effectLst/>
-                        </a:rPr>
-                        <a:t> </a:t>
-                      </a:r>
-                      <a:endParaRPr lang="es-EC" sz="1100" dirty="0">
-                        <a:effectLst/>
-                      </a:endParaRPr>
-                    </a:p>
-                    <a:p>
-                      <a:pPr>
-                        <a:lnSpc>
-                          <a:spcPct val="115000"/>
-                        </a:lnSpc>
-                        <a:spcAft>
-                          <a:spcPts val="0"/>
-                        </a:spcAft>
-                      </a:pPr>
-                      <a:r>
-                        <a:rPr lang="es-ES" sz="1200" dirty="0">
-                          <a:effectLst/>
-                        </a:rPr>
-                        <a:t> </a:t>
-                      </a:r>
-                      <a:endParaRPr lang="es-EC" sz="1100" dirty="0">
-                        <a:effectLst/>
-                      </a:endParaRPr>
-                    </a:p>
-                    <a:p>
-                      <a:pPr>
-                        <a:lnSpc>
-                          <a:spcPct val="115000"/>
-                        </a:lnSpc>
-                        <a:spcAft>
-                          <a:spcPts val="0"/>
-                        </a:spcAft>
-                      </a:pPr>
-                      <a:r>
-                        <a:rPr lang="es-ES" sz="1200" dirty="0">
-                          <a:effectLst/>
-                        </a:rPr>
-                        <a:t> </a:t>
-                      </a:r>
-                      <a:endParaRPr lang="es-EC" sz="1100" dirty="0">
-                        <a:effectLst/>
-                      </a:endParaRPr>
-                    </a:p>
-                    <a:p>
-                      <a:pPr>
-                        <a:lnSpc>
-                          <a:spcPct val="115000"/>
-                        </a:lnSpc>
-                        <a:spcAft>
-                          <a:spcPts val="0"/>
-                        </a:spcAft>
-                      </a:pPr>
-                      <a:r>
-                        <a:rPr lang="es-ES" sz="1200" dirty="0">
-                          <a:effectLst/>
-                        </a:rPr>
-                        <a:t> </a:t>
-                      </a:r>
-                      <a:endParaRPr lang="es-EC" sz="1100" dirty="0">
-                        <a:effectLst/>
-                      </a:endParaRPr>
-                    </a:p>
-                    <a:p>
-                      <a:pPr>
-                        <a:lnSpc>
-                          <a:spcPct val="115000"/>
-                        </a:lnSpc>
-                        <a:spcAft>
-                          <a:spcPts val="0"/>
-                        </a:spcAft>
-                      </a:pPr>
-                      <a:r>
-                        <a:rPr lang="es-ES" sz="1200" dirty="0">
-                          <a:effectLst/>
-                        </a:rPr>
-                        <a:t>Avd. Manuel  Agustín Aguirre</a:t>
-                      </a:r>
-                      <a:endParaRPr lang="es-EC" sz="1100" dirty="0">
-                        <a:effectLst/>
-                        <a:latin typeface="Arial" panose="020B0604020202020204" pitchFamily="34" charset="0"/>
-                        <a:ea typeface="Arial" panose="020B0604020202020204" pitchFamily="34" charset="0"/>
-                      </a:endParaRPr>
-                    </a:p>
-                  </a:txBody>
-                  <a:tcPr marL="63500" marR="63500" marT="63500" marB="63500"/>
-                </a:tc>
-                <a:tc>
-                  <a:txBody>
-                    <a:bodyPr/>
-                    <a:lstStyle/>
-                    <a:p>
-                      <a:pPr>
-                        <a:lnSpc>
-                          <a:spcPct val="115000"/>
-                        </a:lnSpc>
-                        <a:spcAft>
-                          <a:spcPts val="0"/>
-                        </a:spcAft>
-                      </a:pPr>
-                      <a:r>
-                        <a:rPr lang="es-ES" sz="1200">
-                          <a:effectLst/>
-                        </a:rPr>
-                        <a:t>25</a:t>
-                      </a:r>
-                      <a:endParaRPr lang="es-EC" sz="1100">
-                        <a:effectLst/>
-                        <a:latin typeface="Arial" panose="020B0604020202020204" pitchFamily="34" charset="0"/>
-                        <a:ea typeface="Arial" panose="020B0604020202020204" pitchFamily="34" charset="0"/>
-                      </a:endParaRPr>
-                    </a:p>
-                  </a:txBody>
-                  <a:tcPr marL="63500" marR="63500" marT="63500" marB="63500"/>
-                </a:tc>
-                <a:tc>
-                  <a:txBody>
-                    <a:bodyPr/>
-                    <a:lstStyle/>
-                    <a:p>
-                      <a:pPr>
-                        <a:lnSpc>
-                          <a:spcPct val="115000"/>
-                        </a:lnSpc>
-                        <a:spcAft>
-                          <a:spcPts val="0"/>
-                        </a:spcAft>
-                      </a:pPr>
-                      <a:r>
-                        <a:rPr lang="es-ES" sz="1200">
-                          <a:effectLst/>
-                        </a:rPr>
-                        <a:t>40</a:t>
-                      </a:r>
-                      <a:endParaRPr lang="es-EC" sz="1100">
-                        <a:effectLst/>
-                        <a:latin typeface="Arial" panose="020B0604020202020204" pitchFamily="34" charset="0"/>
-                        <a:ea typeface="Arial" panose="020B0604020202020204" pitchFamily="34" charset="0"/>
-                      </a:endParaRPr>
-                    </a:p>
-                  </a:txBody>
-                  <a:tcPr marL="63500" marR="63500" marT="63500" marB="63500"/>
-                </a:tc>
-                <a:extLst>
-                  <a:ext uri="{0D108BD9-81ED-4DB2-BD59-A6C34878D82A}">
-                    <a16:rowId xmlns:a16="http://schemas.microsoft.com/office/drawing/2014/main" val="1795285613"/>
-                  </a:ext>
-                </a:extLst>
-              </a:tr>
-              <a:tr h="335014">
-                <a:tc vMerge="1">
-                  <a:txBody>
-                    <a:bodyPr/>
-                    <a:lstStyle/>
-                    <a:p>
-                      <a:endParaRPr lang="es-EC"/>
-                    </a:p>
-                  </a:txBody>
-                  <a:tcPr/>
-                </a:tc>
-                <a:tc vMerge="1">
-                  <a:txBody>
-                    <a:bodyPr/>
-                    <a:lstStyle/>
-                    <a:p>
-                      <a:endParaRPr lang="es-EC"/>
-                    </a:p>
-                  </a:txBody>
-                  <a:tcPr/>
-                </a:tc>
-                <a:tc vMerge="1">
-                  <a:txBody>
-                    <a:bodyPr/>
-                    <a:lstStyle/>
-                    <a:p>
-                      <a:endParaRPr lang="es-EC"/>
-                    </a:p>
-                  </a:txBody>
-                  <a:tcPr/>
-                </a:tc>
-                <a:tc>
-                  <a:txBody>
-                    <a:bodyPr/>
-                    <a:lstStyle/>
-                    <a:p>
-                      <a:pPr>
-                        <a:lnSpc>
-                          <a:spcPct val="115000"/>
-                        </a:lnSpc>
-                        <a:spcAft>
-                          <a:spcPts val="0"/>
-                        </a:spcAft>
-                      </a:pPr>
-                      <a:r>
-                        <a:rPr lang="es-ES" sz="1200">
-                          <a:effectLst/>
-                        </a:rPr>
-                        <a:t>28</a:t>
-                      </a:r>
-                      <a:endParaRPr lang="es-EC" sz="1100">
-                        <a:effectLst/>
-                        <a:latin typeface="Arial" panose="020B0604020202020204" pitchFamily="34" charset="0"/>
-                        <a:ea typeface="Arial" panose="020B0604020202020204" pitchFamily="34" charset="0"/>
-                      </a:endParaRPr>
-                    </a:p>
-                  </a:txBody>
-                  <a:tcPr marL="63500" marR="63500" marT="63500" marB="63500"/>
-                </a:tc>
-                <a:tc>
-                  <a:txBody>
-                    <a:bodyPr/>
-                    <a:lstStyle/>
-                    <a:p>
-                      <a:pPr>
-                        <a:lnSpc>
-                          <a:spcPct val="115000"/>
-                        </a:lnSpc>
-                        <a:spcAft>
-                          <a:spcPts val="0"/>
-                        </a:spcAft>
-                      </a:pPr>
-                      <a:r>
-                        <a:rPr lang="es-ES" sz="1200">
-                          <a:effectLst/>
-                        </a:rPr>
-                        <a:t>36</a:t>
-                      </a:r>
-                      <a:endParaRPr lang="es-EC" sz="1100">
-                        <a:effectLst/>
-                        <a:latin typeface="Arial" panose="020B0604020202020204" pitchFamily="34" charset="0"/>
-                        <a:ea typeface="Arial" panose="020B0604020202020204" pitchFamily="34" charset="0"/>
-                      </a:endParaRPr>
-                    </a:p>
-                  </a:txBody>
-                  <a:tcPr marL="63500" marR="63500" marT="63500" marB="63500"/>
-                </a:tc>
-                <a:extLst>
-                  <a:ext uri="{0D108BD9-81ED-4DB2-BD59-A6C34878D82A}">
-                    <a16:rowId xmlns:a16="http://schemas.microsoft.com/office/drawing/2014/main" val="2889248056"/>
-                  </a:ext>
-                </a:extLst>
-              </a:tr>
-              <a:tr h="335014">
-                <a:tc vMerge="1">
-                  <a:txBody>
-                    <a:bodyPr/>
-                    <a:lstStyle/>
-                    <a:p>
-                      <a:endParaRPr lang="es-EC"/>
-                    </a:p>
-                  </a:txBody>
-                  <a:tcPr/>
-                </a:tc>
-                <a:tc vMerge="1">
-                  <a:txBody>
-                    <a:bodyPr/>
-                    <a:lstStyle/>
-                    <a:p>
-                      <a:endParaRPr lang="es-EC"/>
-                    </a:p>
-                  </a:txBody>
-                  <a:tcPr/>
-                </a:tc>
-                <a:tc vMerge="1">
-                  <a:txBody>
-                    <a:bodyPr/>
-                    <a:lstStyle/>
-                    <a:p>
-                      <a:endParaRPr lang="es-EC"/>
-                    </a:p>
-                  </a:txBody>
-                  <a:tcPr/>
-                </a:tc>
-                <a:tc>
-                  <a:txBody>
-                    <a:bodyPr/>
-                    <a:lstStyle/>
-                    <a:p>
-                      <a:pPr>
-                        <a:lnSpc>
-                          <a:spcPct val="115000"/>
-                        </a:lnSpc>
-                        <a:spcAft>
-                          <a:spcPts val="0"/>
-                        </a:spcAft>
-                      </a:pPr>
-                      <a:r>
-                        <a:rPr lang="es-ES" sz="1200">
-                          <a:effectLst/>
-                        </a:rPr>
-                        <a:t>27</a:t>
-                      </a:r>
-                      <a:endParaRPr lang="es-EC" sz="1100">
-                        <a:effectLst/>
-                        <a:latin typeface="Arial" panose="020B0604020202020204" pitchFamily="34" charset="0"/>
-                        <a:ea typeface="Arial" panose="020B0604020202020204" pitchFamily="34" charset="0"/>
-                      </a:endParaRPr>
-                    </a:p>
-                  </a:txBody>
-                  <a:tcPr marL="63500" marR="63500" marT="63500" marB="63500"/>
-                </a:tc>
-                <a:tc>
-                  <a:txBody>
-                    <a:bodyPr/>
-                    <a:lstStyle/>
-                    <a:p>
-                      <a:pPr>
-                        <a:lnSpc>
-                          <a:spcPct val="115000"/>
-                        </a:lnSpc>
-                        <a:spcAft>
-                          <a:spcPts val="0"/>
-                        </a:spcAft>
-                      </a:pPr>
-                      <a:r>
-                        <a:rPr lang="es-ES" sz="1200">
-                          <a:effectLst/>
-                        </a:rPr>
-                        <a:t>40</a:t>
-                      </a:r>
-                      <a:endParaRPr lang="es-EC" sz="1100">
-                        <a:effectLst/>
-                        <a:latin typeface="Arial" panose="020B0604020202020204" pitchFamily="34" charset="0"/>
-                        <a:ea typeface="Arial" panose="020B0604020202020204" pitchFamily="34" charset="0"/>
-                      </a:endParaRPr>
-                    </a:p>
-                  </a:txBody>
-                  <a:tcPr marL="63500" marR="63500" marT="63500" marB="63500"/>
-                </a:tc>
-                <a:extLst>
-                  <a:ext uri="{0D108BD9-81ED-4DB2-BD59-A6C34878D82A}">
-                    <a16:rowId xmlns:a16="http://schemas.microsoft.com/office/drawing/2014/main" val="2546131966"/>
-                  </a:ext>
-                </a:extLst>
-              </a:tr>
-              <a:tr h="335014">
-                <a:tc vMerge="1">
-                  <a:txBody>
-                    <a:bodyPr/>
-                    <a:lstStyle/>
-                    <a:p>
-                      <a:endParaRPr lang="es-EC"/>
-                    </a:p>
-                  </a:txBody>
-                  <a:tcPr/>
-                </a:tc>
-                <a:tc vMerge="1">
-                  <a:txBody>
-                    <a:bodyPr/>
-                    <a:lstStyle/>
-                    <a:p>
-                      <a:endParaRPr lang="es-EC"/>
-                    </a:p>
-                  </a:txBody>
-                  <a:tcPr/>
-                </a:tc>
-                <a:tc vMerge="1">
-                  <a:txBody>
-                    <a:bodyPr/>
-                    <a:lstStyle/>
-                    <a:p>
-                      <a:endParaRPr lang="es-EC"/>
-                    </a:p>
-                  </a:txBody>
-                  <a:tcPr/>
-                </a:tc>
-                <a:tc>
-                  <a:txBody>
-                    <a:bodyPr/>
-                    <a:lstStyle/>
-                    <a:p>
-                      <a:pPr>
-                        <a:lnSpc>
-                          <a:spcPct val="115000"/>
-                        </a:lnSpc>
-                        <a:spcAft>
-                          <a:spcPts val="0"/>
-                        </a:spcAft>
-                      </a:pPr>
-                      <a:r>
-                        <a:rPr lang="es-ES" sz="1200">
-                          <a:effectLst/>
-                        </a:rPr>
-                        <a:t>30</a:t>
-                      </a:r>
-                      <a:endParaRPr lang="es-EC" sz="1100">
-                        <a:effectLst/>
-                        <a:latin typeface="Arial" panose="020B0604020202020204" pitchFamily="34" charset="0"/>
-                        <a:ea typeface="Arial" panose="020B0604020202020204" pitchFamily="34" charset="0"/>
-                      </a:endParaRPr>
-                    </a:p>
-                  </a:txBody>
-                  <a:tcPr marL="63500" marR="63500" marT="63500" marB="63500"/>
-                </a:tc>
-                <a:tc>
-                  <a:txBody>
-                    <a:bodyPr/>
-                    <a:lstStyle/>
-                    <a:p>
-                      <a:pPr>
-                        <a:lnSpc>
-                          <a:spcPct val="115000"/>
-                        </a:lnSpc>
-                        <a:spcAft>
-                          <a:spcPts val="0"/>
-                        </a:spcAft>
-                      </a:pPr>
-                      <a:r>
-                        <a:rPr lang="es-ES" sz="1200">
-                          <a:effectLst/>
-                        </a:rPr>
-                        <a:t>43</a:t>
-                      </a:r>
-                      <a:endParaRPr lang="es-EC" sz="1100">
-                        <a:effectLst/>
-                        <a:latin typeface="Arial" panose="020B0604020202020204" pitchFamily="34" charset="0"/>
-                        <a:ea typeface="Arial" panose="020B0604020202020204" pitchFamily="34" charset="0"/>
-                      </a:endParaRPr>
-                    </a:p>
-                  </a:txBody>
-                  <a:tcPr marL="63500" marR="63500" marT="63500" marB="63500"/>
-                </a:tc>
-                <a:extLst>
-                  <a:ext uri="{0D108BD9-81ED-4DB2-BD59-A6C34878D82A}">
-                    <a16:rowId xmlns:a16="http://schemas.microsoft.com/office/drawing/2014/main" val="2974932629"/>
-                  </a:ext>
-                </a:extLst>
-              </a:tr>
-              <a:tr h="335014">
-                <a:tc vMerge="1">
-                  <a:txBody>
-                    <a:bodyPr/>
-                    <a:lstStyle/>
-                    <a:p>
-                      <a:endParaRPr lang="es-EC"/>
-                    </a:p>
-                  </a:txBody>
-                  <a:tcPr/>
-                </a:tc>
-                <a:tc vMerge="1">
-                  <a:txBody>
-                    <a:bodyPr/>
-                    <a:lstStyle/>
-                    <a:p>
-                      <a:endParaRPr lang="es-EC"/>
-                    </a:p>
-                  </a:txBody>
-                  <a:tcPr/>
-                </a:tc>
-                <a:tc vMerge="1">
-                  <a:txBody>
-                    <a:bodyPr/>
-                    <a:lstStyle/>
-                    <a:p>
-                      <a:endParaRPr lang="es-EC"/>
-                    </a:p>
-                  </a:txBody>
-                  <a:tcPr/>
-                </a:tc>
-                <a:tc>
-                  <a:txBody>
-                    <a:bodyPr/>
-                    <a:lstStyle/>
-                    <a:p>
-                      <a:pPr>
-                        <a:lnSpc>
-                          <a:spcPct val="115000"/>
-                        </a:lnSpc>
-                        <a:spcAft>
-                          <a:spcPts val="0"/>
-                        </a:spcAft>
-                      </a:pPr>
-                      <a:r>
-                        <a:rPr lang="es-ES" sz="1200">
-                          <a:effectLst/>
-                        </a:rPr>
-                        <a:t>35</a:t>
-                      </a:r>
-                      <a:endParaRPr lang="es-EC" sz="1100">
-                        <a:effectLst/>
-                        <a:latin typeface="Arial" panose="020B0604020202020204" pitchFamily="34" charset="0"/>
-                        <a:ea typeface="Arial" panose="020B0604020202020204" pitchFamily="34" charset="0"/>
-                      </a:endParaRPr>
-                    </a:p>
-                  </a:txBody>
-                  <a:tcPr marL="63500" marR="63500" marT="63500" marB="63500"/>
-                </a:tc>
-                <a:tc>
-                  <a:txBody>
-                    <a:bodyPr/>
-                    <a:lstStyle/>
-                    <a:p>
-                      <a:pPr>
-                        <a:lnSpc>
-                          <a:spcPct val="115000"/>
-                        </a:lnSpc>
-                        <a:spcAft>
-                          <a:spcPts val="0"/>
-                        </a:spcAft>
-                      </a:pPr>
-                      <a:r>
-                        <a:rPr lang="es-ES" sz="1200">
-                          <a:effectLst/>
-                        </a:rPr>
-                        <a:t>48</a:t>
-                      </a:r>
-                      <a:endParaRPr lang="es-EC" sz="1100">
-                        <a:effectLst/>
-                        <a:latin typeface="Arial" panose="020B0604020202020204" pitchFamily="34" charset="0"/>
-                        <a:ea typeface="Arial" panose="020B0604020202020204" pitchFamily="34" charset="0"/>
-                      </a:endParaRPr>
-                    </a:p>
-                  </a:txBody>
-                  <a:tcPr marL="63500" marR="63500" marT="63500" marB="63500"/>
-                </a:tc>
-                <a:extLst>
-                  <a:ext uri="{0D108BD9-81ED-4DB2-BD59-A6C34878D82A}">
-                    <a16:rowId xmlns:a16="http://schemas.microsoft.com/office/drawing/2014/main" val="1091297119"/>
-                  </a:ext>
-                </a:extLst>
-              </a:tr>
-              <a:tr h="335014">
-                <a:tc vMerge="1">
-                  <a:txBody>
-                    <a:bodyPr/>
-                    <a:lstStyle/>
-                    <a:p>
-                      <a:endParaRPr lang="es-EC"/>
-                    </a:p>
-                  </a:txBody>
-                  <a:tcPr/>
-                </a:tc>
-                <a:tc vMerge="1">
-                  <a:txBody>
-                    <a:bodyPr/>
-                    <a:lstStyle/>
-                    <a:p>
-                      <a:endParaRPr lang="es-EC"/>
-                    </a:p>
-                  </a:txBody>
-                  <a:tcPr/>
-                </a:tc>
-                <a:tc vMerge="1">
-                  <a:txBody>
-                    <a:bodyPr/>
-                    <a:lstStyle/>
-                    <a:p>
-                      <a:endParaRPr lang="es-EC"/>
-                    </a:p>
-                  </a:txBody>
-                  <a:tcPr/>
-                </a:tc>
-                <a:tc>
-                  <a:txBody>
-                    <a:bodyPr/>
-                    <a:lstStyle/>
-                    <a:p>
-                      <a:pPr>
-                        <a:lnSpc>
-                          <a:spcPct val="115000"/>
-                        </a:lnSpc>
-                        <a:spcAft>
-                          <a:spcPts val="0"/>
-                        </a:spcAft>
-                      </a:pPr>
-                      <a:r>
-                        <a:rPr lang="es-ES" sz="1200">
-                          <a:effectLst/>
-                        </a:rPr>
-                        <a:t>29</a:t>
-                      </a:r>
-                      <a:endParaRPr lang="es-EC" sz="1100">
-                        <a:effectLst/>
-                        <a:latin typeface="Arial" panose="020B0604020202020204" pitchFamily="34" charset="0"/>
-                        <a:ea typeface="Arial" panose="020B0604020202020204" pitchFamily="34" charset="0"/>
-                      </a:endParaRPr>
-                    </a:p>
-                  </a:txBody>
-                  <a:tcPr marL="63500" marR="63500" marT="63500" marB="63500"/>
-                </a:tc>
-                <a:tc>
-                  <a:txBody>
-                    <a:bodyPr/>
-                    <a:lstStyle/>
-                    <a:p>
-                      <a:pPr>
-                        <a:lnSpc>
-                          <a:spcPct val="115000"/>
-                        </a:lnSpc>
-                        <a:spcAft>
-                          <a:spcPts val="0"/>
-                        </a:spcAft>
-                      </a:pPr>
-                      <a:r>
-                        <a:rPr lang="es-ES" sz="1200">
-                          <a:effectLst/>
-                        </a:rPr>
-                        <a:t>42</a:t>
-                      </a:r>
-                      <a:endParaRPr lang="es-EC" sz="1100">
-                        <a:effectLst/>
-                        <a:latin typeface="Arial" panose="020B0604020202020204" pitchFamily="34" charset="0"/>
-                        <a:ea typeface="Arial" panose="020B0604020202020204" pitchFamily="34" charset="0"/>
-                      </a:endParaRPr>
-                    </a:p>
-                  </a:txBody>
-                  <a:tcPr marL="63500" marR="63500" marT="63500" marB="63500"/>
-                </a:tc>
-                <a:extLst>
-                  <a:ext uri="{0D108BD9-81ED-4DB2-BD59-A6C34878D82A}">
-                    <a16:rowId xmlns:a16="http://schemas.microsoft.com/office/drawing/2014/main" val="915877127"/>
-                  </a:ext>
-                </a:extLst>
-              </a:tr>
-              <a:tr h="335014">
-                <a:tc vMerge="1">
-                  <a:txBody>
-                    <a:bodyPr/>
-                    <a:lstStyle/>
-                    <a:p>
-                      <a:endParaRPr lang="es-EC"/>
-                    </a:p>
-                  </a:txBody>
-                  <a:tcPr/>
-                </a:tc>
-                <a:tc vMerge="1">
-                  <a:txBody>
-                    <a:bodyPr/>
-                    <a:lstStyle/>
-                    <a:p>
-                      <a:endParaRPr lang="es-EC"/>
-                    </a:p>
-                  </a:txBody>
-                  <a:tcPr/>
-                </a:tc>
-                <a:tc vMerge="1">
-                  <a:txBody>
-                    <a:bodyPr/>
-                    <a:lstStyle/>
-                    <a:p>
-                      <a:endParaRPr lang="es-EC"/>
-                    </a:p>
-                  </a:txBody>
-                  <a:tcPr/>
-                </a:tc>
-                <a:tc>
-                  <a:txBody>
-                    <a:bodyPr/>
-                    <a:lstStyle/>
-                    <a:p>
-                      <a:pPr>
-                        <a:lnSpc>
-                          <a:spcPct val="115000"/>
-                        </a:lnSpc>
-                        <a:spcAft>
-                          <a:spcPts val="0"/>
-                        </a:spcAft>
-                      </a:pPr>
-                      <a:r>
-                        <a:rPr lang="es-ES" sz="1200">
-                          <a:effectLst/>
-                        </a:rPr>
-                        <a:t>31</a:t>
-                      </a:r>
-                      <a:endParaRPr lang="es-EC" sz="1100">
-                        <a:effectLst/>
-                        <a:latin typeface="Arial" panose="020B0604020202020204" pitchFamily="34" charset="0"/>
-                        <a:ea typeface="Arial" panose="020B0604020202020204" pitchFamily="34" charset="0"/>
-                      </a:endParaRPr>
-                    </a:p>
-                  </a:txBody>
-                  <a:tcPr marL="63500" marR="63500" marT="63500" marB="63500"/>
-                </a:tc>
-                <a:tc>
-                  <a:txBody>
-                    <a:bodyPr/>
-                    <a:lstStyle/>
-                    <a:p>
-                      <a:pPr>
-                        <a:lnSpc>
-                          <a:spcPct val="115000"/>
-                        </a:lnSpc>
-                        <a:spcAft>
-                          <a:spcPts val="0"/>
-                        </a:spcAft>
-                      </a:pPr>
-                      <a:r>
-                        <a:rPr lang="es-ES" sz="1200">
-                          <a:effectLst/>
-                        </a:rPr>
-                        <a:t>49</a:t>
-                      </a:r>
-                      <a:endParaRPr lang="es-EC" sz="1100">
-                        <a:effectLst/>
-                        <a:latin typeface="Arial" panose="020B0604020202020204" pitchFamily="34" charset="0"/>
-                        <a:ea typeface="Arial" panose="020B0604020202020204" pitchFamily="34" charset="0"/>
-                      </a:endParaRPr>
-                    </a:p>
-                  </a:txBody>
-                  <a:tcPr marL="63500" marR="63500" marT="63500" marB="63500"/>
-                </a:tc>
-                <a:extLst>
-                  <a:ext uri="{0D108BD9-81ED-4DB2-BD59-A6C34878D82A}">
-                    <a16:rowId xmlns:a16="http://schemas.microsoft.com/office/drawing/2014/main" val="532426411"/>
-                  </a:ext>
-                </a:extLst>
-              </a:tr>
-              <a:tr h="335014">
-                <a:tc>
-                  <a:txBody>
-                    <a:bodyPr/>
-                    <a:lstStyle/>
-                    <a:p>
-                      <a:pPr>
-                        <a:lnSpc>
-                          <a:spcPct val="115000"/>
-                        </a:lnSpc>
-                        <a:spcAft>
-                          <a:spcPts val="0"/>
-                        </a:spcAft>
-                      </a:pPr>
-                      <a:r>
-                        <a:rPr lang="es-ES" sz="1200">
-                          <a:effectLst/>
-                        </a:rPr>
-                        <a:t>Total</a:t>
-                      </a:r>
-                      <a:endParaRPr lang="es-EC" sz="1100">
-                        <a:effectLst/>
-                        <a:latin typeface="Arial" panose="020B0604020202020204" pitchFamily="34" charset="0"/>
-                        <a:ea typeface="Arial" panose="020B0604020202020204" pitchFamily="34" charset="0"/>
-                      </a:endParaRPr>
-                    </a:p>
-                  </a:txBody>
-                  <a:tcPr marL="63500" marR="63500" marT="63500" marB="63500"/>
-                </a:tc>
-                <a:tc>
-                  <a:txBody>
-                    <a:bodyPr/>
-                    <a:lstStyle/>
-                    <a:p>
-                      <a:pPr>
-                        <a:lnSpc>
-                          <a:spcPct val="115000"/>
-                        </a:lnSpc>
-                        <a:spcAft>
-                          <a:spcPts val="0"/>
-                        </a:spcAft>
-                      </a:pPr>
-                      <a:r>
-                        <a:rPr lang="es-ES" sz="1200">
-                          <a:effectLst/>
-                        </a:rPr>
-                        <a:t> </a:t>
-                      </a:r>
-                      <a:endParaRPr lang="es-EC" sz="1100">
-                        <a:effectLst/>
-                        <a:latin typeface="Arial" panose="020B0604020202020204" pitchFamily="34" charset="0"/>
-                        <a:ea typeface="Arial" panose="020B0604020202020204" pitchFamily="34" charset="0"/>
-                      </a:endParaRPr>
-                    </a:p>
-                  </a:txBody>
-                  <a:tcPr marL="63500" marR="63500" marT="63500" marB="63500"/>
-                </a:tc>
-                <a:tc>
-                  <a:txBody>
-                    <a:bodyPr/>
-                    <a:lstStyle/>
-                    <a:p>
-                      <a:pPr>
-                        <a:lnSpc>
-                          <a:spcPct val="115000"/>
-                        </a:lnSpc>
-                        <a:spcAft>
-                          <a:spcPts val="0"/>
-                        </a:spcAft>
-                      </a:pPr>
-                      <a:r>
-                        <a:rPr lang="es-ES" sz="1200">
-                          <a:effectLst/>
-                        </a:rPr>
-                        <a:t> </a:t>
-                      </a:r>
-                      <a:endParaRPr lang="es-EC" sz="1100">
-                        <a:effectLst/>
-                        <a:latin typeface="Arial" panose="020B0604020202020204" pitchFamily="34" charset="0"/>
-                        <a:ea typeface="Arial" panose="020B0604020202020204" pitchFamily="34" charset="0"/>
-                      </a:endParaRPr>
-                    </a:p>
-                  </a:txBody>
-                  <a:tcPr marL="63500" marR="63500" marT="63500" marB="63500"/>
-                </a:tc>
-                <a:tc>
-                  <a:txBody>
-                    <a:bodyPr/>
-                    <a:lstStyle/>
-                    <a:p>
-                      <a:pPr>
-                        <a:lnSpc>
-                          <a:spcPct val="115000"/>
-                        </a:lnSpc>
-                        <a:spcAft>
-                          <a:spcPts val="0"/>
-                        </a:spcAft>
-                      </a:pPr>
-                      <a:r>
-                        <a:rPr lang="es-ES" sz="1200">
-                          <a:effectLst/>
-                        </a:rPr>
-                        <a:t>254</a:t>
-                      </a:r>
-                      <a:endParaRPr lang="es-EC" sz="1100">
-                        <a:effectLst/>
-                        <a:latin typeface="Arial" panose="020B0604020202020204" pitchFamily="34" charset="0"/>
-                        <a:ea typeface="Arial" panose="020B0604020202020204" pitchFamily="34" charset="0"/>
-                      </a:endParaRPr>
-                    </a:p>
-                  </a:txBody>
-                  <a:tcPr marL="63500" marR="63500" marT="63500" marB="63500"/>
-                </a:tc>
-                <a:tc>
-                  <a:txBody>
-                    <a:bodyPr/>
-                    <a:lstStyle/>
-                    <a:p>
-                      <a:pPr>
-                        <a:lnSpc>
-                          <a:spcPct val="115000"/>
-                        </a:lnSpc>
-                        <a:spcAft>
-                          <a:spcPts val="0"/>
-                        </a:spcAft>
-                      </a:pPr>
-                      <a:r>
-                        <a:rPr lang="es-ES" sz="1200" dirty="0">
-                          <a:effectLst/>
-                        </a:rPr>
-                        <a:t>298</a:t>
-                      </a:r>
-                      <a:endParaRPr lang="es-EC" sz="1100" dirty="0">
-                        <a:effectLst/>
-                        <a:latin typeface="Arial" panose="020B0604020202020204" pitchFamily="34" charset="0"/>
-                        <a:ea typeface="Arial" panose="020B0604020202020204" pitchFamily="34" charset="0"/>
-                      </a:endParaRPr>
-                    </a:p>
-                  </a:txBody>
-                  <a:tcPr marL="63500" marR="63500" marT="63500" marB="63500"/>
-                </a:tc>
-                <a:extLst>
-                  <a:ext uri="{0D108BD9-81ED-4DB2-BD59-A6C34878D82A}">
-                    <a16:rowId xmlns:a16="http://schemas.microsoft.com/office/drawing/2014/main" val="3350948357"/>
+                    <a16:rowId xmlns:a16="http://schemas.microsoft.com/office/drawing/2014/main" xmlns="" val="3350948357"/>
                   </a:ext>
                 </a:extLst>
               </a:tr>
